--- a/Prezentace_na_obhajobu.pptx
+++ b/Prezentace_na_obhajobu.pptx
@@ -8209,8 +8209,8 @@
           </a:p>
         </p:txBody>
       </p:sp>
-      <mc:AlternateContent xmlns:mc="http://schemas.openxmlformats.org/markup-compatibility/2006" xmlns:a14="http://schemas.microsoft.com/office/drawing/2010/main">
-        <mc:Choice Requires="a14">
+      <mc:AlternateContent xmlns:mc="http://schemas.openxmlformats.org/markup-compatibility/2006">
+        <mc:Choice xmlns:a14="http://schemas.microsoft.com/office/drawing/2010/main" Requires="a14">
           <p:sp>
             <p:nvSpPr>
               <p:cNvPr id="3" name="TextovéPole 2">
@@ -8250,6 +8250,12 @@
                         <m:sSubPr>
                           <m:ctrlPr>
                             <a:rPr lang="cs-CZ" b="0" i="1" smtClean="0">
+                              <a:solidFill>
+                                <a:schemeClr val="tx1">
+                                  <a:lumMod val="65000"/>
+                                  <a:lumOff val="35000"/>
+                                </a:schemeClr>
+                              </a:solidFill>
                               <a:latin typeface="Cambria Math" panose="02040503050406030204" pitchFamily="18" charset="0"/>
                             </a:rPr>
                           </m:ctrlPr>
@@ -8260,6 +8266,12 @@
                               <m:chr m:val="̇"/>
                               <m:ctrlPr>
                                 <a:rPr lang="cs-CZ" i="1">
+                                  <a:solidFill>
+                                    <a:schemeClr val="tx1">
+                                      <a:lumMod val="65000"/>
+                                      <a:lumOff val="35000"/>
+                                    </a:schemeClr>
+                                  </a:solidFill>
                                   <a:latin typeface="Cambria Math" panose="02040503050406030204" pitchFamily="18" charset="0"/>
                                 </a:rPr>
                               </m:ctrlPr>
@@ -8267,6 +8279,12 @@
                             <m:e>
                               <m:r>
                                 <a:rPr lang="cs-CZ" i="1">
+                                  <a:solidFill>
+                                    <a:schemeClr val="tx1">
+                                      <a:lumMod val="65000"/>
+                                      <a:lumOff val="35000"/>
+                                    </a:schemeClr>
+                                  </a:solidFill>
                                   <a:latin typeface="Cambria Math" panose="02040503050406030204" pitchFamily="18" charset="0"/>
                                 </a:rPr>
                                 <m:t>𝑞</m:t>
@@ -8277,6 +8295,12 @@
                         <m:sub>
                           <m:r>
                             <a:rPr lang="cs-CZ" b="0" i="1" smtClean="0">
+                              <a:solidFill>
+                                <a:schemeClr val="tx1">
+                                  <a:lumMod val="65000"/>
+                                  <a:lumOff val="35000"/>
+                                </a:schemeClr>
+                              </a:solidFill>
                               <a:latin typeface="Cambria Math" panose="02040503050406030204" pitchFamily="18" charset="0"/>
                             </a:rPr>
                             <m:t>𝑖</m:t>
@@ -8285,6 +8309,12 @@
                       </m:sSub>
                       <m:r>
                         <a:rPr lang="cs-CZ" b="0" i="1" smtClean="0">
+                          <a:solidFill>
+                            <a:schemeClr val="tx1">
+                              <a:lumMod val="65000"/>
+                              <a:lumOff val="35000"/>
+                            </a:schemeClr>
+                          </a:solidFill>
                           <a:latin typeface="Cambria Math" panose="02040503050406030204" pitchFamily="18" charset="0"/>
                         </a:rPr>
                         <m:t>=</m:t>
@@ -8293,6 +8323,12 @@
                         <m:fPr>
                           <m:ctrlPr>
                             <a:rPr lang="cs-CZ" b="0" i="1" smtClean="0">
+                              <a:solidFill>
+                                <a:schemeClr val="tx1">
+                                  <a:lumMod val="65000"/>
+                                  <a:lumOff val="35000"/>
+                                </a:schemeClr>
+                              </a:solidFill>
                               <a:latin typeface="Cambria Math" panose="02040503050406030204" pitchFamily="18" charset="0"/>
                             </a:rPr>
                           </m:ctrlPr>
@@ -8300,12 +8336,24 @@
                         <m:num>
                           <m:r>
                             <a:rPr lang="cs-CZ" b="0" i="1" smtClean="0">
+                              <a:solidFill>
+                                <a:schemeClr val="tx1">
+                                  <a:lumMod val="65000"/>
+                                  <a:lumOff val="35000"/>
+                                </a:schemeClr>
+                              </a:solidFill>
                               <a:latin typeface="Cambria Math" panose="02040503050406030204" pitchFamily="18" charset="0"/>
                             </a:rPr>
                             <m:t>𝜕</m:t>
                           </m:r>
                           <m:r>
                             <a:rPr lang="cs-CZ" b="0" i="1" smtClean="0">
+                              <a:solidFill>
+                                <a:schemeClr val="tx1">
+                                  <a:lumMod val="65000"/>
+                                  <a:lumOff val="35000"/>
+                                </a:schemeClr>
+                              </a:solidFill>
                               <a:latin typeface="Cambria Math" panose="02040503050406030204" pitchFamily="18" charset="0"/>
                             </a:rPr>
                             <m:t>𝐻</m:t>
@@ -8314,6 +8362,12 @@
                         <m:den>
                           <m:r>
                             <a:rPr lang="cs-CZ" b="0" i="1" smtClean="0">
+                              <a:solidFill>
+                                <a:schemeClr val="tx1">
+                                  <a:lumMod val="65000"/>
+                                  <a:lumOff val="35000"/>
+                                </a:schemeClr>
+                              </a:solidFill>
                               <a:latin typeface="Cambria Math" panose="02040503050406030204" pitchFamily="18" charset="0"/>
                             </a:rPr>
                             <m:t>𝜕</m:t>
@@ -8322,6 +8376,12 @@
                             <m:sSubPr>
                               <m:ctrlPr>
                                 <a:rPr lang="cs-CZ" b="0" i="1" smtClean="0">
+                                  <a:solidFill>
+                                    <a:schemeClr val="tx1">
+                                      <a:lumMod val="65000"/>
+                                      <a:lumOff val="35000"/>
+                                    </a:schemeClr>
+                                  </a:solidFill>
                                   <a:latin typeface="Cambria Math" panose="02040503050406030204" pitchFamily="18" charset="0"/>
                                 </a:rPr>
                               </m:ctrlPr>
@@ -8329,6 +8389,12 @@
                             <m:e>
                               <m:r>
                                 <a:rPr lang="cs-CZ" b="0" i="1" smtClean="0">
+                                  <a:solidFill>
+                                    <a:schemeClr val="tx1">
+                                      <a:lumMod val="65000"/>
+                                      <a:lumOff val="35000"/>
+                                    </a:schemeClr>
+                                  </a:solidFill>
                                   <a:latin typeface="Cambria Math" panose="02040503050406030204" pitchFamily="18" charset="0"/>
                                 </a:rPr>
                                 <m:t>𝑝</m:t>
@@ -8337,6 +8403,12 @@
                             <m:sub>
                               <m:r>
                                 <a:rPr lang="cs-CZ" b="0" i="1" smtClean="0">
+                                  <a:solidFill>
+                                    <a:schemeClr val="tx1">
+                                      <a:lumMod val="65000"/>
+                                      <a:lumOff val="35000"/>
+                                    </a:schemeClr>
+                                  </a:solidFill>
                                   <a:latin typeface="Cambria Math" panose="02040503050406030204" pitchFamily="18" charset="0"/>
                                 </a:rPr>
                                 <m:t>𝑖</m:t>
@@ -8347,6 +8419,12 @@
                       </m:f>
                       <m:r>
                         <a:rPr lang="cs-CZ" b="0" i="1" smtClean="0">
+                          <a:solidFill>
+                            <a:schemeClr val="tx1">
+                              <a:lumMod val="65000"/>
+                              <a:lumOff val="35000"/>
+                            </a:schemeClr>
+                          </a:solidFill>
                           <a:latin typeface="Cambria Math" panose="02040503050406030204" pitchFamily="18" charset="0"/>
                         </a:rPr>
                         <m:t>,  </m:t>
@@ -8355,6 +8433,12 @@
                         <m:sSubPr>
                           <m:ctrlPr>
                             <a:rPr lang="cs-CZ" i="1">
+                              <a:solidFill>
+                                <a:schemeClr val="tx1">
+                                  <a:lumMod val="65000"/>
+                                  <a:lumOff val="35000"/>
+                                </a:schemeClr>
+                              </a:solidFill>
                               <a:latin typeface="Cambria Math" panose="02040503050406030204" pitchFamily="18" charset="0"/>
                             </a:rPr>
                           </m:ctrlPr>
@@ -8365,6 +8449,12 @@
                               <m:chr m:val="̇"/>
                               <m:ctrlPr>
                                 <a:rPr lang="cs-CZ" i="1">
+                                  <a:solidFill>
+                                    <a:schemeClr val="tx1">
+                                      <a:lumMod val="65000"/>
+                                      <a:lumOff val="35000"/>
+                                    </a:schemeClr>
+                                  </a:solidFill>
                                   <a:latin typeface="Cambria Math" panose="02040503050406030204" pitchFamily="18" charset="0"/>
                                 </a:rPr>
                               </m:ctrlPr>
@@ -8372,6 +8462,12 @@
                             <m:e>
                               <m:r>
                                 <a:rPr lang="cs-CZ" b="0" i="1" smtClean="0">
+                                  <a:solidFill>
+                                    <a:schemeClr val="tx1">
+                                      <a:lumMod val="65000"/>
+                                      <a:lumOff val="35000"/>
+                                    </a:schemeClr>
+                                  </a:solidFill>
                                   <a:latin typeface="Cambria Math" panose="02040503050406030204" pitchFamily="18" charset="0"/>
                                 </a:rPr>
                                 <m:t>𝑝</m:t>
@@ -8382,6 +8478,12 @@
                         <m:sub>
                           <m:r>
                             <a:rPr lang="cs-CZ" i="1">
+                              <a:solidFill>
+                                <a:schemeClr val="tx1">
+                                  <a:lumMod val="65000"/>
+                                  <a:lumOff val="35000"/>
+                                </a:schemeClr>
+                              </a:solidFill>
                               <a:latin typeface="Cambria Math" panose="02040503050406030204" pitchFamily="18" charset="0"/>
                             </a:rPr>
                             <m:t>𝑖</m:t>
@@ -8390,12 +8492,24 @@
                       </m:sSub>
                       <m:r>
                         <a:rPr lang="cs-CZ" i="1">
+                          <a:solidFill>
+                            <a:schemeClr val="tx1">
+                              <a:lumMod val="65000"/>
+                              <a:lumOff val="35000"/>
+                            </a:schemeClr>
+                          </a:solidFill>
                           <a:latin typeface="Cambria Math" panose="02040503050406030204" pitchFamily="18" charset="0"/>
                         </a:rPr>
                         <m:t>=</m:t>
                       </m:r>
                       <m:r>
                         <a:rPr lang="cs-CZ" b="0" i="1" smtClean="0">
+                          <a:solidFill>
+                            <a:schemeClr val="tx1">
+                              <a:lumMod val="65000"/>
+                              <a:lumOff val="35000"/>
+                            </a:schemeClr>
+                          </a:solidFill>
                           <a:latin typeface="Cambria Math" panose="02040503050406030204" pitchFamily="18" charset="0"/>
                         </a:rPr>
                         <m:t>−</m:t>
@@ -8404,6 +8518,12 @@
                         <m:fPr>
                           <m:ctrlPr>
                             <a:rPr lang="cs-CZ" i="1">
+                              <a:solidFill>
+                                <a:schemeClr val="tx1">
+                                  <a:lumMod val="65000"/>
+                                  <a:lumOff val="35000"/>
+                                </a:schemeClr>
+                              </a:solidFill>
                               <a:latin typeface="Cambria Math" panose="02040503050406030204" pitchFamily="18" charset="0"/>
                             </a:rPr>
                           </m:ctrlPr>
@@ -8411,12 +8531,24 @@
                         <m:num>
                           <m:r>
                             <a:rPr lang="cs-CZ" i="1">
+                              <a:solidFill>
+                                <a:schemeClr val="tx1">
+                                  <a:lumMod val="65000"/>
+                                  <a:lumOff val="35000"/>
+                                </a:schemeClr>
+                              </a:solidFill>
                               <a:latin typeface="Cambria Math" panose="02040503050406030204" pitchFamily="18" charset="0"/>
                             </a:rPr>
                             <m:t>𝜕</m:t>
                           </m:r>
                           <m:r>
                             <a:rPr lang="cs-CZ" i="1">
+                              <a:solidFill>
+                                <a:schemeClr val="tx1">
+                                  <a:lumMod val="65000"/>
+                                  <a:lumOff val="35000"/>
+                                </a:schemeClr>
+                              </a:solidFill>
                               <a:latin typeface="Cambria Math" panose="02040503050406030204" pitchFamily="18" charset="0"/>
                             </a:rPr>
                             <m:t>𝐻</m:t>
@@ -8425,6 +8557,12 @@
                         <m:den>
                           <m:r>
                             <a:rPr lang="cs-CZ" i="1">
+                              <a:solidFill>
+                                <a:schemeClr val="tx1">
+                                  <a:lumMod val="65000"/>
+                                  <a:lumOff val="35000"/>
+                                </a:schemeClr>
+                              </a:solidFill>
                               <a:latin typeface="Cambria Math" panose="02040503050406030204" pitchFamily="18" charset="0"/>
                             </a:rPr>
                             <m:t>𝜕</m:t>
@@ -8433,6 +8571,12 @@
                             <m:sSubPr>
                               <m:ctrlPr>
                                 <a:rPr lang="cs-CZ" i="1">
+                                  <a:solidFill>
+                                    <a:schemeClr val="tx1">
+                                      <a:lumMod val="65000"/>
+                                      <a:lumOff val="35000"/>
+                                    </a:schemeClr>
+                                  </a:solidFill>
                                   <a:latin typeface="Cambria Math" panose="02040503050406030204" pitchFamily="18" charset="0"/>
                                 </a:rPr>
                               </m:ctrlPr>
@@ -8440,6 +8584,12 @@
                             <m:e>
                               <m:r>
                                 <a:rPr lang="cs-CZ" b="0" i="1" smtClean="0">
+                                  <a:solidFill>
+                                    <a:schemeClr val="tx1">
+                                      <a:lumMod val="65000"/>
+                                      <a:lumOff val="35000"/>
+                                    </a:schemeClr>
+                                  </a:solidFill>
                                   <a:latin typeface="Cambria Math" panose="02040503050406030204" pitchFamily="18" charset="0"/>
                                 </a:rPr>
                                 <m:t>𝑞</m:t>
@@ -8448,6 +8598,12 @@
                             <m:sub>
                               <m:r>
                                 <a:rPr lang="cs-CZ" i="1">
+                                  <a:solidFill>
+                                    <a:schemeClr val="tx1">
+                                      <a:lumMod val="65000"/>
+                                      <a:lumOff val="35000"/>
+                                    </a:schemeClr>
+                                  </a:solidFill>
                                   <a:latin typeface="Cambria Math" panose="02040503050406030204" pitchFamily="18" charset="0"/>
                                 </a:rPr>
                                 <m:t>𝑖</m:t>
@@ -8459,12 +8615,19 @@
                     </m:oMath>
                   </m:oMathPara>
                 </a14:m>
-                <a:endParaRPr lang="de-DE" dirty="0"/>
+                <a:endParaRPr lang="de-DE" dirty="0">
+                  <a:solidFill>
+                    <a:schemeClr val="tx1">
+                      <a:lumMod val="65000"/>
+                      <a:lumOff val="35000"/>
+                    </a:schemeClr>
+                  </a:solidFill>
+                </a:endParaRPr>
               </a:p>
             </p:txBody>
           </p:sp>
         </mc:Choice>
-        <mc:Fallback xmlns="">
+        <mc:Fallback>
           <p:sp>
             <p:nvSpPr>
               <p:cNvPr id="3" name="TextovéPole 2">
@@ -8499,7 +8662,7 @@
               <a:lstStyle/>
               <a:p>
                 <a:r>
-                  <a:rPr lang="de-DE">
+                  <a:rPr lang="en-US">
                     <a:noFill/>
                   </a:rPr>
                   <a:t> </a:t>
@@ -8868,8 +9031,8 @@
           </p:sp>
         </mc:Fallback>
       </mc:AlternateContent>
-      <mc:AlternateContent xmlns:mc="http://schemas.openxmlformats.org/markup-compatibility/2006" xmlns:a14="http://schemas.microsoft.com/office/drawing/2010/main">
-        <mc:Choice Requires="a14">
+      <mc:AlternateContent xmlns:mc="http://schemas.openxmlformats.org/markup-compatibility/2006">
+        <mc:Choice xmlns:a14="http://schemas.microsoft.com/office/drawing/2010/main" Requires="a14">
           <p:sp>
             <p:nvSpPr>
               <p:cNvPr id="6" name="TextovéPole 5">
@@ -8910,6 +9073,12 @@
                           <m:chr m:val="̇"/>
                           <m:ctrlPr>
                             <a:rPr lang="cs-CZ" b="0" i="1" smtClean="0">
+                              <a:solidFill>
+                                <a:schemeClr val="tx1">
+                                  <a:lumMod val="65000"/>
+                                  <a:lumOff val="35000"/>
+                                </a:schemeClr>
+                              </a:solidFill>
                               <a:latin typeface="Cambria Math" panose="02040503050406030204" pitchFamily="18" charset="0"/>
                             </a:rPr>
                           </m:ctrlPr>
@@ -8917,6 +9086,12 @@
                         <m:e>
                           <m:r>
                             <a:rPr lang="cs-CZ" b="0" i="1" smtClean="0">
+                              <a:solidFill>
+                                <a:schemeClr val="tx1">
+                                  <a:lumMod val="65000"/>
+                                  <a:lumOff val="35000"/>
+                                </a:schemeClr>
+                              </a:solidFill>
                               <a:latin typeface="Cambria Math" panose="02040503050406030204" pitchFamily="18" charset="0"/>
                             </a:rPr>
                             <m:t>𝑓</m:t>
@@ -8925,6 +9100,12 @@
                       </m:acc>
                       <m:r>
                         <a:rPr lang="cs-CZ" b="0" i="1" smtClean="0">
+                          <a:solidFill>
+                            <a:schemeClr val="tx1">
+                              <a:lumMod val="65000"/>
+                              <a:lumOff val="35000"/>
+                            </a:schemeClr>
+                          </a:solidFill>
                           <a:latin typeface="Cambria Math" panose="02040503050406030204" pitchFamily="18" charset="0"/>
                         </a:rPr>
                         <m:t>=</m:t>
@@ -8935,6 +9116,12 @@
                           <m:endChr m:val="}"/>
                           <m:ctrlPr>
                             <a:rPr lang="cs-CZ" b="0" i="1" smtClean="0">
+                              <a:solidFill>
+                                <a:schemeClr val="tx1">
+                                  <a:lumMod val="65000"/>
+                                  <a:lumOff val="35000"/>
+                                </a:schemeClr>
+                              </a:solidFill>
                               <a:latin typeface="Cambria Math" panose="02040503050406030204" pitchFamily="18" charset="0"/>
                             </a:rPr>
                           </m:ctrlPr>
@@ -8942,18 +9129,36 @@
                         <m:e>
                           <m:r>
                             <a:rPr lang="cs-CZ" b="0" i="1" smtClean="0">
+                              <a:solidFill>
+                                <a:schemeClr val="tx1">
+                                  <a:lumMod val="65000"/>
+                                  <a:lumOff val="35000"/>
+                                </a:schemeClr>
+                              </a:solidFill>
                               <a:latin typeface="Cambria Math" panose="02040503050406030204" pitchFamily="18" charset="0"/>
                             </a:rPr>
                             <m:t>𝑓</m:t>
                           </m:r>
                           <m:r>
                             <a:rPr lang="cs-CZ" b="0" i="1" smtClean="0">
+                              <a:solidFill>
+                                <a:schemeClr val="tx1">
+                                  <a:lumMod val="65000"/>
+                                  <a:lumOff val="35000"/>
+                                </a:schemeClr>
+                              </a:solidFill>
                               <a:latin typeface="Cambria Math" panose="02040503050406030204" pitchFamily="18" charset="0"/>
                             </a:rPr>
                             <m:t>,</m:t>
                           </m:r>
                           <m:r>
                             <a:rPr lang="cs-CZ" b="0" i="1" smtClean="0">
+                              <a:solidFill>
+                                <a:schemeClr val="tx1">
+                                  <a:lumMod val="65000"/>
+                                  <a:lumOff val="35000"/>
+                                </a:schemeClr>
+                              </a:solidFill>
                               <a:latin typeface="Cambria Math" panose="02040503050406030204" pitchFamily="18" charset="0"/>
                             </a:rPr>
                             <m:t>𝐻</m:t>
@@ -8963,8 +9168,9 @@
                       <m:r>
                         <a:rPr lang="cs-CZ" b="0" i="1" smtClean="0">
                           <a:solidFill>
-                            <a:schemeClr val="bg1">
+                            <a:schemeClr val="tx1">
                               <a:lumMod val="65000"/>
+                              <a:lumOff val="35000"/>
                             </a:schemeClr>
                           </a:solidFill>
                           <a:latin typeface="Cambria Math" panose="02040503050406030204" pitchFamily="18" charset="0"/>
@@ -8976,8 +9182,9 @@
                           <m:ctrlPr>
                             <a:rPr lang="cs-CZ" b="0" i="1" smtClean="0">
                               <a:solidFill>
-                                <a:schemeClr val="bg1">
+                                <a:schemeClr val="tx1">
                                   <a:lumMod val="65000"/>
+                                  <a:lumOff val="35000"/>
                                 </a:schemeClr>
                               </a:solidFill>
                               <a:latin typeface="Cambria Math" panose="02040503050406030204" pitchFamily="18" charset="0"/>
@@ -8988,8 +9195,9 @@
                           <m:r>
                             <a:rPr lang="cs-CZ" b="0" i="1" smtClean="0">
                               <a:solidFill>
-                                <a:schemeClr val="bg1">
+                                <a:schemeClr val="tx1">
                                   <a:lumMod val="65000"/>
+                                  <a:lumOff val="35000"/>
                                 </a:schemeClr>
                               </a:solidFill>
                               <a:latin typeface="Cambria Math" panose="02040503050406030204" pitchFamily="18" charset="0"/>
@@ -8999,8 +9207,9 @@
                           <m:r>
                             <a:rPr lang="cs-CZ" b="0" i="1" smtClean="0">
                               <a:solidFill>
-                                <a:schemeClr val="bg1">
+                                <a:schemeClr val="tx1">
                                   <a:lumMod val="65000"/>
+                                  <a:lumOff val="35000"/>
                                 </a:schemeClr>
                               </a:solidFill>
                               <a:latin typeface="Cambria Math" panose="02040503050406030204" pitchFamily="18" charset="0"/>
@@ -9012,8 +9221,9 @@
                           <m:r>
                             <a:rPr lang="cs-CZ" b="0" i="1" smtClean="0">
                               <a:solidFill>
-                                <a:schemeClr val="bg1">
+                                <a:schemeClr val="tx1">
                                   <a:lumMod val="65000"/>
+                                  <a:lumOff val="35000"/>
                                 </a:schemeClr>
                               </a:solidFill>
                               <a:latin typeface="Cambria Math" panose="02040503050406030204" pitchFamily="18" charset="0"/>
@@ -9023,8 +9233,9 @@
                           <m:r>
                             <a:rPr lang="cs-CZ" b="0" i="1" smtClean="0">
                               <a:solidFill>
-                                <a:schemeClr val="bg1">
+                                <a:schemeClr val="tx1">
                                   <a:lumMod val="65000"/>
+                                  <a:lumOff val="35000"/>
                                 </a:schemeClr>
                               </a:solidFill>
                               <a:latin typeface="Cambria Math" panose="02040503050406030204" pitchFamily="18" charset="0"/>
@@ -9036,12 +9247,19 @@
                     </m:oMath>
                   </m:oMathPara>
                 </a14:m>
-                <a:endParaRPr lang="de-DE" dirty="0"/>
+                <a:endParaRPr lang="de-DE" dirty="0">
+                  <a:solidFill>
+                    <a:schemeClr val="tx1">
+                      <a:lumMod val="65000"/>
+                      <a:lumOff val="35000"/>
+                    </a:schemeClr>
+                  </a:solidFill>
+                </a:endParaRPr>
               </a:p>
             </p:txBody>
           </p:sp>
         </mc:Choice>
-        <mc:Fallback xmlns="">
+        <mc:Fallback>
           <p:sp>
             <p:nvSpPr>
               <p:cNvPr id="6" name="TextovéPole 5">
@@ -9076,7 +9294,7 @@
               <a:lstStyle/>
               <a:p>
                 <a:r>
-                  <a:rPr lang="de-DE">
+                  <a:rPr lang="en-US">
                     <a:noFill/>
                   </a:rPr>
                   <a:t> </a:t>
@@ -9130,8 +9348,8 @@
                             <a:rPr lang="en-US" b="0" i="1" smtClean="0">
                               <a:solidFill>
                                 <a:schemeClr val="tx1">
-                                  <a:lumMod val="75000"/>
-                                  <a:lumOff val="25000"/>
+                                  <a:lumMod val="65000"/>
+                                  <a:lumOff val="35000"/>
                                 </a:schemeClr>
                               </a:solidFill>
                               <a:latin typeface="Cambria Math" panose="02040503050406030204" pitchFamily="18" charset="0"/>
@@ -9143,8 +9361,8 @@
                             <a:rPr lang="en-US" b="1" i="1">
                               <a:solidFill>
                                 <a:schemeClr val="tx1">
-                                  <a:lumMod val="75000"/>
-                                  <a:lumOff val="25000"/>
+                                  <a:lumMod val="65000"/>
+                                  <a:lumOff val="35000"/>
                                 </a:schemeClr>
                               </a:solidFill>
                               <a:latin typeface="Cambria Math" panose="02040503050406030204" pitchFamily="18" charset="0"/>
@@ -9157,8 +9375,8 @@
                         <a:rPr lang="en-US" b="0" i="1" smtClean="0">
                           <a:solidFill>
                             <a:schemeClr val="tx1">
-                              <a:lumMod val="75000"/>
-                              <a:lumOff val="25000"/>
+                              <a:lumMod val="65000"/>
+                              <a:lumOff val="35000"/>
                             </a:schemeClr>
                           </a:solidFill>
                           <a:latin typeface="Cambria Math" panose="02040503050406030204" pitchFamily="18" charset="0"/>
@@ -9173,8 +9391,8 @@
                             <a:rPr lang="en-US" b="0" i="1" smtClean="0">
                               <a:solidFill>
                                 <a:schemeClr val="tx1">
-                                  <a:lumMod val="75000"/>
-                                  <a:lumOff val="25000"/>
+                                  <a:lumMod val="65000"/>
+                                  <a:lumOff val="35000"/>
                                 </a:schemeClr>
                               </a:solidFill>
                               <a:latin typeface="Cambria Math" panose="02040503050406030204" pitchFamily="18" charset="0"/>
@@ -9186,8 +9404,8 @@
                             <a:rPr lang="en-US" b="1" i="1">
                               <a:solidFill>
                                 <a:schemeClr val="tx1">
-                                  <a:lumMod val="75000"/>
-                                  <a:lumOff val="25000"/>
+                                  <a:lumMod val="65000"/>
+                                  <a:lumOff val="35000"/>
                                 </a:schemeClr>
                               </a:solidFill>
                               <a:latin typeface="Cambria Math" panose="02040503050406030204" pitchFamily="18" charset="0"/>
@@ -9198,8 +9416,8 @@
                             <a:rPr lang="en-US" b="0" i="1" smtClean="0">
                               <a:solidFill>
                                 <a:schemeClr val="tx1">
-                                  <a:lumMod val="75000"/>
-                                  <a:lumOff val="25000"/>
+                                  <a:lumMod val="65000"/>
+                                  <a:lumOff val="35000"/>
                                 </a:schemeClr>
                               </a:solidFill>
                               <a:latin typeface="Cambria Math" panose="02040503050406030204" pitchFamily="18" charset="0"/>
@@ -9210,8 +9428,8 @@
                             <a:rPr lang="en-US" b="0" i="1" smtClean="0">
                               <a:solidFill>
                                 <a:schemeClr val="tx1">
-                                  <a:lumMod val="75000"/>
-                                  <a:lumOff val="25000"/>
+                                  <a:lumMod val="65000"/>
+                                  <a:lumOff val="35000"/>
                                 </a:schemeClr>
                               </a:solidFill>
                               <a:latin typeface="Cambria Math" panose="02040503050406030204" pitchFamily="18" charset="0"/>
@@ -9224,8 +9442,8 @@
                         <a:rPr lang="en-US" b="0" i="1" smtClean="0">
                           <a:solidFill>
                             <a:schemeClr val="tx1">
-                              <a:lumMod val="75000"/>
-                              <a:lumOff val="25000"/>
+                              <a:lumMod val="65000"/>
+                              <a:lumOff val="35000"/>
                             </a:schemeClr>
                           </a:solidFill>
                           <a:latin typeface="Cambria Math" panose="02040503050406030204" pitchFamily="18" charset="0"/>
@@ -9238,8 +9456,8 @@
                             <a:rPr lang="en-US" i="1">
                               <a:solidFill>
                                 <a:schemeClr val="tx1">
-                                  <a:lumMod val="75000"/>
-                                  <a:lumOff val="25000"/>
+                                  <a:lumMod val="65000"/>
+                                  <a:lumOff val="35000"/>
                                 </a:schemeClr>
                               </a:solidFill>
                               <a:latin typeface="Cambria Math" panose="02040503050406030204" pitchFamily="18" charset="0"/>
@@ -9251,8 +9469,8 @@
                             <a:rPr lang="en-US" i="1">
                               <a:solidFill>
                                 <a:schemeClr val="tx1">
-                                  <a:lumMod val="75000"/>
-                                  <a:lumOff val="25000"/>
+                                  <a:lumMod val="65000"/>
+                                  <a:lumOff val="35000"/>
                                 </a:schemeClr>
                               </a:solidFill>
                               <a:latin typeface="Cambria Math" panose="02040503050406030204" pitchFamily="18" charset="0"/>
@@ -9268,8 +9486,8 @@
                             <a:rPr lang="en-US">
                               <a:solidFill>
                                 <a:schemeClr val="tx1">
-                                  <a:lumMod val="75000"/>
-                                  <a:lumOff val="25000"/>
+                                  <a:lumMod val="65000"/>
+                                  <a:lumOff val="35000"/>
                                 </a:schemeClr>
                               </a:solidFill>
                               <a:latin typeface="Cambria Math" panose="02040503050406030204" pitchFamily="18" charset="0"/>
@@ -9282,8 +9500,8 @@
                         <a:rPr lang="en-US" b="0" i="1" smtClean="0">
                           <a:solidFill>
                             <a:schemeClr val="tx1">
-                              <a:lumMod val="75000"/>
-                              <a:lumOff val="25000"/>
+                              <a:lumMod val="65000"/>
+                              <a:lumOff val="35000"/>
                             </a:schemeClr>
                           </a:solidFill>
                           <a:latin typeface="Cambria Math" panose="02040503050406030204" pitchFamily="18" charset="0"/>
@@ -9296,8 +9514,8 @@
                             <a:rPr lang="en-US" i="1">
                               <a:solidFill>
                                 <a:schemeClr val="tx1">
-                                  <a:lumMod val="75000"/>
-                                  <a:lumOff val="25000"/>
+                                  <a:lumMod val="65000"/>
+                                  <a:lumOff val="35000"/>
                                 </a:schemeClr>
                               </a:solidFill>
                               <a:latin typeface="Cambria Math" panose="02040503050406030204" pitchFamily="18" charset="0"/>
@@ -9312,8 +9530,8 @@
                             <a:rPr lang="en-US" i="1">
                               <a:solidFill>
                                 <a:schemeClr val="tx1">
-                                  <a:lumMod val="75000"/>
-                                  <a:lumOff val="25000"/>
+                                  <a:lumMod val="65000"/>
+                                  <a:lumOff val="35000"/>
                                 </a:schemeClr>
                               </a:solidFill>
                               <a:latin typeface="Cambria Math" panose="02040503050406030204" pitchFamily="18" charset="0"/>
@@ -9327,8 +9545,8 @@
                             <a:rPr lang="en-US" b="1" i="1">
                               <a:solidFill>
                                 <a:schemeClr val="tx1">
-                                  <a:lumMod val="75000"/>
-                                  <a:lumOff val="25000"/>
+                                  <a:lumMod val="65000"/>
+                                  <a:lumOff val="35000"/>
                                 </a:schemeClr>
                               </a:solidFill>
                               <a:latin typeface="Cambria Math" panose="02040503050406030204" pitchFamily="18" charset="0"/>
@@ -9341,8 +9559,8 @@
                         <a:rPr lang="en-US" b="0" i="1">
                           <a:solidFill>
                             <a:schemeClr val="tx1">
-                              <a:lumMod val="75000"/>
-                              <a:lumOff val="25000"/>
+                              <a:lumMod val="65000"/>
+                              <a:lumOff val="35000"/>
                             </a:schemeClr>
                           </a:solidFill>
                           <a:latin typeface="Cambria Math" panose="02040503050406030204" pitchFamily="18" charset="0"/>
@@ -9352,7 +9570,14 @@
                     </m:oMath>
                   </m:oMathPara>
                 </a14:m>
-                <a:endParaRPr lang="en-US" dirty="0"/>
+                <a:endParaRPr lang="en-US" dirty="0">
+                  <a:solidFill>
+                    <a:schemeClr val="tx1">
+                      <a:lumMod val="65000"/>
+                      <a:lumOff val="35000"/>
+                    </a:schemeClr>
+                  </a:solidFill>
+                </a:endParaRPr>
               </a:p>
             </p:txBody>
           </p:sp>
@@ -10942,8 +11167,8 @@
           </p:sp>
         </mc:Fallback>
       </mc:AlternateContent>
-      <mc:AlternateContent xmlns:mc="http://schemas.openxmlformats.org/markup-compatibility/2006" xmlns:a14="http://schemas.microsoft.com/office/drawing/2010/main">
-        <mc:Choice Requires="a14">
+      <mc:AlternateContent xmlns:mc="http://schemas.openxmlformats.org/markup-compatibility/2006">
+        <mc:Choice xmlns:a14="http://schemas.microsoft.com/office/drawing/2010/main" Requires="a14">
           <p:sp>
             <p:nvSpPr>
               <p:cNvPr id="16" name="TextovéPole 15">
@@ -10985,6 +11210,12 @@
                           <m:vertJc m:val="bot"/>
                           <m:ctrlPr>
                             <a:rPr lang="de-DE" sz="1800" i="1" smtClean="0">
+                              <a:solidFill>
+                                <a:schemeClr val="tx1">
+                                  <a:lumMod val="65000"/>
+                                  <a:lumOff val="35000"/>
+                                </a:schemeClr>
+                              </a:solidFill>
                               <a:latin typeface="Cambria Math" panose="02040503050406030204" pitchFamily="18" charset="0"/>
                             </a:rPr>
                           </m:ctrlPr>
@@ -10998,8 +11229,8 @@
                             <a:rPr lang="cs-CZ" sz="1800" b="0" i="0" smtClean="0">
                               <a:solidFill>
                                 <a:schemeClr val="tx1">
-                                  <a:lumMod val="75000"/>
-                                  <a:lumOff val="25000"/>
+                                  <a:lumMod val="65000"/>
+                                  <a:lumOff val="35000"/>
                                 </a:schemeClr>
                               </a:solidFill>
                               <a:latin typeface="Cambria Math" panose="02040503050406030204" pitchFamily="18" charset="0"/>
@@ -11013,8 +11244,8 @@
                             <a:rPr lang="cs-CZ" sz="1800" b="0" i="0" smtClean="0">
                               <a:solidFill>
                                 <a:schemeClr val="tx1">
-                                  <a:lumMod val="75000"/>
-                                  <a:lumOff val="25000"/>
+                                  <a:lumMod val="65000"/>
+                                  <a:lumOff val="35000"/>
                                 </a:schemeClr>
                               </a:solidFill>
                               <a:latin typeface="Cambria Math" panose="02040503050406030204" pitchFamily="18" charset="0"/>
@@ -11025,8 +11256,8 @@
                             <a:rPr lang="cs-CZ" sz="1800" b="0" i="0" smtClean="0">
                               <a:solidFill>
                                 <a:schemeClr val="tx1">
-                                  <a:lumMod val="75000"/>
-                                  <a:lumOff val="25000"/>
+                                  <a:lumMod val="65000"/>
+                                  <a:lumOff val="35000"/>
                                 </a:schemeClr>
                               </a:solidFill>
                               <a:latin typeface="Cambria Math" panose="02040503050406030204" pitchFamily="18" charset="0"/>
@@ -11040,8 +11271,8 @@
                             <a:rPr lang="cs-CZ" sz="1800" b="0" i="0" smtClean="0">
                               <a:solidFill>
                                 <a:schemeClr val="tx1">
-                                  <a:lumMod val="75000"/>
-                                  <a:lumOff val="25000"/>
+                                  <a:lumMod val="65000"/>
+                                  <a:lumOff val="35000"/>
                                 </a:schemeClr>
                               </a:solidFill>
                               <a:latin typeface="Cambria Math" panose="02040503050406030204" pitchFamily="18" charset="0"/>
@@ -11052,8 +11283,8 @@
                             <a:rPr lang="cs-CZ" sz="1800" b="0" i="0" smtClean="0">
                               <a:solidFill>
                                 <a:schemeClr val="tx1">
-                                  <a:lumMod val="75000"/>
-                                  <a:lumOff val="25000"/>
+                                  <a:lumMod val="65000"/>
+                                  <a:lumOff val="35000"/>
                                 </a:schemeClr>
                               </a:solidFill>
                               <a:latin typeface="Cambria Math" panose="02040503050406030204" pitchFamily="18" charset="0"/>
@@ -11067,8 +11298,8 @@
                             <a:rPr lang="cs-CZ" sz="1800" b="0" i="1" smtClean="0">
                               <a:solidFill>
                                 <a:schemeClr val="tx1">
-                                  <a:lumMod val="75000"/>
-                                  <a:lumOff val="25000"/>
+                                  <a:lumMod val="65000"/>
+                                  <a:lumOff val="35000"/>
                                 </a:schemeClr>
                               </a:solidFill>
                               <a:latin typeface="Cambria Math" panose="02040503050406030204" pitchFamily="18" charset="0"/>
@@ -11079,8 +11310,8 @@
                             <a:rPr lang="cs-CZ" sz="1800" b="0" i="1" smtClean="0">
                               <a:solidFill>
                                 <a:schemeClr val="tx1">
-                                  <a:lumMod val="75000"/>
-                                  <a:lumOff val="25000"/>
+                                  <a:lumMod val="65000"/>
+                                  <a:lumOff val="35000"/>
                                 </a:schemeClr>
                               </a:solidFill>
                               <a:latin typeface="Cambria Math" panose="02040503050406030204" pitchFamily="18" charset="0"/>
@@ -11092,12 +11323,19 @@
                     </m:oMath>
                   </m:oMathPara>
                 </a14:m>
-                <a:endParaRPr lang="de-DE" sz="1800" dirty="0"/>
+                <a:endParaRPr lang="de-DE" sz="1800" dirty="0">
+                  <a:solidFill>
+                    <a:schemeClr val="tx1">
+                      <a:lumMod val="65000"/>
+                      <a:lumOff val="35000"/>
+                    </a:schemeClr>
+                  </a:solidFill>
+                </a:endParaRPr>
               </a:p>
             </p:txBody>
           </p:sp>
         </mc:Choice>
-        <mc:Fallback xmlns="">
+        <mc:Fallback>
           <p:sp>
             <p:nvSpPr>
               <p:cNvPr id="16" name="TextovéPole 15">
@@ -11132,7 +11370,7 @@
               <a:lstStyle/>
               <a:p>
                 <a:r>
-                  <a:rPr lang="de-DE">
+                  <a:rPr lang="en-US">
                     <a:noFill/>
                   </a:rPr>
                   <a:t> </a:t>
@@ -11190,11 +11428,11 @@
                     <m:sSubSup>
                       <m:sSubSupPr>
                         <m:ctrlPr>
-                          <a:rPr lang="cs-CZ" sz="1600" i="1" smtClean="0">
+                          <a:rPr lang="ar-AE" sz="1600" i="1" smtClean="0">
                             <a:solidFill>
                               <a:schemeClr val="tx1">
-                                <a:lumMod val="75000"/>
-                                <a:lumOff val="25000"/>
+                                <a:lumMod val="65000"/>
+                                <a:lumOff val="35000"/>
                               </a:schemeClr>
                             </a:solidFill>
                             <a:latin typeface="Cambria Math" panose="02040503050406030204" pitchFamily="18" charset="0"/>
@@ -11203,11 +11441,11 @@
                       </m:sSubSupPr>
                       <m:e>
                         <m:r>
-                          <a:rPr lang="cs-CZ" sz="1600" b="0" i="1" smtClean="0">
+                          <a:rPr lang="ar-AE" sz="1600" b="0" i="1" smtClean="0">
                             <a:solidFill>
                               <a:schemeClr val="tx1">
-                                <a:lumMod val="75000"/>
-                                <a:lumOff val="25000"/>
+                                <a:lumMod val="65000"/>
+                                <a:lumOff val="35000"/>
                               </a:schemeClr>
                             </a:solidFill>
                             <a:latin typeface="Cambria Math" panose="02040503050406030204" pitchFamily="18" charset="0"/>
@@ -11223,8 +11461,8 @@
                           <a:rPr lang="cs-CZ" sz="1600" b="0" i="0" smtClean="0">
                             <a:solidFill>
                               <a:schemeClr val="tx1">
-                                <a:lumMod val="75000"/>
-                                <a:lumOff val="25000"/>
+                                <a:lumMod val="65000"/>
+                                <a:lumOff val="35000"/>
                               </a:schemeClr>
                             </a:solidFill>
                             <a:latin typeface="Cambria Math" panose="02040503050406030204" pitchFamily="18" charset="0"/>
@@ -11240,8 +11478,8 @@
                           <a:rPr lang="cs-CZ" sz="1600" b="0" i="0" smtClean="0">
                             <a:solidFill>
                               <a:schemeClr val="tx1">
-                                <a:lumMod val="75000"/>
-                                <a:lumOff val="25000"/>
+                                <a:lumMod val="65000"/>
+                                <a:lumOff val="35000"/>
                               </a:schemeClr>
                             </a:solidFill>
                             <a:latin typeface="Cambria Math" panose="02040503050406030204" pitchFamily="18" charset="0"/>
@@ -11251,11 +11489,11 @@
                       </m:sup>
                     </m:sSubSup>
                     <m:r>
-                      <a:rPr lang="cs-CZ" sz="1600" b="0" i="1" smtClean="0">
+                      <a:rPr lang="ar-AE" sz="1600" b="0" i="1" smtClean="0">
                         <a:solidFill>
                           <a:schemeClr val="tx1">
-                            <a:lumMod val="75000"/>
-                            <a:lumOff val="25000"/>
+                            <a:lumMod val="65000"/>
+                            <a:lumOff val="35000"/>
                           </a:schemeClr>
                         </a:solidFill>
                         <a:latin typeface="Cambria Math" panose="02040503050406030204" pitchFamily="18" charset="0"/>
@@ -11265,11 +11503,11 @@
                     <m:sSub>
                       <m:sSubPr>
                         <m:ctrlPr>
-                          <a:rPr lang="cs-CZ" sz="1600" i="1">
+                          <a:rPr lang="ar-AE" sz="1600" i="1">
                             <a:solidFill>
                               <a:schemeClr val="tx1">
-                                <a:lumMod val="75000"/>
-                                <a:lumOff val="25000"/>
+                                <a:lumMod val="65000"/>
+                                <a:lumOff val="35000"/>
                               </a:schemeClr>
                             </a:solidFill>
                             <a:latin typeface="Cambria Math" panose="02040503050406030204" pitchFamily="18" charset="0"/>
@@ -11278,11 +11516,11 @@
                       </m:sSubPr>
                       <m:e>
                         <m:r>
-                          <a:rPr lang="cs-CZ" sz="1600" i="1">
+                          <a:rPr lang="ar-AE" sz="1600" i="1">
                             <a:solidFill>
                               <a:schemeClr val="tx1">
-                                <a:lumMod val="75000"/>
-                                <a:lumOff val="25000"/>
+                                <a:lumMod val="65000"/>
+                                <a:lumOff val="35000"/>
                               </a:schemeClr>
                             </a:solidFill>
                             <a:latin typeface="Cambria Math" panose="02040503050406030204" pitchFamily="18" charset="0"/>
@@ -11298,8 +11536,8 @@
                           <a:rPr lang="cs-CZ" sz="1600">
                             <a:solidFill>
                               <a:schemeClr val="tx1">
-                                <a:lumMod val="75000"/>
-                                <a:lumOff val="25000"/>
+                                <a:lumMod val="65000"/>
+                                <a:lumOff val="35000"/>
                               </a:schemeClr>
                             </a:solidFill>
                             <a:latin typeface="Cambria Math" panose="02040503050406030204" pitchFamily="18" charset="0"/>
@@ -11310,9 +11548,12 @@
                     </m:sSub>
                   </m:oMath>
                 </a14:m>
-                <a:endParaRPr lang="cs-CZ" sz="1600" dirty="0">
+                <a:endParaRPr lang="ar-AE" sz="1600" dirty="0">
                   <a:solidFill>
-                    <a:schemeClr val="dk2"/>
+                    <a:schemeClr val="tx1">
+                      <a:lumMod val="65000"/>
+                      <a:lumOff val="35000"/>
+                    </a:schemeClr>
                   </a:solidFill>
                 </a:endParaRPr>
               </a:p>
@@ -11336,7 +11577,10 @@
                 <a:r>
                   <a:rPr lang="cs-CZ" sz="1600" dirty="0">
                     <a:solidFill>
-                      <a:schemeClr val="dk2"/>
+                      <a:schemeClr val="tx1">
+                        <a:lumMod val="65000"/>
+                        <a:lumOff val="35000"/>
+                      </a:schemeClr>
                     </a:solidFill>
                   </a:rPr>
                   <a:t>(</a:t>
@@ -11344,7 +11588,10 @@
                 <a:r>
                   <a:rPr lang="cs-CZ" sz="1600" dirty="0" err="1">
                     <a:solidFill>
-                      <a:schemeClr val="dk2"/>
+                      <a:schemeClr val="tx1">
+                        <a:lumMod val="65000"/>
+                        <a:lumOff val="35000"/>
+                      </a:schemeClr>
                     </a:solidFill>
                   </a:rPr>
                   <a:t>Fulfilled</a:t>
@@ -11352,7 +11599,10 @@
                 <a:r>
                   <a:rPr lang="cs-CZ" sz="1600" dirty="0">
                     <a:solidFill>
-                      <a:schemeClr val="dk2"/>
+                      <a:schemeClr val="tx1">
+                        <a:lumMod val="65000"/>
+                        <a:lumOff val="35000"/>
+                      </a:schemeClr>
                     </a:solidFill>
                   </a:rPr>
                   <a:t> </a:t>
@@ -11360,7 +11610,10 @@
                 <a:r>
                   <a:rPr lang="cs-CZ" sz="1600" dirty="0" err="1">
                     <a:solidFill>
-                      <a:schemeClr val="dk2"/>
+                      <a:schemeClr val="tx1">
+                        <a:lumMod val="65000"/>
+                        <a:lumOff val="35000"/>
+                      </a:schemeClr>
                     </a:solidFill>
                   </a:rPr>
                   <a:t>automatically</a:t>
@@ -11368,7 +11621,10 @@
                 <a:r>
                   <a:rPr lang="cs-CZ" sz="1600" dirty="0">
                     <a:solidFill>
-                      <a:schemeClr val="dk2"/>
+                      <a:schemeClr val="tx1">
+                        <a:lumMod val="65000"/>
+                        <a:lumOff val="35000"/>
+                      </a:schemeClr>
                     </a:solidFill>
                   </a:rPr>
                   <a:t>)</a:t>
@@ -11394,7 +11650,10 @@
                 <a:r>
                   <a:rPr lang="cs-CZ" sz="1600" dirty="0">
                     <a:solidFill>
-                      <a:schemeClr val="dk2"/>
+                      <a:schemeClr val="tx1">
+                        <a:lumMod val="65000"/>
+                        <a:lumOff val="35000"/>
+                      </a:schemeClr>
                     </a:solidFill>
                   </a:rPr>
                   <a:t>(</a:t>
@@ -11402,7 +11661,10 @@
                 <a:r>
                   <a:rPr lang="cs-CZ" sz="1600" dirty="0" err="1">
                     <a:solidFill>
-                      <a:schemeClr val="dk2"/>
+                      <a:schemeClr val="tx1">
+                        <a:lumMod val="65000"/>
+                        <a:lumOff val="35000"/>
+                      </a:schemeClr>
                     </a:solidFill>
                   </a:rPr>
                   <a:t>Fulfilled</a:t>
@@ -11410,7 +11672,10 @@
                 <a:r>
                   <a:rPr lang="cs-CZ" sz="1600" dirty="0">
                     <a:solidFill>
-                      <a:schemeClr val="dk2"/>
+                      <a:schemeClr val="tx1">
+                        <a:lumMod val="65000"/>
+                        <a:lumOff val="35000"/>
+                      </a:schemeClr>
                     </a:solidFill>
                   </a:rPr>
                   <a:t> </a:t>
@@ -11418,7 +11683,10 @@
                 <a:r>
                   <a:rPr lang="cs-CZ" sz="1600" dirty="0" err="1">
                     <a:solidFill>
-                      <a:schemeClr val="dk2"/>
+                      <a:schemeClr val="tx1">
+                        <a:lumMod val="65000"/>
+                        <a:lumOff val="35000"/>
+                      </a:schemeClr>
                     </a:solidFill>
                   </a:rPr>
                   <a:t>automatically</a:t>
@@ -11426,7 +11694,10 @@
                 <a:r>
                   <a:rPr lang="cs-CZ" sz="1600" dirty="0">
                     <a:solidFill>
-                      <a:schemeClr val="dk2"/>
+                      <a:schemeClr val="tx1">
+                        <a:lumMod val="65000"/>
+                        <a:lumOff val="35000"/>
+                      </a:schemeClr>
                     </a:solidFill>
                   </a:rPr>
                   <a:t>)</a:t>
@@ -11452,7 +11723,10 @@
                 <a:r>
                   <a:rPr lang="cs-CZ" sz="1600" dirty="0" err="1">
                     <a:solidFill>
-                      <a:schemeClr val="dk2"/>
+                      <a:schemeClr val="tx1">
+                        <a:lumMod val="65000"/>
+                        <a:lumOff val="35000"/>
+                      </a:schemeClr>
                     </a:solidFill>
                   </a:rPr>
                   <a:t>Jacobiator</a:t>
@@ -11462,7 +11736,10 @@
                     <m:r>
                       <a:rPr lang="cs-CZ" sz="1600" b="0" i="0" smtClean="0">
                         <a:solidFill>
-                          <a:schemeClr val="dk2"/>
+                          <a:schemeClr val="tx1">
+                            <a:lumMod val="65000"/>
+                            <a:lumOff val="35000"/>
+                          </a:schemeClr>
                         </a:solidFill>
                         <a:latin typeface="Cambria Math" panose="02040503050406030204" pitchFamily="18" charset="0"/>
                       </a:rPr>
@@ -11471,7 +11748,10 @@
                     <m:r>
                       <a:rPr lang="cs-CZ" sz="1600" b="0" i="1" smtClean="0">
                         <a:solidFill>
-                          <a:schemeClr val="dk2"/>
+                          <a:schemeClr val="tx1">
+                            <a:lumMod val="65000"/>
+                            <a:lumOff val="35000"/>
+                          </a:schemeClr>
                         </a:solidFill>
                         <a:latin typeface="Cambria Math" panose="02040503050406030204" pitchFamily="18" charset="0"/>
                       </a:rPr>
@@ -11480,7 +11760,10 @@
                     <m:r>
                       <a:rPr lang="cs-CZ" sz="1600" b="0" i="1" smtClean="0">
                         <a:solidFill>
-                          <a:schemeClr val="dk2"/>
+                          <a:schemeClr val="tx1">
+                            <a:lumMod val="65000"/>
+                            <a:lumOff val="35000"/>
+                          </a:schemeClr>
                         </a:solidFill>
                         <a:latin typeface="Cambria Math" panose="02040503050406030204" pitchFamily="18" charset="0"/>
                       </a:rPr>
@@ -11488,9 +11771,12 @@
                     </m:r>
                   </m:oMath>
                 </a14:m>
-                <a:endParaRPr sz="1600" dirty="0">
+                <a:endParaRPr lang="cs-CZ" sz="1600" dirty="0">
                   <a:solidFill>
-                    <a:schemeClr val="dk2"/>
+                    <a:schemeClr val="tx1">
+                      <a:lumMod val="65000"/>
+                      <a:lumOff val="35000"/>
+                    </a:schemeClr>
                   </a:solidFill>
                 </a:endParaRPr>
               </a:p>
@@ -12304,8 +12590,8 @@
           </p:sp>
         </mc:Fallback>
       </mc:AlternateContent>
-      <mc:AlternateContent xmlns:mc="http://schemas.openxmlformats.org/markup-compatibility/2006" xmlns:a14="http://schemas.microsoft.com/office/drawing/2010/main">
-        <mc:Choice Requires="a14">
+      <mc:AlternateContent xmlns:mc="http://schemas.openxmlformats.org/markup-compatibility/2006">
+        <mc:Choice xmlns:a14="http://schemas.microsoft.com/office/drawing/2010/main" Requires="a14">
           <p:sp>
             <p:nvSpPr>
               <p:cNvPr id="8" name="TextovéPole 7">
@@ -12348,8 +12634,8 @@
                             <a:rPr lang="cs-CZ" b="0" i="1" smtClean="0">
                               <a:solidFill>
                                 <a:schemeClr val="tx1">
-                                  <a:lumMod val="75000"/>
-                                  <a:lumOff val="25000"/>
+                                  <a:lumMod val="65000"/>
+                                  <a:lumOff val="35000"/>
                                 </a:schemeClr>
                               </a:solidFill>
                               <a:latin typeface="Cambria Math" panose="02040503050406030204" pitchFamily="18" charset="0"/>
@@ -12361,8 +12647,8 @@
                             <a:rPr lang="cs-CZ" b="1" i="1">
                               <a:solidFill>
                                 <a:schemeClr val="tx1">
-                                  <a:lumMod val="75000"/>
-                                  <a:lumOff val="25000"/>
+                                  <a:lumMod val="65000"/>
+                                  <a:lumOff val="35000"/>
                                 </a:schemeClr>
                               </a:solidFill>
                               <a:latin typeface="Cambria Math" panose="02040503050406030204" pitchFamily="18" charset="0"/>
@@ -12375,8 +12661,8 @@
                         <a:rPr lang="cs-CZ" b="0" i="1" smtClean="0">
                           <a:solidFill>
                             <a:schemeClr val="tx1">
-                              <a:lumMod val="75000"/>
-                              <a:lumOff val="25000"/>
+                              <a:lumMod val="65000"/>
+                              <a:lumOff val="35000"/>
                             </a:schemeClr>
                           </a:solidFill>
                           <a:latin typeface="Cambria Math" panose="02040503050406030204" pitchFamily="18" charset="0"/>
@@ -12389,8 +12675,8 @@
                             <a:rPr lang="cs-CZ" b="0" i="1" smtClean="0">
                               <a:solidFill>
                                 <a:schemeClr val="tx1">
-                                  <a:lumMod val="75000"/>
-                                  <a:lumOff val="25000"/>
+                                  <a:lumMod val="65000"/>
+                                  <a:lumOff val="35000"/>
                                 </a:schemeClr>
                               </a:solidFill>
                               <a:latin typeface="Cambria Math" panose="02040503050406030204" pitchFamily="18" charset="0"/>
@@ -12406,8 +12692,8 @@
                                 <a:rPr lang="cs-CZ" i="1">
                                   <a:solidFill>
                                     <a:schemeClr val="tx1">
-                                      <a:lumMod val="75000"/>
-                                      <a:lumOff val="25000"/>
+                                      <a:lumMod val="65000"/>
+                                      <a:lumOff val="35000"/>
                                     </a:schemeClr>
                                   </a:solidFill>
                                   <a:latin typeface="Cambria Math" panose="02040503050406030204" pitchFamily="18" charset="0"/>
@@ -12419,8 +12705,8 @@
                                 <a:rPr lang="cs-CZ" b="1" i="1">
                                   <a:solidFill>
                                     <a:schemeClr val="tx1">
-                                      <a:lumMod val="75000"/>
-                                      <a:lumOff val="25000"/>
+                                      <a:lumMod val="65000"/>
+                                      <a:lumOff val="35000"/>
                                     </a:schemeClr>
                                   </a:solidFill>
                                   <a:latin typeface="Cambria Math" panose="02040503050406030204" pitchFamily="18" charset="0"/>
@@ -12431,8 +12717,8 @@
                                 <a:rPr lang="cs-CZ" i="1">
                                   <a:solidFill>
                                     <a:schemeClr val="tx1">
-                                      <a:lumMod val="75000"/>
-                                      <a:lumOff val="25000"/>
+                                      <a:lumMod val="65000"/>
+                                      <a:lumOff val="35000"/>
                                     </a:schemeClr>
                                   </a:solidFill>
                                   <a:latin typeface="Cambria Math" panose="02040503050406030204" pitchFamily="18" charset="0"/>
@@ -12443,8 +12729,8 @@
                                 <a:rPr lang="cs-CZ" i="1">
                                   <a:solidFill>
                                     <a:schemeClr val="tx1">
-                                      <a:lumMod val="75000"/>
-                                      <a:lumOff val="25000"/>
+                                      <a:lumMod val="65000"/>
+                                      <a:lumOff val="35000"/>
                                     </a:schemeClr>
                                   </a:solidFill>
                                   <a:latin typeface="Cambria Math" panose="02040503050406030204" pitchFamily="18" charset="0"/>
@@ -12459,8 +12745,8 @@
                             <a:rPr lang="cs-CZ" b="0" i="1" smtClean="0">
                               <a:solidFill>
                                 <a:schemeClr val="tx1">
-                                  <a:lumMod val="75000"/>
-                                  <a:lumOff val="25000"/>
+                                  <a:lumMod val="65000"/>
+                                  <a:lumOff val="35000"/>
                                 </a:schemeClr>
                               </a:solidFill>
                               <a:latin typeface="Cambria Math" panose="02040503050406030204" pitchFamily="18" charset="0"/>
@@ -12473,8 +12759,8 @@
                         <a:rPr lang="cs-CZ" b="0" i="1" smtClean="0">
                           <a:solidFill>
                             <a:schemeClr val="tx1">
-                              <a:lumMod val="75000"/>
-                              <a:lumOff val="25000"/>
+                              <a:lumMod val="65000"/>
+                              <a:lumOff val="35000"/>
                             </a:schemeClr>
                           </a:solidFill>
                           <a:latin typeface="Cambria Math" panose="02040503050406030204" pitchFamily="18" charset="0"/>
@@ -12485,8 +12771,8 @@
                         <a:rPr lang="cs-CZ" i="1">
                           <a:solidFill>
                             <a:schemeClr val="tx1">
-                              <a:lumMod val="75000"/>
-                              <a:lumOff val="25000"/>
+                              <a:lumMod val="65000"/>
+                              <a:lumOff val="35000"/>
                             </a:schemeClr>
                           </a:solidFill>
                           <a:latin typeface="Cambria Math" panose="02040503050406030204" pitchFamily="18" charset="0"/>
@@ -12499,8 +12785,8 @@
                             <a:rPr lang="cs-CZ" i="1">
                               <a:solidFill>
                                 <a:schemeClr val="tx1">
-                                  <a:lumMod val="75000"/>
-                                  <a:lumOff val="25000"/>
+                                  <a:lumMod val="65000"/>
+                                  <a:lumOff val="35000"/>
                                 </a:schemeClr>
                               </a:solidFill>
                               <a:latin typeface="Cambria Math" panose="02040503050406030204" pitchFamily="18" charset="0"/>
@@ -12512,8 +12798,8 @@
                             <a:rPr lang="cs-CZ" b="1" i="1">
                               <a:solidFill>
                                 <a:schemeClr val="tx1">
-                                  <a:lumMod val="75000"/>
-                                  <a:lumOff val="25000"/>
+                                  <a:lumMod val="65000"/>
+                                  <a:lumOff val="35000"/>
                                 </a:schemeClr>
                               </a:solidFill>
                               <a:latin typeface="Cambria Math" panose="02040503050406030204" pitchFamily="18" charset="0"/>
@@ -12526,8 +12812,8 @@
                         <a:rPr lang="cs-CZ" b="0" i="1" smtClean="0">
                           <a:solidFill>
                             <a:schemeClr val="tx1">
-                              <a:lumMod val="75000"/>
-                              <a:lumOff val="25000"/>
+                              <a:lumMod val="65000"/>
+                              <a:lumOff val="35000"/>
                             </a:schemeClr>
                           </a:solidFill>
                           <a:latin typeface="Cambria Math" panose="02040503050406030204" pitchFamily="18" charset="0"/>
@@ -12541,8 +12827,8 @@
                         <a:rPr lang="cs-CZ" i="1">
                           <a:solidFill>
                             <a:schemeClr val="tx1">
-                              <a:lumMod val="75000"/>
-                              <a:lumOff val="25000"/>
+                              <a:lumMod val="65000"/>
+                              <a:lumOff val="35000"/>
                             </a:schemeClr>
                           </a:solidFill>
                           <a:latin typeface="Cambria Math" panose="02040503050406030204" pitchFamily="18" charset="0"/>
@@ -12554,8 +12840,8 @@
                         <a:rPr lang="cs-CZ" b="0" i="1">
                           <a:solidFill>
                             <a:schemeClr val="tx1">
-                              <a:lumMod val="75000"/>
-                              <a:lumOff val="25000"/>
+                              <a:lumMod val="65000"/>
+                              <a:lumOff val="35000"/>
                             </a:schemeClr>
                           </a:solidFill>
                           <a:latin typeface="Cambria Math" panose="02040503050406030204" pitchFamily="18" charset="0"/>
@@ -12568,8 +12854,8 @@
                 <a:endParaRPr lang="de-DE" dirty="0">
                   <a:solidFill>
                     <a:schemeClr val="tx1">
-                      <a:lumMod val="75000"/>
-                      <a:lumOff val="25000"/>
+                      <a:lumMod val="65000"/>
+                      <a:lumOff val="35000"/>
                     </a:schemeClr>
                   </a:solidFill>
                 </a:endParaRPr>
@@ -12577,7 +12863,7 @@
             </p:txBody>
           </p:sp>
         </mc:Choice>
-        <mc:Fallback xmlns="">
+        <mc:Fallback>
           <p:sp>
             <p:nvSpPr>
               <p:cNvPr id="8" name="TextovéPole 7">
@@ -12612,7 +12898,7 @@
               <a:lstStyle/>
               <a:p>
                 <a:r>
-                  <a:rPr lang="de-DE">
+                  <a:rPr lang="en-US">
                     <a:noFill/>
                   </a:rPr>
                   <a:t> </a:t>
@@ -12787,7 +13073,16 @@
                         </a:solidFill>
                         <a:latin typeface="Cambria Math" panose="02040503050406030204" pitchFamily="18" charset="0"/>
                       </a:rPr>
-                      <m:t>=0</m:t>
+                      <m:t>=</m:t>
+                    </m:r>
+                    <m:r>
+                      <a:rPr lang="cs-CZ" sz="1600" b="0" i="1" smtClean="0">
+                        <a:solidFill>
+                          <a:schemeClr val="dk2"/>
+                        </a:solidFill>
+                        <a:latin typeface="Cambria Math" panose="02040503050406030204" pitchFamily="18" charset="0"/>
+                      </a:rPr>
+                      <m:t>0</m:t>
                     </m:r>
                   </m:oMath>
                 </a14:m>
@@ -12848,8 +13143,8 @@
           </p:sp>
         </mc:Fallback>
       </mc:AlternateContent>
-      <mc:AlternateContent xmlns:mc="http://schemas.openxmlformats.org/markup-compatibility/2006" xmlns:a14="http://schemas.microsoft.com/office/drawing/2010/main">
-        <mc:Choice Requires="a14">
+      <mc:AlternateContent xmlns:mc="http://schemas.openxmlformats.org/markup-compatibility/2006">
+        <mc:Choice xmlns:a14="http://schemas.microsoft.com/office/drawing/2010/main" Requires="a14">
           <p:sp>
             <p:nvSpPr>
               <p:cNvPr id="2" name="TextovéPole 1">
@@ -12889,6 +13184,12 @@
                         <m:sSupPr>
                           <m:ctrlPr>
                             <a:rPr lang="cs-CZ" b="0" i="1" smtClean="0">
+                              <a:solidFill>
+                                <a:schemeClr val="tx1">
+                                  <a:lumMod val="65000"/>
+                                  <a:lumOff val="35000"/>
+                                </a:schemeClr>
+                              </a:solidFill>
                               <a:latin typeface="Cambria Math" panose="02040503050406030204" pitchFamily="18" charset="0"/>
                             </a:rPr>
                           </m:ctrlPr>
@@ -12896,6 +13197,12 @@
                         <m:e>
                           <m:r>
                             <a:rPr lang="cs-CZ" b="0" i="1" smtClean="0">
+                              <a:solidFill>
+                                <a:schemeClr val="tx1">
+                                  <a:lumMod val="65000"/>
+                                  <a:lumOff val="35000"/>
+                                </a:schemeClr>
+                              </a:solidFill>
                               <a:latin typeface="Cambria Math" panose="02040503050406030204" pitchFamily="18" charset="0"/>
                             </a:rPr>
                             <m:t>𝐽</m:t>
@@ -12904,6 +13211,12 @@
                         <m:sup>
                           <m:r>
                             <a:rPr lang="cs-CZ" b="0" i="1" smtClean="0">
+                              <a:solidFill>
+                                <a:schemeClr val="tx1">
+                                  <a:lumMod val="65000"/>
+                                  <a:lumOff val="35000"/>
+                                </a:schemeClr>
+                              </a:solidFill>
                               <a:latin typeface="Cambria Math" panose="02040503050406030204" pitchFamily="18" charset="0"/>
                             </a:rPr>
                             <m:t>𝑖𝑗𝑙</m:t>
@@ -12912,6 +13225,12 @@
                       </m:sSup>
                       <m:r>
                         <a:rPr lang="cs-CZ" b="0" i="1" smtClean="0">
+                          <a:solidFill>
+                            <a:schemeClr val="tx1">
+                              <a:lumMod val="65000"/>
+                              <a:lumOff val="35000"/>
+                            </a:schemeClr>
+                          </a:solidFill>
                           <a:latin typeface="Cambria Math" panose="02040503050406030204" pitchFamily="18" charset="0"/>
                         </a:rPr>
                         <m:t>=</m:t>
@@ -12920,6 +13239,12 @@
                         <m:sSupPr>
                           <m:ctrlPr>
                             <a:rPr lang="cs-CZ" b="0" i="1" smtClean="0">
+                              <a:solidFill>
+                                <a:schemeClr val="tx1">
+                                  <a:lumMod val="65000"/>
+                                  <a:lumOff val="35000"/>
+                                </a:schemeClr>
+                              </a:solidFill>
                               <a:latin typeface="Cambria Math" panose="02040503050406030204" pitchFamily="18" charset="0"/>
                             </a:rPr>
                           </m:ctrlPr>
@@ -12927,6 +13252,12 @@
                         <m:e>
                           <m:r>
                             <a:rPr lang="cs-CZ" b="0" i="1" smtClean="0">
+                              <a:solidFill>
+                                <a:schemeClr val="tx1">
+                                  <a:lumMod val="65000"/>
+                                  <a:lumOff val="35000"/>
+                                </a:schemeClr>
+                              </a:solidFill>
                               <a:latin typeface="Cambria Math" panose="02040503050406030204" pitchFamily="18" charset="0"/>
                             </a:rPr>
                             <m:t>𝐿</m:t>
@@ -12935,6 +13266,12 @@
                         <m:sup>
                           <m:r>
                             <a:rPr lang="cs-CZ" b="0" i="1" smtClean="0">
+                              <a:solidFill>
+                                <a:schemeClr val="tx1">
+                                  <a:lumMod val="65000"/>
+                                  <a:lumOff val="35000"/>
+                                </a:schemeClr>
+                              </a:solidFill>
                               <a:latin typeface="Cambria Math" panose="02040503050406030204" pitchFamily="18" charset="0"/>
                             </a:rPr>
                             <m:t>𝑘𝑙</m:t>
@@ -12945,6 +13282,12 @@
                         <m:fPr>
                           <m:ctrlPr>
                             <a:rPr lang="cs-CZ" b="0" i="1" smtClean="0">
+                              <a:solidFill>
+                                <a:schemeClr val="tx1">
+                                  <a:lumMod val="65000"/>
+                                  <a:lumOff val="35000"/>
+                                </a:schemeClr>
+                              </a:solidFill>
                               <a:latin typeface="Cambria Math" panose="02040503050406030204" pitchFamily="18" charset="0"/>
                             </a:rPr>
                           </m:ctrlPr>
@@ -12952,39 +13295,12 @@
                         <m:num>
                           <m:r>
                             <a:rPr lang="cs-CZ" b="0" i="1" smtClean="0">
-                              <a:latin typeface="Cambria Math" panose="02040503050406030204" pitchFamily="18" charset="0"/>
-                            </a:rPr>
-                            <m:t>𝜕</m:t>
-                          </m:r>
-                          <m:sSup>
-                            <m:sSupPr>
-                              <m:ctrlPr>
-                                <a:rPr lang="cs-CZ" b="0" i="1" smtClean="0">
-                                  <a:latin typeface="Cambria Math" panose="02040503050406030204" pitchFamily="18" charset="0"/>
-                                </a:rPr>
-                              </m:ctrlPr>
-                            </m:sSupPr>
-                            <m:e>
-                              <m:r>
-                                <a:rPr lang="cs-CZ" b="0" i="1" smtClean="0">
-                                  <a:latin typeface="Cambria Math" panose="02040503050406030204" pitchFamily="18" charset="0"/>
-                                </a:rPr>
-                                <m:t>𝐿</m:t>
-                              </m:r>
-                            </m:e>
-                            <m:sup>
-                              <m:r>
-                                <a:rPr lang="cs-CZ" b="0" i="1" smtClean="0">
-                                  <a:latin typeface="Cambria Math" panose="02040503050406030204" pitchFamily="18" charset="0"/>
-                                </a:rPr>
-                                <m:t>𝑖𝑗</m:t>
-                              </m:r>
-                            </m:sup>
-                          </m:sSup>
-                        </m:num>
-                        <m:den>
-                          <m:r>
-                            <a:rPr lang="cs-CZ" b="0" i="1" smtClean="0">
+                              <a:solidFill>
+                                <a:schemeClr val="tx1">
+                                  <a:lumMod val="65000"/>
+                                  <a:lumOff val="35000"/>
+                                </a:schemeClr>
+                              </a:solidFill>
                               <a:latin typeface="Cambria Math" panose="02040503050406030204" pitchFamily="18" charset="0"/>
                             </a:rPr>
                             <m:t>𝜕</m:t>
@@ -12995,8 +13311,8 @@
                                 <a:rPr lang="cs-CZ" b="0" i="1" smtClean="0">
                                   <a:solidFill>
                                     <a:schemeClr val="tx1">
-                                      <a:lumMod val="75000"/>
-                                      <a:lumOff val="25000"/>
+                                      <a:lumMod val="65000"/>
+                                      <a:lumOff val="35000"/>
                                     </a:schemeClr>
                                   </a:solidFill>
                                   <a:latin typeface="Cambria Math" panose="02040503050406030204" pitchFamily="18" charset="0"/>
@@ -13008,8 +13324,65 @@
                                 <a:rPr lang="cs-CZ" b="0" i="1" smtClean="0">
                                   <a:solidFill>
                                     <a:schemeClr val="tx1">
-                                      <a:lumMod val="75000"/>
-                                      <a:lumOff val="25000"/>
+                                      <a:lumMod val="65000"/>
+                                      <a:lumOff val="35000"/>
+                                    </a:schemeClr>
+                                  </a:solidFill>
+                                  <a:latin typeface="Cambria Math" panose="02040503050406030204" pitchFamily="18" charset="0"/>
+                                </a:rPr>
+                                <m:t>𝐿</m:t>
+                              </m:r>
+                            </m:e>
+                            <m:sup>
+                              <m:r>
+                                <a:rPr lang="cs-CZ" b="0" i="1" smtClean="0">
+                                  <a:solidFill>
+                                    <a:schemeClr val="tx1">
+                                      <a:lumMod val="65000"/>
+                                      <a:lumOff val="35000"/>
+                                    </a:schemeClr>
+                                  </a:solidFill>
+                                  <a:latin typeface="Cambria Math" panose="02040503050406030204" pitchFamily="18" charset="0"/>
+                                </a:rPr>
+                                <m:t>𝑖𝑗</m:t>
+                              </m:r>
+                            </m:sup>
+                          </m:sSup>
+                        </m:num>
+                        <m:den>
+                          <m:r>
+                            <a:rPr lang="cs-CZ" b="0" i="1" smtClean="0">
+                              <a:solidFill>
+                                <a:schemeClr val="tx1">
+                                  <a:lumMod val="65000"/>
+                                  <a:lumOff val="35000"/>
+                                </a:schemeClr>
+                              </a:solidFill>
+                              <a:latin typeface="Cambria Math" panose="02040503050406030204" pitchFamily="18" charset="0"/>
+                            </a:rPr>
+                            <m:t>𝜕</m:t>
+                          </m:r>
+                          <m:sSup>
+                            <m:sSupPr>
+                              <m:ctrlPr>
+                                <a:rPr lang="cs-CZ" b="0" i="1" smtClean="0">
+                                  <a:solidFill>
+                                    <a:schemeClr val="tx1">
+                                      <a:lumMod val="65000"/>
+                                      <a:lumOff val="35000"/>
+                                    </a:schemeClr>
+                                  </a:solidFill>
+                                  <a:latin typeface="Cambria Math" panose="02040503050406030204" pitchFamily="18" charset="0"/>
+                                </a:rPr>
+                              </m:ctrlPr>
+                            </m:sSupPr>
+                            <m:e>
+                              <m:r>
+                                <a:rPr lang="cs-CZ" b="0" i="1" smtClean="0">
+                                  <a:solidFill>
+                                    <a:schemeClr val="tx1">
+                                      <a:lumMod val="65000"/>
+                                      <a:lumOff val="35000"/>
                                     </a:schemeClr>
                                   </a:solidFill>
                                   <a:latin typeface="Cambria Math" panose="02040503050406030204" pitchFamily="18" charset="0"/>
@@ -13022,8 +13395,8 @@
                                 <a:rPr lang="cs-CZ" b="0" i="1" smtClean="0">
                                   <a:solidFill>
                                     <a:schemeClr val="tx1">
-                                      <a:lumMod val="75000"/>
-                                      <a:lumOff val="25000"/>
+                                      <a:lumMod val="65000"/>
+                                      <a:lumOff val="35000"/>
                                     </a:schemeClr>
                                   </a:solidFill>
                                   <a:latin typeface="Cambria Math" panose="02040503050406030204" pitchFamily="18" charset="0"/>
@@ -13036,6 +13409,12 @@
                       </m:f>
                       <m:r>
                         <a:rPr lang="cs-CZ" b="0" i="1" smtClean="0">
+                          <a:solidFill>
+                            <a:schemeClr val="tx1">
+                              <a:lumMod val="65000"/>
+                              <a:lumOff val="35000"/>
+                            </a:schemeClr>
+                          </a:solidFill>
                           <a:latin typeface="Cambria Math" panose="02040503050406030204" pitchFamily="18" charset="0"/>
                         </a:rPr>
                         <m:t>+</m:t>
@@ -13044,6 +13423,12 @@
                         <m:sSupPr>
                           <m:ctrlPr>
                             <a:rPr lang="cs-CZ" i="1">
+                              <a:solidFill>
+                                <a:schemeClr val="tx1">
+                                  <a:lumMod val="65000"/>
+                                  <a:lumOff val="35000"/>
+                                </a:schemeClr>
+                              </a:solidFill>
                               <a:latin typeface="Cambria Math" panose="02040503050406030204" pitchFamily="18" charset="0"/>
                             </a:rPr>
                           </m:ctrlPr>
@@ -13051,6 +13436,12 @@
                         <m:e>
                           <m:r>
                             <a:rPr lang="cs-CZ" i="1">
+                              <a:solidFill>
+                                <a:schemeClr val="tx1">
+                                  <a:lumMod val="65000"/>
+                                  <a:lumOff val="35000"/>
+                                </a:schemeClr>
+                              </a:solidFill>
                               <a:latin typeface="Cambria Math" panose="02040503050406030204" pitchFamily="18" charset="0"/>
                             </a:rPr>
                             <m:t>𝐿</m:t>
@@ -13059,12 +13450,24 @@
                         <m:sup>
                           <m:r>
                             <a:rPr lang="cs-CZ" i="1">
+                              <a:solidFill>
+                                <a:schemeClr val="tx1">
+                                  <a:lumMod val="65000"/>
+                                  <a:lumOff val="35000"/>
+                                </a:schemeClr>
+                              </a:solidFill>
                               <a:latin typeface="Cambria Math" panose="02040503050406030204" pitchFamily="18" charset="0"/>
                             </a:rPr>
                             <m:t>𝑘</m:t>
                           </m:r>
                           <m:r>
                             <a:rPr lang="cs-CZ" b="0" i="1" smtClean="0">
+                              <a:solidFill>
+                                <a:schemeClr val="tx1">
+                                  <a:lumMod val="65000"/>
+                                  <a:lumOff val="35000"/>
+                                </a:schemeClr>
+                              </a:solidFill>
                               <a:latin typeface="Cambria Math" panose="02040503050406030204" pitchFamily="18" charset="0"/>
                             </a:rPr>
                             <m:t>𝑗</m:t>
@@ -13075,6 +13478,12 @@
                         <m:fPr>
                           <m:ctrlPr>
                             <a:rPr lang="cs-CZ" i="1">
+                              <a:solidFill>
+                                <a:schemeClr val="tx1">
+                                  <a:lumMod val="65000"/>
+                                  <a:lumOff val="35000"/>
+                                </a:schemeClr>
+                              </a:solidFill>
                               <a:latin typeface="Cambria Math" panose="02040503050406030204" pitchFamily="18" charset="0"/>
                             </a:rPr>
                           </m:ctrlPr>
@@ -13082,6 +13491,12 @@
                         <m:num>
                           <m:r>
                             <a:rPr lang="cs-CZ" i="1">
+                              <a:solidFill>
+                                <a:schemeClr val="tx1">
+                                  <a:lumMod val="65000"/>
+                                  <a:lumOff val="35000"/>
+                                </a:schemeClr>
+                              </a:solidFill>
                               <a:latin typeface="Cambria Math" panose="02040503050406030204" pitchFamily="18" charset="0"/>
                             </a:rPr>
                             <m:t>𝜕</m:t>
@@ -13090,6 +13505,12 @@
                             <m:sSupPr>
                               <m:ctrlPr>
                                 <a:rPr lang="cs-CZ" i="1">
+                                  <a:solidFill>
+                                    <a:schemeClr val="tx1">
+                                      <a:lumMod val="65000"/>
+                                      <a:lumOff val="35000"/>
+                                    </a:schemeClr>
+                                  </a:solidFill>
                                   <a:latin typeface="Cambria Math" panose="02040503050406030204" pitchFamily="18" charset="0"/>
                                 </a:rPr>
                               </m:ctrlPr>
@@ -13097,6 +13518,12 @@
                             <m:e>
                               <m:r>
                                 <a:rPr lang="cs-CZ" i="1">
+                                  <a:solidFill>
+                                    <a:schemeClr val="tx1">
+                                      <a:lumMod val="65000"/>
+                                      <a:lumOff val="35000"/>
+                                    </a:schemeClr>
+                                  </a:solidFill>
                                   <a:latin typeface="Cambria Math" panose="02040503050406030204" pitchFamily="18" charset="0"/>
                                 </a:rPr>
                                 <m:t>𝐿</m:t>
@@ -13105,6 +13532,12 @@
                             <m:sup>
                               <m:r>
                                 <a:rPr lang="cs-CZ" b="0" i="1" smtClean="0">
+                                  <a:solidFill>
+                                    <a:schemeClr val="tx1">
+                                      <a:lumMod val="65000"/>
+                                      <a:lumOff val="35000"/>
+                                    </a:schemeClr>
+                                  </a:solidFill>
                                   <a:latin typeface="Cambria Math" panose="02040503050406030204" pitchFamily="18" charset="0"/>
                                 </a:rPr>
                                 <m:t>𝑙𝑖</m:t>
@@ -13115,6 +13548,12 @@
                         <m:den>
                           <m:r>
                             <a:rPr lang="cs-CZ" i="1">
+                              <a:solidFill>
+                                <a:schemeClr val="tx1">
+                                  <a:lumMod val="65000"/>
+                                  <a:lumOff val="35000"/>
+                                </a:schemeClr>
+                              </a:solidFill>
                               <a:latin typeface="Cambria Math" panose="02040503050406030204" pitchFamily="18" charset="0"/>
                             </a:rPr>
                             <m:t>𝜕</m:t>
@@ -13123,6 +13562,12 @@
                             <m:sSupPr>
                               <m:ctrlPr>
                                 <a:rPr lang="cs-CZ" i="1">
+                                  <a:solidFill>
+                                    <a:schemeClr val="tx1">
+                                      <a:lumMod val="65000"/>
+                                      <a:lumOff val="35000"/>
+                                    </a:schemeClr>
+                                  </a:solidFill>
                                   <a:latin typeface="Cambria Math" panose="02040503050406030204" pitchFamily="18" charset="0"/>
                                 </a:rPr>
                               </m:ctrlPr>
@@ -13130,6 +13575,12 @@
                             <m:e>
                               <m:r>
                                 <a:rPr lang="cs-CZ" i="1">
+                                  <a:solidFill>
+                                    <a:schemeClr val="tx1">
+                                      <a:lumMod val="65000"/>
+                                      <a:lumOff val="35000"/>
+                                    </a:schemeClr>
+                                  </a:solidFill>
                                   <a:latin typeface="Cambria Math" panose="02040503050406030204" pitchFamily="18" charset="0"/>
                                 </a:rPr>
                                 <m:t>𝑧</m:t>
@@ -13138,6 +13589,12 @@
                             <m:sup>
                               <m:r>
                                 <a:rPr lang="cs-CZ" i="1">
+                                  <a:solidFill>
+                                    <a:schemeClr val="tx1">
+                                      <a:lumMod val="65000"/>
+                                      <a:lumOff val="35000"/>
+                                    </a:schemeClr>
+                                  </a:solidFill>
                                   <a:latin typeface="Cambria Math" panose="02040503050406030204" pitchFamily="18" charset="0"/>
                                 </a:rPr>
                                 <m:t>𝑘</m:t>
@@ -13148,6 +13605,12 @@
                       </m:f>
                       <m:r>
                         <a:rPr lang="cs-CZ" i="1">
+                          <a:solidFill>
+                            <a:schemeClr val="tx1">
+                              <a:lumMod val="65000"/>
+                              <a:lumOff val="35000"/>
+                            </a:schemeClr>
+                          </a:solidFill>
                           <a:latin typeface="Cambria Math" panose="02040503050406030204" pitchFamily="18" charset="0"/>
                         </a:rPr>
                         <m:t>+</m:t>
@@ -13156,6 +13619,12 @@
                         <m:sSupPr>
                           <m:ctrlPr>
                             <a:rPr lang="cs-CZ" i="1">
+                              <a:solidFill>
+                                <a:schemeClr val="tx1">
+                                  <a:lumMod val="65000"/>
+                                  <a:lumOff val="35000"/>
+                                </a:schemeClr>
+                              </a:solidFill>
                               <a:latin typeface="Cambria Math" panose="02040503050406030204" pitchFamily="18" charset="0"/>
                             </a:rPr>
                           </m:ctrlPr>
@@ -13163,6 +13632,12 @@
                         <m:e>
                           <m:r>
                             <a:rPr lang="cs-CZ" i="1">
+                              <a:solidFill>
+                                <a:schemeClr val="tx1">
+                                  <a:lumMod val="65000"/>
+                                  <a:lumOff val="35000"/>
+                                </a:schemeClr>
+                              </a:solidFill>
                               <a:latin typeface="Cambria Math" panose="02040503050406030204" pitchFamily="18" charset="0"/>
                             </a:rPr>
                             <m:t>𝐿</m:t>
@@ -13171,12 +13646,24 @@
                         <m:sup>
                           <m:r>
                             <a:rPr lang="cs-CZ" i="1">
+                              <a:solidFill>
+                                <a:schemeClr val="tx1">
+                                  <a:lumMod val="65000"/>
+                                  <a:lumOff val="35000"/>
+                                </a:schemeClr>
+                              </a:solidFill>
                               <a:latin typeface="Cambria Math" panose="02040503050406030204" pitchFamily="18" charset="0"/>
                             </a:rPr>
                             <m:t>𝑘</m:t>
                           </m:r>
                           <m:r>
                             <a:rPr lang="cs-CZ" b="0" i="1" smtClean="0">
+                              <a:solidFill>
+                                <a:schemeClr val="tx1">
+                                  <a:lumMod val="65000"/>
+                                  <a:lumOff val="35000"/>
+                                </a:schemeClr>
+                              </a:solidFill>
                               <a:latin typeface="Cambria Math" panose="02040503050406030204" pitchFamily="18" charset="0"/>
                             </a:rPr>
                             <m:t>𝑖</m:t>
@@ -13187,6 +13674,12 @@
                         <m:fPr>
                           <m:ctrlPr>
                             <a:rPr lang="cs-CZ" i="1">
+                              <a:solidFill>
+                                <a:schemeClr val="tx1">
+                                  <a:lumMod val="65000"/>
+                                  <a:lumOff val="35000"/>
+                                </a:schemeClr>
+                              </a:solidFill>
                               <a:latin typeface="Cambria Math" panose="02040503050406030204" pitchFamily="18" charset="0"/>
                             </a:rPr>
                           </m:ctrlPr>
@@ -13194,6 +13687,12 @@
                         <m:num>
                           <m:r>
                             <a:rPr lang="cs-CZ" i="1">
+                              <a:solidFill>
+                                <a:schemeClr val="tx1">
+                                  <a:lumMod val="65000"/>
+                                  <a:lumOff val="35000"/>
+                                </a:schemeClr>
+                              </a:solidFill>
                               <a:latin typeface="Cambria Math" panose="02040503050406030204" pitchFamily="18" charset="0"/>
                             </a:rPr>
                             <m:t>𝜕</m:t>
@@ -13202,6 +13701,12 @@
                             <m:sSupPr>
                               <m:ctrlPr>
                                 <a:rPr lang="cs-CZ" i="1">
+                                  <a:solidFill>
+                                    <a:schemeClr val="tx1">
+                                      <a:lumMod val="65000"/>
+                                      <a:lumOff val="35000"/>
+                                    </a:schemeClr>
+                                  </a:solidFill>
                                   <a:latin typeface="Cambria Math" panose="02040503050406030204" pitchFamily="18" charset="0"/>
                                 </a:rPr>
                               </m:ctrlPr>
@@ -13209,6 +13714,12 @@
                             <m:e>
                               <m:r>
                                 <a:rPr lang="cs-CZ" i="1">
+                                  <a:solidFill>
+                                    <a:schemeClr val="tx1">
+                                      <a:lumMod val="65000"/>
+                                      <a:lumOff val="35000"/>
+                                    </a:schemeClr>
+                                  </a:solidFill>
                                   <a:latin typeface="Cambria Math" panose="02040503050406030204" pitchFamily="18" charset="0"/>
                                 </a:rPr>
                                 <m:t>𝐿</m:t>
@@ -13217,12 +13728,24 @@
                             <m:sup>
                               <m:r>
                                 <a:rPr lang="cs-CZ" b="0" i="1" smtClean="0">
+                                  <a:solidFill>
+                                    <a:schemeClr val="tx1">
+                                      <a:lumMod val="65000"/>
+                                      <a:lumOff val="35000"/>
+                                    </a:schemeClr>
+                                  </a:solidFill>
                                   <a:latin typeface="Cambria Math" panose="02040503050406030204" pitchFamily="18" charset="0"/>
                                 </a:rPr>
                                 <m:t>𝑗</m:t>
                               </m:r>
                               <m:r>
                                 <a:rPr lang="cs-CZ" i="1">
+                                  <a:solidFill>
+                                    <a:schemeClr val="tx1">
+                                      <a:lumMod val="65000"/>
+                                      <a:lumOff val="35000"/>
+                                    </a:schemeClr>
+                                  </a:solidFill>
                                   <a:latin typeface="Cambria Math" panose="02040503050406030204" pitchFamily="18" charset="0"/>
                                 </a:rPr>
                                 <m:t>𝑙</m:t>
@@ -13233,6 +13756,12 @@
                         <m:den>
                           <m:r>
                             <a:rPr lang="cs-CZ" i="1">
+                              <a:solidFill>
+                                <a:schemeClr val="tx1">
+                                  <a:lumMod val="65000"/>
+                                  <a:lumOff val="35000"/>
+                                </a:schemeClr>
+                              </a:solidFill>
                               <a:latin typeface="Cambria Math" panose="02040503050406030204" pitchFamily="18" charset="0"/>
                             </a:rPr>
                             <m:t>𝜕</m:t>
@@ -13241,6 +13770,12 @@
                             <m:sSupPr>
                               <m:ctrlPr>
                                 <a:rPr lang="cs-CZ" i="1">
+                                  <a:solidFill>
+                                    <a:schemeClr val="tx1">
+                                      <a:lumMod val="65000"/>
+                                      <a:lumOff val="35000"/>
+                                    </a:schemeClr>
+                                  </a:solidFill>
                                   <a:latin typeface="Cambria Math" panose="02040503050406030204" pitchFamily="18" charset="0"/>
                                 </a:rPr>
                               </m:ctrlPr>
@@ -13248,6 +13783,12 @@
                             <m:e>
                               <m:r>
                                 <a:rPr lang="cs-CZ" i="1">
+                                  <a:solidFill>
+                                    <a:schemeClr val="tx1">
+                                      <a:lumMod val="65000"/>
+                                      <a:lumOff val="35000"/>
+                                    </a:schemeClr>
+                                  </a:solidFill>
                                   <a:latin typeface="Cambria Math" panose="02040503050406030204" pitchFamily="18" charset="0"/>
                                 </a:rPr>
                                 <m:t>𝑧</m:t>
@@ -13256,6 +13797,12 @@
                             <m:sup>
                               <m:r>
                                 <a:rPr lang="cs-CZ" i="1">
+                                  <a:solidFill>
+                                    <a:schemeClr val="tx1">
+                                      <a:lumMod val="65000"/>
+                                      <a:lumOff val="35000"/>
+                                    </a:schemeClr>
+                                  </a:solidFill>
                                   <a:latin typeface="Cambria Math" panose="02040503050406030204" pitchFamily="18" charset="0"/>
                                 </a:rPr>
                                 <m:t>𝑘</m:t>
@@ -13266,19 +13813,44 @@
                       </m:f>
                       <m:r>
                         <a:rPr lang="cs-CZ" b="0" i="1" smtClean="0">
+                          <a:solidFill>
+                            <a:schemeClr val="tx1">
+                              <a:lumMod val="65000"/>
+                              <a:lumOff val="35000"/>
+                            </a:schemeClr>
+                          </a:solidFill>
                           <a:latin typeface="Cambria Math" panose="02040503050406030204" pitchFamily="18" charset="0"/>
                         </a:rPr>
-                        <m:t>=0</m:t>
+                        <m:t>=</m:t>
+                      </m:r>
+                      <m:r>
+                        <a:rPr lang="cs-CZ" b="0" i="1" smtClean="0">
+                          <a:solidFill>
+                            <a:schemeClr val="tx1">
+                              <a:lumMod val="65000"/>
+                              <a:lumOff val="35000"/>
+                            </a:schemeClr>
+                          </a:solidFill>
+                          <a:latin typeface="Cambria Math" panose="02040503050406030204" pitchFamily="18" charset="0"/>
+                        </a:rPr>
+                        <m:t>0</m:t>
                       </m:r>
                     </m:oMath>
                   </m:oMathPara>
                 </a14:m>
-                <a:endParaRPr lang="de-DE" dirty="0"/>
+                <a:endParaRPr lang="de-DE" dirty="0">
+                  <a:solidFill>
+                    <a:schemeClr val="tx1">
+                      <a:lumMod val="65000"/>
+                      <a:lumOff val="35000"/>
+                    </a:schemeClr>
+                  </a:solidFill>
+                </a:endParaRPr>
               </a:p>
             </p:txBody>
           </p:sp>
         </mc:Choice>
-        <mc:Fallback xmlns="">
+        <mc:Fallback>
           <p:sp>
             <p:nvSpPr>
               <p:cNvPr id="2" name="TextovéPole 1">
@@ -13313,7 +13885,7 @@
               <a:lstStyle/>
               <a:p>
                 <a:r>
-                  <a:rPr lang="de-DE">
+                  <a:rPr lang="en-US">
                     <a:noFill/>
                   </a:rPr>
                   <a:t> </a:t>
@@ -13626,7 +14198,17 @@
                         <a:latin typeface="Cambria Math" panose="02040503050406030204" pitchFamily="18" charset="0"/>
                         <a:ea typeface="Cambria Math" panose="02040503050406030204" pitchFamily="18" charset="0"/>
                       </a:rPr>
-                      <m:t>≠∅</m:t>
+                      <m:t>≠</m:t>
+                    </m:r>
+                    <m:r>
+                      <a:rPr lang="cs-CZ" sz="1600" b="0" i="1" smtClean="0">
+                        <a:solidFill>
+                          <a:schemeClr val="dk2"/>
+                        </a:solidFill>
+                        <a:latin typeface="Cambria Math" panose="02040503050406030204" pitchFamily="18" charset="0"/>
+                        <a:ea typeface="Cambria Math" panose="02040503050406030204" pitchFamily="18" charset="0"/>
+                      </a:rPr>
+                      <m:t>∅</m:t>
                     </m:r>
                   </m:oMath>
                 </a14:m>
@@ -13840,8 +14422,8 @@
           </a:p>
         </p:txBody>
       </p:sp>
-      <mc:AlternateContent xmlns:mc="http://schemas.openxmlformats.org/markup-compatibility/2006" xmlns:a14="http://schemas.microsoft.com/office/drawing/2010/main">
-        <mc:Choice Requires="a14">
+      <mc:AlternateContent xmlns:mc="http://schemas.openxmlformats.org/markup-compatibility/2006">
+        <mc:Choice xmlns:a14="http://schemas.microsoft.com/office/drawing/2010/main" Requires="a14">
           <p:sp>
             <p:nvSpPr>
               <p:cNvPr id="9" name="TextovéPole 8">
@@ -13884,8 +14466,8 @@
                             <a:rPr lang="cs-CZ" b="0" i="1" smtClean="0">
                               <a:solidFill>
                                 <a:schemeClr val="tx1">
-                                  <a:lumMod val="75000"/>
-                                  <a:lumOff val="25000"/>
+                                  <a:lumMod val="65000"/>
+                                  <a:lumOff val="35000"/>
                                 </a:schemeClr>
                               </a:solidFill>
                               <a:latin typeface="Cambria Math" panose="02040503050406030204" pitchFamily="18" charset="0"/>
@@ -13897,8 +14479,8 @@
                             <a:rPr lang="cs-CZ" b="0" i="1" smtClean="0">
                               <a:solidFill>
                                 <a:schemeClr val="tx1">
-                                  <a:lumMod val="75000"/>
-                                  <a:lumOff val="25000"/>
+                                  <a:lumMod val="65000"/>
+                                  <a:lumOff val="35000"/>
                                 </a:schemeClr>
                               </a:solidFill>
                               <a:latin typeface="Cambria Math" panose="02040503050406030204" pitchFamily="18" charset="0"/>
@@ -13911,8 +14493,8 @@
                         <a:rPr lang="cs-CZ" b="0" i="1" smtClean="0">
                           <a:solidFill>
                             <a:schemeClr val="tx1">
-                              <a:lumMod val="75000"/>
-                              <a:lumOff val="25000"/>
+                              <a:lumMod val="65000"/>
+                              <a:lumOff val="35000"/>
                             </a:schemeClr>
                           </a:solidFill>
                           <a:latin typeface="Cambria Math" panose="02040503050406030204" pitchFamily="18" charset="0"/>
@@ -13925,8 +14507,8 @@
                             <a:rPr lang="cs-CZ" b="0" i="1" smtClean="0">
                               <a:solidFill>
                                 <a:schemeClr val="tx1">
-                                  <a:lumMod val="75000"/>
-                                  <a:lumOff val="25000"/>
+                                  <a:lumMod val="65000"/>
+                                  <a:lumOff val="35000"/>
                                 </a:schemeClr>
                               </a:solidFill>
                               <a:latin typeface="Cambria Math" panose="02040503050406030204" pitchFamily="18" charset="0"/>
@@ -13942,8 +14524,8 @@
                                 <a:rPr lang="cs-CZ" i="1">
                                   <a:solidFill>
                                     <a:schemeClr val="tx1">
-                                      <a:lumMod val="75000"/>
-                                      <a:lumOff val="25000"/>
+                                      <a:lumMod val="65000"/>
+                                      <a:lumOff val="35000"/>
                                     </a:schemeClr>
                                   </a:solidFill>
                                   <a:latin typeface="Cambria Math" panose="02040503050406030204" pitchFamily="18" charset="0"/>
@@ -13955,8 +14537,8 @@
                                 <a:rPr lang="cs-CZ" b="0" i="1" smtClean="0">
                                   <a:solidFill>
                                     <a:schemeClr val="tx1">
-                                      <a:lumMod val="75000"/>
-                                      <a:lumOff val="25000"/>
+                                      <a:lumMod val="65000"/>
+                                      <a:lumOff val="35000"/>
                                     </a:schemeClr>
                                   </a:solidFill>
                                   <a:latin typeface="Cambria Math" panose="02040503050406030204" pitchFamily="18" charset="0"/>
@@ -13967,8 +14549,8 @@
                                 <a:rPr lang="cs-CZ" i="1">
                                   <a:solidFill>
                                     <a:schemeClr val="tx1">
-                                      <a:lumMod val="75000"/>
-                                      <a:lumOff val="25000"/>
+                                      <a:lumMod val="65000"/>
+                                      <a:lumOff val="35000"/>
                                     </a:schemeClr>
                                   </a:solidFill>
                                   <a:latin typeface="Cambria Math" panose="02040503050406030204" pitchFamily="18" charset="0"/>
@@ -13979,8 +14561,8 @@
                                 <a:rPr lang="cs-CZ" i="1">
                                   <a:solidFill>
                                     <a:schemeClr val="tx1">
-                                      <a:lumMod val="75000"/>
-                                      <a:lumOff val="25000"/>
+                                      <a:lumMod val="65000"/>
+                                      <a:lumOff val="35000"/>
                                     </a:schemeClr>
                                   </a:solidFill>
                                   <a:latin typeface="Cambria Math" panose="02040503050406030204" pitchFamily="18" charset="0"/>
@@ -13995,8 +14577,8 @@
                             <a:rPr lang="cs-CZ" b="0" i="1" smtClean="0">
                               <a:solidFill>
                                 <a:schemeClr val="tx1">
-                                  <a:lumMod val="75000"/>
-                                  <a:lumOff val="25000"/>
+                                  <a:lumMod val="65000"/>
+                                  <a:lumOff val="35000"/>
                                 </a:schemeClr>
                               </a:solidFill>
                               <a:latin typeface="Cambria Math" panose="02040503050406030204" pitchFamily="18" charset="0"/>
@@ -14009,8 +14591,8 @@
                         <a:rPr lang="cs-CZ" b="0" i="1" smtClean="0">
                           <a:solidFill>
                             <a:schemeClr val="tx1">
-                              <a:lumMod val="75000"/>
-                              <a:lumOff val="25000"/>
+                              <a:lumMod val="65000"/>
+                              <a:lumOff val="35000"/>
                             </a:schemeClr>
                           </a:solidFill>
                           <a:latin typeface="Cambria Math" panose="02040503050406030204" pitchFamily="18" charset="0"/>
@@ -14023,8 +14605,8 @@
                             <a:rPr lang="cs-CZ" i="1">
                               <a:solidFill>
                                 <a:schemeClr val="tx1">
-                                  <a:lumMod val="75000"/>
-                                  <a:lumOff val="25000"/>
+                                  <a:lumMod val="65000"/>
+                                  <a:lumOff val="35000"/>
                                 </a:schemeClr>
                               </a:solidFill>
                               <a:latin typeface="Cambria Math" panose="02040503050406030204" pitchFamily="18" charset="0"/>
@@ -14040,8 +14622,8 @@
                                 <a:rPr lang="cs-CZ" i="1">
                                   <a:solidFill>
                                     <a:schemeClr val="tx1">
-                                      <a:lumMod val="75000"/>
-                                      <a:lumOff val="25000"/>
+                                      <a:lumMod val="65000"/>
+                                      <a:lumOff val="35000"/>
                                     </a:schemeClr>
                                   </a:solidFill>
                                   <a:latin typeface="Cambria Math" panose="02040503050406030204" pitchFamily="18" charset="0"/>
@@ -14053,8 +14635,8 @@
                                 <a:rPr lang="cs-CZ" i="1">
                                   <a:solidFill>
                                     <a:schemeClr val="tx1">
-                                      <a:lumMod val="75000"/>
-                                      <a:lumOff val="25000"/>
+                                      <a:lumMod val="65000"/>
+                                      <a:lumOff val="35000"/>
                                     </a:schemeClr>
                                   </a:solidFill>
                                   <a:latin typeface="Cambria Math" panose="02040503050406030204" pitchFamily="18" charset="0"/>
@@ -14065,8 +14647,8 @@
                                 <a:rPr lang="cs-CZ" i="1">
                                   <a:solidFill>
                                     <a:schemeClr val="tx1">
-                                      <a:lumMod val="75000"/>
-                                      <a:lumOff val="25000"/>
+                                      <a:lumMod val="65000"/>
+                                      <a:lumOff val="35000"/>
                                     </a:schemeClr>
                                   </a:solidFill>
                                   <a:latin typeface="Cambria Math" panose="02040503050406030204" pitchFamily="18" charset="0"/>
@@ -14077,8 +14659,8 @@
                                 <a:rPr lang="cs-CZ" i="1">
                                   <a:solidFill>
                                     <a:schemeClr val="tx1">
-                                      <a:lumMod val="75000"/>
-                                      <a:lumOff val="25000"/>
+                                      <a:lumMod val="65000"/>
+                                      <a:lumOff val="35000"/>
                                     </a:schemeClr>
                                   </a:solidFill>
                                   <a:latin typeface="Cambria Math" panose="02040503050406030204" pitchFamily="18" charset="0"/>
@@ -14093,8 +14675,8 @@
                             <a:rPr lang="cs-CZ" i="1">
                               <a:solidFill>
                                 <a:schemeClr val="tx1">
-                                  <a:lumMod val="75000"/>
-                                  <a:lumOff val="25000"/>
+                                  <a:lumMod val="65000"/>
+                                  <a:lumOff val="35000"/>
                                 </a:schemeClr>
                               </a:solidFill>
                               <a:latin typeface="Cambria Math" panose="02040503050406030204" pitchFamily="18" charset="0"/>
@@ -14107,13 +14689,25 @@
                         <a:rPr lang="cs-CZ" b="0" i="1" smtClean="0">
                           <a:solidFill>
                             <a:schemeClr val="tx1">
-                              <a:lumMod val="75000"/>
-                              <a:lumOff val="25000"/>
+                              <a:lumMod val="65000"/>
+                              <a:lumOff val="35000"/>
                             </a:schemeClr>
                           </a:solidFill>
                           <a:latin typeface="Cambria Math" panose="02040503050406030204" pitchFamily="18" charset="0"/>
                         </a:rPr>
-                        <m:t>=0</m:t>
+                        <m:t>=</m:t>
+                      </m:r>
+                      <m:r>
+                        <a:rPr lang="cs-CZ" b="0" i="1" smtClean="0">
+                          <a:solidFill>
+                            <a:schemeClr val="tx1">
+                              <a:lumMod val="65000"/>
+                              <a:lumOff val="35000"/>
+                            </a:schemeClr>
+                          </a:solidFill>
+                          <a:latin typeface="Cambria Math" panose="02040503050406030204" pitchFamily="18" charset="0"/>
+                        </a:rPr>
+                        <m:t>0</m:t>
                       </m:r>
                     </m:oMath>
                   </m:oMathPara>
@@ -14121,8 +14715,8 @@
                 <a:endParaRPr lang="de-DE" dirty="0">
                   <a:solidFill>
                     <a:schemeClr val="tx1">
-                      <a:lumMod val="75000"/>
-                      <a:lumOff val="25000"/>
+                      <a:lumMod val="65000"/>
+                      <a:lumOff val="35000"/>
                     </a:schemeClr>
                   </a:solidFill>
                 </a:endParaRPr>
@@ -14130,7 +14724,7 @@
             </p:txBody>
           </p:sp>
         </mc:Choice>
-        <mc:Fallback xmlns="">
+        <mc:Fallback>
           <p:sp>
             <p:nvSpPr>
               <p:cNvPr id="9" name="TextovéPole 8">
@@ -14165,7 +14759,7 @@
               <a:lstStyle/>
               <a:p>
                 <a:r>
-                  <a:rPr lang="de-DE">
+                  <a:rPr lang="en-US">
                     <a:noFill/>
                   </a:rPr>
                   <a:t> </a:t>
@@ -14382,7 +14976,27 @@
                           <a:latin typeface="Cambria Math" panose="02040503050406030204" pitchFamily="18" charset="0"/>
                           <a:ea typeface="Cambria Math" panose="02040503050406030204" pitchFamily="18" charset="0"/>
                         </a:rPr>
-                        <m:t>=0 </m:t>
+                        <m:t>=</m:t>
+                      </m:r>
+                      <m:r>
+                        <a:rPr lang="cs-CZ" sz="1600" b="0" i="1" smtClean="0">
+                          <a:solidFill>
+                            <a:schemeClr val="dk2"/>
+                          </a:solidFill>
+                          <a:latin typeface="Cambria Math" panose="02040503050406030204" pitchFamily="18" charset="0"/>
+                          <a:ea typeface="Cambria Math" panose="02040503050406030204" pitchFamily="18" charset="0"/>
+                        </a:rPr>
+                        <m:t>0</m:t>
+                      </m:r>
+                      <m:r>
+                        <a:rPr lang="cs-CZ" sz="1600" b="0" i="1" smtClean="0">
+                          <a:solidFill>
+                            <a:schemeClr val="dk2"/>
+                          </a:solidFill>
+                          <a:latin typeface="Cambria Math" panose="02040503050406030204" pitchFamily="18" charset="0"/>
+                          <a:ea typeface="Cambria Math" panose="02040503050406030204" pitchFamily="18" charset="0"/>
+                        </a:rPr>
+                        <m:t> </m:t>
                       </m:r>
                     </m:oMath>
                   </m:oMathPara>
@@ -14795,7 +15409,19 @@
                           </a:solidFill>
                           <a:latin typeface="Cambria Math" panose="02040503050406030204" pitchFamily="18" charset="0"/>
                         </a:rPr>
-                        <m:t>=0</m:t>
+                        <m:t>=</m:t>
+                      </m:r>
+                      <m:r>
+                        <a:rPr lang="cs-CZ" b="0" i="1" smtClean="0">
+                          <a:solidFill>
+                            <a:schemeClr val="tx1">
+                              <a:lumMod val="75000"/>
+                              <a:lumOff val="25000"/>
+                            </a:schemeClr>
+                          </a:solidFill>
+                          <a:latin typeface="Cambria Math" panose="02040503050406030204" pitchFamily="18" charset="0"/>
+                        </a:rPr>
+                        <m:t>0</m:t>
                       </m:r>
                     </m:oMath>
                   </m:oMathPara>
@@ -16559,7 +17185,7 @@
             <p:spPr>
               <a:xfrm>
                 <a:off x="449177" y="2667566"/>
-                <a:ext cx="1740570" cy="596445"/>
+                <a:ext cx="1740570" cy="338554"/>
               </a:xfrm>
               <a:prstGeom prst="rect">
                 <a:avLst/>
@@ -16609,43 +17235,16 @@
                         </a:rPr>
                         <m:t>=</m:t>
                       </m:r>
-                      <m:f>
-                        <m:fPr>
-                          <m:ctrlPr>
-                            <a:rPr lang="cs-CZ" sz="1600" i="1" smtClean="0">
-                              <a:solidFill>
-                                <a:schemeClr val="dk2"/>
-                              </a:solidFill>
-                              <a:latin typeface="Cambria Math" panose="02040503050406030204" pitchFamily="18" charset="0"/>
-                              <a:ea typeface="Cambria Math" panose="02040503050406030204" pitchFamily="18" charset="0"/>
-                            </a:rPr>
-                          </m:ctrlPr>
-                        </m:fPr>
-                        <m:num>
-                          <m:r>
-                            <a:rPr lang="cs-CZ" sz="1600" b="0" i="1" smtClean="0">
-                              <a:solidFill>
-                                <a:schemeClr val="dk2"/>
-                              </a:solidFill>
-                              <a:latin typeface="Cambria Math" panose="02040503050406030204" pitchFamily="18" charset="0"/>
-                              <a:ea typeface="Cambria Math" panose="02040503050406030204" pitchFamily="18" charset="0"/>
-                            </a:rPr>
-                            <m:t>1</m:t>
-                          </m:r>
-                        </m:num>
-                        <m:den>
-                          <m:r>
-                            <a:rPr lang="cs-CZ" sz="1600" b="0" i="1" smtClean="0">
-                              <a:solidFill>
-                                <a:schemeClr val="dk2"/>
-                              </a:solidFill>
-                              <a:latin typeface="Cambria Math" panose="02040503050406030204" pitchFamily="18" charset="0"/>
-                              <a:ea typeface="Cambria Math" panose="02040503050406030204" pitchFamily="18" charset="0"/>
-                            </a:rPr>
-                            <m:t>𝜙</m:t>
-                          </m:r>
-                        </m:den>
-                      </m:f>
+                      <m:r>
+                        <a:rPr lang="cs-CZ" sz="1600" b="0" i="1" smtClean="0">
+                          <a:solidFill>
+                            <a:schemeClr val="dk2"/>
+                          </a:solidFill>
+                          <a:latin typeface="Cambria Math" panose="02040503050406030204" pitchFamily="18" charset="0"/>
+                          <a:ea typeface="Cambria Math" panose="02040503050406030204" pitchFamily="18" charset="0"/>
+                        </a:rPr>
+                        <m:t>𝜙</m:t>
+                      </m:r>
                       <m:r>
                         <m:rPr>
                           <m:sty m:val="p"/>
@@ -16705,7 +17304,7 @@
             <p:spPr>
               <a:xfrm>
                 <a:off x="449177" y="2667566"/>
-                <a:ext cx="1740570" cy="596445"/>
+                <a:ext cx="1740570" cy="338554"/>
               </a:xfrm>
               <a:prstGeom prst="rect">
                 <a:avLst/>
@@ -16713,7 +17312,7 @@
               <a:blipFill>
                 <a:blip r:embed="rId5"/>
                 <a:stretch>
-                  <a:fillRect/>
+                  <a:fillRect b="-12727"/>
                 </a:stretch>
               </a:blipFill>
             </p:spPr>
@@ -16732,8 +17331,8 @@
           </p:sp>
         </mc:Fallback>
       </mc:AlternateContent>
-      <mc:AlternateContent xmlns:mc="http://schemas.openxmlformats.org/markup-compatibility/2006">
-        <mc:Choice xmlns:a14="http://schemas.microsoft.com/office/drawing/2010/main" Requires="a14">
+      <mc:AlternateContent xmlns:mc="http://schemas.openxmlformats.org/markup-compatibility/2006" xmlns:a14="http://schemas.microsoft.com/office/drawing/2010/main">
+        <mc:Choice Requires="a14">
           <p:sp>
             <p:nvSpPr>
               <p:cNvPr id="16" name="Google Shape;79;p14">
@@ -16900,7 +17499,7 @@
             </p:txBody>
           </p:sp>
         </mc:Choice>
-        <mc:Fallback>
+        <mc:Fallback xmlns="">
           <p:sp>
             <p:nvSpPr>
               <p:cNvPr id="16" name="Google Shape;79;p14">
@@ -17182,43 +17781,18 @@
                         </m:ctrlPr>
                       </m:dPr>
                       <m:e>
-                        <m:f>
-                          <m:fPr>
-                            <m:ctrlPr>
-                              <a:rPr lang="cs-CZ" sz="1600" i="1">
-                                <a:solidFill>
-                                  <a:schemeClr val="dk2"/>
-                                </a:solidFill>
-                                <a:latin typeface="Cambria Math" panose="02040503050406030204" pitchFamily="18" charset="0"/>
-                                <a:ea typeface="Cambria Math" panose="02040503050406030204" pitchFamily="18" charset="0"/>
-                              </a:rPr>
-                            </m:ctrlPr>
-                          </m:fPr>
-                          <m:num>
-                            <m:r>
-                              <a:rPr lang="cs-CZ" sz="1600" i="1">
-                                <a:solidFill>
-                                  <a:schemeClr val="dk2"/>
-                                </a:solidFill>
-                                <a:latin typeface="Cambria Math" panose="02040503050406030204" pitchFamily="18" charset="0"/>
-                                <a:ea typeface="Cambria Math" panose="02040503050406030204" pitchFamily="18" charset="0"/>
-                              </a:rPr>
-                              <m:t>1</m:t>
-                            </m:r>
-                          </m:num>
-                          <m:den>
-                            <m:r>
-                              <a:rPr lang="cs-CZ" sz="1600" i="1">
-                                <a:solidFill>
-                                  <a:schemeClr val="dk2"/>
-                                </a:solidFill>
-                                <a:latin typeface="Cambria Math" panose="02040503050406030204" pitchFamily="18" charset="0"/>
-                                <a:ea typeface="Cambria Math" panose="02040503050406030204" pitchFamily="18" charset="0"/>
-                              </a:rPr>
-                              <m:t>𝜙</m:t>
-                            </m:r>
-                          </m:den>
-                        </m:f>
+                        <m:r>
+                          <a:rPr lang="cs-CZ" sz="1600" b="0" i="1" smtClean="0">
+                            <a:solidFill>
+                              <a:schemeClr val="tx1">
+                                <a:lumMod val="75000"/>
+                                <a:lumOff val="25000"/>
+                              </a:schemeClr>
+                            </a:solidFill>
+                            <a:latin typeface="Cambria Math" panose="02040503050406030204" pitchFamily="18" charset="0"/>
+                          </a:rPr>
+                          <m:t>𝜙</m:t>
+                        </m:r>
                         <m:r>
                           <m:rPr>
                             <m:sty m:val="p"/>
@@ -17322,7 +17896,7 @@
               <a:blipFill>
                 <a:blip r:embed="rId7"/>
                 <a:stretch>
-                  <a:fillRect b="-25000"/>
+                  <a:fillRect b="-5556"/>
                 </a:stretch>
               </a:blipFill>
               <a:ln>
@@ -17344,8 +17918,8 @@
           </p:sp>
         </mc:Fallback>
       </mc:AlternateContent>
-      <mc:AlternateContent xmlns:mc="http://schemas.openxmlformats.org/markup-compatibility/2006">
-        <mc:Choice xmlns:a14="http://schemas.microsoft.com/office/drawing/2010/main" Requires="a14">
+      <mc:AlternateContent xmlns:mc="http://schemas.openxmlformats.org/markup-compatibility/2006" xmlns:a14="http://schemas.microsoft.com/office/drawing/2010/main">
+        <mc:Choice Requires="a14">
           <p:sp>
             <p:nvSpPr>
               <p:cNvPr id="20" name="Google Shape;79;p14">
@@ -17519,7 +18093,7 @@
             </p:txBody>
           </p:sp>
         </mc:Choice>
-        <mc:Fallback>
+        <mc:Fallback xmlns="">
           <p:sp>
             <p:nvSpPr>
               <p:cNvPr id="20" name="Google Shape;79;p14">
@@ -18053,14 +18627,20 @@
             <a:r>
               <a:rPr lang="cs" sz="1600" dirty="0">
                 <a:solidFill>
-                  <a:schemeClr val="dk2"/>
+                  <a:schemeClr val="tx1">
+                    <a:lumMod val="65000"/>
+                    <a:lumOff val="35000"/>
+                  </a:schemeClr>
                 </a:solidFill>
               </a:rPr>
               <a:t>Neurons</a:t>
             </a:r>
             <a:endParaRPr lang="cs-CZ" sz="1600" dirty="0">
               <a:solidFill>
-                <a:schemeClr val="dk2"/>
+                <a:schemeClr val="tx1">
+                  <a:lumMod val="65000"/>
+                  <a:lumOff val="35000"/>
+                </a:schemeClr>
               </a:solidFill>
             </a:endParaRPr>
           </a:p>
@@ -18105,18 +18685,36 @@
                     <m:oMath xmlns:m="http://schemas.openxmlformats.org/officeDocument/2006/math">
                       <m:r>
                         <a:rPr lang="cs-CZ" b="0" i="1" smtClean="0">
+                          <a:solidFill>
+                            <a:schemeClr val="tx1">
+                              <a:lumMod val="65000"/>
+                              <a:lumOff val="35000"/>
+                            </a:schemeClr>
+                          </a:solidFill>
                           <a:latin typeface="Cambria Math" panose="02040503050406030204" pitchFamily="18" charset="0"/>
                         </a:rPr>
                         <m:t>𝑦</m:t>
                       </m:r>
                       <m:r>
                         <a:rPr lang="cs-CZ" b="0" i="1" smtClean="0">
+                          <a:solidFill>
+                            <a:schemeClr val="tx1">
+                              <a:lumMod val="65000"/>
+                              <a:lumOff val="35000"/>
+                            </a:schemeClr>
+                          </a:solidFill>
                           <a:latin typeface="Cambria Math" panose="02040503050406030204" pitchFamily="18" charset="0"/>
                         </a:rPr>
                         <m:t>=</m:t>
                       </m:r>
                       <m:r>
                         <a:rPr lang="cs-CZ" b="0" i="1" smtClean="0">
+                          <a:solidFill>
+                            <a:schemeClr val="tx1">
+                              <a:lumMod val="65000"/>
+                              <a:lumOff val="35000"/>
+                            </a:schemeClr>
+                          </a:solidFill>
                           <a:latin typeface="Cambria Math" panose="02040503050406030204" pitchFamily="18" charset="0"/>
                         </a:rPr>
                         <m:t>𝜎</m:t>
@@ -18125,6 +18723,12 @@
                         <m:dPr>
                           <m:ctrlPr>
                             <a:rPr lang="cs-CZ" b="0" i="1" smtClean="0">
+                              <a:solidFill>
+                                <a:schemeClr val="tx1">
+                                  <a:lumMod val="65000"/>
+                                  <a:lumOff val="35000"/>
+                                </a:schemeClr>
+                              </a:solidFill>
                               <a:latin typeface="Cambria Math" panose="02040503050406030204" pitchFamily="18" charset="0"/>
                             </a:rPr>
                           </m:ctrlPr>
@@ -18134,6 +18738,12 @@
                             <m:sSupPr>
                               <m:ctrlPr>
                                 <a:rPr lang="cs-CZ" b="0" i="1" smtClean="0">
+                                  <a:solidFill>
+                                    <a:schemeClr val="tx1">
+                                      <a:lumMod val="65000"/>
+                                      <a:lumOff val="35000"/>
+                                    </a:schemeClr>
+                                  </a:solidFill>
                                   <a:latin typeface="Cambria Math" panose="02040503050406030204" pitchFamily="18" charset="0"/>
                                 </a:rPr>
                               </m:ctrlPr>
@@ -18141,6 +18751,12 @@
                             <m:e>
                               <m:r>
                                 <a:rPr lang="cs-CZ" b="1" i="1" smtClean="0">
+                                  <a:solidFill>
+                                    <a:schemeClr val="tx1">
+                                      <a:lumMod val="65000"/>
+                                      <a:lumOff val="35000"/>
+                                    </a:schemeClr>
+                                  </a:solidFill>
                                   <a:latin typeface="Cambria Math" panose="02040503050406030204" pitchFamily="18" charset="0"/>
                                 </a:rPr>
                                 <m:t>𝒘</m:t>
@@ -18152,6 +18768,12 @@
                                   <m:sty m:val="p"/>
                                 </m:rPr>
                                 <a:rPr lang="cs-CZ" b="0" i="0" smtClean="0">
+                                  <a:solidFill>
+                                    <a:schemeClr val="tx1">
+                                      <a:lumMod val="65000"/>
+                                      <a:lumOff val="35000"/>
+                                    </a:schemeClr>
+                                  </a:solidFill>
                                   <a:latin typeface="Cambria Math" panose="02040503050406030204" pitchFamily="18" charset="0"/>
                                 </a:rPr>
                                 <m:t>T</m:t>
@@ -18160,18 +18782,36 @@
                           </m:sSup>
                           <m:r>
                             <a:rPr lang="cs-CZ" b="1" i="1" smtClean="0">
+                              <a:solidFill>
+                                <a:schemeClr val="tx1">
+                                  <a:lumMod val="65000"/>
+                                  <a:lumOff val="35000"/>
+                                </a:schemeClr>
+                              </a:solidFill>
                               <a:latin typeface="Cambria Math" panose="02040503050406030204" pitchFamily="18" charset="0"/>
                             </a:rPr>
                             <m:t>𝒙</m:t>
                           </m:r>
                           <m:r>
                             <a:rPr lang="cs-CZ" b="0" i="1" smtClean="0">
+                              <a:solidFill>
+                                <a:schemeClr val="tx1">
+                                  <a:lumMod val="65000"/>
+                                  <a:lumOff val="35000"/>
+                                </a:schemeClr>
+                              </a:solidFill>
                               <a:latin typeface="Cambria Math" panose="02040503050406030204" pitchFamily="18" charset="0"/>
                             </a:rPr>
                             <m:t>+</m:t>
                           </m:r>
                           <m:r>
                             <a:rPr lang="cs-CZ" b="0" i="1" smtClean="0">
+                              <a:solidFill>
+                                <a:schemeClr val="tx1">
+                                  <a:lumMod val="65000"/>
+                                  <a:lumOff val="35000"/>
+                                </a:schemeClr>
+                              </a:solidFill>
                               <a:latin typeface="Cambria Math" panose="02040503050406030204" pitchFamily="18" charset="0"/>
                             </a:rPr>
                             <m:t>𝑏</m:t>
@@ -18181,7 +18821,14 @@
                     </m:oMath>
                   </m:oMathPara>
                 </a14:m>
-                <a:endParaRPr lang="de-DE" dirty="0"/>
+                <a:endParaRPr lang="de-DE" dirty="0">
+                  <a:solidFill>
+                    <a:schemeClr val="tx1">
+                      <a:lumMod val="65000"/>
+                      <a:lumOff val="35000"/>
+                    </a:schemeClr>
+                  </a:solidFill>
+                </a:endParaRPr>
               </a:p>
             </p:txBody>
           </p:sp>
@@ -18272,14 +18919,20 @@
             <a:r>
               <a:rPr lang="cs" sz="1600" dirty="0">
                 <a:solidFill>
-                  <a:schemeClr val="dk2"/>
+                  <a:schemeClr val="tx1">
+                    <a:lumMod val="65000"/>
+                    <a:lumOff val="35000"/>
+                  </a:schemeClr>
                 </a:solidFill>
               </a:rPr>
               <a:t>are organised into layers</a:t>
             </a:r>
             <a:endParaRPr lang="cs-CZ" sz="1600" dirty="0">
               <a:solidFill>
-                <a:schemeClr val="dk2"/>
+                <a:schemeClr val="tx1">
+                  <a:lumMod val="65000"/>
+                  <a:lumOff val="35000"/>
+                </a:schemeClr>
               </a:solidFill>
             </a:endParaRPr>
           </a:p>
@@ -18326,6 +18979,12 @@
                         <m:sSubPr>
                           <m:ctrlPr>
                             <a:rPr lang="cs-CZ" i="1" smtClean="0">
+                              <a:solidFill>
+                                <a:schemeClr val="tx1">
+                                  <a:lumMod val="65000"/>
+                                  <a:lumOff val="35000"/>
+                                </a:schemeClr>
+                              </a:solidFill>
                               <a:latin typeface="Cambria Math" panose="02040503050406030204" pitchFamily="18" charset="0"/>
                             </a:rPr>
                           </m:ctrlPr>
@@ -18333,6 +18992,12 @@
                         <m:e>
                           <m:r>
                             <a:rPr lang="cs-CZ" b="1" i="1">
+                              <a:solidFill>
+                                <a:schemeClr val="tx1">
+                                  <a:lumMod val="65000"/>
+                                  <a:lumOff val="35000"/>
+                                </a:schemeClr>
+                              </a:solidFill>
                               <a:latin typeface="Cambria Math" panose="02040503050406030204" pitchFamily="18" charset="0"/>
                             </a:rPr>
                             <m:t>𝒙</m:t>
@@ -18341,30 +19006,60 @@
                         <m:sub>
                           <m:r>
                             <a:rPr lang="cs-CZ" i="1">
+                              <a:solidFill>
+                                <a:schemeClr val="tx1">
+                                  <a:lumMod val="65000"/>
+                                  <a:lumOff val="35000"/>
+                                </a:schemeClr>
+                              </a:solidFill>
                               <a:latin typeface="Cambria Math" panose="02040503050406030204" pitchFamily="18" charset="0"/>
                             </a:rPr>
                             <m:t>(</m:t>
                           </m:r>
                           <m:r>
                             <a:rPr lang="cs-CZ" i="1">
+                              <a:solidFill>
+                                <a:schemeClr val="tx1">
+                                  <a:lumMod val="65000"/>
+                                  <a:lumOff val="35000"/>
+                                </a:schemeClr>
+                              </a:solidFill>
                               <a:latin typeface="Cambria Math" panose="02040503050406030204" pitchFamily="18" charset="0"/>
                             </a:rPr>
                             <m:t>𝑖</m:t>
                           </m:r>
                           <m:r>
                             <a:rPr lang="cs-CZ" b="0" i="1" smtClean="0">
+                              <a:solidFill>
+                                <a:schemeClr val="tx1">
+                                  <a:lumMod val="65000"/>
+                                  <a:lumOff val="35000"/>
+                                </a:schemeClr>
+                              </a:solidFill>
                               <a:latin typeface="Cambria Math" panose="02040503050406030204" pitchFamily="18" charset="0"/>
                             </a:rPr>
                             <m:t>+</m:t>
                           </m:r>
                           <m:r>
                             <a:rPr lang="cs-CZ" b="0" i="1" smtClean="0">
+                              <a:solidFill>
+                                <a:schemeClr val="tx1">
+                                  <a:lumMod val="65000"/>
+                                  <a:lumOff val="35000"/>
+                                </a:schemeClr>
+                              </a:solidFill>
                               <a:latin typeface="Cambria Math" panose="02040503050406030204" pitchFamily="18" charset="0"/>
                             </a:rPr>
                             <m:t>1</m:t>
                           </m:r>
                           <m:r>
                             <a:rPr lang="cs-CZ" i="1">
+                              <a:solidFill>
+                                <a:schemeClr val="tx1">
+                                  <a:lumMod val="65000"/>
+                                  <a:lumOff val="35000"/>
+                                </a:schemeClr>
+                              </a:solidFill>
                               <a:latin typeface="Cambria Math" panose="02040503050406030204" pitchFamily="18" charset="0"/>
                             </a:rPr>
                             <m:t>)</m:t>
@@ -18373,12 +19068,24 @@
                       </m:sSub>
                       <m:r>
                         <a:rPr lang="cs-CZ" b="0" i="1" smtClean="0">
+                          <a:solidFill>
+                            <a:schemeClr val="tx1">
+                              <a:lumMod val="65000"/>
+                              <a:lumOff val="35000"/>
+                            </a:schemeClr>
+                          </a:solidFill>
                           <a:latin typeface="Cambria Math" panose="02040503050406030204" pitchFamily="18" charset="0"/>
                         </a:rPr>
                         <m:t>=</m:t>
                       </m:r>
                       <m:r>
                         <a:rPr lang="cs-CZ" b="0" i="1" smtClean="0">
+                          <a:solidFill>
+                            <a:schemeClr val="tx1">
+                              <a:lumMod val="65000"/>
+                              <a:lumOff val="35000"/>
+                            </a:schemeClr>
+                          </a:solidFill>
                           <a:latin typeface="Cambria Math" panose="02040503050406030204" pitchFamily="18" charset="0"/>
                         </a:rPr>
                         <m:t>𝜎</m:t>
@@ -18387,6 +19094,12 @@
                         <m:dPr>
                           <m:ctrlPr>
                             <a:rPr lang="cs-CZ" b="0" i="1" smtClean="0">
+                              <a:solidFill>
+                                <a:schemeClr val="tx1">
+                                  <a:lumMod val="65000"/>
+                                  <a:lumOff val="35000"/>
+                                </a:schemeClr>
+                              </a:solidFill>
                               <a:latin typeface="Cambria Math" panose="02040503050406030204" pitchFamily="18" charset="0"/>
                             </a:rPr>
                           </m:ctrlPr>
@@ -18396,6 +19109,12 @@
                             <m:sSubSupPr>
                               <m:ctrlPr>
                                 <a:rPr lang="cs-CZ" b="0" i="1" smtClean="0">
+                                  <a:solidFill>
+                                    <a:schemeClr val="tx1">
+                                      <a:lumMod val="65000"/>
+                                      <a:lumOff val="35000"/>
+                                    </a:schemeClr>
+                                  </a:solidFill>
                                   <a:latin typeface="Cambria Math" panose="02040503050406030204" pitchFamily="18" charset="0"/>
                                 </a:rPr>
                               </m:ctrlPr>
@@ -18403,6 +19122,12 @@
                             <m:e>
                               <m:r>
                                 <a:rPr lang="cs-CZ" b="1" i="1" smtClean="0">
+                                  <a:solidFill>
+                                    <a:schemeClr val="tx1">
+                                      <a:lumMod val="65000"/>
+                                      <a:lumOff val="35000"/>
+                                    </a:schemeClr>
+                                  </a:solidFill>
                                   <a:latin typeface="Cambria Math" panose="02040503050406030204" pitchFamily="18" charset="0"/>
                                 </a:rPr>
                                 <m:t>𝑾</m:t>
@@ -18411,18 +19136,36 @@
                             <m:sub>
                               <m:r>
                                 <a:rPr lang="cs-CZ" b="0" i="1" smtClean="0">
+                                  <a:solidFill>
+                                    <a:schemeClr val="tx1">
+                                      <a:lumMod val="65000"/>
+                                      <a:lumOff val="35000"/>
+                                    </a:schemeClr>
+                                  </a:solidFill>
                                   <a:latin typeface="Cambria Math" panose="02040503050406030204" pitchFamily="18" charset="0"/>
                                 </a:rPr>
                                 <m:t>(</m:t>
                               </m:r>
                               <m:r>
                                 <a:rPr lang="cs-CZ" b="0" i="1" smtClean="0">
+                                  <a:solidFill>
+                                    <a:schemeClr val="tx1">
+                                      <a:lumMod val="65000"/>
+                                      <a:lumOff val="35000"/>
+                                    </a:schemeClr>
+                                  </a:solidFill>
                                   <a:latin typeface="Cambria Math" panose="02040503050406030204" pitchFamily="18" charset="0"/>
                                 </a:rPr>
                                 <m:t>𝑖</m:t>
                               </m:r>
                               <m:r>
                                 <a:rPr lang="cs-CZ" b="0" i="1" smtClean="0">
+                                  <a:solidFill>
+                                    <a:schemeClr val="tx1">
+                                      <a:lumMod val="65000"/>
+                                      <a:lumOff val="35000"/>
+                                    </a:schemeClr>
+                                  </a:solidFill>
                                   <a:latin typeface="Cambria Math" panose="02040503050406030204" pitchFamily="18" charset="0"/>
                                 </a:rPr>
                                 <m:t>)</m:t>
@@ -18434,6 +19177,12 @@
                                   <m:sty m:val="p"/>
                                 </m:rPr>
                                 <a:rPr lang="cs-CZ" b="0" i="0" smtClean="0">
+                                  <a:solidFill>
+                                    <a:schemeClr val="tx1">
+                                      <a:lumMod val="65000"/>
+                                      <a:lumOff val="35000"/>
+                                    </a:schemeClr>
+                                  </a:solidFill>
                                   <a:latin typeface="Cambria Math" panose="02040503050406030204" pitchFamily="18" charset="0"/>
                                 </a:rPr>
                                 <m:t>T</m:t>
@@ -18444,6 +19193,12 @@
                             <m:sSubPr>
                               <m:ctrlPr>
                                 <a:rPr lang="cs-CZ" i="1">
+                                  <a:solidFill>
+                                    <a:schemeClr val="tx1">
+                                      <a:lumMod val="65000"/>
+                                      <a:lumOff val="35000"/>
+                                    </a:schemeClr>
+                                  </a:solidFill>
                                   <a:latin typeface="Cambria Math" panose="02040503050406030204" pitchFamily="18" charset="0"/>
                                 </a:rPr>
                               </m:ctrlPr>
@@ -18451,6 +19206,12 @@
                             <m:e>
                               <m:r>
                                 <a:rPr lang="cs-CZ" b="1" i="1">
+                                  <a:solidFill>
+                                    <a:schemeClr val="tx1">
+                                      <a:lumMod val="65000"/>
+                                      <a:lumOff val="35000"/>
+                                    </a:schemeClr>
+                                  </a:solidFill>
                                   <a:latin typeface="Cambria Math" panose="02040503050406030204" pitchFamily="18" charset="0"/>
                                 </a:rPr>
                                 <m:t>𝒙</m:t>
@@ -18459,18 +19220,36 @@
                             <m:sub>
                               <m:r>
                                 <a:rPr lang="cs-CZ" i="1">
+                                  <a:solidFill>
+                                    <a:schemeClr val="tx1">
+                                      <a:lumMod val="65000"/>
+                                      <a:lumOff val="35000"/>
+                                    </a:schemeClr>
+                                  </a:solidFill>
                                   <a:latin typeface="Cambria Math" panose="02040503050406030204" pitchFamily="18" charset="0"/>
                                 </a:rPr>
                                 <m:t>(</m:t>
                               </m:r>
                               <m:r>
                                 <a:rPr lang="cs-CZ" i="1">
+                                  <a:solidFill>
+                                    <a:schemeClr val="tx1">
+                                      <a:lumMod val="65000"/>
+                                      <a:lumOff val="35000"/>
+                                    </a:schemeClr>
+                                  </a:solidFill>
                                   <a:latin typeface="Cambria Math" panose="02040503050406030204" pitchFamily="18" charset="0"/>
                                 </a:rPr>
                                 <m:t>𝑖</m:t>
                               </m:r>
                               <m:r>
                                 <a:rPr lang="cs-CZ" i="1">
+                                  <a:solidFill>
+                                    <a:schemeClr val="tx1">
+                                      <a:lumMod val="65000"/>
+                                      <a:lumOff val="35000"/>
+                                    </a:schemeClr>
+                                  </a:solidFill>
                                   <a:latin typeface="Cambria Math" panose="02040503050406030204" pitchFamily="18" charset="0"/>
                                 </a:rPr>
                                 <m:t>)</m:t>
@@ -18479,6 +19258,12 @@
                           </m:sSub>
                           <m:r>
                             <a:rPr lang="cs-CZ" b="0" i="1" smtClean="0">
+                              <a:solidFill>
+                                <a:schemeClr val="tx1">
+                                  <a:lumMod val="65000"/>
+                                  <a:lumOff val="35000"/>
+                                </a:schemeClr>
+                              </a:solidFill>
                               <a:latin typeface="Cambria Math" panose="02040503050406030204" pitchFamily="18" charset="0"/>
                             </a:rPr>
                             <m:t>+</m:t>
@@ -18487,6 +19272,12 @@
                             <m:sSubPr>
                               <m:ctrlPr>
                                 <a:rPr lang="cs-CZ" b="0" i="1" smtClean="0">
+                                  <a:solidFill>
+                                    <a:schemeClr val="tx1">
+                                      <a:lumMod val="65000"/>
+                                      <a:lumOff val="35000"/>
+                                    </a:schemeClr>
+                                  </a:solidFill>
                                   <a:latin typeface="Cambria Math" panose="02040503050406030204" pitchFamily="18" charset="0"/>
                                 </a:rPr>
                               </m:ctrlPr>
@@ -18494,6 +19285,12 @@
                             <m:e>
                               <m:r>
                                 <a:rPr lang="cs-CZ" b="1" i="1" smtClean="0">
+                                  <a:solidFill>
+                                    <a:schemeClr val="tx1">
+                                      <a:lumMod val="65000"/>
+                                      <a:lumOff val="35000"/>
+                                    </a:schemeClr>
+                                  </a:solidFill>
                                   <a:latin typeface="Cambria Math" panose="02040503050406030204" pitchFamily="18" charset="0"/>
                                 </a:rPr>
                                 <m:t>𝒃</m:t>
@@ -18502,18 +19299,36 @@
                             <m:sub>
                               <m:r>
                                 <a:rPr lang="cs-CZ" b="0" i="1" smtClean="0">
+                                  <a:solidFill>
+                                    <a:schemeClr val="tx1">
+                                      <a:lumMod val="65000"/>
+                                      <a:lumOff val="35000"/>
+                                    </a:schemeClr>
+                                  </a:solidFill>
                                   <a:latin typeface="Cambria Math" panose="02040503050406030204" pitchFamily="18" charset="0"/>
                                 </a:rPr>
                                 <m:t>(</m:t>
                               </m:r>
                               <m:r>
                                 <a:rPr lang="cs-CZ" b="0" i="1" smtClean="0">
+                                  <a:solidFill>
+                                    <a:schemeClr val="tx1">
+                                      <a:lumMod val="65000"/>
+                                      <a:lumOff val="35000"/>
+                                    </a:schemeClr>
+                                  </a:solidFill>
                                   <a:latin typeface="Cambria Math" panose="02040503050406030204" pitchFamily="18" charset="0"/>
                                 </a:rPr>
                                 <m:t>𝑖</m:t>
                               </m:r>
                               <m:r>
                                 <a:rPr lang="cs-CZ" b="0" i="1" smtClean="0">
+                                  <a:solidFill>
+                                    <a:schemeClr val="tx1">
+                                      <a:lumMod val="65000"/>
+                                      <a:lumOff val="35000"/>
+                                    </a:schemeClr>
+                                  </a:solidFill>
                                   <a:latin typeface="Cambria Math" panose="02040503050406030204" pitchFamily="18" charset="0"/>
                                 </a:rPr>
                                 <m:t>)</m:t>
@@ -18525,7 +19340,14 @@
                     </m:oMath>
                   </m:oMathPara>
                 </a14:m>
-                <a:endParaRPr lang="de-DE" dirty="0"/>
+                <a:endParaRPr lang="de-DE" dirty="0">
+                  <a:solidFill>
+                    <a:schemeClr val="tx1">
+                      <a:lumMod val="65000"/>
+                      <a:lumOff val="35000"/>
+                    </a:schemeClr>
+                  </a:solidFill>
+                </a:endParaRPr>
               </a:p>
             </p:txBody>
           </p:sp>
@@ -18575,8 +19397,8 @@
           </p:sp>
         </mc:Fallback>
       </mc:AlternateContent>
-      <mc:AlternateContent xmlns:mc="http://schemas.openxmlformats.org/markup-compatibility/2006" xmlns:a14="http://schemas.microsoft.com/office/drawing/2010/main">
-        <mc:Choice Requires="a14">
+      <mc:AlternateContent xmlns:mc="http://schemas.openxmlformats.org/markup-compatibility/2006">
+        <mc:Choice xmlns:a14="http://schemas.microsoft.com/office/drawing/2010/main" Requires="a14">
           <p:sp>
             <p:nvSpPr>
               <p:cNvPr id="11" name="Google Shape;79;p14">
@@ -18621,6 +19443,12 @@
                       <m:sSubSupPr>
                         <m:ctrlPr>
                           <a:rPr lang="cs-CZ" sz="1600" b="0" i="1" smtClean="0">
+                            <a:solidFill>
+                              <a:schemeClr val="tx1">
+                                <a:lumMod val="65000"/>
+                                <a:lumOff val="35000"/>
+                              </a:schemeClr>
+                            </a:solidFill>
                             <a:latin typeface="Cambria Math" panose="02040503050406030204" pitchFamily="18" charset="0"/>
                           </a:rPr>
                         </m:ctrlPr>
@@ -18628,6 +19456,12 @@
                       <m:e>
                         <m:r>
                           <a:rPr lang="cs-CZ" sz="1600" b="1" i="1" smtClean="0">
+                            <a:solidFill>
+                              <a:schemeClr val="tx1">
+                                <a:lumMod val="65000"/>
+                                <a:lumOff val="35000"/>
+                              </a:schemeClr>
+                            </a:solidFill>
                             <a:latin typeface="Cambria Math" panose="02040503050406030204" pitchFamily="18" charset="0"/>
                           </a:rPr>
                           <m:t>𝑾</m:t>
@@ -18636,18 +19470,36 @@
                       <m:sub>
                         <m:r>
                           <a:rPr lang="cs-CZ" sz="1600" b="0" i="1" smtClean="0">
+                            <a:solidFill>
+                              <a:schemeClr val="tx1">
+                                <a:lumMod val="65000"/>
+                                <a:lumOff val="35000"/>
+                              </a:schemeClr>
+                            </a:solidFill>
                             <a:latin typeface="Cambria Math" panose="02040503050406030204" pitchFamily="18" charset="0"/>
                           </a:rPr>
                           <m:t>(</m:t>
                         </m:r>
                         <m:r>
                           <a:rPr lang="cs-CZ" sz="1600" b="0" i="1" smtClean="0">
+                            <a:solidFill>
+                              <a:schemeClr val="tx1">
+                                <a:lumMod val="65000"/>
+                                <a:lumOff val="35000"/>
+                              </a:schemeClr>
+                            </a:solidFill>
                             <a:latin typeface="Cambria Math" panose="02040503050406030204" pitchFamily="18" charset="0"/>
                           </a:rPr>
                           <m:t>𝑖</m:t>
                         </m:r>
                         <m:r>
                           <a:rPr lang="cs-CZ" sz="1600" b="0" i="1" smtClean="0">
+                            <a:solidFill>
+                              <a:schemeClr val="tx1">
+                                <a:lumMod val="65000"/>
+                                <a:lumOff val="35000"/>
+                              </a:schemeClr>
+                            </a:solidFill>
                             <a:latin typeface="Cambria Math" panose="02040503050406030204" pitchFamily="18" charset="0"/>
                           </a:rPr>
                           <m:t>)</m:t>
@@ -18659,6 +19511,12 @@
                             <m:sty m:val="p"/>
                           </m:rPr>
                           <a:rPr lang="cs-CZ" sz="1600" b="0" i="0" smtClean="0">
+                            <a:solidFill>
+                              <a:schemeClr val="tx1">
+                                <a:lumMod val="65000"/>
+                                <a:lumOff val="35000"/>
+                              </a:schemeClr>
+                            </a:solidFill>
                             <a:latin typeface="Cambria Math" panose="02040503050406030204" pitchFamily="18" charset="0"/>
                           </a:rPr>
                           <m:t>T</m:t>
@@ -18667,6 +19525,12 @@
                     </m:sSubSup>
                     <m:r>
                       <a:rPr lang="cs-CZ" sz="1600" b="0" i="1" smtClean="0">
+                        <a:solidFill>
+                          <a:schemeClr val="tx1">
+                            <a:lumMod val="65000"/>
+                            <a:lumOff val="35000"/>
+                          </a:schemeClr>
+                        </a:solidFill>
                         <a:latin typeface="Cambria Math" panose="02040503050406030204" pitchFamily="18" charset="0"/>
                       </a:rPr>
                       <m:t>,</m:t>
@@ -18675,6 +19539,12 @@
                       <m:sSubPr>
                         <m:ctrlPr>
                           <a:rPr lang="cs-CZ" sz="1600" i="1">
+                            <a:solidFill>
+                              <a:schemeClr val="tx1">
+                                <a:lumMod val="65000"/>
+                                <a:lumOff val="35000"/>
+                              </a:schemeClr>
+                            </a:solidFill>
                             <a:latin typeface="Cambria Math" panose="02040503050406030204" pitchFamily="18" charset="0"/>
                           </a:rPr>
                         </m:ctrlPr>
@@ -18682,6 +19552,12 @@
                       <m:e>
                         <m:r>
                           <a:rPr lang="cs-CZ" sz="1600" b="1" i="1">
+                            <a:solidFill>
+                              <a:schemeClr val="tx1">
+                                <a:lumMod val="65000"/>
+                                <a:lumOff val="35000"/>
+                              </a:schemeClr>
+                            </a:solidFill>
                             <a:latin typeface="Cambria Math" panose="02040503050406030204" pitchFamily="18" charset="0"/>
                           </a:rPr>
                           <m:t>𝒃</m:t>
@@ -18690,18 +19566,36 @@
                       <m:sub>
                         <m:r>
                           <a:rPr lang="cs-CZ" sz="1600" i="1">
+                            <a:solidFill>
+                              <a:schemeClr val="tx1">
+                                <a:lumMod val="65000"/>
+                                <a:lumOff val="35000"/>
+                              </a:schemeClr>
+                            </a:solidFill>
                             <a:latin typeface="Cambria Math" panose="02040503050406030204" pitchFamily="18" charset="0"/>
                           </a:rPr>
                           <m:t>(</m:t>
                         </m:r>
                         <m:r>
                           <a:rPr lang="cs-CZ" sz="1600" i="1">
+                            <a:solidFill>
+                              <a:schemeClr val="tx1">
+                                <a:lumMod val="65000"/>
+                                <a:lumOff val="35000"/>
+                              </a:schemeClr>
+                            </a:solidFill>
                             <a:latin typeface="Cambria Math" panose="02040503050406030204" pitchFamily="18" charset="0"/>
                           </a:rPr>
                           <m:t>𝑖</m:t>
                         </m:r>
                         <m:r>
                           <a:rPr lang="cs-CZ" sz="1600" i="1">
+                            <a:solidFill>
+                              <a:schemeClr val="tx1">
+                                <a:lumMod val="65000"/>
+                                <a:lumOff val="35000"/>
+                              </a:schemeClr>
+                            </a:solidFill>
                             <a:latin typeface="Cambria Math" panose="02040503050406030204" pitchFamily="18" charset="0"/>
                           </a:rPr>
                           <m:t>)</m:t>
@@ -18713,7 +19607,10 @@
                 <a:r>
                   <a:rPr lang="cs-CZ" sz="1600" dirty="0">
                     <a:solidFill>
-                      <a:schemeClr val="dk2"/>
+                      <a:schemeClr val="tx1">
+                        <a:lumMod val="65000"/>
+                        <a:lumOff val="35000"/>
+                      </a:schemeClr>
                     </a:solidFill>
                   </a:rPr>
                   <a:t> are </a:t>
@@ -18721,7 +19618,10 @@
                 <a:r>
                   <a:rPr lang="cs-CZ" sz="1600" dirty="0" err="1">
                     <a:solidFill>
-                      <a:schemeClr val="dk2"/>
+                      <a:schemeClr val="tx1">
+                        <a:lumMod val="65000"/>
+                        <a:lumOff val="35000"/>
+                      </a:schemeClr>
                     </a:solidFill>
                   </a:rPr>
                   <a:t>parameters</a:t>
@@ -18729,7 +19629,10 @@
                 <a:r>
                   <a:rPr lang="cs-CZ" sz="1600" dirty="0">
                     <a:solidFill>
-                      <a:schemeClr val="dk2"/>
+                      <a:schemeClr val="tx1">
+                        <a:lumMod val="65000"/>
+                        <a:lumOff val="35000"/>
+                      </a:schemeClr>
                     </a:solidFill>
                   </a:rPr>
                   <a:t> to </a:t>
@@ -18737,7 +19640,10 @@
                 <a:r>
                   <a:rPr lang="cs-CZ" sz="1600" dirty="0" err="1">
                     <a:solidFill>
-                      <a:schemeClr val="dk2"/>
+                      <a:schemeClr val="tx1">
+                        <a:lumMod val="65000"/>
+                        <a:lumOff val="35000"/>
+                      </a:schemeClr>
                     </a:solidFill>
                   </a:rPr>
                   <a:t>be</a:t>
@@ -18745,7 +19651,10 @@
                 <a:r>
                   <a:rPr lang="cs-CZ" sz="1600" dirty="0">
                     <a:solidFill>
-                      <a:schemeClr val="dk2"/>
+                      <a:schemeClr val="tx1">
+                        <a:lumMod val="65000"/>
+                        <a:lumOff val="35000"/>
+                      </a:schemeClr>
                     </a:solidFill>
                   </a:rPr>
                   <a:t> </a:t>
@@ -18753,21 +19662,27 @@
                 <a:r>
                   <a:rPr lang="cs-CZ" sz="1600" dirty="0" err="1">
                     <a:solidFill>
-                      <a:schemeClr val="dk2"/>
+                      <a:schemeClr val="tx1">
+                        <a:lumMod val="65000"/>
+                        <a:lumOff val="35000"/>
+                      </a:schemeClr>
                     </a:solidFill>
                   </a:rPr>
                   <a:t>learnt</a:t>
                 </a:r>
                 <a:endParaRPr lang="cs-CZ" sz="1600" dirty="0">
                   <a:solidFill>
-                    <a:schemeClr val="dk2"/>
+                    <a:schemeClr val="tx1">
+                      <a:lumMod val="65000"/>
+                      <a:lumOff val="35000"/>
+                    </a:schemeClr>
                   </a:solidFill>
                 </a:endParaRPr>
               </a:p>
             </p:txBody>
           </p:sp>
         </mc:Choice>
-        <mc:Fallback xmlns="">
+        <mc:Fallback>
           <p:sp>
             <p:nvSpPr>
               <p:cNvPr id="11" name="Google Shape;79;p14">
@@ -18805,7 +19720,7 @@
               <a:lstStyle/>
               <a:p>
                 <a:r>
-                  <a:rPr lang="de-DE">
+                  <a:rPr lang="en-US">
                     <a:noFill/>
                   </a:rPr>
                   <a:t> </a:t>
@@ -18815,8 +19730,8 @@
           </p:sp>
         </mc:Fallback>
       </mc:AlternateContent>
-      <mc:AlternateContent xmlns:mc="http://schemas.openxmlformats.org/markup-compatibility/2006">
-        <mc:Choice xmlns:a14="http://schemas.microsoft.com/office/drawing/2010/main" Requires="a14">
+      <mc:AlternateContent xmlns:mc="http://schemas.openxmlformats.org/markup-compatibility/2006" xmlns:a14="http://schemas.microsoft.com/office/drawing/2010/main">
+        <mc:Choice Requires="a14">
           <p:sp>
             <p:nvSpPr>
               <p:cNvPr id="16" name="Google Shape;79;p14">
@@ -19128,7 +20043,7 @@
             </p:txBody>
           </p:sp>
         </mc:Choice>
-        <mc:Fallback>
+        <mc:Fallback xmlns="">
           <p:sp>
             <p:nvSpPr>
               <p:cNvPr id="16" name="Google Shape;79;p14">
@@ -19206,8 +20121,8 @@
           </a:prstGeom>
         </p:spPr>
       </p:pic>
-      <mc:AlternateContent xmlns:mc="http://schemas.openxmlformats.org/markup-compatibility/2006">
-        <mc:Choice xmlns:a14="http://schemas.microsoft.com/office/drawing/2010/main" Requires="a14">
+      <mc:AlternateContent xmlns:mc="http://schemas.openxmlformats.org/markup-compatibility/2006" xmlns:a14="http://schemas.microsoft.com/office/drawing/2010/main">
+        <mc:Choice Requires="a14">
           <p:sp>
             <p:nvSpPr>
               <p:cNvPr id="5" name="TextovéPole 4">
@@ -19351,7 +20266,6 @@
                 <a:endParaRPr lang="cs-CZ" b="0" dirty="0"/>
               </a:p>
               <a:p>
-                <a:pPr/>
                 <a:endParaRPr lang="cs-CZ" b="0" dirty="0"/>
               </a:p>
               <a:p>
@@ -19482,7 +20396,7 @@
             </p:txBody>
           </p:sp>
         </mc:Choice>
-        <mc:Fallback>
+        <mc:Fallback xmlns="">
           <p:sp>
             <p:nvSpPr>
               <p:cNvPr id="5" name="TextovéPole 4">
@@ -19568,14 +20482,20 @@
             <a:r>
               <a:rPr lang="cs" sz="1600" dirty="0">
                 <a:solidFill>
-                  <a:schemeClr val="dk2"/>
+                  <a:schemeClr val="tx1">
+                    <a:lumMod val="65000"/>
+                    <a:lumOff val="35000"/>
+                  </a:schemeClr>
                 </a:solidFill>
               </a:rPr>
               <a:t>Universal approximation theorem</a:t>
             </a:r>
             <a:endParaRPr lang="cs-CZ" sz="1600" dirty="0">
               <a:solidFill>
-                <a:schemeClr val="dk2"/>
+                <a:schemeClr val="tx1">
+                  <a:lumMod val="65000"/>
+                  <a:lumOff val="35000"/>
+                </a:schemeClr>
               </a:solidFill>
             </a:endParaRPr>
           </a:p>
@@ -19624,19 +20544,32 @@
                 <a:r>
                   <a:rPr lang="cs" sz="1600" dirty="0">
                     <a:solidFill>
-                      <a:schemeClr val="dk2"/>
+                      <a:schemeClr val="tx1">
+                        <a:lumMod val="65000"/>
+                        <a:lumOff val="35000"/>
+                      </a:schemeClr>
                     </a:solidFill>
                   </a:rPr>
                   <a:t>A sufficientely wide NN of depth 1 with the</a:t>
                 </a:r>
                 <a:r>
-                  <a:rPr lang="cs-CZ" dirty="0"/>
+                  <a:rPr lang="cs-CZ" dirty="0">
+                    <a:solidFill>
+                      <a:schemeClr val="tx1">
+                        <a:lumMod val="65000"/>
+                        <a:lumOff val="35000"/>
+                      </a:schemeClr>
+                    </a:solidFill>
+                  </a:rPr>
                   <a:t> </a:t>
                 </a:r>
                 <a:r>
                   <a:rPr lang="cs" sz="1600" dirty="0">
                     <a:solidFill>
-                      <a:schemeClr val="dk2"/>
+                      <a:schemeClr val="tx1">
+                        <a:lumMod val="65000"/>
+                        <a:lumOff val="35000"/>
+                      </a:schemeClr>
                     </a:solidFill>
                   </a:rPr>
                   <a:t>right choice of</a:t>
@@ -19644,7 +20577,10 @@
                 <a:r>
                   <a:rPr lang="cs-CZ" sz="1600" dirty="0">
                     <a:solidFill>
-                      <a:schemeClr val="dk2"/>
+                      <a:schemeClr val="tx1">
+                        <a:lumMod val="65000"/>
+                        <a:lumOff val="35000"/>
+                      </a:schemeClr>
                     </a:solidFill>
                   </a:rPr>
                   <a:t> </a:t>
@@ -19654,7 +20590,10 @@
                     <m:r>
                       <a:rPr lang="cs-CZ" sz="1600" i="1">
                         <a:solidFill>
-                          <a:schemeClr val="dk2"/>
+                          <a:schemeClr val="tx1">
+                            <a:lumMod val="65000"/>
+                            <a:lumOff val="35000"/>
+                          </a:schemeClr>
                         </a:solidFill>
                         <a:latin typeface="Cambria Math" panose="02040503050406030204" pitchFamily="18" charset="0"/>
                       </a:rPr>
@@ -19663,7 +20602,10 @@
                     <m:r>
                       <a:rPr lang="cs-CZ" sz="1600" b="0" i="0" smtClean="0">
                         <a:solidFill>
-                          <a:schemeClr val="dk2"/>
+                          <a:schemeClr val="tx1">
+                            <a:lumMod val="65000"/>
+                            <a:lumOff val="35000"/>
+                          </a:schemeClr>
                         </a:solidFill>
                         <a:latin typeface="Cambria Math" panose="02040503050406030204" pitchFamily="18" charset="0"/>
                       </a:rPr>
@@ -19674,7 +20616,10 @@
                 <a:r>
                   <a:rPr lang="cs" sz="1600" dirty="0">
                     <a:solidFill>
-                      <a:schemeClr val="dk2"/>
+                      <a:schemeClr val="tx1">
+                        <a:lumMod val="65000"/>
+                        <a:lumOff val="35000"/>
+                      </a:schemeClr>
                     </a:solidFill>
                   </a:rPr>
                   <a:t>and </a:t>
@@ -19683,12 +20628,24 @@
                   <m:oMath xmlns:m="http://schemas.openxmlformats.org/officeDocument/2006/math">
                     <m:r>
                       <a:rPr lang="cs-CZ" sz="1600" b="0" i="1" smtClean="0">
+                        <a:solidFill>
+                          <a:schemeClr val="tx1">
+                            <a:lumMod val="65000"/>
+                            <a:lumOff val="35000"/>
+                          </a:schemeClr>
+                        </a:solidFill>
                         <a:latin typeface="Cambria Math" panose="02040503050406030204" pitchFamily="18" charset="0"/>
                       </a:rPr>
                       <m:t>𝜎</m:t>
                     </m:r>
                     <m:r>
                       <a:rPr lang="cs-CZ" sz="1600" b="0" i="0" smtClean="0">
+                        <a:solidFill>
+                          <a:schemeClr val="tx1">
+                            <a:lumMod val="65000"/>
+                            <a:lumOff val="35000"/>
+                          </a:schemeClr>
+                        </a:solidFill>
                         <a:latin typeface="Cambria Math" panose="02040503050406030204" pitchFamily="18" charset="0"/>
                       </a:rPr>
                       <m:t> </m:t>
@@ -19698,7 +20655,10 @@
                 <a:r>
                   <a:rPr lang="cs" sz="1600" dirty="0">
                     <a:solidFill>
-                      <a:schemeClr val="dk2"/>
+                      <a:schemeClr val="tx1">
+                        <a:lumMod val="65000"/>
+                        <a:lumOff val="35000"/>
+                      </a:schemeClr>
                     </a:solidFill>
                   </a:rPr>
                   <a:t>not polynomial, can approximate any </a:t>
@@ -19708,7 +20668,10 @@
                     <m:r>
                       <a:rPr lang="cs-CZ" sz="1600" b="0" i="1" smtClean="0">
                         <a:solidFill>
-                          <a:schemeClr val="dk2"/>
+                          <a:schemeClr val="tx1">
+                            <a:lumMod val="65000"/>
+                            <a:lumOff val="35000"/>
+                          </a:schemeClr>
                         </a:solidFill>
                         <a:latin typeface="Cambria Math" panose="02040503050406030204" pitchFamily="18" charset="0"/>
                       </a:rPr>
@@ -19717,7 +20680,10 @@
                     <m:r>
                       <a:rPr lang="cs-CZ" sz="1600" b="0" i="1" smtClean="0">
                         <a:solidFill>
-                          <a:schemeClr val="dk2"/>
+                          <a:schemeClr val="tx1">
+                            <a:lumMod val="65000"/>
+                            <a:lumOff val="35000"/>
+                          </a:schemeClr>
                         </a:solidFill>
                         <a:latin typeface="Cambria Math" panose="02040503050406030204" pitchFamily="18" charset="0"/>
                       </a:rPr>
@@ -19726,7 +20692,10 @@
                     <m:r>
                       <a:rPr lang="cs-CZ" sz="1600" b="0" i="1" smtClean="0">
                         <a:solidFill>
-                          <a:schemeClr val="dk2"/>
+                          <a:schemeClr val="tx1">
+                            <a:lumMod val="65000"/>
+                            <a:lumOff val="35000"/>
+                          </a:schemeClr>
                         </a:solidFill>
                         <a:latin typeface="Cambria Math" panose="02040503050406030204" pitchFamily="18" charset="0"/>
                       </a:rPr>
@@ -19737,7 +20706,10 @@
                         <m:ctrlPr>
                           <a:rPr lang="cs-CZ" sz="1600" b="0" i="1" smtClean="0">
                             <a:solidFill>
-                              <a:schemeClr val="dk2"/>
+                              <a:schemeClr val="tx1">
+                                <a:lumMod val="65000"/>
+                                <a:lumOff val="35000"/>
+                              </a:schemeClr>
                             </a:solidFill>
                             <a:latin typeface="Cambria Math" panose="02040503050406030204" pitchFamily="18" charset="0"/>
                           </a:rPr>
@@ -19747,7 +20719,10 @@
                         <m:r>
                           <a:rPr lang="cs-CZ" sz="1600" b="0" i="1" smtClean="0">
                             <a:solidFill>
-                              <a:schemeClr val="dk2"/>
+                              <a:schemeClr val="tx1">
+                                <a:lumMod val="65000"/>
+                                <a:lumOff val="35000"/>
+                              </a:schemeClr>
                             </a:solidFill>
                             <a:latin typeface="Cambria Math" panose="02040503050406030204" pitchFamily="18" charset="0"/>
                           </a:rPr>
@@ -19758,7 +20733,10 @@
                     <m:r>
                       <a:rPr lang="cs-CZ" sz="1600" b="0" i="0" smtClean="0">
                         <a:solidFill>
-                          <a:schemeClr val="dk2"/>
+                          <a:schemeClr val="tx1">
+                            <a:lumMod val="65000"/>
+                            <a:lumOff val="35000"/>
+                          </a:schemeClr>
                         </a:solidFill>
                         <a:latin typeface="Cambria Math" panose="02040503050406030204" pitchFamily="18" charset="0"/>
                       </a:rPr>
@@ -19770,7 +20748,10 @@
                       </m:rPr>
                       <a:rPr lang="cs-CZ" sz="1600" b="0" i="0" smtClean="0">
                         <a:solidFill>
-                          <a:schemeClr val="dk2"/>
+                          <a:schemeClr val="tx1">
+                            <a:lumMod val="65000"/>
+                            <a:lumOff val="35000"/>
+                          </a:schemeClr>
                         </a:solidFill>
                         <a:latin typeface="Cambria Math" panose="02040503050406030204" pitchFamily="18" charset="0"/>
                       </a:rPr>
@@ -19779,7 +20760,10 @@
                     <m:r>
                       <a:rPr lang="cs-CZ" sz="1600" b="0" i="1" smtClean="0">
                         <a:solidFill>
-                          <a:schemeClr val="dk2"/>
+                          <a:schemeClr val="tx1">
+                            <a:lumMod val="65000"/>
+                            <a:lumOff val="35000"/>
+                          </a:schemeClr>
                         </a:solidFill>
                         <a:latin typeface="Cambria Math" panose="02040503050406030204" pitchFamily="18" charset="0"/>
                         <a:ea typeface="Cambria Math" panose="02040503050406030204" pitchFamily="18" charset="0"/>
@@ -19791,7 +20775,10 @@
                         <m:ctrlPr>
                           <a:rPr lang="cs-CZ" sz="1600" b="0" i="1" smtClean="0">
                             <a:solidFill>
-                              <a:schemeClr val="dk2"/>
+                              <a:schemeClr val="tx1">
+                                <a:lumMod val="65000"/>
+                                <a:lumOff val="35000"/>
+                              </a:schemeClr>
                             </a:solidFill>
                             <a:latin typeface="Cambria Math" panose="02040503050406030204" pitchFamily="18" charset="0"/>
                             <a:ea typeface="Cambria Math" panose="02040503050406030204" pitchFamily="18" charset="0"/>
@@ -19802,7 +20789,10 @@
                         <m:r>
                           <a:rPr lang="cs-CZ" sz="1600" i="1">
                             <a:solidFill>
-                              <a:schemeClr val="dk2"/>
+                              <a:schemeClr val="tx1">
+                                <a:lumMod val="65000"/>
+                                <a:lumOff val="35000"/>
+                              </a:schemeClr>
                             </a:solidFill>
                             <a:latin typeface="Cambria Math" panose="02040503050406030204" pitchFamily="18" charset="0"/>
                             <a:ea typeface="Cambria Math" panose="02040503050406030204" pitchFamily="18" charset="0"/>
@@ -19814,7 +20804,10 @@
                         <m:r>
                           <a:rPr lang="cs-CZ" sz="1600" b="0" i="1" smtClean="0">
                             <a:solidFill>
-                              <a:schemeClr val="dk2"/>
+                              <a:schemeClr val="tx1">
+                                <a:lumMod val="65000"/>
+                                <a:lumOff val="35000"/>
+                              </a:schemeClr>
                             </a:solidFill>
                             <a:latin typeface="Cambria Math" panose="02040503050406030204" pitchFamily="18" charset="0"/>
                             <a:ea typeface="Cambria Math" panose="02040503050406030204" pitchFamily="18" charset="0"/>
@@ -19828,7 +20821,10 @@
                 <a:r>
                   <a:rPr lang="cs-CZ" sz="1600" dirty="0">
                     <a:solidFill>
-                      <a:schemeClr val="dk2"/>
+                      <a:schemeClr val="tx1">
+                        <a:lumMod val="65000"/>
+                        <a:lumOff val="35000"/>
+                      </a:schemeClr>
                     </a:solidFill>
                   </a:rPr>
                   <a:t> compact</a:t>
@@ -19915,6 +20911,7 @@
               </a:bodyPr>
               <a:lstStyle/>
               <a:p>
+                <a:pPr/>
                 <a14:m>
                   <m:oMathPara xmlns:m="http://schemas.openxmlformats.org/officeDocument/2006/math">
                     <m:oMathParaPr>
@@ -19926,7 +20923,10 @@
                           <m:ctrlPr>
                             <a:rPr lang="cs-CZ" b="0" i="1" smtClean="0">
                               <a:solidFill>
-                                <a:schemeClr val="tx1"/>
+                                <a:schemeClr val="tx1">
+                                  <a:lumMod val="65000"/>
+                                  <a:lumOff val="35000"/>
+                                </a:schemeClr>
                               </a:solidFill>
                               <a:latin typeface="Cambria Math" panose="02040503050406030204" pitchFamily="18" charset="0"/>
                             </a:rPr>
@@ -19940,7 +20940,10 @@
                               <m:ctrlPr>
                                 <a:rPr lang="en-US" i="1">
                                   <a:solidFill>
-                                    <a:schemeClr val="tx1"/>
+                                    <a:schemeClr val="tx1">
+                                      <a:lumMod val="65000"/>
+                                      <a:lumOff val="35000"/>
+                                    </a:schemeClr>
                                   </a:solidFill>
                                   <a:latin typeface="Cambria Math" panose="02040503050406030204" pitchFamily="18" charset="0"/>
                                 </a:rPr>
@@ -19952,7 +20955,10 @@
                                   <m:ctrlPr>
                                     <a:rPr lang="cs-CZ" i="1">
                                       <a:solidFill>
-                                        <a:schemeClr val="tx1"/>
+                                        <a:schemeClr val="tx1">
+                                          <a:lumMod val="65000"/>
+                                          <a:lumOff val="35000"/>
+                                        </a:schemeClr>
                                       </a:solidFill>
                                       <a:latin typeface="Cambria Math" panose="02040503050406030204" pitchFamily="18" charset="0"/>
                                     </a:rPr>
@@ -19965,7 +20971,10 @@
                                     </m:rPr>
                                     <a:rPr lang="cs-CZ">
                                       <a:solidFill>
-                                        <a:schemeClr val="tx1"/>
+                                        <a:schemeClr val="tx1">
+                                          <a:lumMod val="65000"/>
+                                          <a:lumOff val="35000"/>
+                                        </a:schemeClr>
                                       </a:solidFill>
                                       <a:latin typeface="Cambria Math" panose="02040503050406030204" pitchFamily="18" charset="0"/>
                                     </a:rPr>
@@ -19976,7 +20985,10 @@
                                   <m:r>
                                     <a:rPr lang="cs-CZ" i="1">
                                       <a:solidFill>
-                                        <a:schemeClr val="tx1"/>
+                                        <a:schemeClr val="tx1">
+                                          <a:lumMod val="65000"/>
+                                          <a:lumOff val="35000"/>
+                                        </a:schemeClr>
                                       </a:solidFill>
                                       <a:latin typeface="Cambria Math" panose="02040503050406030204" pitchFamily="18" charset="0"/>
                                     </a:rPr>
@@ -19987,7 +20999,10 @@
                               <m:r>
                                 <a:rPr lang="cs-CZ" i="1">
                                   <a:solidFill>
-                                    <a:schemeClr val="tx1"/>
+                                    <a:schemeClr val="tx1">
+                                      <a:lumMod val="65000"/>
+                                      <a:lumOff val="35000"/>
+                                    </a:schemeClr>
                                   </a:solidFill>
                                   <a:latin typeface="Cambria Math" panose="02040503050406030204" pitchFamily="18" charset="0"/>
                                 </a:rPr>
@@ -19996,7 +21011,10 @@
                               <m:r>
                                 <a:rPr lang="cs-CZ" i="1">
                                   <a:solidFill>
-                                    <a:schemeClr val="tx1"/>
+                                    <a:schemeClr val="tx1">
+                                      <a:lumMod val="65000"/>
+                                      <a:lumOff val="35000"/>
+                                    </a:schemeClr>
                                   </a:solidFill>
                                   <a:latin typeface="Cambria Math" panose="02040503050406030204" pitchFamily="18" charset="0"/>
                                 </a:rPr>
@@ -20011,7 +21029,10 @@
                               <m:ctrlPr>
                                 <a:rPr lang="cs-CZ" b="0" i="1" smtClean="0">
                                   <a:solidFill>
-                                    <a:schemeClr val="tx1"/>
+                                    <a:schemeClr val="tx1">
+                                      <a:lumMod val="65000"/>
+                                      <a:lumOff val="35000"/>
+                                    </a:schemeClr>
                                   </a:solidFill>
                                   <a:latin typeface="Cambria Math" panose="02040503050406030204" pitchFamily="18" charset="0"/>
                                 </a:rPr>
@@ -20021,7 +21042,10 @@
                               <m:r>
                                 <a:rPr lang="cs-CZ" b="0" i="1" smtClean="0">
                                   <a:solidFill>
-                                    <a:schemeClr val="tx1"/>
+                                    <a:schemeClr val="tx1">
+                                      <a:lumMod val="65000"/>
+                                      <a:lumOff val="35000"/>
+                                    </a:schemeClr>
                                   </a:solidFill>
                                   <a:latin typeface="Cambria Math" panose="02040503050406030204" pitchFamily="18" charset="0"/>
                                 </a:rPr>
@@ -20032,7 +21056,10 @@
                               <m:r>
                                 <a:rPr lang="cs-CZ" b="0" i="1" smtClean="0">
                                   <a:solidFill>
-                                    <a:schemeClr val="tx1"/>
+                                    <a:schemeClr val="tx1">
+                                      <a:lumMod val="65000"/>
+                                      <a:lumOff val="35000"/>
+                                    </a:schemeClr>
                                   </a:solidFill>
                                   <a:latin typeface="Cambria Math" panose="02040503050406030204" pitchFamily="18" charset="0"/>
                                   <a:ea typeface="Cambria Math" panose="02040503050406030204" pitchFamily="18" charset="0"/>
@@ -20046,7 +21073,10 @@
                               <m:ctrlPr>
                                 <a:rPr lang="cs-CZ" b="0" i="1" smtClean="0">
                                   <a:solidFill>
-                                    <a:schemeClr val="tx1"/>
+                                    <a:schemeClr val="tx1">
+                                      <a:lumMod val="65000"/>
+                                      <a:lumOff val="35000"/>
+                                    </a:schemeClr>
                                   </a:solidFill>
                                   <a:latin typeface="Cambria Math" panose="02040503050406030204" pitchFamily="18" charset="0"/>
                                 </a:rPr>
@@ -20056,7 +21086,10 @@
                               <m:r>
                                 <a:rPr lang="cs-CZ" b="0" i="1" smtClean="0">
                                   <a:solidFill>
-                                    <a:schemeClr val="tx1"/>
+                                    <a:schemeClr val="tx1">
+                                      <a:lumMod val="65000"/>
+                                      <a:lumOff val="35000"/>
+                                    </a:schemeClr>
                                   </a:solidFill>
                                   <a:latin typeface="Cambria Math" panose="02040503050406030204" pitchFamily="18" charset="0"/>
                                 </a:rPr>
@@ -20069,7 +21102,10 @@
                       <m:r>
                         <a:rPr lang="cs-CZ" b="0" i="1" smtClean="0">
                           <a:solidFill>
-                            <a:schemeClr val="tx1"/>
+                            <a:schemeClr val="tx1">
+                              <a:lumMod val="65000"/>
+                              <a:lumOff val="35000"/>
+                            </a:schemeClr>
                           </a:solidFill>
                           <a:latin typeface="Cambria Math" panose="02040503050406030204" pitchFamily="18" charset="0"/>
                         </a:rPr>
@@ -20078,7 +21114,10 @@
                       <m:r>
                         <a:rPr lang="cs-CZ" b="0" i="1" smtClean="0">
                           <a:solidFill>
-                            <a:schemeClr val="tx1"/>
+                            <a:schemeClr val="tx1">
+                              <a:lumMod val="65000"/>
+                              <a:lumOff val="35000"/>
+                            </a:schemeClr>
                           </a:solidFill>
                           <a:latin typeface="Cambria Math" panose="02040503050406030204" pitchFamily="18" charset="0"/>
                         </a:rPr>
@@ -20087,7 +21126,14 @@
                     </m:oMath>
                   </m:oMathPara>
                 </a14:m>
-                <a:endParaRPr lang="en-US" dirty="0"/>
+                <a:endParaRPr lang="en-US" dirty="0">
+                  <a:solidFill>
+                    <a:schemeClr val="tx1">
+                      <a:lumMod val="65000"/>
+                      <a:lumOff val="35000"/>
+                    </a:schemeClr>
+                  </a:solidFill>
+                </a:endParaRPr>
               </a:p>
             </p:txBody>
           </p:sp>
@@ -20587,8 +21633,8 @@
           </a:p>
         </p:txBody>
       </p:sp>
-      <mc:AlternateContent xmlns:mc="http://schemas.openxmlformats.org/markup-compatibility/2006">
-        <mc:Choice xmlns:a14="http://schemas.microsoft.com/office/drawing/2010/main" Requires="a14">
+      <mc:AlternateContent xmlns:mc="http://schemas.openxmlformats.org/markup-compatibility/2006" xmlns:a14="http://schemas.microsoft.com/office/drawing/2010/main">
+        <mc:Choice Requires="a14">
           <p:sp>
             <p:nvSpPr>
               <p:cNvPr id="79" name="Google Shape;79;p14"/>
@@ -20634,10 +21680,11 @@
                     <m:d>
                       <m:dPr>
                         <m:ctrlPr>
-                          <a:rPr lang="cs" sz="1600">
+                          <a:rPr lang="cs" sz="1600" i="1">
                             <a:solidFill>
                               <a:schemeClr val="dk2"/>
                             </a:solidFill>
+                            <a:latin typeface="Cambria Math" panose="02040503050406030204" pitchFamily="18" charset="0"/>
                           </a:rPr>
                         </m:ctrlPr>
                       </m:dPr>
@@ -20645,10 +21692,11 @@
                         <m:sSub>
                           <m:sSubPr>
                             <m:ctrlPr>
-                              <a:rPr lang="cs-CZ" sz="1600">
+                              <a:rPr lang="cs-CZ" sz="1600" i="1">
                                 <a:solidFill>
                                   <a:schemeClr val="dk2"/>
                                 </a:solidFill>
+                                <a:latin typeface="Cambria Math" panose="02040503050406030204" pitchFamily="18" charset="0"/>
                               </a:rPr>
                             </m:ctrlPr>
                           </m:sSubPr>
@@ -20658,6 +21706,7 @@
                                 <a:solidFill>
                                   <a:schemeClr val="dk2"/>
                                 </a:solidFill>
+                                <a:latin typeface="Cambria Math" panose="02040503050406030204" pitchFamily="18" charset="0"/>
                               </a:rPr>
                               <m:t>𝒙</m:t>
                             </m:r>
@@ -20668,6 +21717,7 @@
                                 <a:solidFill>
                                   <a:schemeClr val="dk2"/>
                                 </a:solidFill>
+                                <a:latin typeface="Cambria Math" panose="02040503050406030204" pitchFamily="18" charset="0"/>
                               </a:rPr>
                               <m:t>𝑖</m:t>
                             </m:r>
@@ -20678,16 +21728,18 @@
                             <a:solidFill>
                               <a:schemeClr val="dk2"/>
                             </a:solidFill>
+                            <a:latin typeface="Cambria Math" panose="02040503050406030204" pitchFamily="18" charset="0"/>
                           </a:rPr>
                           <m:t>,</m:t>
                         </m:r>
                         <m:sSub>
                           <m:sSubPr>
                             <m:ctrlPr>
-                              <a:rPr lang="cs-CZ" sz="1600">
+                              <a:rPr lang="cs-CZ" sz="1600" i="1">
                                 <a:solidFill>
                                   <a:schemeClr val="dk2"/>
                                 </a:solidFill>
+                                <a:latin typeface="Cambria Math" panose="02040503050406030204" pitchFamily="18" charset="0"/>
                               </a:rPr>
                             </m:ctrlPr>
                           </m:sSubPr>
@@ -20697,6 +21749,7 @@
                                 <a:solidFill>
                                   <a:schemeClr val="dk2"/>
                                 </a:solidFill>
+                                <a:latin typeface="Cambria Math" panose="02040503050406030204" pitchFamily="18" charset="0"/>
                               </a:rPr>
                               <m:t>𝑡</m:t>
                             </m:r>
@@ -20707,6 +21760,7 @@
                                 <a:solidFill>
                                   <a:schemeClr val="dk2"/>
                                 </a:solidFill>
+                                <a:latin typeface="Cambria Math" panose="02040503050406030204" pitchFamily="18" charset="0"/>
                               </a:rPr>
                               <m:t>𝑖</m:t>
                             </m:r>
@@ -20719,6 +21773,7 @@
                         <a:solidFill>
                           <a:schemeClr val="dk2"/>
                         </a:solidFill>
+                        <a:latin typeface="Cambria Math" panose="02040503050406030204" pitchFamily="18" charset="0"/>
                       </a:rPr>
                       <m:t>∈</m:t>
                     </m:r>
@@ -20727,6 +21782,7 @@
                         <a:solidFill>
                           <a:schemeClr val="dk2"/>
                         </a:solidFill>
+                        <a:latin typeface="Cambria Math" panose="02040503050406030204" pitchFamily="18" charset="0"/>
                       </a:rPr>
                       <m:t>𝒟</m:t>
                     </m:r>
@@ -20788,16 +21844,18 @@
                         <a:solidFill>
                           <a:schemeClr val="dk2"/>
                         </a:solidFill>
+                        <a:latin typeface="Cambria Math" panose="02040503050406030204" pitchFamily="18" charset="0"/>
                       </a:rPr>
                       <m:t>ℒ</m:t>
                     </m:r>
                     <m:d>
                       <m:dPr>
                         <m:ctrlPr>
-                          <a:rPr lang="cs-CZ" sz="1600">
+                          <a:rPr lang="cs-CZ" sz="1600" i="1">
                             <a:solidFill>
                               <a:schemeClr val="dk2"/>
                             </a:solidFill>
+                            <a:latin typeface="Cambria Math" panose="02040503050406030204" pitchFamily="18" charset="0"/>
                           </a:rPr>
                         </m:ctrlPr>
                       </m:dPr>
@@ -20807,6 +21865,7 @@
                             <a:solidFill>
                               <a:schemeClr val="dk2"/>
                             </a:solidFill>
+                            <a:latin typeface="Cambria Math" panose="02040503050406030204" pitchFamily="18" charset="0"/>
                           </a:rPr>
                           <m:t>𝜃</m:t>
                         </m:r>
@@ -20823,7 +21882,7 @@
             </p:txBody>
           </p:sp>
         </mc:Choice>
-        <mc:Fallback>
+        <mc:Fallback xmlns="">
           <p:sp>
             <p:nvSpPr>
               <p:cNvPr id="79" name="Google Shape;79;p14"/>
@@ -20981,6 +22040,7 @@
               </a:bodyPr>
               <a:lstStyle/>
               <a:p>
+                <a:pPr/>
                 <a14:m>
                   <m:oMathPara xmlns:m="http://schemas.openxmlformats.org/officeDocument/2006/math">
                     <m:oMathParaPr>
@@ -20991,6 +22051,12 @@
                         <m:sSubPr>
                           <m:ctrlPr>
                             <a:rPr lang="cs-CZ" sz="1600" b="0" i="1" smtClean="0">
+                              <a:solidFill>
+                                <a:schemeClr val="tx1">
+                                  <a:lumMod val="65000"/>
+                                  <a:lumOff val="35000"/>
+                                </a:schemeClr>
+                              </a:solidFill>
                               <a:latin typeface="Cambria Math" panose="02040503050406030204" pitchFamily="18" charset="0"/>
                             </a:rPr>
                           </m:ctrlPr>
@@ -20998,6 +22064,12 @@
                         <m:e>
                           <m:r>
                             <a:rPr lang="cs-CZ" sz="1600" b="0" i="1" smtClean="0">
+                              <a:solidFill>
+                                <a:schemeClr val="tx1">
+                                  <a:lumMod val="65000"/>
+                                  <a:lumOff val="35000"/>
+                                </a:schemeClr>
+                              </a:solidFill>
                               <a:latin typeface="Cambria Math" panose="02040503050406030204" pitchFamily="18" charset="0"/>
                             </a:rPr>
                             <m:t>𝜃</m:t>
@@ -21006,12 +22078,24 @@
                         <m:sub>
                           <m:r>
                             <a:rPr lang="cs-CZ" sz="1600" b="0" i="1" smtClean="0">
+                              <a:solidFill>
+                                <a:schemeClr val="tx1">
+                                  <a:lumMod val="65000"/>
+                                  <a:lumOff val="35000"/>
+                                </a:schemeClr>
+                              </a:solidFill>
                               <a:latin typeface="Cambria Math" panose="02040503050406030204" pitchFamily="18" charset="0"/>
                             </a:rPr>
                             <m:t>𝑖</m:t>
                           </m:r>
                           <m:r>
                             <a:rPr lang="cs-CZ" sz="1600" b="0" i="1" smtClean="0">
+                              <a:solidFill>
+                                <a:schemeClr val="tx1">
+                                  <a:lumMod val="65000"/>
+                                  <a:lumOff val="35000"/>
+                                </a:schemeClr>
+                              </a:solidFill>
                               <a:latin typeface="Cambria Math" panose="02040503050406030204" pitchFamily="18" charset="0"/>
                             </a:rPr>
                             <m:t>+1</m:t>
@@ -21020,6 +22104,12 @@
                       </m:sSub>
                       <m:r>
                         <a:rPr lang="cs-CZ" sz="1600" b="0" i="1" smtClean="0">
+                          <a:solidFill>
+                            <a:schemeClr val="tx1">
+                              <a:lumMod val="65000"/>
+                              <a:lumOff val="35000"/>
+                            </a:schemeClr>
+                          </a:solidFill>
                           <a:latin typeface="Cambria Math" panose="02040503050406030204" pitchFamily="18" charset="0"/>
                         </a:rPr>
                         <m:t>=</m:t>
@@ -21028,6 +22118,12 @@
                         <m:sSubPr>
                           <m:ctrlPr>
                             <a:rPr lang="cs-CZ" sz="1600" b="0" i="1" smtClean="0">
+                              <a:solidFill>
+                                <a:schemeClr val="tx1">
+                                  <a:lumMod val="65000"/>
+                                  <a:lumOff val="35000"/>
+                                </a:schemeClr>
+                              </a:solidFill>
                               <a:latin typeface="Cambria Math" panose="02040503050406030204" pitchFamily="18" charset="0"/>
                             </a:rPr>
                           </m:ctrlPr>
@@ -21035,6 +22131,12 @@
                         <m:e>
                           <m:r>
                             <a:rPr lang="cs-CZ" sz="1600" b="0" i="1" smtClean="0">
+                              <a:solidFill>
+                                <a:schemeClr val="tx1">
+                                  <a:lumMod val="65000"/>
+                                  <a:lumOff val="35000"/>
+                                </a:schemeClr>
+                              </a:solidFill>
                               <a:latin typeface="Cambria Math" panose="02040503050406030204" pitchFamily="18" charset="0"/>
                             </a:rPr>
                             <m:t>𝜃</m:t>
@@ -21043,6 +22145,12 @@
                         <m:sub>
                           <m:r>
                             <a:rPr lang="cs-CZ" sz="1600" b="0" i="1" smtClean="0">
+                              <a:solidFill>
+                                <a:schemeClr val="tx1">
+                                  <a:lumMod val="65000"/>
+                                  <a:lumOff val="35000"/>
+                                </a:schemeClr>
+                              </a:solidFill>
                               <a:latin typeface="Cambria Math" panose="02040503050406030204" pitchFamily="18" charset="0"/>
                             </a:rPr>
                             <m:t>𝑖</m:t>
@@ -21051,12 +22159,24 @@
                       </m:sSub>
                       <m:r>
                         <a:rPr lang="cs-CZ" sz="1600" b="0" i="1" smtClean="0">
+                          <a:solidFill>
+                            <a:schemeClr val="tx1">
+                              <a:lumMod val="65000"/>
+                              <a:lumOff val="35000"/>
+                            </a:schemeClr>
+                          </a:solidFill>
                           <a:latin typeface="Cambria Math" panose="02040503050406030204" pitchFamily="18" charset="0"/>
                         </a:rPr>
                         <m:t>−</m:t>
                       </m:r>
                       <m:r>
                         <a:rPr lang="cs-CZ" sz="1600" b="0" i="1" smtClean="0">
+                          <a:solidFill>
+                            <a:schemeClr val="tx1">
+                              <a:lumMod val="65000"/>
+                              <a:lumOff val="35000"/>
+                            </a:schemeClr>
+                          </a:solidFill>
                           <a:latin typeface="Cambria Math" panose="02040503050406030204" pitchFamily="18" charset="0"/>
                         </a:rPr>
                         <m:t>𝜆</m:t>
@@ -21065,6 +22185,12 @@
                         <m:sSubPr>
                           <m:ctrlPr>
                             <a:rPr lang="cs-CZ" sz="1600" i="1">
+                              <a:solidFill>
+                                <a:schemeClr val="tx1">
+                                  <a:lumMod val="65000"/>
+                                  <a:lumOff val="35000"/>
+                                </a:schemeClr>
+                              </a:solidFill>
                               <a:latin typeface="Cambria Math" panose="02040503050406030204" pitchFamily="18" charset="0"/>
                               <a:ea typeface="Cambria Math" panose="02040503050406030204" pitchFamily="18" charset="0"/>
                             </a:rPr>
@@ -21076,6 +22202,12 @@
                               <m:sty m:val="p"/>
                             </m:rPr>
                             <a:rPr lang="cs-CZ" sz="1600" i="1">
+                              <a:solidFill>
+                                <a:schemeClr val="tx1">
+                                  <a:lumMod val="65000"/>
+                                  <a:lumOff val="35000"/>
+                                </a:schemeClr>
+                              </a:solidFill>
                               <a:latin typeface="Cambria Math" panose="02040503050406030204" pitchFamily="18" charset="0"/>
                               <a:ea typeface="Cambria Math" panose="02040503050406030204" pitchFamily="18" charset="0"/>
                             </a:rPr>
@@ -21085,6 +22217,12 @@
                         <m:sub>
                           <m:r>
                             <a:rPr lang="cs-CZ" sz="1600" i="1">
+                              <a:solidFill>
+                                <a:schemeClr val="tx1">
+                                  <a:lumMod val="65000"/>
+                                  <a:lumOff val="35000"/>
+                                </a:schemeClr>
+                              </a:solidFill>
                               <a:latin typeface="Cambria Math" panose="02040503050406030204" pitchFamily="18" charset="0"/>
                             </a:rPr>
                             <m:t>𝜃</m:t>
@@ -21094,7 +22232,10 @@
                       <m:r>
                         <a:rPr lang="cs-CZ" sz="1600" i="1">
                           <a:solidFill>
-                            <a:schemeClr val="tx1"/>
+                            <a:schemeClr val="tx1">
+                              <a:lumMod val="65000"/>
+                              <a:lumOff val="35000"/>
+                            </a:schemeClr>
                           </a:solidFill>
                           <a:latin typeface="Cambria Math" panose="02040503050406030204" pitchFamily="18" charset="0"/>
                           <a:ea typeface="Cambria Math" panose="02040503050406030204" pitchFamily="18" charset="0"/>
@@ -21106,7 +22247,10 @@
                           <m:ctrlPr>
                             <a:rPr lang="cs-CZ" sz="1600" i="1">
                               <a:solidFill>
-                                <a:schemeClr val="tx1"/>
+                                <a:schemeClr val="tx1">
+                                  <a:lumMod val="65000"/>
+                                  <a:lumOff val="35000"/>
+                                </a:schemeClr>
                               </a:solidFill>
                               <a:latin typeface="Cambria Math" panose="02040503050406030204" pitchFamily="18" charset="0"/>
                               <a:ea typeface="Cambria Math" panose="02040503050406030204" pitchFamily="18" charset="0"/>
@@ -21119,7 +22263,10 @@
                               <m:ctrlPr>
                                 <a:rPr lang="cs-CZ" sz="1600" b="0" i="1" smtClean="0">
                                   <a:solidFill>
-                                    <a:schemeClr val="tx1"/>
+                                    <a:schemeClr val="tx1">
+                                      <a:lumMod val="65000"/>
+                                      <a:lumOff val="35000"/>
+                                    </a:schemeClr>
                                   </a:solidFill>
                                   <a:latin typeface="Cambria Math" panose="02040503050406030204" pitchFamily="18" charset="0"/>
                                   <a:ea typeface="Cambria Math" panose="02040503050406030204" pitchFamily="18" charset="0"/>
@@ -21130,7 +22277,10 @@
                               <m:r>
                                 <a:rPr lang="cs-CZ" sz="1600" i="1">
                                   <a:solidFill>
-                                    <a:schemeClr val="tx1"/>
+                                    <a:schemeClr val="tx1">
+                                      <a:lumMod val="65000"/>
+                                      <a:lumOff val="35000"/>
+                                    </a:schemeClr>
                                   </a:solidFill>
                                   <a:latin typeface="Cambria Math" panose="02040503050406030204" pitchFamily="18" charset="0"/>
                                   <a:ea typeface="Cambria Math" panose="02040503050406030204" pitchFamily="18" charset="0"/>
@@ -21142,7 +22292,10 @@
                               <m:r>
                                 <a:rPr lang="cs-CZ" sz="1600" b="0" i="1" smtClean="0">
                                   <a:solidFill>
-                                    <a:schemeClr val="tx1"/>
+                                    <a:schemeClr val="tx1">
+                                      <a:lumMod val="65000"/>
+                                      <a:lumOff val="35000"/>
+                                    </a:schemeClr>
                                   </a:solidFill>
                                   <a:latin typeface="Cambria Math" panose="02040503050406030204" pitchFamily="18" charset="0"/>
                                   <a:ea typeface="Cambria Math" panose="02040503050406030204" pitchFamily="18" charset="0"/>
@@ -21156,7 +22309,14 @@
                     </m:oMath>
                   </m:oMathPara>
                 </a14:m>
-                <a:endParaRPr lang="en-US" sz="1600" dirty="0"/>
+                <a:endParaRPr lang="en-US" sz="1600" dirty="0">
+                  <a:solidFill>
+                    <a:schemeClr val="tx1">
+                      <a:lumMod val="65000"/>
+                      <a:lumOff val="35000"/>
+                    </a:schemeClr>
+                  </a:solidFill>
+                </a:endParaRPr>
               </a:p>
             </p:txBody>
           </p:sp>
@@ -21317,8 +22477,8 @@
           </a:p>
         </p:txBody>
       </p:sp>
-      <mc:AlternateContent xmlns:mc="http://schemas.openxmlformats.org/markup-compatibility/2006">
-        <mc:Choice xmlns:a14="http://schemas.microsoft.com/office/drawing/2010/main" Requires="a14">
+      <mc:AlternateContent xmlns:mc="http://schemas.openxmlformats.org/markup-compatibility/2006" xmlns:a14="http://schemas.microsoft.com/office/drawing/2010/main">
+        <mc:Choice Requires="a14">
           <p:sp>
             <p:nvSpPr>
               <p:cNvPr id="13" name="TextovéPole 12">
@@ -21372,6 +22532,7 @@
                         <a:solidFill>
                           <a:schemeClr val="dk2"/>
                         </a:solidFill>
+                        <a:latin typeface="Cambria Math" panose="02040503050406030204" pitchFamily="18" charset="0"/>
                       </a:rPr>
                       <m:t>𝒟</m:t>
                     </m:r>
@@ -21526,7 +22687,7 @@
             </p:txBody>
           </p:sp>
         </mc:Choice>
-        <mc:Fallback>
+        <mc:Fallback xmlns="">
           <p:sp>
             <p:nvSpPr>
               <p:cNvPr id="13" name="TextovéPole 12">
@@ -21613,7 +22774,10 @@
                           <m:ctrlPr>
                             <a:rPr lang="cs-CZ" sz="1600" i="1" smtClean="0">
                               <a:solidFill>
-                                <a:schemeClr val="tx1"/>
+                                <a:schemeClr val="tx1">
+                                  <a:lumMod val="65000"/>
+                                  <a:lumOff val="35000"/>
+                                </a:schemeClr>
                               </a:solidFill>
                               <a:latin typeface="Cambria Math" panose="02040503050406030204" pitchFamily="18" charset="0"/>
                               <a:ea typeface="Cambria Math" panose="02040503050406030204" pitchFamily="18" charset="0"/>
@@ -21624,7 +22788,10 @@
                           <m:r>
                             <a:rPr lang="cs-CZ" sz="1600" i="1">
                               <a:solidFill>
-                                <a:schemeClr val="tx1"/>
+                                <a:schemeClr val="tx1">
+                                  <a:lumMod val="65000"/>
+                                  <a:lumOff val="35000"/>
+                                </a:schemeClr>
                               </a:solidFill>
                               <a:latin typeface="Cambria Math" panose="02040503050406030204" pitchFamily="18" charset="0"/>
                               <a:ea typeface="Cambria Math" panose="02040503050406030204" pitchFamily="18" charset="0"/>
@@ -21639,7 +22806,10 @@
                             </m:rPr>
                             <a:rPr lang="cs-CZ" sz="1600" b="0" i="0" smtClean="0">
                               <a:solidFill>
-                                <a:schemeClr val="tx1"/>
+                                <a:schemeClr val="tx1">
+                                  <a:lumMod val="65000"/>
+                                  <a:lumOff val="35000"/>
+                                </a:schemeClr>
                               </a:solidFill>
                               <a:latin typeface="Cambria Math" panose="02040503050406030204" pitchFamily="18" charset="0"/>
                               <a:ea typeface="Cambria Math" panose="02040503050406030204" pitchFamily="18" charset="0"/>
@@ -21653,7 +22823,10 @@
                           <m:ctrlPr>
                             <a:rPr lang="cs-CZ" sz="1600" i="1" smtClean="0">
                               <a:solidFill>
-                                <a:schemeClr val="tx1"/>
+                                <a:schemeClr val="tx1">
+                                  <a:lumMod val="65000"/>
+                                  <a:lumOff val="35000"/>
+                                </a:schemeClr>
                               </a:solidFill>
                               <a:latin typeface="Cambria Math" panose="02040503050406030204" pitchFamily="18" charset="0"/>
                               <a:ea typeface="Cambria Math" panose="02040503050406030204" pitchFamily="18" charset="0"/>
@@ -21664,7 +22837,10 @@
                           <m:r>
                             <a:rPr lang="cs-CZ" sz="1600" b="0" i="1" smtClean="0">
                               <a:solidFill>
-                                <a:schemeClr val="tx1"/>
+                                <a:schemeClr val="tx1">
+                                  <a:lumMod val="65000"/>
+                                  <a:lumOff val="35000"/>
+                                </a:schemeClr>
                               </a:solidFill>
                               <a:latin typeface="Cambria Math" panose="02040503050406030204" pitchFamily="18" charset="0"/>
                               <a:ea typeface="Cambria Math" panose="02040503050406030204" pitchFamily="18" charset="0"/>
@@ -21676,7 +22852,10 @@
                       <m:r>
                         <a:rPr lang="cs-CZ" sz="1600" b="0" i="1" smtClean="0">
                           <a:solidFill>
-                            <a:schemeClr val="tx1"/>
+                            <a:schemeClr val="tx1">
+                              <a:lumMod val="65000"/>
+                              <a:lumOff val="35000"/>
+                            </a:schemeClr>
                           </a:solidFill>
                           <a:latin typeface="Cambria Math" panose="02040503050406030204" pitchFamily="18" charset="0"/>
                           <a:ea typeface="Cambria Math" panose="02040503050406030204" pitchFamily="18" charset="0"/>
@@ -21688,7 +22867,10 @@
                           <m:ctrlPr>
                             <a:rPr lang="cs-CZ" sz="1600" b="0" i="1" smtClean="0">
                               <a:solidFill>
-                                <a:schemeClr val="tx1"/>
+                                <a:schemeClr val="tx1">
+                                  <a:lumMod val="65000"/>
+                                  <a:lumOff val="35000"/>
+                                </a:schemeClr>
                               </a:solidFill>
                               <a:latin typeface="Cambria Math" panose="02040503050406030204" pitchFamily="18" charset="0"/>
                               <a:ea typeface="Cambria Math" panose="02040503050406030204" pitchFamily="18" charset="0"/>
@@ -21699,7 +22881,10 @@
                           <m:r>
                             <a:rPr lang="cs-CZ" sz="1600" b="0" i="1" smtClean="0">
                               <a:solidFill>
-                                <a:schemeClr val="tx1"/>
+                                <a:schemeClr val="tx1">
+                                  <a:lumMod val="65000"/>
+                                  <a:lumOff val="35000"/>
+                                </a:schemeClr>
                               </a:solidFill>
                               <a:latin typeface="Cambria Math" panose="02040503050406030204" pitchFamily="18" charset="0"/>
                               <a:ea typeface="Cambria Math" panose="02040503050406030204" pitchFamily="18" charset="0"/>
@@ -21711,7 +22896,10 @@
                           <m:r>
                             <a:rPr lang="cs-CZ" sz="1600" b="0" i="1" smtClean="0">
                               <a:solidFill>
-                                <a:schemeClr val="tx1"/>
+                                <a:schemeClr val="tx1">
+                                  <a:lumMod val="65000"/>
+                                  <a:lumOff val="35000"/>
+                                </a:schemeClr>
                               </a:solidFill>
                               <a:latin typeface="Cambria Math" panose="02040503050406030204" pitchFamily="18" charset="0"/>
                               <a:ea typeface="Cambria Math" panose="02040503050406030204" pitchFamily="18" charset="0"/>
@@ -21725,7 +22913,10 @@
                               <m:ctrlPr>
                                 <a:rPr lang="cs-CZ" sz="1600" b="0" i="1" smtClean="0">
                                   <a:solidFill>
-                                    <a:schemeClr val="tx1"/>
+                                    <a:schemeClr val="tx1">
+                                      <a:lumMod val="65000"/>
+                                      <a:lumOff val="35000"/>
+                                    </a:schemeClr>
                                   </a:solidFill>
                                   <a:latin typeface="Cambria Math" panose="02040503050406030204" pitchFamily="18" charset="0"/>
                                   <a:ea typeface="Cambria Math" panose="02040503050406030204" pitchFamily="18" charset="0"/>
@@ -21736,7 +22927,10 @@
                               <m:r>
                                 <a:rPr lang="cs-CZ" sz="1600" i="1">
                                   <a:solidFill>
-                                    <a:schemeClr val="tx1"/>
+                                    <a:schemeClr val="tx1">
+                                      <a:lumMod val="65000"/>
+                                      <a:lumOff val="35000"/>
+                                    </a:schemeClr>
                                   </a:solidFill>
                                   <a:latin typeface="Cambria Math" panose="02040503050406030204" pitchFamily="18" charset="0"/>
                                   <a:ea typeface="Cambria Math" panose="02040503050406030204" pitchFamily="18" charset="0"/>
@@ -21754,7 +22948,10 @@
                           <m:ctrlPr>
                             <a:rPr lang="cs-CZ" sz="1600" b="0" i="1" smtClean="0">
                               <a:solidFill>
-                                <a:schemeClr val="tx1"/>
+                                <a:schemeClr val="tx1">
+                                  <a:lumMod val="65000"/>
+                                  <a:lumOff val="35000"/>
+                                </a:schemeClr>
                               </a:solidFill>
                               <a:latin typeface="Cambria Math" panose="02040503050406030204" pitchFamily="18" charset="0"/>
                               <a:ea typeface="Cambria Math" panose="02040503050406030204" pitchFamily="18" charset="0"/>
@@ -21767,7 +22964,10 @@
                               <m:ctrlPr>
                                 <a:rPr lang="cs" sz="1600" i="1">
                                   <a:solidFill>
-                                    <a:schemeClr val="tx1"/>
+                                    <a:schemeClr val="tx1">
+                                      <a:lumMod val="65000"/>
+                                      <a:lumOff val="35000"/>
+                                    </a:schemeClr>
                                   </a:solidFill>
                                   <a:latin typeface="Cambria Math" panose="02040503050406030204" pitchFamily="18" charset="0"/>
                                 </a:rPr>
@@ -21779,7 +22979,10 @@
                                   <m:ctrlPr>
                                     <a:rPr lang="cs-CZ" sz="1600" i="1">
                                       <a:solidFill>
-                                        <a:schemeClr val="tx1"/>
+                                        <a:schemeClr val="tx1">
+                                          <a:lumMod val="65000"/>
+                                          <a:lumOff val="35000"/>
+                                        </a:schemeClr>
                                       </a:solidFill>
                                       <a:latin typeface="Cambria Math" panose="02040503050406030204" pitchFamily="18" charset="0"/>
                                     </a:rPr>
@@ -21789,7 +22992,10 @@
                                   <m:r>
                                     <a:rPr lang="cs-CZ" sz="1600" b="1" i="1">
                                       <a:solidFill>
-                                        <a:schemeClr val="tx1"/>
+                                        <a:schemeClr val="tx1">
+                                          <a:lumMod val="65000"/>
+                                          <a:lumOff val="35000"/>
+                                        </a:schemeClr>
                                       </a:solidFill>
                                       <a:latin typeface="Cambria Math" panose="02040503050406030204" pitchFamily="18" charset="0"/>
                                     </a:rPr>
@@ -21800,7 +23006,10 @@
                                   <m:r>
                                     <a:rPr lang="cs-CZ" sz="1600" i="1">
                                       <a:solidFill>
-                                        <a:schemeClr val="tx1"/>
+                                        <a:schemeClr val="tx1">
+                                          <a:lumMod val="65000"/>
+                                          <a:lumOff val="35000"/>
+                                        </a:schemeClr>
                                       </a:solidFill>
                                       <a:latin typeface="Cambria Math" panose="02040503050406030204" pitchFamily="18" charset="0"/>
                                     </a:rPr>
@@ -21811,7 +23020,10 @@
                               <m:r>
                                 <a:rPr lang="cs-CZ" sz="1600" i="1">
                                   <a:solidFill>
-                                    <a:schemeClr val="tx1"/>
+                                    <a:schemeClr val="tx1">
+                                      <a:lumMod val="65000"/>
+                                      <a:lumOff val="35000"/>
+                                    </a:schemeClr>
                                   </a:solidFill>
                                   <a:latin typeface="Cambria Math" panose="02040503050406030204" pitchFamily="18" charset="0"/>
                                 </a:rPr>
@@ -21822,7 +23034,10 @@
                                   <m:ctrlPr>
                                     <a:rPr lang="cs-CZ" sz="1600" i="1">
                                       <a:solidFill>
-                                        <a:schemeClr val="tx1"/>
+                                        <a:schemeClr val="tx1">
+                                          <a:lumMod val="65000"/>
+                                          <a:lumOff val="35000"/>
+                                        </a:schemeClr>
                                       </a:solidFill>
                                       <a:latin typeface="Cambria Math" panose="02040503050406030204" pitchFamily="18" charset="0"/>
                                     </a:rPr>
@@ -21832,7 +23047,10 @@
                                   <m:r>
                                     <a:rPr lang="cs-CZ" sz="1600" i="1">
                                       <a:solidFill>
-                                        <a:schemeClr val="tx1"/>
+                                        <a:schemeClr val="tx1">
+                                          <a:lumMod val="65000"/>
+                                          <a:lumOff val="35000"/>
+                                        </a:schemeClr>
                                       </a:solidFill>
                                       <a:latin typeface="Cambria Math" panose="02040503050406030204" pitchFamily="18" charset="0"/>
                                     </a:rPr>
@@ -21843,7 +23061,10 @@
                                   <m:r>
                                     <a:rPr lang="cs-CZ" sz="1600" i="1">
                                       <a:solidFill>
-                                        <a:schemeClr val="tx1"/>
+                                        <a:schemeClr val="tx1">
+                                          <a:lumMod val="65000"/>
+                                          <a:lumOff val="35000"/>
+                                        </a:schemeClr>
                                       </a:solidFill>
                                       <a:latin typeface="Cambria Math" panose="02040503050406030204" pitchFamily="18" charset="0"/>
                                     </a:rPr>
@@ -21856,7 +23077,10 @@
                           <m:r>
                             <a:rPr lang="cs-CZ" sz="1600" i="1">
                               <a:solidFill>
-                                <a:schemeClr val="tx1"/>
+                                <a:schemeClr val="tx1">
+                                  <a:lumMod val="65000"/>
+                                  <a:lumOff val="35000"/>
+                                </a:schemeClr>
                               </a:solidFill>
                               <a:latin typeface="Cambria Math" panose="02040503050406030204" pitchFamily="18" charset="0"/>
                             </a:rPr>
@@ -21865,7 +23089,10 @@
                           <m:r>
                             <a:rPr lang="cs-CZ" sz="1600" i="1">
                               <a:solidFill>
-                                <a:schemeClr val="tx1"/>
+                                <a:schemeClr val="tx1">
+                                  <a:lumMod val="65000"/>
+                                  <a:lumOff val="35000"/>
+                                </a:schemeClr>
                               </a:solidFill>
                               <a:latin typeface="Cambria Math" panose="02040503050406030204" pitchFamily="18" charset="0"/>
                               <a:ea typeface="Cambria Math" panose="02040503050406030204" pitchFamily="18" charset="0"/>
@@ -21878,7 +23105,10 @@
                             </m:rPr>
                             <a:rPr lang="cs-CZ" sz="1600" dirty="0">
                               <a:solidFill>
-                                <a:schemeClr val="tx1"/>
+                                <a:schemeClr val="tx1">
+                                  <a:lumMod val="65000"/>
+                                  <a:lumOff val="35000"/>
+                                </a:schemeClr>
                               </a:solidFill>
                             </a:rPr>
                             <m:t> </m:t>
@@ -21891,7 +23121,10 @@
                               <m:ctrlPr>
                                 <a:rPr lang="cs-CZ" sz="1600" b="0" i="1" smtClean="0">
                                   <a:solidFill>
-                                    <a:schemeClr val="tx1"/>
+                                    <a:schemeClr val="tx1">
+                                      <a:lumMod val="65000"/>
+                                      <a:lumOff val="35000"/>
+                                    </a:schemeClr>
                                   </a:solidFill>
                                   <a:latin typeface="Cambria Math" panose="02040503050406030204" pitchFamily="18" charset="0"/>
                                   <a:ea typeface="Cambria Math" panose="02040503050406030204" pitchFamily="18" charset="0"/>
@@ -21904,7 +23137,10 @@
                                   <m:ctrlPr>
                                     <a:rPr lang="cs-CZ" sz="1600" i="1">
                                       <a:solidFill>
-                                        <a:schemeClr val="tx1"/>
+                                        <a:schemeClr val="tx1">
+                                          <a:lumMod val="65000"/>
+                                          <a:lumOff val="35000"/>
+                                        </a:schemeClr>
                                       </a:solidFill>
                                       <a:latin typeface="Cambria Math" panose="02040503050406030204" pitchFamily="18" charset="0"/>
                                       <a:ea typeface="Cambria Math" panose="02040503050406030204" pitchFamily="18" charset="0"/>
@@ -21917,7 +23153,10 @@
                                       <m:ctrlPr>
                                         <a:rPr lang="cs-CZ" sz="1600" i="1">
                                           <a:solidFill>
-                                            <a:schemeClr val="tx1"/>
+                                            <a:schemeClr val="tx1">
+                                              <a:lumMod val="65000"/>
+                                              <a:lumOff val="35000"/>
+                                            </a:schemeClr>
                                           </a:solidFill>
                                           <a:latin typeface="Cambria Math" panose="02040503050406030204" pitchFamily="18" charset="0"/>
                                           <a:ea typeface="Cambria Math" panose="02040503050406030204" pitchFamily="18" charset="0"/>
@@ -21928,7 +23167,10 @@
                                       <m:r>
                                         <a:rPr lang="cs-CZ" sz="1600" i="1">
                                           <a:solidFill>
-                                            <a:schemeClr val="tx1"/>
+                                            <a:schemeClr val="tx1">
+                                              <a:lumMod val="65000"/>
+                                              <a:lumOff val="35000"/>
+                                            </a:schemeClr>
                                           </a:solidFill>
                                           <a:latin typeface="Cambria Math" panose="02040503050406030204" pitchFamily="18" charset="0"/>
                                           <a:ea typeface="Cambria Math" panose="02040503050406030204" pitchFamily="18" charset="0"/>
@@ -21940,7 +23182,10 @@
                                       <m:r>
                                         <a:rPr lang="cs-CZ" sz="1600" i="1">
                                           <a:solidFill>
-                                            <a:schemeClr val="tx1"/>
+                                            <a:schemeClr val="tx1">
+                                              <a:lumMod val="65000"/>
+                                              <a:lumOff val="35000"/>
+                                            </a:schemeClr>
                                           </a:solidFill>
                                           <a:latin typeface="Cambria Math" panose="02040503050406030204" pitchFamily="18" charset="0"/>
                                           <a:ea typeface="Cambria Math" panose="02040503050406030204" pitchFamily="18" charset="0"/>
@@ -21952,7 +23197,10 @@
                                   <m:r>
                                     <a:rPr lang="cs-CZ" sz="1600" i="1">
                                       <a:solidFill>
-                                        <a:schemeClr val="tx1"/>
+                                        <a:schemeClr val="tx1">
+                                          <a:lumMod val="65000"/>
+                                          <a:lumOff val="35000"/>
+                                        </a:schemeClr>
                                       </a:solidFill>
                                       <a:latin typeface="Cambria Math" panose="02040503050406030204" pitchFamily="18" charset="0"/>
                                       <a:ea typeface="Cambria Math" panose="02040503050406030204" pitchFamily="18" charset="0"/>
@@ -21964,7 +23212,10 @@
                                       <m:ctrlPr>
                                         <a:rPr lang="cs-CZ" sz="1600" i="1">
                                           <a:solidFill>
-                                            <a:schemeClr val="tx1"/>
+                                            <a:schemeClr val="tx1">
+                                              <a:lumMod val="65000"/>
+                                              <a:lumOff val="35000"/>
+                                            </a:schemeClr>
                                           </a:solidFill>
                                           <a:latin typeface="Cambria Math" panose="02040503050406030204" pitchFamily="18" charset="0"/>
                                           <a:ea typeface="Cambria Math" panose="02040503050406030204" pitchFamily="18" charset="0"/>
@@ -21978,7 +23229,10 @@
                                         </m:rPr>
                                         <a:rPr lang="cs-CZ" sz="1600">
                                           <a:solidFill>
-                                            <a:schemeClr val="tx1"/>
+                                            <a:schemeClr val="tx1">
+                                              <a:lumMod val="65000"/>
+                                              <a:lumOff val="35000"/>
+                                            </a:schemeClr>
                                           </a:solidFill>
                                           <a:latin typeface="Cambria Math" panose="02040503050406030204" pitchFamily="18" charset="0"/>
                                           <a:ea typeface="Cambria Math" panose="02040503050406030204" pitchFamily="18" charset="0"/>
@@ -21990,7 +23244,10 @@
                                       <m:r>
                                         <a:rPr lang="cs-CZ" sz="1600" i="1">
                                           <a:solidFill>
-                                            <a:schemeClr val="tx1"/>
+                                            <a:schemeClr val="tx1">
+                                              <a:lumMod val="65000"/>
+                                              <a:lumOff val="35000"/>
+                                            </a:schemeClr>
                                           </a:solidFill>
                                           <a:latin typeface="Cambria Math" panose="02040503050406030204" pitchFamily="18" charset="0"/>
                                           <a:ea typeface="Cambria Math" panose="02040503050406030204" pitchFamily="18" charset="0"/>
@@ -22004,7 +23261,10 @@
                                       <m:ctrlPr>
                                         <a:rPr lang="cs-CZ" sz="1600" i="1">
                                           <a:solidFill>
-                                            <a:schemeClr val="tx1"/>
+                                            <a:schemeClr val="tx1">
+                                              <a:lumMod val="65000"/>
+                                              <a:lumOff val="35000"/>
+                                            </a:schemeClr>
                                           </a:solidFill>
                                           <a:latin typeface="Cambria Math" panose="02040503050406030204" pitchFamily="18" charset="0"/>
                                           <a:ea typeface="Cambria Math" panose="02040503050406030204" pitchFamily="18" charset="0"/>
@@ -22017,7 +23277,10 @@
                                           <m:ctrlPr>
                                             <a:rPr lang="cs-CZ" sz="1600" i="1">
                                               <a:solidFill>
-                                                <a:schemeClr val="tx1"/>
+                                                <a:schemeClr val="tx1">
+                                                  <a:lumMod val="65000"/>
+                                                  <a:lumOff val="35000"/>
+                                                </a:schemeClr>
                                               </a:solidFill>
                                               <a:latin typeface="Cambria Math" panose="02040503050406030204" pitchFamily="18" charset="0"/>
                                               <a:ea typeface="Cambria Math" panose="02040503050406030204" pitchFamily="18" charset="0"/>
@@ -22028,7 +23291,10 @@
                                           <m:r>
                                             <a:rPr lang="cs-CZ" sz="1600" b="1" i="1">
                                               <a:solidFill>
-                                                <a:schemeClr val="tx1"/>
+                                                <a:schemeClr val="tx1">
+                                                  <a:lumMod val="65000"/>
+                                                  <a:lumOff val="35000"/>
+                                                </a:schemeClr>
                                               </a:solidFill>
                                               <a:latin typeface="Cambria Math" panose="02040503050406030204" pitchFamily="18" charset="0"/>
                                               <a:ea typeface="Cambria Math" panose="02040503050406030204" pitchFamily="18" charset="0"/>
@@ -22040,7 +23306,10 @@
                                           <m:r>
                                             <a:rPr lang="cs-CZ" sz="1600" i="1">
                                               <a:solidFill>
-                                                <a:schemeClr val="tx1"/>
+                                                <a:schemeClr val="tx1">
+                                                  <a:lumMod val="65000"/>
+                                                  <a:lumOff val="35000"/>
+                                                </a:schemeClr>
                                               </a:solidFill>
                                               <a:latin typeface="Cambria Math" panose="02040503050406030204" pitchFamily="18" charset="0"/>
                                               <a:ea typeface="Cambria Math" panose="02040503050406030204" pitchFamily="18" charset="0"/>
@@ -22058,7 +23327,10 @@
                               <m:r>
                                 <a:rPr lang="cs-CZ" sz="1600" b="0" i="1" smtClean="0">
                                   <a:solidFill>
-                                    <a:schemeClr val="tx1"/>
+                                    <a:schemeClr val="tx1">
+                                      <a:lumMod val="65000"/>
+                                      <a:lumOff val="35000"/>
+                                    </a:schemeClr>
                                   </a:solidFill>
                                   <a:latin typeface="Cambria Math" panose="02040503050406030204" pitchFamily="18" charset="0"/>
                                   <a:ea typeface="Cambria Math" panose="02040503050406030204" pitchFamily="18" charset="0"/>
@@ -22072,7 +23344,14 @@
                     </m:oMath>
                   </m:oMathPara>
                 </a14:m>
-                <a:endParaRPr lang="en-US" dirty="0"/>
+                <a:endParaRPr lang="en-US" dirty="0">
+                  <a:solidFill>
+                    <a:schemeClr val="tx1">
+                      <a:lumMod val="65000"/>
+                      <a:lumOff val="35000"/>
+                    </a:schemeClr>
+                  </a:solidFill>
+                </a:endParaRPr>
               </a:p>
             </p:txBody>
           </p:sp>
@@ -22680,8 +23959,8 @@
             <a:chExt cx="3816021" cy="1631804"/>
           </a:xfrm>
         </p:grpSpPr>
-        <mc:AlternateContent xmlns:mc="http://schemas.openxmlformats.org/markup-compatibility/2006">
-          <mc:Choice xmlns:a14="http://schemas.microsoft.com/office/drawing/2010/main" Requires="a14">
+        <mc:AlternateContent xmlns:mc="http://schemas.openxmlformats.org/markup-compatibility/2006" xmlns:a14="http://schemas.microsoft.com/office/drawing/2010/main">
+          <mc:Choice Requires="a14">
             <p:sp>
               <p:nvSpPr>
                 <p:cNvPr id="2" name="Vývojový diagram: rozhodnutí 1">
@@ -22762,7 +24041,7 @@
               </p:txBody>
             </p:sp>
           </mc:Choice>
-          <mc:Fallback>
+          <mc:Fallback xmlns="">
             <p:sp>
               <p:nvSpPr>
                 <p:cNvPr id="2" name="Vývojový diagram: rozhodnutí 1">
@@ -22807,8 +24086,8 @@
             </p:sp>
           </mc:Fallback>
         </mc:AlternateContent>
-        <mc:AlternateContent xmlns:mc="http://schemas.openxmlformats.org/markup-compatibility/2006">
-          <mc:Choice xmlns:a14="http://schemas.microsoft.com/office/drawing/2010/main" Requires="a14">
+        <mc:AlternateContent xmlns:mc="http://schemas.openxmlformats.org/markup-compatibility/2006" xmlns:a14="http://schemas.microsoft.com/office/drawing/2010/main">
+          <mc:Choice Requires="a14">
             <p:sp>
               <p:nvSpPr>
                 <p:cNvPr id="3" name="Vývojový diagram: rozhodnutí 2">
@@ -22889,7 +24168,7 @@
               </p:txBody>
             </p:sp>
           </mc:Choice>
-          <mc:Fallback>
+          <mc:Fallback xmlns="">
             <p:sp>
               <p:nvSpPr>
                 <p:cNvPr id="3" name="Vývojový diagram: rozhodnutí 2">
@@ -22934,8 +24213,8 @@
             </p:sp>
           </mc:Fallback>
         </mc:AlternateContent>
-        <mc:AlternateContent xmlns:mc="http://schemas.openxmlformats.org/markup-compatibility/2006">
-          <mc:Choice xmlns:a14="http://schemas.microsoft.com/office/drawing/2010/main" Requires="a14">
+        <mc:AlternateContent xmlns:mc="http://schemas.openxmlformats.org/markup-compatibility/2006" xmlns:a14="http://schemas.microsoft.com/office/drawing/2010/main">
+          <mc:Choice Requires="a14">
             <p:sp>
               <p:nvSpPr>
                 <p:cNvPr id="4" name="Obdélník 3">
@@ -22998,7 +24277,7 @@
               </p:txBody>
             </p:sp>
           </mc:Choice>
-          <mc:Fallback>
+          <mc:Fallback xmlns="">
             <p:sp>
               <p:nvSpPr>
                 <p:cNvPr id="4" name="Obdélník 3">
@@ -23043,8 +24322,8 @@
             </p:sp>
           </mc:Fallback>
         </mc:AlternateContent>
-        <mc:AlternateContent xmlns:mc="http://schemas.openxmlformats.org/markup-compatibility/2006">
-          <mc:Choice xmlns:a14="http://schemas.microsoft.com/office/drawing/2010/main" Requires="a14">
+        <mc:AlternateContent xmlns:mc="http://schemas.openxmlformats.org/markup-compatibility/2006" xmlns:a14="http://schemas.microsoft.com/office/drawing/2010/main">
+          <mc:Choice Requires="a14">
             <p:sp>
               <p:nvSpPr>
                 <p:cNvPr id="5" name="Obdélník 4">
@@ -23117,7 +24396,7 @@
               </p:txBody>
             </p:sp>
           </mc:Choice>
-          <mc:Fallback>
+          <mc:Fallback xmlns="">
             <p:sp>
               <p:nvSpPr>
                 <p:cNvPr id="5" name="Obdélník 4">
@@ -23246,8 +24525,8 @@
             </a:fontRef>
           </p:style>
         </p:cxnSp>
-        <mc:AlternateContent xmlns:mc="http://schemas.openxmlformats.org/markup-compatibility/2006">
-          <mc:Choice xmlns:a14="http://schemas.microsoft.com/office/drawing/2010/main" Requires="a14">
+        <mc:AlternateContent xmlns:mc="http://schemas.openxmlformats.org/markup-compatibility/2006" xmlns:a14="http://schemas.microsoft.com/office/drawing/2010/main">
+          <mc:Choice Requires="a14">
             <p:sp>
               <p:nvSpPr>
                 <p:cNvPr id="14" name="Obdélník 13">
@@ -23355,7 +24634,7 @@
               </p:txBody>
             </p:sp>
           </mc:Choice>
-          <mc:Fallback>
+          <mc:Fallback xmlns="">
             <p:sp>
               <p:nvSpPr>
                 <p:cNvPr id="14" name="Obdélník 13">
@@ -23796,7 +25075,10 @@
                           <m:ctrlPr>
                             <a:rPr lang="cs-CZ" sz="1600" i="1" smtClean="0">
                               <a:solidFill>
-                                <a:schemeClr val="tx1"/>
+                                <a:schemeClr val="tx1">
+                                  <a:lumMod val="65000"/>
+                                  <a:lumOff val="35000"/>
+                                </a:schemeClr>
                               </a:solidFill>
                               <a:latin typeface="Cambria Math" panose="02040503050406030204" pitchFamily="18" charset="0"/>
                               <a:ea typeface="Cambria Math" panose="02040503050406030204" pitchFamily="18" charset="0"/>
@@ -23807,7 +25089,10 @@
                           <m:r>
                             <a:rPr lang="cs-CZ" sz="1600" i="1">
                               <a:solidFill>
-                                <a:schemeClr val="tx1"/>
+                                <a:schemeClr val="tx1">
+                                  <a:lumMod val="65000"/>
+                                  <a:lumOff val="35000"/>
+                                </a:schemeClr>
                               </a:solidFill>
                               <a:latin typeface="Cambria Math" panose="02040503050406030204" pitchFamily="18" charset="0"/>
                               <a:ea typeface="Cambria Math" panose="02040503050406030204" pitchFamily="18" charset="0"/>
@@ -23822,7 +25107,10 @@
                             </m:rPr>
                             <a:rPr lang="cs-CZ" sz="1600" b="0" i="0" smtClean="0">
                               <a:solidFill>
-                                <a:schemeClr val="tx1"/>
+                                <a:schemeClr val="tx1">
+                                  <a:lumMod val="65000"/>
+                                  <a:lumOff val="35000"/>
+                                </a:schemeClr>
                               </a:solidFill>
                               <a:latin typeface="Cambria Math" panose="02040503050406030204" pitchFamily="18" charset="0"/>
                               <a:ea typeface="Cambria Math" panose="02040503050406030204" pitchFamily="18" charset="0"/>
@@ -23836,7 +25124,10 @@
                           <m:ctrlPr>
                             <a:rPr lang="cs-CZ" sz="1600" i="1" smtClean="0">
                               <a:solidFill>
-                                <a:schemeClr val="tx1"/>
+                                <a:schemeClr val="tx1">
+                                  <a:lumMod val="65000"/>
+                                  <a:lumOff val="35000"/>
+                                </a:schemeClr>
                               </a:solidFill>
                               <a:latin typeface="Cambria Math" panose="02040503050406030204" pitchFamily="18" charset="0"/>
                               <a:ea typeface="Cambria Math" panose="02040503050406030204" pitchFamily="18" charset="0"/>
@@ -23847,7 +25138,10 @@
                           <m:r>
                             <a:rPr lang="cs-CZ" sz="1600" b="0" i="1" smtClean="0">
                               <a:solidFill>
-                                <a:schemeClr val="tx1"/>
+                                <a:schemeClr val="tx1">
+                                  <a:lumMod val="65000"/>
+                                  <a:lumOff val="35000"/>
+                                </a:schemeClr>
                               </a:solidFill>
                               <a:latin typeface="Cambria Math" panose="02040503050406030204" pitchFamily="18" charset="0"/>
                               <a:ea typeface="Cambria Math" panose="02040503050406030204" pitchFamily="18" charset="0"/>
@@ -23859,7 +25153,10 @@
                       <m:r>
                         <a:rPr lang="cs-CZ" sz="1600" b="0" i="1" smtClean="0">
                           <a:solidFill>
-                            <a:schemeClr val="tx1"/>
+                            <a:schemeClr val="tx1">
+                              <a:lumMod val="65000"/>
+                              <a:lumOff val="35000"/>
+                            </a:schemeClr>
                           </a:solidFill>
                           <a:latin typeface="Cambria Math" panose="02040503050406030204" pitchFamily="18" charset="0"/>
                           <a:ea typeface="Cambria Math" panose="02040503050406030204" pitchFamily="18" charset="0"/>
@@ -23873,7 +25170,10 @@
                           <m:ctrlPr>
                             <a:rPr lang="cs-CZ" sz="1600" b="0" i="1" smtClean="0">
                               <a:solidFill>
-                                <a:schemeClr val="tx1"/>
+                                <a:schemeClr val="tx1">
+                                  <a:lumMod val="65000"/>
+                                  <a:lumOff val="35000"/>
+                                </a:schemeClr>
                               </a:solidFill>
                               <a:latin typeface="Cambria Math" panose="02040503050406030204" pitchFamily="18" charset="0"/>
                               <a:ea typeface="Cambria Math" panose="02040503050406030204" pitchFamily="18" charset="0"/>
@@ -23884,7 +25184,10 @@
                           <m:r>
                             <a:rPr lang="cs-CZ" sz="1600" b="0" i="1" smtClean="0">
                               <a:solidFill>
-                                <a:schemeClr val="tx1"/>
+                                <a:schemeClr val="tx1">
+                                  <a:lumMod val="65000"/>
+                                  <a:lumOff val="35000"/>
+                                </a:schemeClr>
                               </a:solidFill>
                               <a:latin typeface="Cambria Math" panose="02040503050406030204" pitchFamily="18" charset="0"/>
                             </a:rPr>
@@ -23898,7 +25201,10 @@
                               <m:ctrlPr>
                                 <a:rPr lang="cs-CZ" sz="1600" b="0" i="1" smtClean="0">
                                   <a:solidFill>
-                                    <a:schemeClr val="tx1"/>
+                                    <a:schemeClr val="tx1">
+                                      <a:lumMod val="65000"/>
+                                      <a:lumOff val="35000"/>
+                                    </a:schemeClr>
                                   </a:solidFill>
                                   <a:latin typeface="Cambria Math" panose="02040503050406030204" pitchFamily="18" charset="0"/>
                                   <a:ea typeface="Cambria Math" panose="02040503050406030204" pitchFamily="18" charset="0"/>
@@ -23913,7 +25219,10 @@
                                   <m:ctrlPr>
                                     <a:rPr lang="cs-CZ" sz="1600" i="1">
                                       <a:solidFill>
-                                        <a:schemeClr val="tx1"/>
+                                        <a:schemeClr val="tx1">
+                                          <a:lumMod val="65000"/>
+                                          <a:lumOff val="35000"/>
+                                        </a:schemeClr>
                                       </a:solidFill>
                                       <a:latin typeface="Cambria Math" panose="02040503050406030204" pitchFamily="18" charset="0"/>
                                       <a:ea typeface="Cambria Math" panose="02040503050406030204" pitchFamily="18" charset="0"/>
@@ -23926,7 +25235,10 @@
                                       <m:ctrlPr>
                                         <a:rPr lang="cs-CZ" sz="1600" i="1">
                                           <a:solidFill>
-                                            <a:schemeClr val="tx1"/>
+                                            <a:schemeClr val="tx1">
+                                              <a:lumMod val="65000"/>
+                                              <a:lumOff val="35000"/>
+                                            </a:schemeClr>
                                           </a:solidFill>
                                           <a:latin typeface="Cambria Math" panose="02040503050406030204" pitchFamily="18" charset="0"/>
                                           <a:ea typeface="Cambria Math" panose="02040503050406030204" pitchFamily="18" charset="0"/>
@@ -23939,7 +25251,10 @@
                                           <m:ctrlPr>
                                             <a:rPr lang="cs-CZ" sz="1600" i="1">
                                               <a:solidFill>
-                                                <a:schemeClr val="tx1"/>
+                                                <a:schemeClr val="tx1">
+                                                  <a:lumMod val="65000"/>
+                                                  <a:lumOff val="35000"/>
+                                                </a:schemeClr>
                                               </a:solidFill>
                                               <a:latin typeface="Cambria Math" panose="02040503050406030204" pitchFamily="18" charset="0"/>
                                             </a:rPr>
@@ -23949,7 +25264,10 @@
                                           <m:r>
                                             <a:rPr lang="cs-CZ" sz="1600" b="1" i="1">
                                               <a:solidFill>
-                                                <a:schemeClr val="tx1"/>
+                                                <a:schemeClr val="tx1">
+                                                  <a:lumMod val="65000"/>
+                                                  <a:lumOff val="35000"/>
+                                                </a:schemeClr>
                                               </a:solidFill>
                                               <a:latin typeface="Cambria Math" panose="02040503050406030204" pitchFamily="18" charset="0"/>
                                             </a:rPr>
@@ -23960,7 +25278,10 @@
                                           <m:r>
                                             <a:rPr lang="cs-CZ" sz="1600" b="0" i="1" smtClean="0">
                                               <a:solidFill>
-                                                <a:schemeClr val="tx1"/>
+                                                <a:schemeClr val="tx1">
+                                                  <a:lumMod val="65000"/>
+                                                  <a:lumOff val="35000"/>
+                                                </a:schemeClr>
                                               </a:solidFill>
                                               <a:latin typeface="Cambria Math" panose="02040503050406030204" pitchFamily="18" charset="0"/>
                                             </a:rPr>
@@ -23969,18 +25290,36 @@
                                           <m:r>
                                             <a:rPr lang="cs-CZ" sz="1600" i="1">
                                               <a:solidFill>
-                                                <a:schemeClr val="tx1"/>
+                                                <a:schemeClr val="tx1">
+                                                  <a:lumMod val="65000"/>
+                                                  <a:lumOff val="35000"/>
+                                                </a:schemeClr>
                                               </a:solidFill>
                                               <a:latin typeface="Cambria Math" panose="02040503050406030204" pitchFamily="18" charset="0"/>
                                             </a:rPr>
-                                            <m:t>+1</m:t>
+                                            <m:t>+</m:t>
+                                          </m:r>
+                                          <m:r>
+                                            <a:rPr lang="cs-CZ" sz="1600" i="1">
+                                              <a:solidFill>
+                                                <a:schemeClr val="tx1">
+                                                  <a:lumMod val="65000"/>
+                                                  <a:lumOff val="35000"/>
+                                                </a:schemeClr>
+                                              </a:solidFill>
+                                              <a:latin typeface="Cambria Math" panose="02040503050406030204" pitchFamily="18" charset="0"/>
+                                            </a:rPr>
+                                            <m:t>1</m:t>
                                           </m:r>
                                         </m:sub>
                                       </m:sSub>
                                       <m:r>
                                         <a:rPr lang="cs-CZ" sz="1600" i="1">
                                           <a:solidFill>
-                                            <a:schemeClr val="tx1"/>
+                                            <a:schemeClr val="tx1">
+                                              <a:lumMod val="65000"/>
+                                              <a:lumOff val="35000"/>
+                                            </a:schemeClr>
                                           </a:solidFill>
                                           <a:latin typeface="Cambria Math" panose="02040503050406030204" pitchFamily="18" charset="0"/>
                                         </a:rPr>
@@ -23991,7 +25330,10 @@
                                           <m:ctrlPr>
                                             <a:rPr lang="cs-CZ" sz="1600" i="1">
                                               <a:solidFill>
-                                                <a:schemeClr val="tx1"/>
+                                                <a:schemeClr val="tx1">
+                                                  <a:lumMod val="65000"/>
+                                                  <a:lumOff val="35000"/>
+                                                </a:schemeClr>
                                               </a:solidFill>
                                               <a:latin typeface="Cambria Math" panose="02040503050406030204" pitchFamily="18" charset="0"/>
                                             </a:rPr>
@@ -24001,7 +25343,10 @@
                                           <m:r>
                                             <a:rPr lang="cs-CZ" sz="1600" b="1" i="1">
                                               <a:solidFill>
-                                                <a:schemeClr val="tx1"/>
+                                                <a:schemeClr val="tx1">
+                                                  <a:lumMod val="65000"/>
+                                                  <a:lumOff val="35000"/>
+                                                </a:schemeClr>
                                               </a:solidFill>
                                               <a:latin typeface="Cambria Math" panose="02040503050406030204" pitchFamily="18" charset="0"/>
                                             </a:rPr>
@@ -24012,7 +25357,10 @@
                                           <m:r>
                                             <a:rPr lang="cs-CZ" sz="1600" b="0" i="1" smtClean="0">
                                               <a:solidFill>
-                                                <a:schemeClr val="tx1"/>
+                                                <a:schemeClr val="tx1">
+                                                  <a:lumMod val="65000"/>
+                                                  <a:lumOff val="35000"/>
+                                                </a:schemeClr>
                                               </a:solidFill>
                                               <a:latin typeface="Cambria Math" panose="02040503050406030204" pitchFamily="18" charset="0"/>
                                             </a:rPr>
@@ -24025,7 +25373,10 @@
                                       <m:r>
                                         <a:rPr lang="cs-CZ" sz="1600" i="1">
                                           <a:solidFill>
-                                            <a:schemeClr val="tx1"/>
+                                            <a:schemeClr val="tx1">
+                                              <a:lumMod val="65000"/>
+                                              <a:lumOff val="35000"/>
+                                            </a:schemeClr>
                                           </a:solidFill>
                                           <a:latin typeface="Cambria Math" panose="02040503050406030204" pitchFamily="18" charset="0"/>
                                           <a:ea typeface="Cambria Math" panose="02040503050406030204" pitchFamily="18" charset="0"/>
@@ -24035,7 +25386,10 @@
                                       <m:r>
                                         <a:rPr lang="cs-CZ" sz="1600" i="1">
                                           <a:solidFill>
-                                            <a:schemeClr val="tx1"/>
+                                            <a:schemeClr val="tx1">
+                                              <a:lumMod val="65000"/>
+                                              <a:lumOff val="35000"/>
+                                            </a:schemeClr>
                                           </a:solidFill>
                                           <a:latin typeface="Cambria Math" panose="02040503050406030204" pitchFamily="18" charset="0"/>
                                           <a:ea typeface="Cambria Math" panose="02040503050406030204" pitchFamily="18" charset="0"/>
@@ -24047,7 +25401,10 @@
                                   <m:r>
                                     <a:rPr lang="cs-CZ" sz="1600" i="1">
                                       <a:solidFill>
-                                        <a:schemeClr val="tx1"/>
+                                        <a:schemeClr val="tx1">
+                                          <a:lumMod val="65000"/>
+                                          <a:lumOff val="35000"/>
+                                        </a:schemeClr>
                                       </a:solidFill>
                                       <a:latin typeface="Cambria Math" panose="02040503050406030204" pitchFamily="18" charset="0"/>
                                       <a:ea typeface="Cambria Math" panose="02040503050406030204" pitchFamily="18" charset="0"/>
@@ -24059,7 +25416,10 @@
                                       <m:ctrlPr>
                                         <a:rPr lang="cs-CZ" sz="1600" i="1">
                                           <a:solidFill>
-                                            <a:schemeClr val="tx1"/>
+                                            <a:schemeClr val="tx1">
+                                              <a:lumMod val="65000"/>
+                                              <a:lumOff val="35000"/>
+                                            </a:schemeClr>
                                           </a:solidFill>
                                           <a:latin typeface="Cambria Math" panose="02040503050406030204" pitchFamily="18" charset="0"/>
                                           <a:ea typeface="Cambria Math" panose="02040503050406030204" pitchFamily="18" charset="0"/>
@@ -24073,7 +25433,10 @@
                                         </m:rPr>
                                         <a:rPr lang="cs-CZ" sz="1600">
                                           <a:solidFill>
-                                            <a:schemeClr val="tx1"/>
+                                            <a:schemeClr val="tx1">
+                                              <a:lumMod val="65000"/>
+                                              <a:lumOff val="35000"/>
+                                            </a:schemeClr>
                                           </a:solidFill>
                                           <a:latin typeface="Cambria Math" panose="02040503050406030204" pitchFamily="18" charset="0"/>
                                           <a:ea typeface="Cambria Math" panose="02040503050406030204" pitchFamily="18" charset="0"/>
@@ -24085,7 +25448,10 @@
                                       <m:r>
                                         <a:rPr lang="cs-CZ" sz="1600" i="1">
                                           <a:solidFill>
-                                            <a:schemeClr val="tx1"/>
+                                            <a:schemeClr val="tx1">
+                                              <a:lumMod val="65000"/>
+                                              <a:lumOff val="35000"/>
+                                            </a:schemeClr>
                                           </a:solidFill>
                                           <a:latin typeface="Cambria Math" panose="02040503050406030204" pitchFamily="18" charset="0"/>
                                           <a:ea typeface="Cambria Math" panose="02040503050406030204" pitchFamily="18" charset="0"/>
@@ -24099,7 +25465,10 @@
                                       <m:ctrlPr>
                                         <a:rPr lang="cs-CZ" sz="1600" i="1">
                                           <a:solidFill>
-                                            <a:schemeClr val="tx1"/>
+                                            <a:schemeClr val="tx1">
+                                              <a:lumMod val="65000"/>
+                                              <a:lumOff val="35000"/>
+                                            </a:schemeClr>
                                           </a:solidFill>
                                           <a:latin typeface="Cambria Math" panose="02040503050406030204" pitchFamily="18" charset="0"/>
                                           <a:ea typeface="Cambria Math" panose="02040503050406030204" pitchFamily="18" charset="0"/>
@@ -24112,7 +25481,10 @@
                                           <m:ctrlPr>
                                             <a:rPr lang="cs-CZ" sz="1600" i="1">
                                               <a:solidFill>
-                                                <a:schemeClr val="tx1"/>
+                                                <a:schemeClr val="tx1">
+                                                  <a:lumMod val="65000"/>
+                                                  <a:lumOff val="35000"/>
+                                                </a:schemeClr>
                                               </a:solidFill>
                                               <a:latin typeface="Cambria Math" panose="02040503050406030204" pitchFamily="18" charset="0"/>
                                               <a:ea typeface="Cambria Math" panose="02040503050406030204" pitchFamily="18" charset="0"/>
@@ -24123,7 +25495,10 @@
                                           <m:r>
                                             <a:rPr lang="cs-CZ" sz="1600" b="1" i="1">
                                               <a:solidFill>
-                                                <a:schemeClr val="tx1"/>
+                                                <a:schemeClr val="tx1">
+                                                  <a:lumMod val="65000"/>
+                                                  <a:lumOff val="35000"/>
+                                                </a:schemeClr>
                                               </a:solidFill>
                                               <a:latin typeface="Cambria Math" panose="02040503050406030204" pitchFamily="18" charset="0"/>
                                               <a:ea typeface="Cambria Math" panose="02040503050406030204" pitchFamily="18" charset="0"/>
@@ -24135,7 +25510,10 @@
                                           <m:r>
                                             <a:rPr lang="cs-CZ" sz="1600" b="0" i="1" smtClean="0">
                                               <a:solidFill>
-                                                <a:schemeClr val="tx1"/>
+                                                <a:schemeClr val="tx1">
+                                                  <a:lumMod val="65000"/>
+                                                  <a:lumOff val="35000"/>
+                                                </a:schemeClr>
                                               </a:solidFill>
                                               <a:latin typeface="Cambria Math" panose="02040503050406030204" pitchFamily="18" charset="0"/>
                                               <a:ea typeface="Cambria Math" panose="02040503050406030204" pitchFamily="18" charset="0"/>
@@ -24153,7 +25531,10 @@
                               <m:r>
                                 <a:rPr lang="cs-CZ" sz="1600" b="0" i="1" smtClean="0">
                                   <a:solidFill>
-                                    <a:schemeClr val="tx1"/>
+                                    <a:schemeClr val="tx1">
+                                      <a:lumMod val="65000"/>
+                                      <a:lumOff val="35000"/>
+                                    </a:schemeClr>
                                   </a:solidFill>
                                   <a:latin typeface="Cambria Math" panose="02040503050406030204" pitchFamily="18" charset="0"/>
                                   <a:ea typeface="Cambria Math" panose="02040503050406030204" pitchFamily="18" charset="0"/>
@@ -24167,7 +25548,14 @@
                     </m:oMath>
                   </m:oMathPara>
                 </a14:m>
-                <a:endParaRPr lang="en-US" dirty="0"/>
+                <a:endParaRPr lang="en-US" dirty="0">
+                  <a:solidFill>
+                    <a:schemeClr val="tx1">
+                      <a:lumMod val="65000"/>
+                      <a:lumOff val="35000"/>
+                    </a:schemeClr>
+                  </a:solidFill>
+                </a:endParaRPr>
               </a:p>
             </p:txBody>
           </p:sp>
@@ -24259,7 +25647,10 @@
                           <m:ctrlPr>
                             <a:rPr lang="cs-CZ" sz="1600" i="1" smtClean="0">
                               <a:solidFill>
-                                <a:schemeClr val="tx1"/>
+                                <a:schemeClr val="tx1">
+                                  <a:lumMod val="65000"/>
+                                  <a:lumOff val="35000"/>
+                                </a:schemeClr>
                               </a:solidFill>
                               <a:latin typeface="Cambria Math" panose="02040503050406030204" pitchFamily="18" charset="0"/>
                               <a:ea typeface="Cambria Math" panose="02040503050406030204" pitchFamily="18" charset="0"/>
@@ -24270,7 +25661,10 @@
                           <m:r>
                             <a:rPr lang="cs-CZ" sz="1600" i="1">
                               <a:solidFill>
-                                <a:schemeClr val="tx1"/>
+                                <a:schemeClr val="tx1">
+                                  <a:lumMod val="65000"/>
+                                  <a:lumOff val="35000"/>
+                                </a:schemeClr>
                               </a:solidFill>
                               <a:latin typeface="Cambria Math" panose="02040503050406030204" pitchFamily="18" charset="0"/>
                               <a:ea typeface="Cambria Math" panose="02040503050406030204" pitchFamily="18" charset="0"/>
@@ -24285,7 +25679,10 @@
                             </m:rPr>
                             <a:rPr lang="cs-CZ" sz="1600" b="0" i="0" smtClean="0">
                               <a:solidFill>
-                                <a:schemeClr val="tx1"/>
+                                <a:schemeClr val="tx1">
+                                  <a:lumMod val="65000"/>
+                                  <a:lumOff val="35000"/>
+                                </a:schemeClr>
                               </a:solidFill>
                               <a:latin typeface="Cambria Math" panose="02040503050406030204" pitchFamily="18" charset="0"/>
                               <a:ea typeface="Cambria Math" panose="02040503050406030204" pitchFamily="18" charset="0"/>
@@ -24299,7 +25696,10 @@
                           <m:ctrlPr>
                             <a:rPr lang="cs-CZ" sz="1600" i="1" smtClean="0">
                               <a:solidFill>
-                                <a:schemeClr val="tx1"/>
+                                <a:schemeClr val="tx1">
+                                  <a:lumMod val="65000"/>
+                                  <a:lumOff val="35000"/>
+                                </a:schemeClr>
                               </a:solidFill>
                               <a:latin typeface="Cambria Math" panose="02040503050406030204" pitchFamily="18" charset="0"/>
                               <a:ea typeface="Cambria Math" panose="02040503050406030204" pitchFamily="18" charset="0"/>
@@ -24310,7 +25710,10 @@
                           <m:r>
                             <a:rPr lang="cs-CZ" sz="1600" b="0" i="1" smtClean="0">
                               <a:solidFill>
-                                <a:schemeClr val="tx1"/>
+                                <a:schemeClr val="tx1">
+                                  <a:lumMod val="65000"/>
+                                  <a:lumOff val="35000"/>
+                                </a:schemeClr>
                               </a:solidFill>
                               <a:latin typeface="Cambria Math" panose="02040503050406030204" pitchFamily="18" charset="0"/>
                               <a:ea typeface="Cambria Math" panose="02040503050406030204" pitchFamily="18" charset="0"/>
@@ -24322,7 +25725,10 @@
                       <m:r>
                         <a:rPr lang="cs-CZ" sz="1600" b="0" i="1" smtClean="0">
                           <a:solidFill>
-                            <a:schemeClr val="tx1"/>
+                            <a:schemeClr val="tx1">
+                              <a:lumMod val="65000"/>
+                              <a:lumOff val="35000"/>
+                            </a:schemeClr>
                           </a:solidFill>
                           <a:latin typeface="Cambria Math" panose="02040503050406030204" pitchFamily="18" charset="0"/>
                           <a:ea typeface="Cambria Math" panose="02040503050406030204" pitchFamily="18" charset="0"/>
@@ -24334,7 +25740,10 @@
                           <m:ctrlPr>
                             <a:rPr lang="cs-CZ" sz="1600" i="1">
                               <a:solidFill>
-                                <a:schemeClr val="tx1"/>
+                                <a:schemeClr val="tx1">
+                                  <a:lumMod val="65000"/>
+                                  <a:lumOff val="35000"/>
+                                </a:schemeClr>
                               </a:solidFill>
                               <a:latin typeface="Cambria Math" panose="02040503050406030204" pitchFamily="18" charset="0"/>
                               <a:ea typeface="Cambria Math" panose="02040503050406030204" pitchFamily="18" charset="0"/>
@@ -24345,7 +25754,10 @@
                           <m:r>
                             <a:rPr lang="cs-CZ" sz="1600" i="1">
                               <a:solidFill>
-                                <a:schemeClr val="tx1"/>
+                                <a:schemeClr val="tx1">
+                                  <a:lumMod val="65000"/>
+                                  <a:lumOff val="35000"/>
+                                </a:schemeClr>
                               </a:solidFill>
                               <a:latin typeface="Cambria Math" panose="02040503050406030204" pitchFamily="18" charset="0"/>
                               <a:ea typeface="Cambria Math" panose="02040503050406030204" pitchFamily="18" charset="0"/>
@@ -24360,7 +25772,10 @@
                             </m:rPr>
                             <a:rPr lang="cs-CZ" sz="1600">
                               <a:solidFill>
-                                <a:schemeClr val="tx1"/>
+                                <a:schemeClr val="tx1">
+                                  <a:lumMod val="65000"/>
+                                  <a:lumOff val="35000"/>
+                                </a:schemeClr>
                               </a:solidFill>
                               <a:latin typeface="Cambria Math" panose="02040503050406030204" pitchFamily="18" charset="0"/>
                               <a:ea typeface="Cambria Math" panose="02040503050406030204" pitchFamily="18" charset="0"/>
@@ -24374,7 +25789,10 @@
                           <m:ctrlPr>
                             <a:rPr lang="cs-CZ" sz="1600" i="1">
                               <a:solidFill>
-                                <a:schemeClr val="tx1"/>
+                                <a:schemeClr val="tx1">
+                                  <a:lumMod val="65000"/>
+                                  <a:lumOff val="35000"/>
+                                </a:schemeClr>
                               </a:solidFill>
                               <a:latin typeface="Cambria Math" panose="02040503050406030204" pitchFamily="18" charset="0"/>
                               <a:ea typeface="Cambria Math" panose="02040503050406030204" pitchFamily="18" charset="0"/>
@@ -24385,7 +25803,10 @@
                           <m:r>
                             <a:rPr lang="cs-CZ" sz="1600" i="1">
                               <a:solidFill>
-                                <a:schemeClr val="tx1"/>
+                                <a:schemeClr val="tx1">
+                                  <a:lumMod val="65000"/>
+                                  <a:lumOff val="35000"/>
+                                </a:schemeClr>
                               </a:solidFill>
                               <a:latin typeface="Cambria Math" panose="02040503050406030204" pitchFamily="18" charset="0"/>
                               <a:ea typeface="Cambria Math" panose="02040503050406030204" pitchFamily="18" charset="0"/>
@@ -24397,7 +25818,10 @@
                       <m:r>
                         <a:rPr lang="cs-CZ" sz="1600" b="0" i="1" smtClean="0">
                           <a:solidFill>
-                            <a:schemeClr val="tx1"/>
+                            <a:schemeClr val="tx1">
+                              <a:lumMod val="65000"/>
+                              <a:lumOff val="35000"/>
+                            </a:schemeClr>
                           </a:solidFill>
                           <a:latin typeface="Cambria Math" panose="02040503050406030204" pitchFamily="18" charset="0"/>
                           <a:ea typeface="Cambria Math" panose="02040503050406030204" pitchFamily="18" charset="0"/>
@@ -24411,7 +25835,10 @@
                           <m:ctrlPr>
                             <a:rPr lang="cs-CZ" sz="1600" b="0" i="1" smtClean="0">
                               <a:solidFill>
-                                <a:schemeClr val="tx1"/>
+                                <a:schemeClr val="tx1">
+                                  <a:lumMod val="65000"/>
+                                  <a:lumOff val="35000"/>
+                                </a:schemeClr>
                               </a:solidFill>
                               <a:latin typeface="Cambria Math" panose="02040503050406030204" pitchFamily="18" charset="0"/>
                               <a:ea typeface="Cambria Math" panose="02040503050406030204" pitchFamily="18" charset="0"/>
@@ -24425,7 +25852,10 @@
                             </m:rPr>
                             <a:rPr lang="cs-CZ" sz="1600" b="0" i="1" smtClean="0">
                               <a:solidFill>
-                                <a:schemeClr val="tx1"/>
+                                <a:schemeClr val="tx1">
+                                  <a:lumMod val="65000"/>
+                                  <a:lumOff val="35000"/>
+                                </a:schemeClr>
                               </a:solidFill>
                               <a:latin typeface="Cambria Math" panose="02040503050406030204" pitchFamily="18" charset="0"/>
                               <a:ea typeface="Cambria Math" panose="02040503050406030204" pitchFamily="18" charset="0"/>
@@ -24442,7 +25872,10 @@
                               <m:ctrlPr>
                                 <a:rPr lang="cs-CZ" sz="1600" i="1">
                                   <a:solidFill>
-                                    <a:schemeClr val="tx1"/>
+                                    <a:schemeClr val="tx1">
+                                      <a:lumMod val="65000"/>
+                                      <a:lumOff val="35000"/>
+                                    </a:schemeClr>
                                   </a:solidFill>
                                   <a:latin typeface="Cambria Math" panose="02040503050406030204" pitchFamily="18" charset="0"/>
                                   <a:ea typeface="Cambria Math" panose="02040503050406030204" pitchFamily="18" charset="0"/>
@@ -24456,12 +25889,28 @@
                                 </m:rPr>
                                 <a:rPr lang="cs-CZ" sz="1600" b="0" i="1" smtClean="0">
                                   <a:solidFill>
-                                    <a:schemeClr val="tx1"/>
+                                    <a:schemeClr val="tx1">
+                                      <a:lumMod val="65000"/>
+                                      <a:lumOff val="35000"/>
+                                    </a:schemeClr>
                                   </a:solidFill>
                                   <a:latin typeface="Cambria Math" panose="02040503050406030204" pitchFamily="18" charset="0"/>
                                   <a:ea typeface="Cambria Math" panose="02040503050406030204" pitchFamily="18" charset="0"/>
                                 </a:rPr>
-                                <m:t>𝑖𝑗𝑘</m:t>
+                                <m:t>𝑖</m:t>
+                              </m:r>
+                              <m:r>
+                                <a:rPr lang="cs-CZ" sz="1600" b="0" i="1" smtClean="0">
+                                  <a:solidFill>
+                                    <a:schemeClr val="tx1">
+                                      <a:lumMod val="65000"/>
+                                      <a:lumOff val="35000"/>
+                                    </a:schemeClr>
+                                  </a:solidFill>
+                                  <a:latin typeface="Cambria Math" panose="02040503050406030204" pitchFamily="18" charset="0"/>
+                                  <a:ea typeface="Cambria Math" panose="02040503050406030204" pitchFamily="18" charset="0"/>
+                                </a:rPr>
+                                <m:t>𝑗𝑘</m:t>
                               </m:r>
                             </m:sub>
                             <m:sup/>
@@ -24471,7 +25920,10 @@
                                   <m:ctrlPr>
                                     <a:rPr lang="cs-CZ" sz="1600" i="1" smtClean="0">
                                       <a:solidFill>
-                                        <a:schemeClr val="tx1"/>
+                                        <a:schemeClr val="tx1">
+                                          <a:lumMod val="65000"/>
+                                          <a:lumOff val="35000"/>
+                                        </a:schemeClr>
                                       </a:solidFill>
                                       <a:latin typeface="Cambria Math" panose="02040503050406030204" pitchFamily="18" charset="0"/>
                                       <a:ea typeface="Cambria Math" panose="02040503050406030204" pitchFamily="18" charset="0"/>
@@ -24486,7 +25938,10 @@
                                       <m:ctrlPr>
                                         <a:rPr lang="cs-CZ" sz="1600" i="1">
                                           <a:solidFill>
-                                            <a:schemeClr val="tx1"/>
+                                            <a:schemeClr val="tx1">
+                                              <a:lumMod val="65000"/>
+                                              <a:lumOff val="35000"/>
+                                            </a:schemeClr>
                                           </a:solidFill>
                                           <a:latin typeface="Cambria Math" panose="02040503050406030204" pitchFamily="18" charset="0"/>
                                           <a:ea typeface="Cambria Math" panose="02040503050406030204" pitchFamily="18" charset="0"/>
@@ -24498,6 +25953,12 @@
                                         <m:sSupPr>
                                           <m:ctrlPr>
                                             <a:rPr lang="cs-CZ" sz="1600" i="1">
+                                              <a:solidFill>
+                                                <a:schemeClr val="tx1">
+                                                  <a:lumMod val="65000"/>
+                                                  <a:lumOff val="35000"/>
+                                                </a:schemeClr>
+                                              </a:solidFill>
                                               <a:latin typeface="Cambria Math" panose="02040503050406030204" pitchFamily="18" charset="0"/>
                                             </a:rPr>
                                           </m:ctrlPr>
@@ -24505,6 +25966,12 @@
                                         <m:e>
                                           <m:r>
                                             <a:rPr lang="cs-CZ" sz="1600" i="1">
+                                              <a:solidFill>
+                                                <a:schemeClr val="tx1">
+                                                  <a:lumMod val="65000"/>
+                                                  <a:lumOff val="35000"/>
+                                                </a:schemeClr>
+                                              </a:solidFill>
                                               <a:latin typeface="Cambria Math" panose="02040503050406030204" pitchFamily="18" charset="0"/>
                                             </a:rPr>
                                             <m:t>𝐽</m:t>
@@ -24513,6 +25980,12 @@
                                         <m:sup>
                                           <m:r>
                                             <a:rPr lang="cs-CZ" sz="1600" i="1">
+                                              <a:solidFill>
+                                                <a:schemeClr val="tx1">
+                                                  <a:lumMod val="65000"/>
+                                                  <a:lumOff val="35000"/>
+                                                </a:schemeClr>
+                                              </a:solidFill>
                                               <a:latin typeface="Cambria Math" panose="02040503050406030204" pitchFamily="18" charset="0"/>
                                             </a:rPr>
                                             <m:t>𝑖𝑗𝑘</m:t>
@@ -24523,6 +25996,12 @@
                                         <m:dPr>
                                           <m:ctrlPr>
                                             <a:rPr lang="cs-CZ" sz="1600" i="1">
+                                              <a:solidFill>
+                                                <a:schemeClr val="tx1">
+                                                  <a:lumMod val="65000"/>
+                                                  <a:lumOff val="35000"/>
+                                                </a:schemeClr>
+                                              </a:solidFill>
                                               <a:latin typeface="Cambria Math" panose="02040503050406030204" pitchFamily="18" charset="0"/>
                                             </a:rPr>
                                           </m:ctrlPr>
@@ -24532,6 +26011,12 @@
                                             <m:sSubPr>
                                               <m:ctrlPr>
                                                 <a:rPr lang="cs-CZ" sz="1600" i="1">
+                                                  <a:solidFill>
+                                                    <a:schemeClr val="tx1">
+                                                      <a:lumMod val="65000"/>
+                                                      <a:lumOff val="35000"/>
+                                                    </a:schemeClr>
+                                                  </a:solidFill>
                                                   <a:latin typeface="Cambria Math" panose="02040503050406030204" pitchFamily="18" charset="0"/>
                                                 </a:rPr>
                                               </m:ctrlPr>
@@ -24539,6 +26024,12 @@
                                             <m:e>
                                               <m:r>
                                                 <a:rPr lang="cs-CZ" sz="1600" b="1" i="1">
+                                                  <a:solidFill>
+                                                    <a:schemeClr val="tx1">
+                                                      <a:lumMod val="65000"/>
+                                                      <a:lumOff val="35000"/>
+                                                    </a:schemeClr>
+                                                  </a:solidFill>
                                                   <a:latin typeface="Cambria Math" panose="02040503050406030204" pitchFamily="18" charset="0"/>
                                                 </a:rPr>
                                                 <m:t>𝒛</m:t>
@@ -24547,6 +26038,12 @@
                                             <m:sub>
                                               <m:r>
                                                 <a:rPr lang="cs-CZ" sz="1600" i="1">
+                                                  <a:solidFill>
+                                                    <a:schemeClr val="tx1">
+                                                      <a:lumMod val="65000"/>
+                                                      <a:lumOff val="35000"/>
+                                                    </a:schemeClr>
+                                                  </a:solidFill>
                                                   <a:latin typeface="Cambria Math" panose="02040503050406030204" pitchFamily="18" charset="0"/>
                                                 </a:rPr>
                                                 <m:t>𝑛</m:t>
@@ -24562,7 +26059,10 @@
                                   <m:r>
                                     <a:rPr lang="cs-CZ" sz="1600" b="0" i="1" smtClean="0">
                                       <a:solidFill>
-                                        <a:schemeClr val="tx1"/>
+                                        <a:schemeClr val="tx1">
+                                          <a:lumMod val="65000"/>
+                                          <a:lumOff val="35000"/>
+                                        </a:schemeClr>
                                       </a:solidFill>
                                       <a:latin typeface="Cambria Math" panose="02040503050406030204" pitchFamily="18" charset="0"/>
                                       <a:ea typeface="Cambria Math" panose="02040503050406030204" pitchFamily="18" charset="0"/>
@@ -24578,7 +26078,14 @@
                     </m:oMath>
                   </m:oMathPara>
                 </a14:m>
-                <a:endParaRPr lang="en-US" dirty="0"/>
+                <a:endParaRPr lang="en-US" dirty="0">
+                  <a:solidFill>
+                    <a:schemeClr val="tx1">
+                      <a:lumMod val="65000"/>
+                      <a:lumOff val="35000"/>
+                    </a:schemeClr>
+                  </a:solidFill>
+                </a:endParaRPr>
               </a:p>
             </p:txBody>
           </p:sp>
@@ -24628,8 +26135,8 @@
           </p:sp>
         </mc:Fallback>
       </mc:AlternateContent>
-      <mc:AlternateContent xmlns:mc="http://schemas.openxmlformats.org/markup-compatibility/2006">
-        <mc:Choice xmlns:a14="http://schemas.microsoft.com/office/drawing/2010/main" Requires="a14">
+      <mc:AlternateContent xmlns:mc="http://schemas.openxmlformats.org/markup-compatibility/2006" xmlns:a14="http://schemas.microsoft.com/office/drawing/2010/main">
+        <mc:Choice Requires="a14">
           <p:sp>
             <p:nvSpPr>
               <p:cNvPr id="65" name="TextovéPole 64">
@@ -25048,7 +26555,13 @@
                         <a:rPr lang="cs-CZ" b="0" i="1" smtClean="0">
                           <a:latin typeface="Cambria Math" panose="02040503050406030204" pitchFamily="18" charset="0"/>
                         </a:rPr>
-                        <m:t>=0</m:t>
+                        <m:t>=</m:t>
+                      </m:r>
+                      <m:r>
+                        <a:rPr lang="cs-CZ" b="0" i="1" smtClean="0">
+                          <a:latin typeface="Cambria Math" panose="02040503050406030204" pitchFamily="18" charset="0"/>
+                        </a:rPr>
+                        <m:t>0</m:t>
                       </m:r>
                     </m:oMath>
                   </m:oMathPara>
@@ -25058,7 +26571,7 @@
             </p:txBody>
           </p:sp>
         </mc:Choice>
-        <mc:Fallback>
+        <mc:Fallback xmlns="">
           <p:sp>
             <p:nvSpPr>
               <p:cNvPr id="65" name="TextovéPole 64">
@@ -25087,6 +26600,302 @@
                   <a:fillRect/>
                 </a:stretch>
               </a:blipFill>
+            </p:spPr>
+            <p:txBody>
+              <a:bodyPr/>
+              <a:lstStyle/>
+              <a:p>
+                <a:r>
+                  <a:rPr lang="en-US">
+                    <a:noFill/>
+                  </a:rPr>
+                  <a:t> </a:t>
+                </a:r>
+              </a:p>
+            </p:txBody>
+          </p:sp>
+        </mc:Fallback>
+      </mc:AlternateContent>
+      <mc:AlternateContent xmlns:mc="http://schemas.openxmlformats.org/markup-compatibility/2006">
+        <mc:Choice xmlns:a14="http://schemas.microsoft.com/office/drawing/2010/main" Requires="a14">
+          <p:sp>
+            <p:nvSpPr>
+              <p:cNvPr id="6" name="Google Shape;79;p14">
+                <a:extLst>
+                  <a:ext uri="{FF2B5EF4-FFF2-40B4-BE49-F238E27FC236}">
+                    <a16:creationId xmlns:a16="http://schemas.microsoft.com/office/drawing/2014/main" id="{6032E138-E1BF-DBEA-0A3C-C22D92A90F8A}"/>
+                  </a:ext>
+                </a:extLst>
+              </p:cNvPr>
+              <p:cNvSpPr txBox="1"/>
+              <p:nvPr/>
+            </p:nvSpPr>
+            <p:spPr>
+              <a:xfrm>
+                <a:off x="184874" y="2100415"/>
+                <a:ext cx="3325241" cy="1057880"/>
+              </a:xfrm>
+              <a:prstGeom prst="rect">
+                <a:avLst/>
+              </a:prstGeom>
+              <a:noFill/>
+              <a:ln>
+                <a:noFill/>
+              </a:ln>
+            </p:spPr>
+            <p:txBody>
+              <a:bodyPr spcFirstLastPara="1" wrap="square" lIns="91425" tIns="91425" rIns="91425" bIns="91425" anchor="t" anchorCtr="0">
+                <a:noAutofit/>
+              </a:bodyPr>
+              <a:lstStyle/>
+              <a:p>
+                <a:pPr marL="457200" indent="-342900">
+                  <a:buClr>
+                    <a:schemeClr val="dk2"/>
+                  </a:buClr>
+                  <a:buSzPts val="1800"/>
+                  <a:buFont typeface="Arial"/>
+                  <a:buChar char="●"/>
+                </a:pPr>
+                <a:r>
+                  <a:rPr lang="cs-CZ" sz="1600" dirty="0">
+                    <a:solidFill>
+                      <a:schemeClr val="tx1">
+                        <a:lumMod val="65000"/>
+                        <a:lumOff val="35000"/>
+                      </a:schemeClr>
+                    </a:solidFill>
+                  </a:rPr>
+                  <a:t>Next step </a:t>
+                </a:r>
+                <a:r>
+                  <a:rPr lang="cs-CZ" sz="1600" dirty="0" err="1">
+                    <a:solidFill>
+                      <a:schemeClr val="tx1">
+                        <a:lumMod val="65000"/>
+                        <a:lumOff val="35000"/>
+                      </a:schemeClr>
+                    </a:solidFill>
+                  </a:rPr>
+                  <a:t>calculated</a:t>
+                </a:r>
+                <a:r>
+                  <a:rPr lang="cs-CZ" sz="1600" dirty="0">
+                    <a:solidFill>
+                      <a:schemeClr val="tx1">
+                        <a:lumMod val="65000"/>
+                        <a:lumOff val="35000"/>
+                      </a:schemeClr>
+                    </a:solidFill>
+                  </a:rPr>
+                  <a:t> </a:t>
+                </a:r>
+                <a:r>
+                  <a:rPr lang="cs-CZ" sz="1600" dirty="0" err="1">
+                    <a:solidFill>
+                      <a:schemeClr val="tx1">
+                        <a:lumMod val="65000"/>
+                        <a:lumOff val="35000"/>
+                      </a:schemeClr>
+                    </a:solidFill>
+                  </a:rPr>
+                  <a:t>from</a:t>
+                </a:r>
+                <a:r>
+                  <a:rPr lang="cs-CZ" sz="1600" dirty="0">
+                    <a:solidFill>
+                      <a:schemeClr val="tx1">
+                        <a:lumMod val="65000"/>
+                        <a:lumOff val="35000"/>
+                      </a:schemeClr>
+                    </a:solidFill>
+                  </a:rPr>
+                  <a:t> </a:t>
+                </a:r>
+                <a14:m>
+                  <m:oMath xmlns:m="http://schemas.openxmlformats.org/officeDocument/2006/math">
+                    <m:r>
+                      <m:rPr>
+                        <m:sty m:val="p"/>
+                      </m:rPr>
+                      <a:rPr lang="cs-CZ" sz="1600" b="0" i="0" smtClean="0">
+                        <a:solidFill>
+                          <a:schemeClr val="tx1">
+                            <a:lumMod val="65000"/>
+                            <a:lumOff val="35000"/>
+                          </a:schemeClr>
+                        </a:solidFill>
+                        <a:latin typeface="Cambria Math" panose="02040503050406030204" pitchFamily="18" charset="0"/>
+                        <a:ea typeface="Cambria Math" panose="02040503050406030204" pitchFamily="18" charset="0"/>
+                      </a:rPr>
+                      <m:t>Φ</m:t>
+                    </m:r>
+                    <m:r>
+                      <a:rPr lang="cs-CZ" sz="1600" b="0" i="1" smtClean="0">
+                        <a:solidFill>
+                          <a:schemeClr val="tx1">
+                            <a:lumMod val="65000"/>
+                            <a:lumOff val="35000"/>
+                          </a:schemeClr>
+                        </a:solidFill>
+                        <a:latin typeface="Cambria Math" panose="02040503050406030204" pitchFamily="18" charset="0"/>
+                        <a:ea typeface="Cambria Math" panose="02040503050406030204" pitchFamily="18" charset="0"/>
+                      </a:rPr>
+                      <m:t>(</m:t>
+                    </m:r>
+                    <m:r>
+                      <a:rPr lang="cs-CZ" sz="1600" b="1" i="1" smtClean="0">
+                        <a:solidFill>
+                          <a:schemeClr val="tx1">
+                            <a:lumMod val="65000"/>
+                            <a:lumOff val="35000"/>
+                          </a:schemeClr>
+                        </a:solidFill>
+                        <a:latin typeface="Cambria Math" panose="02040503050406030204" pitchFamily="18" charset="0"/>
+                        <a:ea typeface="Cambria Math" panose="02040503050406030204" pitchFamily="18" charset="0"/>
+                      </a:rPr>
+                      <m:t>𝒛</m:t>
+                    </m:r>
+                    <m:r>
+                      <a:rPr lang="cs-CZ" sz="1600" b="0" i="1" smtClean="0">
+                        <a:solidFill>
+                          <a:schemeClr val="tx1">
+                            <a:lumMod val="65000"/>
+                            <a:lumOff val="35000"/>
+                          </a:schemeClr>
+                        </a:solidFill>
+                        <a:latin typeface="Cambria Math" panose="02040503050406030204" pitchFamily="18" charset="0"/>
+                        <a:ea typeface="Cambria Math" panose="02040503050406030204" pitchFamily="18" charset="0"/>
+                      </a:rPr>
+                      <m:t>)≈</m:t>
+                    </m:r>
+                    <m:acc>
+                      <m:accPr>
+                        <m:chr m:val="̇"/>
+                        <m:ctrlPr>
+                          <a:rPr lang="cs-CZ" sz="1600" i="1">
+                            <a:solidFill>
+                              <a:schemeClr val="tx1">
+                                <a:lumMod val="65000"/>
+                                <a:lumOff val="35000"/>
+                              </a:schemeClr>
+                            </a:solidFill>
+                            <a:latin typeface="Cambria Math" panose="02040503050406030204" pitchFamily="18" charset="0"/>
+                            <a:ea typeface="Cambria Math" panose="02040503050406030204" pitchFamily="18" charset="0"/>
+                          </a:rPr>
+                        </m:ctrlPr>
+                      </m:accPr>
+                      <m:e>
+                        <m:r>
+                          <a:rPr lang="cs-CZ" sz="1600" b="1" i="1">
+                            <a:solidFill>
+                              <a:schemeClr val="tx1">
+                                <a:lumMod val="65000"/>
+                                <a:lumOff val="35000"/>
+                              </a:schemeClr>
+                            </a:solidFill>
+                            <a:latin typeface="Cambria Math" panose="02040503050406030204" pitchFamily="18" charset="0"/>
+                            <a:ea typeface="Cambria Math" panose="02040503050406030204" pitchFamily="18" charset="0"/>
+                          </a:rPr>
+                          <m:t>𝒛</m:t>
+                        </m:r>
+                      </m:e>
+                    </m:acc>
+                  </m:oMath>
+                </a14:m>
+                <a:r>
+                  <a:rPr lang="cs-CZ" sz="1600" dirty="0">
+                    <a:solidFill>
+                      <a:schemeClr val="tx1">
+                        <a:lumMod val="65000"/>
+                        <a:lumOff val="35000"/>
+                      </a:schemeClr>
+                    </a:solidFill>
+                  </a:rPr>
+                  <a:t> </a:t>
+                </a:r>
+                <a:r>
+                  <a:rPr lang="cs-CZ" sz="1600" dirty="0" err="1">
+                    <a:solidFill>
+                      <a:schemeClr val="tx1">
+                        <a:lumMod val="65000"/>
+                        <a:lumOff val="35000"/>
+                      </a:schemeClr>
+                    </a:solidFill>
+                  </a:rPr>
+                  <a:t>using</a:t>
+                </a:r>
+                <a:r>
+                  <a:rPr lang="cs-CZ" sz="1600" dirty="0">
+                    <a:solidFill>
+                      <a:schemeClr val="tx1">
+                        <a:lumMod val="65000"/>
+                        <a:lumOff val="35000"/>
+                      </a:schemeClr>
+                    </a:solidFill>
+                  </a:rPr>
+                  <a:t> forward </a:t>
+                </a:r>
+                <a:r>
+                  <a:rPr lang="cs-CZ" sz="1600" dirty="0">
+                    <a:solidFill>
+                      <a:schemeClr val="dk2"/>
+                    </a:solidFill>
+                  </a:rPr>
+                  <a:t>Euler </a:t>
+                </a:r>
+                <a:r>
+                  <a:rPr lang="cs-CZ" sz="1600" dirty="0" err="1">
+                    <a:solidFill>
+                      <a:schemeClr val="dk2"/>
+                    </a:solidFill>
+                  </a:rPr>
+                  <a:t>or</a:t>
+                </a:r>
+                <a:r>
+                  <a:rPr lang="cs-CZ" sz="1600" dirty="0">
+                    <a:solidFill>
+                      <a:schemeClr val="dk2"/>
+                    </a:solidFill>
+                  </a:rPr>
+                  <a:t> IMR</a:t>
+                </a:r>
+              </a:p>
+            </p:txBody>
+          </p:sp>
+        </mc:Choice>
+        <mc:Fallback>
+          <p:sp>
+            <p:nvSpPr>
+              <p:cNvPr id="6" name="Google Shape;79;p14">
+                <a:extLst>
+                  <a:ext uri="{FF2B5EF4-FFF2-40B4-BE49-F238E27FC236}">
+                    <a16:creationId xmlns:a16="http://schemas.microsoft.com/office/drawing/2014/main" id="{6032E138-E1BF-DBEA-0A3C-C22D92A90F8A}"/>
+                  </a:ext>
+                </a:extLst>
+              </p:cNvPr>
+              <p:cNvSpPr txBox="1">
+                <a:spLocks noRot="1" noChangeAspect="1" noMove="1" noResize="1" noEditPoints="1" noAdjustHandles="1" noChangeArrowheads="1" noChangeShapeType="1" noTextEdit="1"/>
+              </p:cNvSpPr>
+              <p:nvPr/>
+            </p:nvSpPr>
+            <p:spPr>
+              <a:xfrm>
+                <a:off x="184874" y="2100415"/>
+                <a:ext cx="3325241" cy="1057880"/>
+              </a:xfrm>
+              <a:prstGeom prst="rect">
+                <a:avLst/>
+              </a:prstGeom>
+              <a:blipFill>
+                <a:blip r:embed="rId11"/>
+                <a:stretch>
+                  <a:fillRect r="-366"/>
+                </a:stretch>
+              </a:blipFill>
+              <a:ln>
+                <a:noFill/>
+              </a:ln>
             </p:spPr>
             <p:txBody>
               <a:bodyPr/>
@@ -25655,10 +27464,10 @@
         </p:nvGrpSpPr>
         <p:grpSpPr>
           <a:xfrm>
-            <a:off x="3639681" y="935399"/>
-            <a:ext cx="4490494" cy="1920221"/>
-            <a:chOff x="2669408" y="1296584"/>
-            <a:chExt cx="3816021" cy="1631804"/>
+            <a:off x="3842822" y="935399"/>
+            <a:ext cx="4287353" cy="1920221"/>
+            <a:chOff x="2842037" y="1296584"/>
+            <a:chExt cx="3643392" cy="1631804"/>
           </a:xfrm>
         </p:grpSpPr>
         <mc:AlternateContent xmlns:mc="http://schemas.openxmlformats.org/markup-compatibility/2006">
@@ -25712,10 +27521,10 @@
                       </m:oMathParaPr>
                       <m:oMath xmlns:m="http://schemas.openxmlformats.org/officeDocument/2006/math">
                         <m:r>
-                          <a:rPr lang="cs-CZ" b="1" i="1" smtClean="0">
+                          <a:rPr lang="cs-CZ" b="0" i="1" smtClean="0">
                             <a:latin typeface="Cambria Math" panose="02040503050406030204" pitchFamily="18" charset="0"/>
                           </a:rPr>
-                          <m:t>𝑳</m:t>
+                          <m:t>𝐶</m:t>
                         </m:r>
                         <m:r>
                           <a:rPr lang="cs-CZ" b="0" i="1" smtClean="0">
@@ -25788,8 +27597,8 @@
             </p:sp>
           </mc:Fallback>
         </mc:AlternateContent>
-        <mc:AlternateContent xmlns:mc="http://schemas.openxmlformats.org/markup-compatibility/2006">
-          <mc:Choice xmlns:a14="http://schemas.microsoft.com/office/drawing/2010/main" Requires="a14">
+        <mc:AlternateContent xmlns:mc="http://schemas.openxmlformats.org/markup-compatibility/2006" xmlns:a14="http://schemas.microsoft.com/office/drawing/2010/main">
+          <mc:Choice Requires="a14">
             <p:sp>
               <p:nvSpPr>
                 <p:cNvPr id="3" name="Vývojový diagram: rozhodnutí 2">
@@ -25870,7 +27679,7 @@
               </p:txBody>
             </p:sp>
           </mc:Choice>
-          <mc:Fallback>
+          <mc:Fallback xmlns="">
             <p:sp>
               <p:nvSpPr>
                 <p:cNvPr id="3" name="Vývojový diagram: rozhodnutí 2">
@@ -25958,7 +27767,7 @@
                 <a:bodyPr rtlCol="0" anchor="ctr"/>
                 <a:lstStyle/>
                 <a:p>
-                  <a:pPr algn="ctr"/>
+                  <a:pPr/>
                   <a14:m>
                     <m:oMathPara xmlns:m="http://schemas.openxmlformats.org/officeDocument/2006/math">
                       <m:oMathParaPr>
@@ -25966,15 +27775,72 @@
                       </m:oMathParaPr>
                       <m:oMath xmlns:m="http://schemas.openxmlformats.org/officeDocument/2006/math">
                         <m:r>
-                          <a:rPr lang="cs-CZ" b="0" i="1" smtClean="0">
+                          <a:rPr lang="cs-CZ" b="1" i="1" smtClean="0">
+                            <a:solidFill>
+                              <a:schemeClr val="bg1"/>
+                            </a:solidFill>
                             <a:latin typeface="Cambria Math" panose="02040503050406030204" pitchFamily="18" charset="0"/>
+                            <a:ea typeface="Cambria Math" panose="02040503050406030204" pitchFamily="18" charset="0"/>
                           </a:rPr>
-                          <m:t>𝐿</m:t>
+                          <m:t>𝑱</m:t>
+                        </m:r>
+                        <m:r>
+                          <a:rPr lang="cs-CZ" b="1" i="1" smtClean="0">
+                            <a:solidFill>
+                              <a:schemeClr val="bg1"/>
+                            </a:solidFill>
+                            <a:latin typeface="Cambria Math" panose="02040503050406030204" pitchFamily="18" charset="0"/>
+                            <a:ea typeface="Cambria Math" panose="02040503050406030204" pitchFamily="18" charset="0"/>
+                          </a:rPr>
+                          <m:t>=</m:t>
+                        </m:r>
+                        <m:r>
+                          <a:rPr lang="cs-CZ" i="1">
+                            <a:solidFill>
+                              <a:schemeClr val="bg1"/>
+                            </a:solidFill>
+                            <a:latin typeface="Cambria Math" panose="02040503050406030204" pitchFamily="18" charset="0"/>
+                            <a:ea typeface="Cambria Math" panose="02040503050406030204" pitchFamily="18" charset="0"/>
+                          </a:rPr>
+                          <m:t>𝜙</m:t>
+                        </m:r>
+                        <m:r>
+                          <m:rPr>
+                            <m:sty m:val="p"/>
+                          </m:rPr>
+                          <a:rPr lang="cs-CZ" i="1">
+                            <a:solidFill>
+                              <a:schemeClr val="bg1"/>
+                            </a:solidFill>
+                            <a:latin typeface="Cambria Math" panose="02040503050406030204" pitchFamily="18" charset="0"/>
+                            <a:ea typeface="Cambria Math" panose="02040503050406030204" pitchFamily="18" charset="0"/>
+                          </a:rPr>
+                          <m:t>∇</m:t>
+                        </m:r>
+                        <m:r>
+                          <a:rPr lang="cs-CZ" i="1">
+                            <a:solidFill>
+                              <a:schemeClr val="bg1"/>
+                            </a:solidFill>
+                            <a:latin typeface="Cambria Math" panose="02040503050406030204" pitchFamily="18" charset="0"/>
+                            <a:ea typeface="Cambria Math" panose="02040503050406030204" pitchFamily="18" charset="0"/>
+                          </a:rPr>
+                          <m:t>𝐶</m:t>
+                        </m:r>
+                        <m:r>
+                          <a:rPr lang="cs-CZ" i="1">
+                            <a:solidFill>
+                              <a:schemeClr val="bg1"/>
+                            </a:solidFill>
+                            <a:latin typeface="Cambria Math" panose="02040503050406030204" pitchFamily="18" charset="0"/>
+                            <a:ea typeface="Cambria Math" panose="02040503050406030204" pitchFamily="18" charset="0"/>
+                          </a:rPr>
+                          <m:t> </m:t>
                         </m:r>
                       </m:oMath>
                     </m:oMathPara>
                   </a14:m>
-                  <a:endParaRPr lang="en-US" dirty="0"/>
+                  <a:endParaRPr lang="de-DE" dirty="0"/>
                 </a:p>
               </p:txBody>
             </p:sp>
@@ -26024,8 +27890,8 @@
             </p:sp>
           </mc:Fallback>
         </mc:AlternateContent>
-        <mc:AlternateContent xmlns:mc="http://schemas.openxmlformats.org/markup-compatibility/2006">
-          <mc:Choice xmlns:a14="http://schemas.microsoft.com/office/drawing/2010/main" Requires="a14">
+        <mc:AlternateContent xmlns:mc="http://schemas.openxmlformats.org/markup-compatibility/2006" xmlns:a14="http://schemas.microsoft.com/office/drawing/2010/main">
+          <mc:Choice Requires="a14">
             <p:sp>
               <p:nvSpPr>
                 <p:cNvPr id="5" name="Obdélník 4">
@@ -26098,7 +27964,7 @@
               </p:txBody>
             </p:sp>
           </mc:Choice>
-          <mc:Fallback>
+          <mc:Fallback xmlns="">
             <p:sp>
               <p:nvSpPr>
                 <p:cNvPr id="5" name="Obdélník 4">
@@ -26227,8 +28093,8 @@
             </a:fontRef>
           </p:style>
         </p:cxnSp>
-        <mc:AlternateContent xmlns:mc="http://schemas.openxmlformats.org/markup-compatibility/2006">
-          <mc:Choice xmlns:a14="http://schemas.microsoft.com/office/drawing/2010/main" Requires="a14">
+        <mc:AlternateContent xmlns:mc="http://schemas.openxmlformats.org/markup-compatibility/2006" xmlns:a14="http://schemas.microsoft.com/office/drawing/2010/main">
+          <mc:Choice Requires="a14">
             <p:sp>
               <p:nvSpPr>
                 <p:cNvPr id="14" name="Obdélník 13">
@@ -26336,7 +28202,7 @@
               </p:txBody>
             </p:sp>
           </mc:Choice>
-          <mc:Fallback>
+          <mc:Fallback xmlns="">
             <p:sp>
               <p:nvSpPr>
                 <p:cNvPr id="14" name="Obdélník 13">
@@ -26513,8 +28379,8 @@
           </p:nvSpPr>
           <p:spPr>
             <a:xfrm>
-              <a:off x="2669408" y="2176106"/>
-              <a:ext cx="1295754" cy="222316"/>
+              <a:off x="2995664" y="2176106"/>
+              <a:ext cx="643246" cy="222316"/>
             </a:xfrm>
             <a:prstGeom prst="rect">
               <a:avLst/>
@@ -26527,13 +28393,14 @@
             </a:bodyPr>
             <a:lstStyle/>
             <a:p>
+              <a:pPr algn="ctr"/>
               <a:r>
                 <a:rPr lang="cs-CZ" sz="1100" dirty="0" err="1">
                   <a:solidFill>
                     <a:schemeClr val="dk2"/>
                   </a:solidFill>
                 </a:rPr>
-                <a:t>Skew-symmetrization</a:t>
+                <a:t>Autograd</a:t>
               </a:r>
               <a:endParaRPr lang="en-US" sz="1100" dirty="0">
                 <a:solidFill>
@@ -26638,7 +28505,7 @@
         <p:spPr>
           <a:xfrm>
             <a:off x="505039" y="1281957"/>
-            <a:ext cx="4633942" cy="738664"/>
+            <a:ext cx="2778537" cy="738664"/>
           </a:xfrm>
           <a:prstGeom prst="rect">
             <a:avLst/>
@@ -26777,7 +28644,10 @@
                           <m:ctrlPr>
                             <a:rPr lang="cs-CZ" sz="1600" i="1" smtClean="0">
                               <a:solidFill>
-                                <a:schemeClr val="tx1"/>
+                                <a:schemeClr val="tx1">
+                                  <a:lumMod val="65000"/>
+                                  <a:lumOff val="35000"/>
+                                </a:schemeClr>
                               </a:solidFill>
                               <a:latin typeface="Cambria Math" panose="02040503050406030204" pitchFamily="18" charset="0"/>
                               <a:ea typeface="Cambria Math" panose="02040503050406030204" pitchFamily="18" charset="0"/>
@@ -26788,7 +28658,10 @@
                           <m:r>
                             <a:rPr lang="cs-CZ" sz="1600" i="1">
                               <a:solidFill>
-                                <a:schemeClr val="tx1"/>
+                                <a:schemeClr val="tx1">
+                                  <a:lumMod val="65000"/>
+                                  <a:lumOff val="35000"/>
+                                </a:schemeClr>
                               </a:solidFill>
                               <a:latin typeface="Cambria Math" panose="02040503050406030204" pitchFamily="18" charset="0"/>
                               <a:ea typeface="Cambria Math" panose="02040503050406030204" pitchFamily="18" charset="0"/>
@@ -26803,7 +28676,10 @@
                             </m:rPr>
                             <a:rPr lang="cs-CZ" sz="1600" b="0" i="0" smtClean="0">
                               <a:solidFill>
-                                <a:schemeClr val="tx1"/>
+                                <a:schemeClr val="tx1">
+                                  <a:lumMod val="65000"/>
+                                  <a:lumOff val="35000"/>
+                                </a:schemeClr>
                               </a:solidFill>
                               <a:latin typeface="Cambria Math" panose="02040503050406030204" pitchFamily="18" charset="0"/>
                               <a:ea typeface="Cambria Math" panose="02040503050406030204" pitchFamily="18" charset="0"/>
@@ -26817,7 +28693,10 @@
                           <m:ctrlPr>
                             <a:rPr lang="cs-CZ" sz="1600" i="1" smtClean="0">
                               <a:solidFill>
-                                <a:schemeClr val="tx1"/>
+                                <a:schemeClr val="tx1">
+                                  <a:lumMod val="65000"/>
+                                  <a:lumOff val="35000"/>
+                                </a:schemeClr>
                               </a:solidFill>
                               <a:latin typeface="Cambria Math" panose="02040503050406030204" pitchFamily="18" charset="0"/>
                               <a:ea typeface="Cambria Math" panose="02040503050406030204" pitchFamily="18" charset="0"/>
@@ -26828,7 +28707,10 @@
                           <m:r>
                             <a:rPr lang="cs-CZ" sz="1600" b="0" i="1" smtClean="0">
                               <a:solidFill>
-                                <a:schemeClr val="tx1"/>
+                                <a:schemeClr val="tx1">
+                                  <a:lumMod val="65000"/>
+                                  <a:lumOff val="35000"/>
+                                </a:schemeClr>
                               </a:solidFill>
                               <a:latin typeface="Cambria Math" panose="02040503050406030204" pitchFamily="18" charset="0"/>
                               <a:ea typeface="Cambria Math" panose="02040503050406030204" pitchFamily="18" charset="0"/>
@@ -26840,7 +28722,10 @@
                       <m:r>
                         <a:rPr lang="cs-CZ" sz="1600" b="0" i="1" smtClean="0">
                           <a:solidFill>
-                            <a:schemeClr val="tx1"/>
+                            <a:schemeClr val="tx1">
+                              <a:lumMod val="65000"/>
+                              <a:lumOff val="35000"/>
+                            </a:schemeClr>
                           </a:solidFill>
                           <a:latin typeface="Cambria Math" panose="02040503050406030204" pitchFamily="18" charset="0"/>
                           <a:ea typeface="Cambria Math" panose="02040503050406030204" pitchFamily="18" charset="0"/>
@@ -26852,7 +28737,10 @@
                           <m:ctrlPr>
                             <a:rPr lang="cs-CZ" sz="1600" i="1">
                               <a:solidFill>
-                                <a:schemeClr val="tx1"/>
+                                <a:schemeClr val="tx1">
+                                  <a:lumMod val="65000"/>
+                                  <a:lumOff val="35000"/>
+                                </a:schemeClr>
                               </a:solidFill>
                               <a:latin typeface="Cambria Math" panose="02040503050406030204" pitchFamily="18" charset="0"/>
                               <a:ea typeface="Cambria Math" panose="02040503050406030204" pitchFamily="18" charset="0"/>
@@ -26863,7 +28751,10 @@
                           <m:r>
                             <a:rPr lang="cs-CZ" sz="1600" i="1">
                               <a:solidFill>
-                                <a:schemeClr val="tx1"/>
+                                <a:schemeClr val="tx1">
+                                  <a:lumMod val="65000"/>
+                                  <a:lumOff val="35000"/>
+                                </a:schemeClr>
                               </a:solidFill>
                               <a:latin typeface="Cambria Math" panose="02040503050406030204" pitchFamily="18" charset="0"/>
                               <a:ea typeface="Cambria Math" panose="02040503050406030204" pitchFamily="18" charset="0"/>
@@ -26878,7 +28769,10 @@
                             </m:rPr>
                             <a:rPr lang="cs-CZ" sz="1600" b="0" i="0" smtClean="0">
                               <a:solidFill>
-                                <a:schemeClr val="tx1"/>
+                                <a:schemeClr val="tx1">
+                                  <a:lumMod val="65000"/>
+                                  <a:lumOff val="35000"/>
+                                </a:schemeClr>
                               </a:solidFill>
                               <a:latin typeface="Cambria Math" panose="02040503050406030204" pitchFamily="18" charset="0"/>
                               <a:ea typeface="Cambria Math" panose="02040503050406030204" pitchFamily="18" charset="0"/>
@@ -26891,7 +28785,10 @@
                             </m:rPr>
                             <a:rPr lang="cs-CZ" sz="1600">
                               <a:solidFill>
-                                <a:schemeClr val="tx1"/>
+                                <a:schemeClr val="tx1">
+                                  <a:lumMod val="65000"/>
+                                  <a:lumOff val="35000"/>
+                                </a:schemeClr>
                               </a:solidFill>
                               <a:latin typeface="Cambria Math" panose="02040503050406030204" pitchFamily="18" charset="0"/>
                               <a:ea typeface="Cambria Math" panose="02040503050406030204" pitchFamily="18" charset="0"/>
@@ -26905,7 +28802,10 @@
                           <m:ctrlPr>
                             <a:rPr lang="cs-CZ" sz="1600" i="1">
                               <a:solidFill>
-                                <a:schemeClr val="tx1"/>
+                                <a:schemeClr val="tx1">
+                                  <a:lumMod val="65000"/>
+                                  <a:lumOff val="35000"/>
+                                </a:schemeClr>
                               </a:solidFill>
                               <a:latin typeface="Cambria Math" panose="02040503050406030204" pitchFamily="18" charset="0"/>
                               <a:ea typeface="Cambria Math" panose="02040503050406030204" pitchFamily="18" charset="0"/>
@@ -26916,7 +28816,10 @@
                           <m:r>
                             <a:rPr lang="cs-CZ" sz="1600" i="1">
                               <a:solidFill>
-                                <a:schemeClr val="tx1"/>
+                                <a:schemeClr val="tx1">
+                                  <a:lumMod val="65000"/>
+                                  <a:lumOff val="35000"/>
+                                </a:schemeClr>
                               </a:solidFill>
                               <a:latin typeface="Cambria Math" panose="02040503050406030204" pitchFamily="18" charset="0"/>
                               <a:ea typeface="Cambria Math" panose="02040503050406030204" pitchFamily="18" charset="0"/>
@@ -26962,6 +28865,867 @@
                   <a:fillRect b="-6780"/>
                 </a:stretch>
               </a:blipFill>
+            </p:spPr>
+            <p:txBody>
+              <a:bodyPr/>
+              <a:lstStyle/>
+              <a:p>
+                <a:r>
+                  <a:rPr lang="en-US">
+                    <a:noFill/>
+                  </a:rPr>
+                  <a:t> </a:t>
+                </a:r>
+              </a:p>
+            </p:txBody>
+          </p:sp>
+        </mc:Fallback>
+      </mc:AlternateContent>
+      <mc:AlternateContent xmlns:mc="http://schemas.openxmlformats.org/markup-compatibility/2006">
+        <mc:Choice xmlns:a14="http://schemas.microsoft.com/office/drawing/2010/main" Requires="a14">
+          <p:sp>
+            <p:nvSpPr>
+              <p:cNvPr id="6" name="Vývojový diagram: rozhodnutí 5">
+                <a:extLst>
+                  <a:ext uri="{FF2B5EF4-FFF2-40B4-BE49-F238E27FC236}">
+                    <a16:creationId xmlns:a16="http://schemas.microsoft.com/office/drawing/2014/main" id="{AA5B0B23-7AF6-F66F-B08F-3427CF13184F}"/>
+                  </a:ext>
+                </a:extLst>
+              </p:cNvPr>
+              <p:cNvSpPr/>
+              <p:nvPr/>
+            </p:nvSpPr>
+            <p:spPr>
+              <a:xfrm>
+                <a:off x="3842822" y="3233367"/>
+                <a:ext cx="1118494" cy="983991"/>
+              </a:xfrm>
+              <a:prstGeom prst="flowChartDecision">
+                <a:avLst/>
+              </a:prstGeom>
+            </p:spPr>
+            <p:style>
+              <a:lnRef idx="2">
+                <a:schemeClr val="accent1">
+                  <a:shade val="15000"/>
+                </a:schemeClr>
+              </a:lnRef>
+              <a:fillRef idx="1">
+                <a:schemeClr val="accent1"/>
+              </a:fillRef>
+              <a:effectRef idx="0">
+                <a:schemeClr val="accent1"/>
+              </a:effectRef>
+              <a:fontRef idx="minor">
+                <a:schemeClr val="lt1"/>
+              </a:fontRef>
+            </p:style>
+            <p:txBody>
+              <a:bodyPr rtlCol="0" anchor="ctr"/>
+              <a:lstStyle/>
+              <a:p>
+                <a:pPr algn="ctr"/>
+                <a14:m>
+                  <m:oMathPara xmlns:m="http://schemas.openxmlformats.org/officeDocument/2006/math">
+                    <m:oMathParaPr>
+                      <m:jc m:val="centerGroup"/>
+                    </m:oMathParaPr>
+                    <m:oMath xmlns:m="http://schemas.openxmlformats.org/officeDocument/2006/math">
+                      <m:r>
+                        <a:rPr lang="cs-CZ" b="0" i="1" smtClean="0">
+                          <a:latin typeface="Cambria Math" panose="02040503050406030204" pitchFamily="18" charset="0"/>
+                        </a:rPr>
+                        <m:t>𝜙</m:t>
+                      </m:r>
+                      <m:r>
+                        <a:rPr lang="cs-CZ" b="0" i="1" smtClean="0">
+                          <a:latin typeface="Cambria Math" panose="02040503050406030204" pitchFamily="18" charset="0"/>
+                        </a:rPr>
+                        <m:t>(</m:t>
+                      </m:r>
+                      <m:r>
+                        <a:rPr lang="cs-CZ" b="0" i="1" smtClean="0">
+                          <a:latin typeface="Cambria Math" panose="02040503050406030204" pitchFamily="18" charset="0"/>
+                        </a:rPr>
+                        <m:t>𝑧</m:t>
+                      </m:r>
+                      <m:r>
+                        <a:rPr lang="cs-CZ" b="0" i="1" smtClean="0">
+                          <a:latin typeface="Cambria Math" panose="02040503050406030204" pitchFamily="18" charset="0"/>
+                        </a:rPr>
+                        <m:t>)</m:t>
+                      </m:r>
+                    </m:oMath>
+                  </m:oMathPara>
+                </a14:m>
+                <a:endParaRPr lang="en-US" dirty="0"/>
+              </a:p>
+            </p:txBody>
+          </p:sp>
+        </mc:Choice>
+        <mc:Fallback>
+          <p:sp>
+            <p:nvSpPr>
+              <p:cNvPr id="6" name="Vývojový diagram: rozhodnutí 5">
+                <a:extLst>
+                  <a:ext uri="{FF2B5EF4-FFF2-40B4-BE49-F238E27FC236}">
+                    <a16:creationId xmlns:a16="http://schemas.microsoft.com/office/drawing/2014/main" id="{AA5B0B23-7AF6-F66F-B08F-3427CF13184F}"/>
+                  </a:ext>
+                </a:extLst>
+              </p:cNvPr>
+              <p:cNvSpPr>
+                <a:spLocks noRot="1" noChangeAspect="1" noMove="1" noResize="1" noEditPoints="1" noAdjustHandles="1" noChangeArrowheads="1" noChangeShapeType="1" noTextEdit="1"/>
+              </p:cNvSpPr>
+              <p:nvPr/>
+            </p:nvSpPr>
+            <p:spPr>
+              <a:xfrm>
+                <a:off x="3842822" y="3233367"/>
+                <a:ext cx="1118494" cy="983991"/>
+              </a:xfrm>
+              <a:prstGeom prst="flowChartDecision">
+                <a:avLst/>
+              </a:prstGeom>
+              <a:blipFill>
+                <a:blip r:embed="rId9"/>
+                <a:stretch>
+                  <a:fillRect/>
+                </a:stretch>
+              </a:blipFill>
+            </p:spPr>
+            <p:txBody>
+              <a:bodyPr/>
+              <a:lstStyle/>
+              <a:p>
+                <a:r>
+                  <a:rPr lang="en-US">
+                    <a:noFill/>
+                  </a:rPr>
+                  <a:t> </a:t>
+                </a:r>
+              </a:p>
+            </p:txBody>
+          </p:sp>
+        </mc:Fallback>
+      </mc:AlternateContent>
+      <p:cxnSp>
+        <p:nvCxnSpPr>
+          <p:cNvPr id="12" name="Přímá spojnice se šipkou 11">
+            <a:extLst>
+              <a:ext uri="{FF2B5EF4-FFF2-40B4-BE49-F238E27FC236}">
+                <a16:creationId xmlns:a16="http://schemas.microsoft.com/office/drawing/2014/main" id="{3C4C0220-7775-BE62-2F49-9C3E7A5BB8E4}"/>
+              </a:ext>
+            </a:extLst>
+          </p:cNvPr>
+          <p:cNvCxnSpPr>
+            <a:stCxn id="6" idx="0"/>
+            <a:endCxn id="4" idx="2"/>
+          </p:cNvCxnSpPr>
+          <p:nvPr/>
+        </p:nvCxnSpPr>
+        <p:spPr>
+          <a:xfrm flipV="1">
+            <a:off x="4402069" y="2855620"/>
+            <a:ext cx="0" cy="377747"/>
+          </a:xfrm>
+          <a:prstGeom prst="straightConnector1">
+            <a:avLst/>
+          </a:prstGeom>
+          <a:ln>
+            <a:tailEnd type="triangle"/>
+          </a:ln>
+        </p:spPr>
+        <p:style>
+          <a:lnRef idx="1">
+            <a:schemeClr val="accent1"/>
+          </a:lnRef>
+          <a:fillRef idx="0">
+            <a:schemeClr val="accent1"/>
+          </a:fillRef>
+          <a:effectRef idx="0">
+            <a:schemeClr val="accent1"/>
+          </a:effectRef>
+          <a:fontRef idx="minor">
+            <a:schemeClr val="tx1"/>
+          </a:fontRef>
+        </p:style>
+      </p:cxnSp>
+      <mc:AlternateContent xmlns:mc="http://schemas.openxmlformats.org/markup-compatibility/2006">
+        <mc:Choice xmlns:a14="http://schemas.microsoft.com/office/drawing/2010/main" Requires="a14">
+          <p:sp>
+            <p:nvSpPr>
+              <p:cNvPr id="16" name="Google Shape;79;p14">
+                <a:extLst>
+                  <a:ext uri="{FF2B5EF4-FFF2-40B4-BE49-F238E27FC236}">
+                    <a16:creationId xmlns:a16="http://schemas.microsoft.com/office/drawing/2014/main" id="{3261506C-135A-4AD3-CA48-F532F31C2748}"/>
+                  </a:ext>
+                </a:extLst>
+              </p:cNvPr>
+              <p:cNvSpPr txBox="1"/>
+              <p:nvPr/>
+            </p:nvSpPr>
+            <p:spPr>
+              <a:xfrm>
+                <a:off x="184874" y="2855620"/>
+                <a:ext cx="3365686" cy="474600"/>
+              </a:xfrm>
+              <a:prstGeom prst="rect">
+                <a:avLst/>
+              </a:prstGeom>
+              <a:noFill/>
+              <a:ln>
+                <a:noFill/>
+              </a:ln>
+            </p:spPr>
+            <p:txBody>
+              <a:bodyPr spcFirstLastPara="1" wrap="square" lIns="91425" tIns="91425" rIns="91425" bIns="91425" anchor="t" anchorCtr="0">
+                <a:noAutofit/>
+              </a:bodyPr>
+              <a:lstStyle/>
+              <a:p>
+                <a:pPr marL="457200" indent="-342900">
+                  <a:buClr>
+                    <a:schemeClr val="dk2"/>
+                  </a:buClr>
+                  <a:buSzPts val="1800"/>
+                  <a:buFont typeface="Arial"/>
+                  <a:buChar char="●"/>
+                </a:pPr>
+                <a:r>
+                  <a:rPr lang="cs-CZ" sz="1600" dirty="0">
+                    <a:solidFill>
+                      <a:schemeClr val="tx1">
+                        <a:lumMod val="65000"/>
+                        <a:lumOff val="35000"/>
+                      </a:schemeClr>
+                    </a:solidFill>
+                  </a:rPr>
+                  <a:t>Recall </a:t>
+                </a:r>
+                <a14:m>
+                  <m:oMath xmlns:m="http://schemas.openxmlformats.org/officeDocument/2006/math">
+                    <m:acc>
+                      <m:accPr>
+                        <m:chr m:val="̇"/>
+                        <m:ctrlPr>
+                          <a:rPr lang="cs-CZ" sz="1600" b="0" i="1" smtClean="0">
+                            <a:solidFill>
+                              <a:schemeClr val="tx1">
+                                <a:lumMod val="65000"/>
+                                <a:lumOff val="35000"/>
+                              </a:schemeClr>
+                            </a:solidFill>
+                            <a:latin typeface="Cambria Math" panose="02040503050406030204" pitchFamily="18" charset="0"/>
+                          </a:rPr>
+                        </m:ctrlPr>
+                      </m:accPr>
+                      <m:e>
+                        <m:r>
+                          <a:rPr lang="cs-CZ" sz="1600" b="1" i="1">
+                            <a:solidFill>
+                              <a:schemeClr val="tx1">
+                                <a:lumMod val="65000"/>
+                                <a:lumOff val="35000"/>
+                              </a:schemeClr>
+                            </a:solidFill>
+                            <a:latin typeface="Cambria Math" panose="02040503050406030204" pitchFamily="18" charset="0"/>
+                          </a:rPr>
+                          <m:t>𝒛</m:t>
+                        </m:r>
+                      </m:e>
+                    </m:acc>
+                    <m:r>
+                      <a:rPr lang="cs-CZ" sz="1600" b="1" i="1" smtClean="0">
+                        <a:solidFill>
+                          <a:schemeClr val="tx1">
+                            <a:lumMod val="65000"/>
+                            <a:lumOff val="35000"/>
+                          </a:schemeClr>
+                        </a:solidFill>
+                        <a:latin typeface="Cambria Math" panose="02040503050406030204" pitchFamily="18" charset="0"/>
+                      </a:rPr>
+                      <m:t>=</m:t>
+                    </m:r>
+                    <m:r>
+                      <a:rPr lang="cs-CZ" sz="1600" b="1" i="1">
+                        <a:solidFill>
+                          <a:schemeClr val="tx1">
+                            <a:lumMod val="65000"/>
+                            <a:lumOff val="35000"/>
+                          </a:schemeClr>
+                        </a:solidFill>
+                        <a:latin typeface="Cambria Math" panose="02040503050406030204" pitchFamily="18" charset="0"/>
+                        <a:ea typeface="Cambria Math" panose="02040503050406030204" pitchFamily="18" charset="0"/>
+                      </a:rPr>
+                      <m:t>𝑱</m:t>
+                    </m:r>
+                    <m:r>
+                      <a:rPr lang="cs-CZ" sz="1600" b="0" i="1" smtClean="0">
+                        <a:solidFill>
+                          <a:schemeClr val="tx1">
+                            <a:lumMod val="65000"/>
+                            <a:lumOff val="35000"/>
+                          </a:schemeClr>
+                        </a:solidFill>
+                        <a:latin typeface="Cambria Math" panose="02040503050406030204" pitchFamily="18" charset="0"/>
+                        <a:ea typeface="Cambria Math" panose="02040503050406030204" pitchFamily="18" charset="0"/>
+                      </a:rPr>
+                      <m:t>×</m:t>
+                    </m:r>
+                    <m:r>
+                      <m:rPr>
+                        <m:sty m:val="p"/>
+                      </m:rPr>
+                      <a:rPr lang="cs-CZ" sz="1600" i="1">
+                        <a:solidFill>
+                          <a:schemeClr val="tx1">
+                            <a:lumMod val="65000"/>
+                            <a:lumOff val="35000"/>
+                          </a:schemeClr>
+                        </a:solidFill>
+                        <a:latin typeface="Cambria Math" panose="02040503050406030204" pitchFamily="18" charset="0"/>
+                        <a:ea typeface="Cambria Math" panose="02040503050406030204" pitchFamily="18" charset="0"/>
+                      </a:rPr>
+                      <m:t>∇</m:t>
+                    </m:r>
+                    <m:r>
+                      <a:rPr lang="cs-CZ" sz="1600" i="1">
+                        <a:solidFill>
+                          <a:schemeClr val="tx1">
+                            <a:lumMod val="65000"/>
+                            <a:lumOff val="35000"/>
+                          </a:schemeClr>
+                        </a:solidFill>
+                        <a:latin typeface="Cambria Math" panose="02040503050406030204" pitchFamily="18" charset="0"/>
+                      </a:rPr>
+                      <m:t>𝐻</m:t>
+                    </m:r>
+                    <m:r>
+                      <a:rPr lang="cs-CZ" sz="1600" b="0" i="1" smtClean="0">
+                        <a:solidFill>
+                          <a:schemeClr val="tx1">
+                            <a:lumMod val="65000"/>
+                            <a:lumOff val="35000"/>
+                          </a:schemeClr>
+                        </a:solidFill>
+                        <a:latin typeface="Cambria Math" panose="02040503050406030204" pitchFamily="18" charset="0"/>
+                      </a:rPr>
+                      <m:t>,  </m:t>
+                    </m:r>
+                    <m:r>
+                      <a:rPr lang="cs-CZ" sz="1600" b="1" i="1">
+                        <a:solidFill>
+                          <a:schemeClr val="dk2"/>
+                        </a:solidFill>
+                        <a:latin typeface="Cambria Math" panose="02040503050406030204" pitchFamily="18" charset="0"/>
+                        <a:ea typeface="Cambria Math" panose="02040503050406030204" pitchFamily="18" charset="0"/>
+                      </a:rPr>
+                      <m:t>𝑱</m:t>
+                    </m:r>
+                    <m:r>
+                      <a:rPr lang="cs-CZ" sz="1600" b="1" i="1">
+                        <a:solidFill>
+                          <a:schemeClr val="dk2"/>
+                        </a:solidFill>
+                        <a:latin typeface="Cambria Math" panose="02040503050406030204" pitchFamily="18" charset="0"/>
+                        <a:ea typeface="Cambria Math" panose="02040503050406030204" pitchFamily="18" charset="0"/>
+                      </a:rPr>
+                      <m:t>=</m:t>
+                    </m:r>
+                    <m:r>
+                      <a:rPr lang="cs-CZ" sz="1600" i="1">
+                        <a:solidFill>
+                          <a:schemeClr val="dk2"/>
+                        </a:solidFill>
+                        <a:latin typeface="Cambria Math" panose="02040503050406030204" pitchFamily="18" charset="0"/>
+                        <a:ea typeface="Cambria Math" panose="02040503050406030204" pitchFamily="18" charset="0"/>
+                      </a:rPr>
+                      <m:t>𝜙</m:t>
+                    </m:r>
+                    <m:r>
+                      <m:rPr>
+                        <m:sty m:val="p"/>
+                      </m:rPr>
+                      <a:rPr lang="cs-CZ" sz="1600" i="1">
+                        <a:solidFill>
+                          <a:schemeClr val="dk2"/>
+                        </a:solidFill>
+                        <a:latin typeface="Cambria Math" panose="02040503050406030204" pitchFamily="18" charset="0"/>
+                        <a:ea typeface="Cambria Math" panose="02040503050406030204" pitchFamily="18" charset="0"/>
+                      </a:rPr>
+                      <m:t>∇</m:t>
+                    </m:r>
+                    <m:r>
+                      <a:rPr lang="cs-CZ" sz="1600" i="1">
+                        <a:solidFill>
+                          <a:schemeClr val="dk2"/>
+                        </a:solidFill>
+                        <a:latin typeface="Cambria Math" panose="02040503050406030204" pitchFamily="18" charset="0"/>
+                        <a:ea typeface="Cambria Math" panose="02040503050406030204" pitchFamily="18" charset="0"/>
+                      </a:rPr>
+                      <m:t>𝐶</m:t>
+                    </m:r>
+                    <m:r>
+                      <a:rPr lang="cs-CZ" sz="1600" i="1">
+                        <a:solidFill>
+                          <a:schemeClr val="dk2"/>
+                        </a:solidFill>
+                        <a:latin typeface="Cambria Math" panose="02040503050406030204" pitchFamily="18" charset="0"/>
+                        <a:ea typeface="Cambria Math" panose="02040503050406030204" pitchFamily="18" charset="0"/>
+                      </a:rPr>
+                      <m:t> </m:t>
+                    </m:r>
+                  </m:oMath>
+                </a14:m>
+                <a:endParaRPr lang="de-DE" sz="1600" dirty="0"/>
+              </a:p>
+              <a:p>
+                <a:pPr marL="457200" lvl="0" indent="-342900">
+                  <a:buClr>
+                    <a:schemeClr val="dk2"/>
+                  </a:buClr>
+                  <a:buSzPts val="1800"/>
+                  <a:buChar char="●"/>
+                </a:pPr>
+                <a:endParaRPr lang="cs-CZ" sz="1600" dirty="0">
+                  <a:solidFill>
+                    <a:schemeClr val="tx1">
+                      <a:lumMod val="65000"/>
+                      <a:lumOff val="35000"/>
+                    </a:schemeClr>
+                  </a:solidFill>
+                </a:endParaRPr>
+              </a:p>
+            </p:txBody>
+          </p:sp>
+        </mc:Choice>
+        <mc:Fallback>
+          <p:sp>
+            <p:nvSpPr>
+              <p:cNvPr id="16" name="Google Shape;79;p14">
+                <a:extLst>
+                  <a:ext uri="{FF2B5EF4-FFF2-40B4-BE49-F238E27FC236}">
+                    <a16:creationId xmlns:a16="http://schemas.microsoft.com/office/drawing/2014/main" id="{3261506C-135A-4AD3-CA48-F532F31C2748}"/>
+                  </a:ext>
+                </a:extLst>
+              </p:cNvPr>
+              <p:cNvSpPr txBox="1">
+                <a:spLocks noRot="1" noChangeAspect="1" noMove="1" noResize="1" noEditPoints="1" noAdjustHandles="1" noChangeArrowheads="1" noChangeShapeType="1" noTextEdit="1"/>
+              </p:cNvSpPr>
+              <p:nvPr/>
+            </p:nvSpPr>
+            <p:spPr>
+              <a:xfrm>
+                <a:off x="184874" y="2855620"/>
+                <a:ext cx="3365686" cy="474600"/>
+              </a:xfrm>
+              <a:prstGeom prst="rect">
+                <a:avLst/>
+              </a:prstGeom>
+              <a:blipFill>
+                <a:blip r:embed="rId10"/>
+                <a:stretch>
+                  <a:fillRect/>
+                </a:stretch>
+              </a:blipFill>
+              <a:ln>
+                <a:noFill/>
+              </a:ln>
+            </p:spPr>
+            <p:txBody>
+              <a:bodyPr/>
+              <a:lstStyle/>
+              <a:p>
+                <a:r>
+                  <a:rPr lang="en-US">
+                    <a:noFill/>
+                  </a:rPr>
+                  <a:t> </a:t>
+                </a:r>
+              </a:p>
+            </p:txBody>
+          </p:sp>
+        </mc:Fallback>
+      </mc:AlternateContent>
+      <mc:AlternateContent xmlns:mc="http://schemas.openxmlformats.org/markup-compatibility/2006">
+        <mc:Choice xmlns:a14="http://schemas.microsoft.com/office/drawing/2010/main" Requires="a14">
+          <p:sp>
+            <p:nvSpPr>
+              <p:cNvPr id="25" name="TextovéPole 24">
+                <a:extLst>
+                  <a:ext uri="{FF2B5EF4-FFF2-40B4-BE49-F238E27FC236}">
+                    <a16:creationId xmlns:a16="http://schemas.microsoft.com/office/drawing/2014/main" id="{105FED7A-4835-2008-3DCC-257930645FC4}"/>
+                  </a:ext>
+                </a:extLst>
+              </p:cNvPr>
+              <p:cNvSpPr txBox="1"/>
+              <p:nvPr/>
+            </p:nvSpPr>
+            <p:spPr>
+              <a:xfrm>
+                <a:off x="5027542" y="2443166"/>
+                <a:ext cx="266474" cy="261610"/>
+              </a:xfrm>
+              <a:prstGeom prst="rect">
+                <a:avLst/>
+              </a:prstGeom>
+              <a:solidFill>
+                <a:schemeClr val="bg1"/>
+              </a:solidFill>
+            </p:spPr>
+            <p:txBody>
+              <a:bodyPr wrap="square">
+                <a:spAutoFit/>
+              </a:bodyPr>
+              <a:lstStyle/>
+              <a:p>
+                <a:pPr/>
+                <a14:m>
+                  <m:oMathPara xmlns:m="http://schemas.openxmlformats.org/officeDocument/2006/math">
+                    <m:oMathParaPr>
+                      <m:jc m:val="center"/>
+                    </m:oMathParaPr>
+                    <m:oMath xmlns:m="http://schemas.openxmlformats.org/officeDocument/2006/math">
+                      <m:r>
+                        <a:rPr lang="cs-CZ" sz="1100" b="0" i="1" smtClean="0">
+                          <a:solidFill>
+                            <a:schemeClr val="tx1">
+                              <a:lumMod val="65000"/>
+                              <a:lumOff val="35000"/>
+                            </a:schemeClr>
+                          </a:solidFill>
+                          <a:latin typeface="Cambria Math" panose="02040503050406030204" pitchFamily="18" charset="0"/>
+                          <a:ea typeface="Cambria Math" panose="02040503050406030204" pitchFamily="18" charset="0"/>
+                        </a:rPr>
+                        <m:t>×</m:t>
+                      </m:r>
+                    </m:oMath>
+                  </m:oMathPara>
+                </a14:m>
+                <a:endParaRPr lang="en-US" sz="1100" dirty="0"/>
+              </a:p>
+            </p:txBody>
+          </p:sp>
+        </mc:Choice>
+        <mc:Fallback>
+          <p:sp>
+            <p:nvSpPr>
+              <p:cNvPr id="25" name="TextovéPole 24">
+                <a:extLst>
+                  <a:ext uri="{FF2B5EF4-FFF2-40B4-BE49-F238E27FC236}">
+                    <a16:creationId xmlns:a16="http://schemas.microsoft.com/office/drawing/2014/main" id="{105FED7A-4835-2008-3DCC-257930645FC4}"/>
+                  </a:ext>
+                </a:extLst>
+              </p:cNvPr>
+              <p:cNvSpPr txBox="1">
+                <a:spLocks noRot="1" noChangeAspect="1" noMove="1" noResize="1" noEditPoints="1" noAdjustHandles="1" noChangeArrowheads="1" noChangeShapeType="1" noTextEdit="1"/>
+              </p:cNvSpPr>
+              <p:nvPr/>
+            </p:nvSpPr>
+            <p:spPr>
+              <a:xfrm>
+                <a:off x="5027542" y="2443166"/>
+                <a:ext cx="266474" cy="261610"/>
+              </a:xfrm>
+              <a:prstGeom prst="rect">
+                <a:avLst/>
+              </a:prstGeom>
+              <a:blipFill>
+                <a:blip r:embed="rId11"/>
+                <a:stretch>
+                  <a:fillRect/>
+                </a:stretch>
+              </a:blipFill>
+            </p:spPr>
+            <p:txBody>
+              <a:bodyPr/>
+              <a:lstStyle/>
+              <a:p>
+                <a:r>
+                  <a:rPr lang="en-US">
+                    <a:noFill/>
+                  </a:rPr>
+                  <a:t> </a:t>
+                </a:r>
+              </a:p>
+            </p:txBody>
+          </p:sp>
+        </mc:Fallback>
+      </mc:AlternateContent>
+      <mc:AlternateContent xmlns:mc="http://schemas.openxmlformats.org/markup-compatibility/2006">
+        <mc:Choice xmlns:a14="http://schemas.microsoft.com/office/drawing/2010/main" Requires="a14">
+          <p:sp>
+            <p:nvSpPr>
+              <p:cNvPr id="27" name="Google Shape;79;p14">
+                <a:extLst>
+                  <a:ext uri="{FF2B5EF4-FFF2-40B4-BE49-F238E27FC236}">
+                    <a16:creationId xmlns:a16="http://schemas.microsoft.com/office/drawing/2014/main" id="{174AD404-21F7-7558-D9EE-A3F2478E3E8A}"/>
+                  </a:ext>
+                </a:extLst>
+              </p:cNvPr>
+              <p:cNvSpPr txBox="1"/>
+              <p:nvPr/>
+            </p:nvSpPr>
+            <p:spPr>
+              <a:xfrm>
+                <a:off x="184026" y="2100726"/>
+                <a:ext cx="3325241" cy="847832"/>
+              </a:xfrm>
+              <a:prstGeom prst="rect">
+                <a:avLst/>
+              </a:prstGeom>
+              <a:noFill/>
+              <a:ln>
+                <a:noFill/>
+              </a:ln>
+            </p:spPr>
+            <p:txBody>
+              <a:bodyPr spcFirstLastPara="1" wrap="square" lIns="91425" tIns="91425" rIns="91425" bIns="91425" anchor="t" anchorCtr="0">
+                <a:noAutofit/>
+              </a:bodyPr>
+              <a:lstStyle/>
+              <a:p>
+                <a:pPr marL="457200" indent="-342900">
+                  <a:buClr>
+                    <a:schemeClr val="dk2"/>
+                  </a:buClr>
+                  <a:buSzPts val="1800"/>
+                  <a:buFont typeface="Arial"/>
+                  <a:buChar char="●"/>
+                </a:pPr>
+                <a:r>
+                  <a:rPr lang="cs-CZ" sz="1600" dirty="0" err="1">
+                    <a:solidFill>
+                      <a:schemeClr val="dk2"/>
+                    </a:solidFill>
+                  </a:rPr>
+                  <a:t>Next</a:t>
+                </a:r>
+                <a:r>
+                  <a:rPr lang="cs-CZ" sz="1600" dirty="0">
+                    <a:solidFill>
+                      <a:schemeClr val="dk2"/>
+                    </a:solidFill>
+                  </a:rPr>
+                  <a:t> step </a:t>
+                </a:r>
+                <a:r>
+                  <a:rPr lang="cs-CZ" sz="1600" dirty="0">
+                    <a:solidFill>
+                      <a:schemeClr val="tx1">
+                        <a:lumMod val="65000"/>
+                        <a:lumOff val="35000"/>
+                      </a:schemeClr>
+                    </a:solidFill>
+                  </a:rPr>
+                  <a:t>calculated </a:t>
+                </a:r>
+                <a:r>
+                  <a:rPr lang="cs-CZ" sz="1600" dirty="0" err="1">
+                    <a:solidFill>
+                      <a:schemeClr val="tx1">
+                        <a:lumMod val="65000"/>
+                        <a:lumOff val="35000"/>
+                      </a:schemeClr>
+                    </a:solidFill>
+                  </a:rPr>
+                  <a:t>from</a:t>
+                </a:r>
+                <a:r>
+                  <a:rPr lang="cs-CZ" sz="1600" dirty="0">
+                    <a:solidFill>
+                      <a:schemeClr val="tx1">
+                        <a:lumMod val="65000"/>
+                        <a:lumOff val="35000"/>
+                      </a:schemeClr>
+                    </a:solidFill>
+                  </a:rPr>
+                  <a:t> </a:t>
+                </a:r>
+                <a14:m>
+                  <m:oMath xmlns:m="http://schemas.openxmlformats.org/officeDocument/2006/math">
+                    <m:r>
+                      <m:rPr>
+                        <m:sty m:val="p"/>
+                      </m:rPr>
+                      <a:rPr lang="cs-CZ" sz="1600" b="0" i="0" smtClean="0">
+                        <a:solidFill>
+                          <a:schemeClr val="tx1">
+                            <a:lumMod val="65000"/>
+                            <a:lumOff val="35000"/>
+                          </a:schemeClr>
+                        </a:solidFill>
+                        <a:latin typeface="Cambria Math" panose="02040503050406030204" pitchFamily="18" charset="0"/>
+                        <a:ea typeface="Cambria Math" panose="02040503050406030204" pitchFamily="18" charset="0"/>
+                      </a:rPr>
+                      <m:t>Φ</m:t>
+                    </m:r>
+                    <m:r>
+                      <a:rPr lang="cs-CZ" sz="1600" b="0" i="1" smtClean="0">
+                        <a:solidFill>
+                          <a:schemeClr val="tx1">
+                            <a:lumMod val="65000"/>
+                            <a:lumOff val="35000"/>
+                          </a:schemeClr>
+                        </a:solidFill>
+                        <a:latin typeface="Cambria Math" panose="02040503050406030204" pitchFamily="18" charset="0"/>
+                        <a:ea typeface="Cambria Math" panose="02040503050406030204" pitchFamily="18" charset="0"/>
+                      </a:rPr>
+                      <m:t>(</m:t>
+                    </m:r>
+                    <m:r>
+                      <a:rPr lang="cs-CZ" sz="1600" b="1" i="1" smtClean="0">
+                        <a:solidFill>
+                          <a:schemeClr val="tx1">
+                            <a:lumMod val="65000"/>
+                            <a:lumOff val="35000"/>
+                          </a:schemeClr>
+                        </a:solidFill>
+                        <a:latin typeface="Cambria Math" panose="02040503050406030204" pitchFamily="18" charset="0"/>
+                        <a:ea typeface="Cambria Math" panose="02040503050406030204" pitchFamily="18" charset="0"/>
+                      </a:rPr>
+                      <m:t>𝒛</m:t>
+                    </m:r>
+                    <m:r>
+                      <a:rPr lang="cs-CZ" sz="1600" b="0" i="1" smtClean="0">
+                        <a:solidFill>
+                          <a:schemeClr val="tx1">
+                            <a:lumMod val="65000"/>
+                            <a:lumOff val="35000"/>
+                          </a:schemeClr>
+                        </a:solidFill>
+                        <a:latin typeface="Cambria Math" panose="02040503050406030204" pitchFamily="18" charset="0"/>
+                        <a:ea typeface="Cambria Math" panose="02040503050406030204" pitchFamily="18" charset="0"/>
+                      </a:rPr>
+                      <m:t>)≈</m:t>
+                    </m:r>
+                    <m:acc>
+                      <m:accPr>
+                        <m:chr m:val="̇"/>
+                        <m:ctrlPr>
+                          <a:rPr lang="cs-CZ" sz="1600" i="1">
+                            <a:solidFill>
+                              <a:schemeClr val="tx1">
+                                <a:lumMod val="65000"/>
+                                <a:lumOff val="35000"/>
+                              </a:schemeClr>
+                            </a:solidFill>
+                            <a:latin typeface="Cambria Math" panose="02040503050406030204" pitchFamily="18" charset="0"/>
+                            <a:ea typeface="Cambria Math" panose="02040503050406030204" pitchFamily="18" charset="0"/>
+                          </a:rPr>
+                        </m:ctrlPr>
+                      </m:accPr>
+                      <m:e>
+                        <m:r>
+                          <a:rPr lang="cs-CZ" sz="1600" b="1" i="1">
+                            <a:solidFill>
+                              <a:schemeClr val="tx1">
+                                <a:lumMod val="65000"/>
+                                <a:lumOff val="35000"/>
+                              </a:schemeClr>
+                            </a:solidFill>
+                            <a:latin typeface="Cambria Math" panose="02040503050406030204" pitchFamily="18" charset="0"/>
+                            <a:ea typeface="Cambria Math" panose="02040503050406030204" pitchFamily="18" charset="0"/>
+                          </a:rPr>
+                          <m:t>𝒛</m:t>
+                        </m:r>
+                      </m:e>
+                    </m:acc>
+                  </m:oMath>
+                </a14:m>
+                <a:r>
+                  <a:rPr lang="cs-CZ" sz="1600" dirty="0">
+                    <a:solidFill>
+                      <a:schemeClr val="tx1">
+                        <a:lumMod val="65000"/>
+                        <a:lumOff val="35000"/>
+                      </a:schemeClr>
+                    </a:solidFill>
+                  </a:rPr>
+                  <a:t> </a:t>
+                </a:r>
+                <a:r>
+                  <a:rPr lang="cs-CZ" sz="1600" dirty="0" err="1">
+                    <a:solidFill>
+                      <a:schemeClr val="tx1">
+                        <a:lumMod val="65000"/>
+                        <a:lumOff val="35000"/>
+                      </a:schemeClr>
+                    </a:solidFill>
+                  </a:rPr>
+                  <a:t>using</a:t>
+                </a:r>
+                <a:r>
+                  <a:rPr lang="cs-CZ" sz="1600" dirty="0">
+                    <a:solidFill>
+                      <a:schemeClr val="tx1">
+                        <a:lumMod val="65000"/>
+                        <a:lumOff val="35000"/>
+                      </a:schemeClr>
+                    </a:solidFill>
+                  </a:rPr>
+                  <a:t> </a:t>
+                </a:r>
+                <a:r>
+                  <a:rPr lang="cs-CZ" sz="1600" dirty="0">
+                    <a:solidFill>
+                      <a:schemeClr val="dk2"/>
+                    </a:solidFill>
+                  </a:rPr>
+                  <a:t>forward Euler </a:t>
+                </a:r>
+                <a:r>
+                  <a:rPr lang="cs-CZ" sz="1600" dirty="0" err="1">
+                    <a:solidFill>
+                      <a:schemeClr val="dk2"/>
+                    </a:solidFill>
+                  </a:rPr>
+                  <a:t>or</a:t>
+                </a:r>
+                <a:r>
+                  <a:rPr lang="cs-CZ" sz="1600" dirty="0">
+                    <a:solidFill>
+                      <a:schemeClr val="dk2"/>
+                    </a:solidFill>
+                  </a:rPr>
+                  <a:t> IMR</a:t>
+                </a:r>
+              </a:p>
+            </p:txBody>
+          </p:sp>
+        </mc:Choice>
+        <mc:Fallback>
+          <p:sp>
+            <p:nvSpPr>
+              <p:cNvPr id="27" name="Google Shape;79;p14">
+                <a:extLst>
+                  <a:ext uri="{FF2B5EF4-FFF2-40B4-BE49-F238E27FC236}">
+                    <a16:creationId xmlns:a16="http://schemas.microsoft.com/office/drawing/2014/main" id="{174AD404-21F7-7558-D9EE-A3F2478E3E8A}"/>
+                  </a:ext>
+                </a:extLst>
+              </p:cNvPr>
+              <p:cNvSpPr txBox="1">
+                <a:spLocks noRot="1" noChangeAspect="1" noMove="1" noResize="1" noEditPoints="1" noAdjustHandles="1" noChangeArrowheads="1" noChangeShapeType="1" noTextEdit="1"/>
+              </p:cNvSpPr>
+              <p:nvPr/>
+            </p:nvSpPr>
+            <p:spPr>
+              <a:xfrm>
+                <a:off x="184026" y="2100726"/>
+                <a:ext cx="3325241" cy="847832"/>
+              </a:xfrm>
+              <a:prstGeom prst="rect">
+                <a:avLst/>
+              </a:prstGeom>
+              <a:blipFill>
+                <a:blip r:embed="rId12"/>
+                <a:stretch>
+                  <a:fillRect r="-366" b="-11511"/>
+                </a:stretch>
+              </a:blipFill>
+              <a:ln>
+                <a:noFill/>
+              </a:ln>
             </p:spPr>
             <p:txBody>
               <a:bodyPr/>

--- a/Prezentace_na_obhajobu.pptx
+++ b/Prezentace_na_obhajobu.pptx
@@ -5,7 +5,7 @@
     <p:sldMasterId id="2147483659" r:id="rId1"/>
   </p:sldMasterIdLst>
   <p:notesMasterIdLst>
-    <p:notesMasterId r:id="rId11"/>
+    <p:notesMasterId r:id="rId16"/>
   </p:notesMasterIdLst>
   <p:sldIdLst>
     <p:sldId id="256" r:id="rId2"/>
@@ -17,6 +17,11 @@
     <p:sldId id="262" r:id="rId8"/>
     <p:sldId id="263" r:id="rId9"/>
     <p:sldId id="264" r:id="rId10"/>
+    <p:sldId id="269" r:id="rId11"/>
+    <p:sldId id="265" r:id="rId12"/>
+    <p:sldId id="266" r:id="rId13"/>
+    <p:sldId id="267" r:id="rId14"/>
+    <p:sldId id="268" r:id="rId15"/>
   </p:sldIdLst>
   <p:sldSz cx="9144000" cy="5143500" type="screen16x9"/>
   <p:notesSz cx="6858000" cy="9144000"/>
@@ -806,6 +811,551 @@
         </p:txBody>
       </p:sp>
     </p:spTree>
+  </p:cSld>
+  <p:clrMapOvr>
+    <a:masterClrMapping/>
+  </p:clrMapOvr>
+</p:notes>
+</file>
+
+<file path=ppt/notesSlides/notesSlide10.xml><?xml version="1.0" encoding="utf-8"?>
+<p:notes xmlns:a="http://schemas.openxmlformats.org/drawingml/2006/main" xmlns:r="http://schemas.openxmlformats.org/officeDocument/2006/relationships" xmlns:p="http://schemas.openxmlformats.org/presentationml/2006/main" showMasterSp="0" showMasterPhAnim="0">
+  <p:cSld>
+    <p:spTree>
+      <p:nvGrpSpPr>
+        <p:cNvPr id="1" name="Shape 68"/>
+        <p:cNvGrpSpPr/>
+        <p:nvPr/>
+      </p:nvGrpSpPr>
+      <p:grpSpPr>
+        <a:xfrm>
+          <a:off x="0" y="0"/>
+          <a:ext cx="0" cy="0"/>
+          <a:chOff x="0" y="0"/>
+          <a:chExt cx="0" cy="0"/>
+        </a:xfrm>
+      </p:grpSpPr>
+      <p:sp>
+        <p:nvSpPr>
+          <p:cNvPr id="69" name="Google Shape;69;g2c7e2009a48_0_33:notes"/>
+          <p:cNvSpPr>
+            <a:spLocks noGrp="1" noRot="1" noChangeAspect="1"/>
+          </p:cNvSpPr>
+          <p:nvPr>
+            <p:ph type="sldImg" idx="2"/>
+          </p:nvPr>
+        </p:nvSpPr>
+        <p:spPr>
+          <a:xfrm>
+            <a:off x="381000" y="685800"/>
+            <a:ext cx="6096000" cy="3429000"/>
+          </a:xfrm>
+          <a:custGeom>
+            <a:avLst/>
+            <a:gdLst/>
+            <a:ahLst/>
+            <a:cxnLst/>
+            <a:rect l="l" t="t" r="r" b="b"/>
+            <a:pathLst>
+              <a:path w="120000" h="120000" extrusionOk="0">
+                <a:moveTo>
+                  <a:pt x="0" y="0"/>
+                </a:moveTo>
+                <a:lnTo>
+                  <a:pt x="120000" y="0"/>
+                </a:lnTo>
+                <a:lnTo>
+                  <a:pt x="120000" y="120000"/>
+                </a:lnTo>
+                <a:lnTo>
+                  <a:pt x="0" y="120000"/>
+                </a:lnTo>
+                <a:close/>
+              </a:path>
+            </a:pathLst>
+          </a:custGeom>
+        </p:spPr>
+      </p:sp>
+      <p:sp>
+        <p:nvSpPr>
+          <p:cNvPr id="70" name="Google Shape;70;g2c7e2009a48_0_33:notes"/>
+          <p:cNvSpPr txBox="1">
+            <a:spLocks noGrp="1"/>
+          </p:cNvSpPr>
+          <p:nvPr>
+            <p:ph type="body" idx="1"/>
+          </p:nvPr>
+        </p:nvSpPr>
+        <p:spPr>
+          <a:xfrm>
+            <a:off x="685800" y="4343400"/>
+            <a:ext cx="5486400" cy="4114800"/>
+          </a:xfrm>
+          <a:prstGeom prst="rect">
+            <a:avLst/>
+          </a:prstGeom>
+        </p:spPr>
+        <p:txBody>
+          <a:bodyPr spcFirstLastPara="1" wrap="square" lIns="91425" tIns="91425" rIns="91425" bIns="91425" anchor="t" anchorCtr="0">
+            <a:noAutofit/>
+          </a:bodyPr>
+          <a:lstStyle/>
+          <a:p>
+            <a:pPr marL="0" lvl="0" indent="0" algn="l" rtl="0">
+              <a:spcBef>
+                <a:spcPts val="0"/>
+              </a:spcBef>
+              <a:spcAft>
+                <a:spcPts val="0"/>
+              </a:spcAft>
+              <a:buNone/>
+            </a:pPr>
+            <a:endParaRPr dirty="0"/>
+          </a:p>
+        </p:txBody>
+      </p:sp>
+    </p:spTree>
+    <p:extLst>
+      <p:ext uri="{BB962C8B-B14F-4D97-AF65-F5344CB8AC3E}">
+        <p14:creationId xmlns:p14="http://schemas.microsoft.com/office/powerpoint/2010/main" val="2974719271"/>
+      </p:ext>
+    </p:extLst>
+  </p:cSld>
+  <p:clrMapOvr>
+    <a:masterClrMapping/>
+  </p:clrMapOvr>
+</p:notes>
+</file>
+
+<file path=ppt/notesSlides/notesSlide11.xml><?xml version="1.0" encoding="utf-8"?>
+<p:notes xmlns:a="http://schemas.openxmlformats.org/drawingml/2006/main" xmlns:r="http://schemas.openxmlformats.org/officeDocument/2006/relationships" xmlns:p="http://schemas.openxmlformats.org/presentationml/2006/main" showMasterSp="0" showMasterPhAnim="0">
+  <p:cSld>
+    <p:spTree>
+      <p:nvGrpSpPr>
+        <p:cNvPr id="1" name="Shape 68"/>
+        <p:cNvGrpSpPr/>
+        <p:nvPr/>
+      </p:nvGrpSpPr>
+      <p:grpSpPr>
+        <a:xfrm>
+          <a:off x="0" y="0"/>
+          <a:ext cx="0" cy="0"/>
+          <a:chOff x="0" y="0"/>
+          <a:chExt cx="0" cy="0"/>
+        </a:xfrm>
+      </p:grpSpPr>
+      <p:sp>
+        <p:nvSpPr>
+          <p:cNvPr id="69" name="Google Shape;69;g2c7e2009a48_0_33:notes"/>
+          <p:cNvSpPr>
+            <a:spLocks noGrp="1" noRot="1" noChangeAspect="1"/>
+          </p:cNvSpPr>
+          <p:nvPr>
+            <p:ph type="sldImg" idx="2"/>
+          </p:nvPr>
+        </p:nvSpPr>
+        <p:spPr>
+          <a:xfrm>
+            <a:off x="381000" y="685800"/>
+            <a:ext cx="6096000" cy="3429000"/>
+          </a:xfrm>
+          <a:custGeom>
+            <a:avLst/>
+            <a:gdLst/>
+            <a:ahLst/>
+            <a:cxnLst/>
+            <a:rect l="l" t="t" r="r" b="b"/>
+            <a:pathLst>
+              <a:path w="120000" h="120000" extrusionOk="0">
+                <a:moveTo>
+                  <a:pt x="0" y="0"/>
+                </a:moveTo>
+                <a:lnTo>
+                  <a:pt x="120000" y="0"/>
+                </a:lnTo>
+                <a:lnTo>
+                  <a:pt x="120000" y="120000"/>
+                </a:lnTo>
+                <a:lnTo>
+                  <a:pt x="0" y="120000"/>
+                </a:lnTo>
+                <a:close/>
+              </a:path>
+            </a:pathLst>
+          </a:custGeom>
+        </p:spPr>
+      </p:sp>
+      <p:sp>
+        <p:nvSpPr>
+          <p:cNvPr id="70" name="Google Shape;70;g2c7e2009a48_0_33:notes"/>
+          <p:cNvSpPr txBox="1">
+            <a:spLocks noGrp="1"/>
+          </p:cNvSpPr>
+          <p:nvPr>
+            <p:ph type="body" idx="1"/>
+          </p:nvPr>
+        </p:nvSpPr>
+        <p:spPr>
+          <a:xfrm>
+            <a:off x="685800" y="4343400"/>
+            <a:ext cx="5486400" cy="4114800"/>
+          </a:xfrm>
+          <a:prstGeom prst="rect">
+            <a:avLst/>
+          </a:prstGeom>
+        </p:spPr>
+        <p:txBody>
+          <a:bodyPr spcFirstLastPara="1" wrap="square" lIns="91425" tIns="91425" rIns="91425" bIns="91425" anchor="t" anchorCtr="0">
+            <a:noAutofit/>
+          </a:bodyPr>
+          <a:lstStyle/>
+          <a:p>
+            <a:pPr marL="0" lvl="0" indent="0" algn="l" rtl="0">
+              <a:spcBef>
+                <a:spcPts val="0"/>
+              </a:spcBef>
+              <a:spcAft>
+                <a:spcPts val="0"/>
+              </a:spcAft>
+              <a:buNone/>
+            </a:pPr>
+            <a:endParaRPr dirty="0"/>
+          </a:p>
+        </p:txBody>
+      </p:sp>
+    </p:spTree>
+    <p:extLst>
+      <p:ext uri="{BB962C8B-B14F-4D97-AF65-F5344CB8AC3E}">
+        <p14:creationId xmlns:p14="http://schemas.microsoft.com/office/powerpoint/2010/main" val="4258470175"/>
+      </p:ext>
+    </p:extLst>
+  </p:cSld>
+  <p:clrMapOvr>
+    <a:masterClrMapping/>
+  </p:clrMapOvr>
+</p:notes>
+</file>
+
+<file path=ppt/notesSlides/notesSlide12.xml><?xml version="1.0" encoding="utf-8"?>
+<p:notes xmlns:a="http://schemas.openxmlformats.org/drawingml/2006/main" xmlns:r="http://schemas.openxmlformats.org/officeDocument/2006/relationships" xmlns:p="http://schemas.openxmlformats.org/presentationml/2006/main" showMasterSp="0" showMasterPhAnim="0">
+  <p:cSld>
+    <p:spTree>
+      <p:nvGrpSpPr>
+        <p:cNvPr id="1" name="Shape 68"/>
+        <p:cNvGrpSpPr/>
+        <p:nvPr/>
+      </p:nvGrpSpPr>
+      <p:grpSpPr>
+        <a:xfrm>
+          <a:off x="0" y="0"/>
+          <a:ext cx="0" cy="0"/>
+          <a:chOff x="0" y="0"/>
+          <a:chExt cx="0" cy="0"/>
+        </a:xfrm>
+      </p:grpSpPr>
+      <p:sp>
+        <p:nvSpPr>
+          <p:cNvPr id="69" name="Google Shape;69;g2c7e2009a48_0_33:notes"/>
+          <p:cNvSpPr>
+            <a:spLocks noGrp="1" noRot="1" noChangeAspect="1"/>
+          </p:cNvSpPr>
+          <p:nvPr>
+            <p:ph type="sldImg" idx="2"/>
+          </p:nvPr>
+        </p:nvSpPr>
+        <p:spPr>
+          <a:xfrm>
+            <a:off x="381000" y="685800"/>
+            <a:ext cx="6096000" cy="3429000"/>
+          </a:xfrm>
+          <a:custGeom>
+            <a:avLst/>
+            <a:gdLst/>
+            <a:ahLst/>
+            <a:cxnLst/>
+            <a:rect l="l" t="t" r="r" b="b"/>
+            <a:pathLst>
+              <a:path w="120000" h="120000" extrusionOk="0">
+                <a:moveTo>
+                  <a:pt x="0" y="0"/>
+                </a:moveTo>
+                <a:lnTo>
+                  <a:pt x="120000" y="0"/>
+                </a:lnTo>
+                <a:lnTo>
+                  <a:pt x="120000" y="120000"/>
+                </a:lnTo>
+                <a:lnTo>
+                  <a:pt x="0" y="120000"/>
+                </a:lnTo>
+                <a:close/>
+              </a:path>
+            </a:pathLst>
+          </a:custGeom>
+        </p:spPr>
+      </p:sp>
+      <p:sp>
+        <p:nvSpPr>
+          <p:cNvPr id="70" name="Google Shape;70;g2c7e2009a48_0_33:notes"/>
+          <p:cNvSpPr txBox="1">
+            <a:spLocks noGrp="1"/>
+          </p:cNvSpPr>
+          <p:nvPr>
+            <p:ph type="body" idx="1"/>
+          </p:nvPr>
+        </p:nvSpPr>
+        <p:spPr>
+          <a:xfrm>
+            <a:off x="685800" y="4343400"/>
+            <a:ext cx="5486400" cy="4114800"/>
+          </a:xfrm>
+          <a:prstGeom prst="rect">
+            <a:avLst/>
+          </a:prstGeom>
+        </p:spPr>
+        <p:txBody>
+          <a:bodyPr spcFirstLastPara="1" wrap="square" lIns="91425" tIns="91425" rIns="91425" bIns="91425" anchor="t" anchorCtr="0">
+            <a:noAutofit/>
+          </a:bodyPr>
+          <a:lstStyle/>
+          <a:p>
+            <a:pPr marL="0" lvl="0" indent="0" algn="l" rtl="0">
+              <a:spcBef>
+                <a:spcPts val="0"/>
+              </a:spcBef>
+              <a:spcAft>
+                <a:spcPts val="0"/>
+              </a:spcAft>
+              <a:buNone/>
+            </a:pPr>
+            <a:endParaRPr dirty="0"/>
+          </a:p>
+        </p:txBody>
+      </p:sp>
+    </p:spTree>
+    <p:extLst>
+      <p:ext uri="{BB962C8B-B14F-4D97-AF65-F5344CB8AC3E}">
+        <p14:creationId xmlns:p14="http://schemas.microsoft.com/office/powerpoint/2010/main" val="2164856107"/>
+      </p:ext>
+    </p:extLst>
+  </p:cSld>
+  <p:clrMapOvr>
+    <a:masterClrMapping/>
+  </p:clrMapOvr>
+</p:notes>
+</file>
+
+<file path=ppt/notesSlides/notesSlide13.xml><?xml version="1.0" encoding="utf-8"?>
+<p:notes xmlns:a="http://schemas.openxmlformats.org/drawingml/2006/main" xmlns:r="http://schemas.openxmlformats.org/officeDocument/2006/relationships" xmlns:p="http://schemas.openxmlformats.org/presentationml/2006/main" showMasterSp="0" showMasterPhAnim="0">
+  <p:cSld>
+    <p:spTree>
+      <p:nvGrpSpPr>
+        <p:cNvPr id="1" name="Shape 68"/>
+        <p:cNvGrpSpPr/>
+        <p:nvPr/>
+      </p:nvGrpSpPr>
+      <p:grpSpPr>
+        <a:xfrm>
+          <a:off x="0" y="0"/>
+          <a:ext cx="0" cy="0"/>
+          <a:chOff x="0" y="0"/>
+          <a:chExt cx="0" cy="0"/>
+        </a:xfrm>
+      </p:grpSpPr>
+      <p:sp>
+        <p:nvSpPr>
+          <p:cNvPr id="69" name="Google Shape;69;g2c7e2009a48_0_33:notes"/>
+          <p:cNvSpPr>
+            <a:spLocks noGrp="1" noRot="1" noChangeAspect="1"/>
+          </p:cNvSpPr>
+          <p:nvPr>
+            <p:ph type="sldImg" idx="2"/>
+          </p:nvPr>
+        </p:nvSpPr>
+        <p:spPr>
+          <a:xfrm>
+            <a:off x="381000" y="685800"/>
+            <a:ext cx="6096000" cy="3429000"/>
+          </a:xfrm>
+          <a:custGeom>
+            <a:avLst/>
+            <a:gdLst/>
+            <a:ahLst/>
+            <a:cxnLst/>
+            <a:rect l="l" t="t" r="r" b="b"/>
+            <a:pathLst>
+              <a:path w="120000" h="120000" extrusionOk="0">
+                <a:moveTo>
+                  <a:pt x="0" y="0"/>
+                </a:moveTo>
+                <a:lnTo>
+                  <a:pt x="120000" y="0"/>
+                </a:lnTo>
+                <a:lnTo>
+                  <a:pt x="120000" y="120000"/>
+                </a:lnTo>
+                <a:lnTo>
+                  <a:pt x="0" y="120000"/>
+                </a:lnTo>
+                <a:close/>
+              </a:path>
+            </a:pathLst>
+          </a:custGeom>
+        </p:spPr>
+      </p:sp>
+      <p:sp>
+        <p:nvSpPr>
+          <p:cNvPr id="70" name="Google Shape;70;g2c7e2009a48_0_33:notes"/>
+          <p:cNvSpPr txBox="1">
+            <a:spLocks noGrp="1"/>
+          </p:cNvSpPr>
+          <p:nvPr>
+            <p:ph type="body" idx="1"/>
+          </p:nvPr>
+        </p:nvSpPr>
+        <p:spPr>
+          <a:xfrm>
+            <a:off x="685800" y="4343400"/>
+            <a:ext cx="5486400" cy="4114800"/>
+          </a:xfrm>
+          <a:prstGeom prst="rect">
+            <a:avLst/>
+          </a:prstGeom>
+        </p:spPr>
+        <p:txBody>
+          <a:bodyPr spcFirstLastPara="1" wrap="square" lIns="91425" tIns="91425" rIns="91425" bIns="91425" anchor="t" anchorCtr="0">
+            <a:noAutofit/>
+          </a:bodyPr>
+          <a:lstStyle/>
+          <a:p>
+            <a:pPr marL="0" lvl="0" indent="0" algn="l" rtl="0">
+              <a:spcBef>
+                <a:spcPts val="0"/>
+              </a:spcBef>
+              <a:spcAft>
+                <a:spcPts val="0"/>
+              </a:spcAft>
+              <a:buNone/>
+            </a:pPr>
+            <a:endParaRPr dirty="0"/>
+          </a:p>
+        </p:txBody>
+      </p:sp>
+    </p:spTree>
+    <p:extLst>
+      <p:ext uri="{BB962C8B-B14F-4D97-AF65-F5344CB8AC3E}">
+        <p14:creationId xmlns:p14="http://schemas.microsoft.com/office/powerpoint/2010/main" val="2506741992"/>
+      </p:ext>
+    </p:extLst>
+  </p:cSld>
+  <p:clrMapOvr>
+    <a:masterClrMapping/>
+  </p:clrMapOvr>
+</p:notes>
+</file>
+
+<file path=ppt/notesSlides/notesSlide14.xml><?xml version="1.0" encoding="utf-8"?>
+<p:notes xmlns:a="http://schemas.openxmlformats.org/drawingml/2006/main" xmlns:r="http://schemas.openxmlformats.org/officeDocument/2006/relationships" xmlns:p="http://schemas.openxmlformats.org/presentationml/2006/main" showMasterSp="0" showMasterPhAnim="0">
+  <p:cSld>
+    <p:spTree>
+      <p:nvGrpSpPr>
+        <p:cNvPr id="1" name="Shape 68"/>
+        <p:cNvGrpSpPr/>
+        <p:nvPr/>
+      </p:nvGrpSpPr>
+      <p:grpSpPr>
+        <a:xfrm>
+          <a:off x="0" y="0"/>
+          <a:ext cx="0" cy="0"/>
+          <a:chOff x="0" y="0"/>
+          <a:chExt cx="0" cy="0"/>
+        </a:xfrm>
+      </p:grpSpPr>
+      <p:sp>
+        <p:nvSpPr>
+          <p:cNvPr id="69" name="Google Shape;69;g2c7e2009a48_0_33:notes"/>
+          <p:cNvSpPr>
+            <a:spLocks noGrp="1" noRot="1" noChangeAspect="1"/>
+          </p:cNvSpPr>
+          <p:nvPr>
+            <p:ph type="sldImg" idx="2"/>
+          </p:nvPr>
+        </p:nvSpPr>
+        <p:spPr>
+          <a:xfrm>
+            <a:off x="381000" y="685800"/>
+            <a:ext cx="6096000" cy="3429000"/>
+          </a:xfrm>
+          <a:custGeom>
+            <a:avLst/>
+            <a:gdLst/>
+            <a:ahLst/>
+            <a:cxnLst/>
+            <a:rect l="l" t="t" r="r" b="b"/>
+            <a:pathLst>
+              <a:path w="120000" h="120000" extrusionOk="0">
+                <a:moveTo>
+                  <a:pt x="0" y="0"/>
+                </a:moveTo>
+                <a:lnTo>
+                  <a:pt x="120000" y="0"/>
+                </a:lnTo>
+                <a:lnTo>
+                  <a:pt x="120000" y="120000"/>
+                </a:lnTo>
+                <a:lnTo>
+                  <a:pt x="0" y="120000"/>
+                </a:lnTo>
+                <a:close/>
+              </a:path>
+            </a:pathLst>
+          </a:custGeom>
+        </p:spPr>
+      </p:sp>
+      <p:sp>
+        <p:nvSpPr>
+          <p:cNvPr id="70" name="Google Shape;70;g2c7e2009a48_0_33:notes"/>
+          <p:cNvSpPr txBox="1">
+            <a:spLocks noGrp="1"/>
+          </p:cNvSpPr>
+          <p:nvPr>
+            <p:ph type="body" idx="1"/>
+          </p:nvPr>
+        </p:nvSpPr>
+        <p:spPr>
+          <a:xfrm>
+            <a:off x="685800" y="4343400"/>
+            <a:ext cx="5486400" cy="4114800"/>
+          </a:xfrm>
+          <a:prstGeom prst="rect">
+            <a:avLst/>
+          </a:prstGeom>
+        </p:spPr>
+        <p:txBody>
+          <a:bodyPr spcFirstLastPara="1" wrap="square" lIns="91425" tIns="91425" rIns="91425" bIns="91425" anchor="t" anchorCtr="0">
+            <a:noAutofit/>
+          </a:bodyPr>
+          <a:lstStyle/>
+          <a:p>
+            <a:pPr marL="0" lvl="0" indent="0" algn="l" rtl="0">
+              <a:spcBef>
+                <a:spcPts val="0"/>
+              </a:spcBef>
+              <a:spcAft>
+                <a:spcPts val="0"/>
+              </a:spcAft>
+              <a:buNone/>
+            </a:pPr>
+            <a:endParaRPr dirty="0"/>
+          </a:p>
+        </p:txBody>
+      </p:sp>
+    </p:spTree>
+    <p:extLst>
+      <p:ext uri="{BB962C8B-B14F-4D97-AF65-F5344CB8AC3E}">
+        <p14:creationId xmlns:p14="http://schemas.microsoft.com/office/powerpoint/2010/main" val="975634633"/>
+      </p:ext>
+    </p:extLst>
   </p:cSld>
   <p:clrMapOvr>
     <a:masterClrMapping/>
@@ -7174,6 +7724,6494 @@
         </p:txBody>
       </p:sp>
     </p:spTree>
+  </p:cSld>
+  <p:clrMapOvr>
+    <a:masterClrMapping/>
+  </p:clrMapOvr>
+</p:sld>
+</file>
+
+<file path=ppt/slides/slide10.xml><?xml version="1.0" encoding="utf-8"?>
+<p:sld xmlns:a="http://schemas.openxmlformats.org/drawingml/2006/main" xmlns:r="http://schemas.openxmlformats.org/officeDocument/2006/relationships" xmlns:p="http://schemas.openxmlformats.org/presentationml/2006/main">
+  <p:cSld>
+    <p:spTree>
+      <p:nvGrpSpPr>
+        <p:cNvPr id="1" name="Shape 71"/>
+        <p:cNvGrpSpPr/>
+        <p:nvPr/>
+      </p:nvGrpSpPr>
+      <p:grpSpPr>
+        <a:xfrm>
+          <a:off x="0" y="0"/>
+          <a:ext cx="0" cy="0"/>
+          <a:chOff x="0" y="0"/>
+          <a:chExt cx="0" cy="0"/>
+        </a:xfrm>
+      </p:grpSpPr>
+      <p:sp>
+        <p:nvSpPr>
+          <p:cNvPr id="76" name="Google Shape;76;p14"/>
+          <p:cNvSpPr/>
+          <p:nvPr/>
+        </p:nvSpPr>
+        <p:spPr>
+          <a:xfrm>
+            <a:off x="2943778" y="4917300"/>
+            <a:ext cx="3256444" cy="226200"/>
+          </a:xfrm>
+          <a:prstGeom prst="rect">
+            <a:avLst/>
+          </a:prstGeom>
+          <a:solidFill>
+            <a:schemeClr val="lt2"/>
+          </a:solidFill>
+          <a:ln w="9525" cap="flat" cmpd="sng">
+            <a:solidFill>
+              <a:schemeClr val="lt2"/>
+            </a:solidFill>
+            <a:prstDash val="solid"/>
+            <a:round/>
+            <a:headEnd type="none" w="sm" len="sm"/>
+            <a:tailEnd type="none" w="sm" len="sm"/>
+          </a:ln>
+        </p:spPr>
+        <p:txBody>
+          <a:bodyPr spcFirstLastPara="1" wrap="square" lIns="91425" tIns="91425" rIns="91425" bIns="91425" anchor="ctr" anchorCtr="0">
+            <a:noAutofit/>
+          </a:bodyPr>
+          <a:lstStyle/>
+          <a:p>
+            <a:pPr marL="0" lvl="0" indent="0" algn="ctr" rtl="0">
+              <a:spcBef>
+                <a:spcPts val="0"/>
+              </a:spcBef>
+              <a:spcAft>
+                <a:spcPts val="0"/>
+              </a:spcAft>
+              <a:buNone/>
+            </a:pPr>
+            <a:r>
+              <a:rPr lang="cs" sz="1200" b="1" dirty="0">
+                <a:solidFill>
+                  <a:srgbClr val="A30000"/>
+                </a:solidFill>
+                <a:latin typeface="Calibri"/>
+                <a:ea typeface="Calibri"/>
+                <a:cs typeface="Calibri"/>
+                <a:sym typeface="Calibri"/>
+              </a:rPr>
+              <a:t>ML for recognition of simple physical systems</a:t>
+            </a:r>
+            <a:endParaRPr dirty="0">
+              <a:solidFill>
+                <a:srgbClr val="A30000"/>
+              </a:solidFill>
+            </a:endParaRPr>
+          </a:p>
+        </p:txBody>
+      </p:sp>
+      <p:sp>
+        <p:nvSpPr>
+          <p:cNvPr id="72" name="Google Shape;72;p14"/>
+          <p:cNvSpPr/>
+          <p:nvPr/>
+        </p:nvSpPr>
+        <p:spPr>
+          <a:xfrm>
+            <a:off x="0" y="6850"/>
+            <a:ext cx="4572000" cy="226200"/>
+          </a:xfrm>
+          <a:prstGeom prst="rect">
+            <a:avLst/>
+          </a:prstGeom>
+          <a:solidFill>
+            <a:srgbClr val="A30000"/>
+          </a:solidFill>
+          <a:ln w="9525" cap="flat" cmpd="sng">
+            <a:solidFill>
+              <a:srgbClr val="A30000"/>
+            </a:solidFill>
+            <a:prstDash val="solid"/>
+            <a:round/>
+            <a:headEnd type="none" w="sm" len="sm"/>
+            <a:tailEnd type="none" w="sm" len="sm"/>
+          </a:ln>
+        </p:spPr>
+        <p:txBody>
+          <a:bodyPr spcFirstLastPara="1" wrap="square" lIns="91425" tIns="91425" rIns="91425" bIns="91425" anchor="ctr" anchorCtr="0">
+            <a:noAutofit/>
+          </a:bodyPr>
+          <a:lstStyle/>
+          <a:p>
+            <a:pPr marL="0" lvl="0" indent="0" algn="r" rtl="0">
+              <a:spcBef>
+                <a:spcPts val="0"/>
+              </a:spcBef>
+              <a:spcAft>
+                <a:spcPts val="0"/>
+              </a:spcAft>
+              <a:buNone/>
+            </a:pPr>
+            <a:r>
+              <a:rPr lang="cs" b="1" dirty="0">
+                <a:solidFill>
+                  <a:schemeClr val="lt1"/>
+                </a:solidFill>
+              </a:rPr>
+              <a:t>Direct Poisson Neural Network</a:t>
+            </a:r>
+            <a:endParaRPr b="1" dirty="0">
+              <a:solidFill>
+                <a:schemeClr val="lt1"/>
+              </a:solidFill>
+            </a:endParaRPr>
+          </a:p>
+        </p:txBody>
+      </p:sp>
+      <p:sp>
+        <p:nvSpPr>
+          <p:cNvPr id="73" name="Google Shape;73;p14"/>
+          <p:cNvSpPr/>
+          <p:nvPr/>
+        </p:nvSpPr>
+        <p:spPr>
+          <a:xfrm>
+            <a:off x="6098850" y="4917300"/>
+            <a:ext cx="3053700" cy="226200"/>
+          </a:xfrm>
+          <a:prstGeom prst="rect">
+            <a:avLst/>
+          </a:prstGeom>
+          <a:solidFill>
+            <a:srgbClr val="D9D9D9"/>
+          </a:solidFill>
+          <a:ln w="9525" cap="flat" cmpd="sng">
+            <a:solidFill>
+              <a:srgbClr val="D9D9D9"/>
+            </a:solidFill>
+            <a:prstDash val="solid"/>
+            <a:round/>
+            <a:headEnd type="none" w="sm" len="sm"/>
+            <a:tailEnd type="none" w="sm" len="sm"/>
+          </a:ln>
+        </p:spPr>
+        <p:txBody>
+          <a:bodyPr spcFirstLastPara="1" wrap="square" lIns="91425" tIns="91425" rIns="91425" bIns="91425" anchor="ctr" anchorCtr="0">
+            <a:noAutofit/>
+          </a:bodyPr>
+          <a:lstStyle/>
+          <a:p>
+            <a:pPr marL="0" lvl="0" indent="0" algn="ctr" rtl="0">
+              <a:spcBef>
+                <a:spcPts val="0"/>
+              </a:spcBef>
+              <a:spcAft>
+                <a:spcPts val="0"/>
+              </a:spcAft>
+              <a:buNone/>
+            </a:pPr>
+            <a:r>
+              <a:rPr lang="cs" sz="1200" b="1">
+                <a:solidFill>
+                  <a:srgbClr val="A30000"/>
+                </a:solidFill>
+                <a:latin typeface="Calibri"/>
+                <a:ea typeface="Calibri"/>
+                <a:cs typeface="Calibri"/>
+                <a:sym typeface="Calibri"/>
+              </a:rPr>
+              <a:t>3.4.2024</a:t>
+            </a:r>
+            <a:endParaRPr>
+              <a:solidFill>
+                <a:srgbClr val="A30000"/>
+              </a:solidFill>
+              <a:highlight>
+                <a:schemeClr val="dk1"/>
+              </a:highlight>
+            </a:endParaRPr>
+          </a:p>
+        </p:txBody>
+      </p:sp>
+      <p:sp>
+        <p:nvSpPr>
+          <p:cNvPr id="74" name="Google Shape;74;p14"/>
+          <p:cNvSpPr/>
+          <p:nvPr/>
+        </p:nvSpPr>
+        <p:spPr>
+          <a:xfrm>
+            <a:off x="0" y="4917300"/>
+            <a:ext cx="3053700" cy="226200"/>
+          </a:xfrm>
+          <a:prstGeom prst="rect">
+            <a:avLst/>
+          </a:prstGeom>
+          <a:solidFill>
+            <a:srgbClr val="A30000"/>
+          </a:solidFill>
+          <a:ln w="9525" cap="flat" cmpd="sng">
+            <a:solidFill>
+              <a:srgbClr val="A30000"/>
+            </a:solidFill>
+            <a:prstDash val="solid"/>
+            <a:round/>
+            <a:headEnd type="none" w="sm" len="sm"/>
+            <a:tailEnd type="none" w="sm" len="sm"/>
+          </a:ln>
+        </p:spPr>
+        <p:txBody>
+          <a:bodyPr spcFirstLastPara="1" wrap="square" lIns="91425" tIns="91425" rIns="91425" bIns="91425" anchor="ctr" anchorCtr="0">
+            <a:noAutofit/>
+          </a:bodyPr>
+          <a:lstStyle/>
+          <a:p>
+            <a:pPr marL="0" lvl="0" indent="0" algn="ctr" rtl="0">
+              <a:spcBef>
+                <a:spcPts val="0"/>
+              </a:spcBef>
+              <a:spcAft>
+                <a:spcPts val="0"/>
+              </a:spcAft>
+              <a:buNone/>
+            </a:pPr>
+            <a:r>
+              <a:rPr lang="cs" sz="1200" b="1">
+                <a:solidFill>
+                  <a:schemeClr val="lt1"/>
+                </a:solidFill>
+                <a:latin typeface="Calibri"/>
+                <a:ea typeface="Calibri"/>
+                <a:cs typeface="Calibri"/>
+                <a:sym typeface="Calibri"/>
+              </a:rPr>
+              <a:t>Jan Benda</a:t>
+            </a:r>
+            <a:endParaRPr sz="1200" b="1">
+              <a:solidFill>
+                <a:schemeClr val="lt1"/>
+              </a:solidFill>
+              <a:latin typeface="Calibri"/>
+              <a:ea typeface="Calibri"/>
+              <a:cs typeface="Calibri"/>
+              <a:sym typeface="Calibri"/>
+            </a:endParaRPr>
+          </a:p>
+        </p:txBody>
+      </p:sp>
+      <p:sp>
+        <p:nvSpPr>
+          <p:cNvPr id="75" name="Google Shape;75;p14"/>
+          <p:cNvSpPr/>
+          <p:nvPr/>
+        </p:nvSpPr>
+        <p:spPr>
+          <a:xfrm>
+            <a:off x="4572000" y="6850"/>
+            <a:ext cx="4572000" cy="226200"/>
+          </a:xfrm>
+          <a:prstGeom prst="rect">
+            <a:avLst/>
+          </a:prstGeom>
+          <a:solidFill>
+            <a:srgbClr val="D9D9D9"/>
+          </a:solidFill>
+          <a:ln w="9525" cap="flat" cmpd="sng">
+            <a:solidFill>
+              <a:srgbClr val="D9D9D9"/>
+            </a:solidFill>
+            <a:prstDash val="solid"/>
+            <a:round/>
+            <a:headEnd type="none" w="sm" len="sm"/>
+            <a:tailEnd type="none" w="sm" len="sm"/>
+          </a:ln>
+        </p:spPr>
+        <p:txBody>
+          <a:bodyPr spcFirstLastPara="1" wrap="square" lIns="91425" tIns="91425" rIns="91425" bIns="91425" anchor="ctr" anchorCtr="0">
+            <a:noAutofit/>
+          </a:bodyPr>
+          <a:lstStyle/>
+          <a:p>
+            <a:pPr marL="0" lvl="0" indent="0" algn="ctr" rtl="0">
+              <a:spcBef>
+                <a:spcPts val="0"/>
+              </a:spcBef>
+              <a:spcAft>
+                <a:spcPts val="0"/>
+              </a:spcAft>
+              <a:buNone/>
+            </a:pPr>
+            <a:endParaRPr>
+              <a:highlight>
+                <a:schemeClr val="dk1"/>
+              </a:highlight>
+            </a:endParaRPr>
+          </a:p>
+        </p:txBody>
+      </p:sp>
+      <p:sp>
+        <p:nvSpPr>
+          <p:cNvPr id="77" name="Google Shape;77;p14"/>
+          <p:cNvSpPr txBox="1">
+            <a:spLocks noGrp="1"/>
+          </p:cNvSpPr>
+          <p:nvPr>
+            <p:ph type="sldNum" idx="12"/>
+          </p:nvPr>
+        </p:nvSpPr>
+        <p:spPr>
+          <a:xfrm>
+            <a:off x="8595308" y="4833592"/>
+            <a:ext cx="548700" cy="393600"/>
+          </a:xfrm>
+          <a:prstGeom prst="rect">
+            <a:avLst/>
+          </a:prstGeom>
+        </p:spPr>
+        <p:txBody>
+          <a:bodyPr spcFirstLastPara="1" wrap="square" lIns="91425" tIns="91425" rIns="91425" bIns="91425" anchor="ctr" anchorCtr="0">
+            <a:normAutofit/>
+          </a:bodyPr>
+          <a:lstStyle/>
+          <a:p>
+            <a:pPr marL="0" lvl="0" indent="0" algn="r" rtl="0">
+              <a:spcBef>
+                <a:spcPts val="0"/>
+              </a:spcBef>
+              <a:spcAft>
+                <a:spcPts val="0"/>
+              </a:spcAft>
+              <a:buNone/>
+            </a:pPr>
+            <a:fld id="{00000000-1234-1234-1234-123412341234}" type="slidenum">
+              <a:rPr lang="cs" sz="1200" b="1">
+                <a:solidFill>
+                  <a:srgbClr val="A30000"/>
+                </a:solidFill>
+                <a:latin typeface="Calibri"/>
+                <a:ea typeface="Calibri"/>
+                <a:cs typeface="Calibri"/>
+                <a:sym typeface="Calibri"/>
+              </a:rPr>
+              <a:t>10</a:t>
+            </a:fld>
+            <a:endParaRPr sz="1200" b="1" dirty="0">
+              <a:solidFill>
+                <a:srgbClr val="A30000"/>
+              </a:solidFill>
+              <a:latin typeface="Calibri"/>
+              <a:ea typeface="Calibri"/>
+              <a:cs typeface="Calibri"/>
+              <a:sym typeface="Calibri"/>
+            </a:endParaRPr>
+          </a:p>
+        </p:txBody>
+      </p:sp>
+      <p:sp>
+        <p:nvSpPr>
+          <p:cNvPr id="78" name="Google Shape;78;p14"/>
+          <p:cNvSpPr/>
+          <p:nvPr/>
+        </p:nvSpPr>
+        <p:spPr>
+          <a:xfrm>
+            <a:off x="0" y="233050"/>
+            <a:ext cx="9144000" cy="474600"/>
+          </a:xfrm>
+          <a:prstGeom prst="rect">
+            <a:avLst/>
+          </a:prstGeom>
+          <a:solidFill>
+            <a:schemeClr val="lt2"/>
+          </a:solidFill>
+          <a:ln w="9525" cap="flat" cmpd="sng">
+            <a:solidFill>
+              <a:schemeClr val="lt2"/>
+            </a:solidFill>
+            <a:prstDash val="solid"/>
+            <a:round/>
+            <a:headEnd type="none" w="sm" len="sm"/>
+            <a:tailEnd type="none" w="sm" len="sm"/>
+          </a:ln>
+        </p:spPr>
+        <p:txBody>
+          <a:bodyPr spcFirstLastPara="1" wrap="square" lIns="91425" tIns="91425" rIns="91425" bIns="91425" anchor="ctr" anchorCtr="0">
+            <a:noAutofit/>
+          </a:bodyPr>
+          <a:lstStyle/>
+          <a:p>
+            <a:pPr marL="0" lvl="0" indent="0" algn="l" rtl="0">
+              <a:spcBef>
+                <a:spcPts val="0"/>
+              </a:spcBef>
+              <a:spcAft>
+                <a:spcPts val="0"/>
+              </a:spcAft>
+              <a:buNone/>
+            </a:pPr>
+            <a:r>
+              <a:rPr lang="cs-CZ" sz="2600" b="1" dirty="0">
+                <a:solidFill>
+                  <a:srgbClr val="A30000"/>
+                </a:solidFill>
+              </a:rPr>
+              <a:t>2D </a:t>
+            </a:r>
+            <a:r>
+              <a:rPr lang="cs-CZ" sz="2600" b="1" dirty="0" err="1">
+                <a:solidFill>
+                  <a:srgbClr val="A30000"/>
+                </a:solidFill>
+              </a:rPr>
+              <a:t>Harmonic</a:t>
+            </a:r>
+            <a:r>
+              <a:rPr lang="cs-CZ" sz="2600" b="1" dirty="0">
+                <a:solidFill>
+                  <a:srgbClr val="A30000"/>
+                </a:solidFill>
+              </a:rPr>
+              <a:t> </a:t>
+            </a:r>
+            <a:r>
+              <a:rPr lang="cs-CZ" sz="2600" b="1" dirty="0" err="1">
+                <a:solidFill>
+                  <a:srgbClr val="A30000"/>
+                </a:solidFill>
+              </a:rPr>
+              <a:t>oscillator</a:t>
+            </a:r>
+            <a:endParaRPr sz="2600" b="1" dirty="0">
+              <a:solidFill>
+                <a:srgbClr val="A30000"/>
+              </a:solidFill>
+            </a:endParaRPr>
+          </a:p>
+        </p:txBody>
+      </p:sp>
+      <mc:AlternateContent xmlns:mc="http://schemas.openxmlformats.org/markup-compatibility/2006">
+        <mc:Choice xmlns:a14="http://schemas.microsoft.com/office/drawing/2010/main" Requires="a14">
+          <p:sp>
+            <p:nvSpPr>
+              <p:cNvPr id="79" name="Google Shape;79;p14"/>
+              <p:cNvSpPr txBox="1"/>
+              <p:nvPr/>
+            </p:nvSpPr>
+            <p:spPr>
+              <a:xfrm>
+                <a:off x="184874" y="904575"/>
+                <a:ext cx="4606582" cy="474600"/>
+              </a:xfrm>
+              <a:prstGeom prst="rect">
+                <a:avLst/>
+              </a:prstGeom>
+              <a:noFill/>
+              <a:ln>
+                <a:noFill/>
+              </a:ln>
+            </p:spPr>
+            <p:txBody>
+              <a:bodyPr spcFirstLastPara="1" wrap="square" lIns="91425" tIns="91425" rIns="91425" bIns="91425" anchor="t" anchorCtr="0">
+                <a:noAutofit/>
+              </a:bodyPr>
+              <a:lstStyle/>
+              <a:p>
+                <a:pPr marL="457200" lvl="0" indent="-342900">
+                  <a:buClr>
+                    <a:schemeClr val="dk2"/>
+                  </a:buClr>
+                  <a:buSzPts val="1800"/>
+                  <a:buChar char="●"/>
+                </a:pPr>
+                <a14:m>
+                  <m:oMath xmlns:m="http://schemas.openxmlformats.org/officeDocument/2006/math">
+                    <m:r>
+                      <a:rPr lang="cs-CZ" sz="1600" b="0" i="1" smtClean="0">
+                        <a:solidFill>
+                          <a:schemeClr val="dk2"/>
+                        </a:solidFill>
+                        <a:latin typeface="Cambria Math" panose="02040503050406030204" pitchFamily="18" charset="0"/>
+                      </a:rPr>
+                      <m:t>𝐻</m:t>
+                    </m:r>
+                    <m:r>
+                      <a:rPr lang="cs-CZ" sz="1600" b="0" i="1" smtClean="0">
+                        <a:solidFill>
+                          <a:schemeClr val="dk2"/>
+                        </a:solidFill>
+                        <a:latin typeface="Cambria Math" panose="02040503050406030204" pitchFamily="18" charset="0"/>
+                      </a:rPr>
+                      <m:t>=</m:t>
+                    </m:r>
+                    <m:f>
+                      <m:fPr>
+                        <m:ctrlPr>
+                          <a:rPr lang="cs-CZ" sz="1600" b="0" i="1" smtClean="0">
+                            <a:solidFill>
+                              <a:schemeClr val="dk2"/>
+                            </a:solidFill>
+                            <a:latin typeface="Cambria Math" panose="02040503050406030204" pitchFamily="18" charset="0"/>
+                          </a:rPr>
+                        </m:ctrlPr>
+                      </m:fPr>
+                      <m:num>
+                        <m:r>
+                          <a:rPr lang="cs-CZ" sz="1600" b="0" i="1" smtClean="0">
+                            <a:solidFill>
+                              <a:schemeClr val="dk2"/>
+                            </a:solidFill>
+                            <a:latin typeface="Cambria Math" panose="02040503050406030204" pitchFamily="18" charset="0"/>
+                          </a:rPr>
+                          <m:t>1</m:t>
+                        </m:r>
+                      </m:num>
+                      <m:den>
+                        <m:r>
+                          <a:rPr lang="cs-CZ" sz="1600" b="0" i="1" smtClean="0">
+                            <a:solidFill>
+                              <a:schemeClr val="dk2"/>
+                            </a:solidFill>
+                            <a:latin typeface="Cambria Math" panose="02040503050406030204" pitchFamily="18" charset="0"/>
+                          </a:rPr>
+                          <m:t>2</m:t>
+                        </m:r>
+                      </m:den>
+                    </m:f>
+                    <m:sSubSup>
+                      <m:sSubSupPr>
+                        <m:ctrlPr>
+                          <a:rPr lang="cs-CZ" sz="1600" b="0" i="1" smtClean="0">
+                            <a:solidFill>
+                              <a:schemeClr val="dk2"/>
+                            </a:solidFill>
+                            <a:latin typeface="Cambria Math" panose="02040503050406030204" pitchFamily="18" charset="0"/>
+                          </a:rPr>
+                        </m:ctrlPr>
+                      </m:sSubSupPr>
+                      <m:e>
+                        <m:r>
+                          <a:rPr lang="cs-CZ" sz="1600" b="0" i="1" smtClean="0">
+                            <a:solidFill>
+                              <a:schemeClr val="dk2"/>
+                            </a:solidFill>
+                            <a:latin typeface="Cambria Math" panose="02040503050406030204" pitchFamily="18" charset="0"/>
+                          </a:rPr>
+                          <m:t>𝑝</m:t>
+                        </m:r>
+                      </m:e>
+                      <m:sub>
+                        <m:r>
+                          <a:rPr lang="cs-CZ" sz="1600" b="0" i="1" smtClean="0">
+                            <a:solidFill>
+                              <a:schemeClr val="dk2"/>
+                            </a:solidFill>
+                            <a:latin typeface="Cambria Math" panose="02040503050406030204" pitchFamily="18" charset="0"/>
+                          </a:rPr>
+                          <m:t>1</m:t>
+                        </m:r>
+                      </m:sub>
+                      <m:sup>
+                        <m:r>
+                          <a:rPr lang="cs-CZ" sz="1600" b="0" i="1" smtClean="0">
+                            <a:solidFill>
+                              <a:schemeClr val="dk2"/>
+                            </a:solidFill>
+                            <a:latin typeface="Cambria Math" panose="02040503050406030204" pitchFamily="18" charset="0"/>
+                          </a:rPr>
+                          <m:t>2</m:t>
+                        </m:r>
+                      </m:sup>
+                    </m:sSubSup>
+                    <m:r>
+                      <a:rPr lang="cs-CZ" sz="1600" b="0" i="1" smtClean="0">
+                        <a:solidFill>
+                          <a:schemeClr val="dk2"/>
+                        </a:solidFill>
+                        <a:latin typeface="Cambria Math" panose="02040503050406030204" pitchFamily="18" charset="0"/>
+                      </a:rPr>
+                      <m:t>+</m:t>
+                    </m:r>
+                    <m:f>
+                      <m:fPr>
+                        <m:ctrlPr>
+                          <a:rPr lang="cs-CZ" sz="1600" i="1">
+                            <a:solidFill>
+                              <a:schemeClr val="dk2"/>
+                            </a:solidFill>
+                            <a:latin typeface="Cambria Math" panose="02040503050406030204" pitchFamily="18" charset="0"/>
+                          </a:rPr>
+                        </m:ctrlPr>
+                      </m:fPr>
+                      <m:num>
+                        <m:r>
+                          <a:rPr lang="cs-CZ" sz="1600" i="1">
+                            <a:solidFill>
+                              <a:schemeClr val="dk2"/>
+                            </a:solidFill>
+                            <a:latin typeface="Cambria Math" panose="02040503050406030204" pitchFamily="18" charset="0"/>
+                          </a:rPr>
+                          <m:t>1</m:t>
+                        </m:r>
+                      </m:num>
+                      <m:den>
+                        <m:r>
+                          <a:rPr lang="cs-CZ" sz="1600" i="1">
+                            <a:solidFill>
+                              <a:schemeClr val="dk2"/>
+                            </a:solidFill>
+                            <a:latin typeface="Cambria Math" panose="02040503050406030204" pitchFamily="18" charset="0"/>
+                          </a:rPr>
+                          <m:t>2</m:t>
+                        </m:r>
+                      </m:den>
+                    </m:f>
+                    <m:sSubSup>
+                      <m:sSubSupPr>
+                        <m:ctrlPr>
+                          <a:rPr lang="cs-CZ" sz="1600" i="1">
+                            <a:solidFill>
+                              <a:schemeClr val="dk2"/>
+                            </a:solidFill>
+                            <a:latin typeface="Cambria Math" panose="02040503050406030204" pitchFamily="18" charset="0"/>
+                          </a:rPr>
+                        </m:ctrlPr>
+                      </m:sSubSupPr>
+                      <m:e>
+                        <m:r>
+                          <a:rPr lang="cs-CZ" sz="1600" i="1">
+                            <a:solidFill>
+                              <a:schemeClr val="dk2"/>
+                            </a:solidFill>
+                            <a:latin typeface="Cambria Math" panose="02040503050406030204" pitchFamily="18" charset="0"/>
+                          </a:rPr>
+                          <m:t>𝑝</m:t>
+                        </m:r>
+                      </m:e>
+                      <m:sub>
+                        <m:r>
+                          <a:rPr lang="cs-CZ" sz="1600" b="0" i="1" smtClean="0">
+                            <a:solidFill>
+                              <a:schemeClr val="dk2"/>
+                            </a:solidFill>
+                            <a:latin typeface="Cambria Math" panose="02040503050406030204" pitchFamily="18" charset="0"/>
+                          </a:rPr>
+                          <m:t>2</m:t>
+                        </m:r>
+                      </m:sub>
+                      <m:sup>
+                        <m:r>
+                          <a:rPr lang="cs-CZ" sz="1600" i="1">
+                            <a:solidFill>
+                              <a:schemeClr val="dk2"/>
+                            </a:solidFill>
+                            <a:latin typeface="Cambria Math" panose="02040503050406030204" pitchFamily="18" charset="0"/>
+                          </a:rPr>
+                          <m:t>2</m:t>
+                        </m:r>
+                      </m:sup>
+                    </m:sSubSup>
+                    <m:r>
+                      <a:rPr lang="cs-CZ" sz="1600" i="1">
+                        <a:solidFill>
+                          <a:schemeClr val="dk2"/>
+                        </a:solidFill>
+                        <a:latin typeface="Cambria Math" panose="02040503050406030204" pitchFamily="18" charset="0"/>
+                      </a:rPr>
+                      <m:t>+</m:t>
+                    </m:r>
+                    <m:f>
+                      <m:fPr>
+                        <m:ctrlPr>
+                          <a:rPr lang="cs-CZ" sz="1600" i="1" smtClean="0">
+                            <a:solidFill>
+                              <a:schemeClr val="dk2"/>
+                            </a:solidFill>
+                            <a:latin typeface="Cambria Math" panose="02040503050406030204" pitchFamily="18" charset="0"/>
+                          </a:rPr>
+                        </m:ctrlPr>
+                      </m:fPr>
+                      <m:num>
+                        <m:r>
+                          <a:rPr lang="cs-CZ" sz="1600" i="1">
+                            <a:solidFill>
+                              <a:schemeClr val="dk2"/>
+                            </a:solidFill>
+                            <a:latin typeface="Cambria Math" panose="02040503050406030204" pitchFamily="18" charset="0"/>
+                          </a:rPr>
+                          <m:t>1</m:t>
+                        </m:r>
+                      </m:num>
+                      <m:den>
+                        <m:r>
+                          <a:rPr lang="cs-CZ" sz="1600" b="0" i="1" smtClean="0">
+                            <a:solidFill>
+                              <a:schemeClr val="dk2"/>
+                            </a:solidFill>
+                            <a:latin typeface="Cambria Math" panose="02040503050406030204" pitchFamily="18" charset="0"/>
+                          </a:rPr>
+                          <m:t>4</m:t>
+                        </m:r>
+                      </m:den>
+                    </m:f>
+                    <m:sSubSup>
+                      <m:sSubSupPr>
+                        <m:ctrlPr>
+                          <a:rPr lang="cs-CZ" sz="1600" i="1">
+                            <a:solidFill>
+                              <a:schemeClr val="dk2"/>
+                            </a:solidFill>
+                            <a:latin typeface="Cambria Math" panose="02040503050406030204" pitchFamily="18" charset="0"/>
+                          </a:rPr>
+                        </m:ctrlPr>
+                      </m:sSubSupPr>
+                      <m:e>
+                        <m:r>
+                          <a:rPr lang="cs-CZ" sz="1600" b="0" i="1" smtClean="0">
+                            <a:solidFill>
+                              <a:schemeClr val="dk2"/>
+                            </a:solidFill>
+                            <a:latin typeface="Cambria Math" panose="02040503050406030204" pitchFamily="18" charset="0"/>
+                          </a:rPr>
+                          <m:t>𝑞</m:t>
+                        </m:r>
+                      </m:e>
+                      <m:sub>
+                        <m:r>
+                          <a:rPr lang="cs-CZ" sz="1600" b="0" i="1" smtClean="0">
+                            <a:solidFill>
+                              <a:schemeClr val="dk2"/>
+                            </a:solidFill>
+                            <a:latin typeface="Cambria Math" panose="02040503050406030204" pitchFamily="18" charset="0"/>
+                          </a:rPr>
+                          <m:t>1</m:t>
+                        </m:r>
+                      </m:sub>
+                      <m:sup>
+                        <m:r>
+                          <a:rPr lang="cs-CZ" sz="1600" i="1">
+                            <a:solidFill>
+                              <a:schemeClr val="dk2"/>
+                            </a:solidFill>
+                            <a:latin typeface="Cambria Math" panose="02040503050406030204" pitchFamily="18" charset="0"/>
+                          </a:rPr>
+                          <m:t>2</m:t>
+                        </m:r>
+                      </m:sup>
+                    </m:sSubSup>
+                    <m:r>
+                      <a:rPr lang="cs-CZ" sz="1600" b="0" i="1" smtClean="0">
+                        <a:solidFill>
+                          <a:schemeClr val="dk2"/>
+                        </a:solidFill>
+                        <a:latin typeface="Cambria Math" panose="02040503050406030204" pitchFamily="18" charset="0"/>
+                      </a:rPr>
+                      <m:t>+</m:t>
+                    </m:r>
+                    <m:sSubSup>
+                      <m:sSubSupPr>
+                        <m:ctrlPr>
+                          <a:rPr lang="cs-CZ" sz="1600" i="1">
+                            <a:solidFill>
+                              <a:schemeClr val="dk2"/>
+                            </a:solidFill>
+                            <a:latin typeface="Cambria Math" panose="02040503050406030204" pitchFamily="18" charset="0"/>
+                          </a:rPr>
+                        </m:ctrlPr>
+                      </m:sSubSupPr>
+                      <m:e>
+                        <m:r>
+                          <a:rPr lang="cs-CZ" sz="1600" i="1">
+                            <a:solidFill>
+                              <a:schemeClr val="dk2"/>
+                            </a:solidFill>
+                            <a:latin typeface="Cambria Math" panose="02040503050406030204" pitchFamily="18" charset="0"/>
+                          </a:rPr>
+                          <m:t>𝑞</m:t>
+                        </m:r>
+                      </m:e>
+                      <m:sub>
+                        <m:r>
+                          <a:rPr lang="cs-CZ" sz="1600" b="0" i="1" smtClean="0">
+                            <a:solidFill>
+                              <a:schemeClr val="dk2"/>
+                            </a:solidFill>
+                            <a:latin typeface="Cambria Math" panose="02040503050406030204" pitchFamily="18" charset="0"/>
+                          </a:rPr>
+                          <m:t>2</m:t>
+                        </m:r>
+                      </m:sub>
+                      <m:sup>
+                        <m:r>
+                          <a:rPr lang="cs-CZ" sz="1600" i="1">
+                            <a:solidFill>
+                              <a:schemeClr val="dk2"/>
+                            </a:solidFill>
+                            <a:latin typeface="Cambria Math" panose="02040503050406030204" pitchFamily="18" charset="0"/>
+                          </a:rPr>
+                          <m:t>2</m:t>
+                        </m:r>
+                      </m:sup>
+                    </m:sSubSup>
+                    <m:r>
+                      <a:rPr lang="cs-CZ" sz="1600" b="0" i="1" smtClean="0">
+                        <a:solidFill>
+                          <a:schemeClr val="dk2"/>
+                        </a:solidFill>
+                        <a:latin typeface="Cambria Math" panose="02040503050406030204" pitchFamily="18" charset="0"/>
+                      </a:rPr>
+                      <m:t>+</m:t>
+                    </m:r>
+                    <m:f>
+                      <m:fPr>
+                        <m:ctrlPr>
+                          <a:rPr lang="cs-CZ" sz="1600" i="1">
+                            <a:solidFill>
+                              <a:schemeClr val="dk2"/>
+                            </a:solidFill>
+                            <a:latin typeface="Cambria Math" panose="02040503050406030204" pitchFamily="18" charset="0"/>
+                          </a:rPr>
+                        </m:ctrlPr>
+                      </m:fPr>
+                      <m:num>
+                        <m:r>
+                          <a:rPr lang="cs-CZ" sz="1600" i="1">
+                            <a:solidFill>
+                              <a:schemeClr val="dk2"/>
+                            </a:solidFill>
+                            <a:latin typeface="Cambria Math" panose="02040503050406030204" pitchFamily="18" charset="0"/>
+                          </a:rPr>
+                          <m:t>1</m:t>
+                        </m:r>
+                      </m:num>
+                      <m:den>
+                        <m:r>
+                          <a:rPr lang="cs-CZ" sz="1600" b="0" i="1" smtClean="0">
+                            <a:solidFill>
+                              <a:schemeClr val="dk2"/>
+                            </a:solidFill>
+                            <a:latin typeface="Cambria Math" panose="02040503050406030204" pitchFamily="18" charset="0"/>
+                          </a:rPr>
+                          <m:t>2</m:t>
+                        </m:r>
+                      </m:den>
+                    </m:f>
+                    <m:sSup>
+                      <m:sSupPr>
+                        <m:ctrlPr>
+                          <a:rPr lang="cs-CZ" sz="1600" i="1" smtClean="0">
+                            <a:solidFill>
+                              <a:schemeClr val="dk2"/>
+                            </a:solidFill>
+                            <a:latin typeface="Cambria Math" panose="02040503050406030204" pitchFamily="18" charset="0"/>
+                          </a:rPr>
+                        </m:ctrlPr>
+                      </m:sSupPr>
+                      <m:e>
+                        <m:r>
+                          <a:rPr lang="cs-CZ" sz="1600" i="1">
+                            <a:solidFill>
+                              <a:schemeClr val="dk2"/>
+                            </a:solidFill>
+                            <a:latin typeface="Cambria Math" panose="02040503050406030204" pitchFamily="18" charset="0"/>
+                          </a:rPr>
+                          <m:t>(</m:t>
+                        </m:r>
+                        <m:sSub>
+                          <m:sSubPr>
+                            <m:ctrlPr>
+                              <a:rPr lang="cs-CZ" sz="1600" i="1">
+                                <a:solidFill>
+                                  <a:schemeClr val="dk2"/>
+                                </a:solidFill>
+                                <a:latin typeface="Cambria Math" panose="02040503050406030204" pitchFamily="18" charset="0"/>
+                              </a:rPr>
+                            </m:ctrlPr>
+                          </m:sSubPr>
+                          <m:e>
+                            <m:r>
+                              <a:rPr lang="cs-CZ" sz="1600" i="1">
+                                <a:solidFill>
+                                  <a:schemeClr val="dk2"/>
+                                </a:solidFill>
+                                <a:latin typeface="Cambria Math" panose="02040503050406030204" pitchFamily="18" charset="0"/>
+                              </a:rPr>
+                              <m:t>𝑞</m:t>
+                            </m:r>
+                          </m:e>
+                          <m:sub>
+                            <m:r>
+                              <a:rPr lang="cs-CZ" sz="1600" i="1">
+                                <a:solidFill>
+                                  <a:schemeClr val="dk2"/>
+                                </a:solidFill>
+                                <a:latin typeface="Cambria Math" panose="02040503050406030204" pitchFamily="18" charset="0"/>
+                              </a:rPr>
+                              <m:t>1</m:t>
+                            </m:r>
+                          </m:sub>
+                        </m:sSub>
+                        <m:r>
+                          <a:rPr lang="cs-CZ" sz="1600" i="1">
+                            <a:solidFill>
+                              <a:schemeClr val="dk2"/>
+                            </a:solidFill>
+                            <a:latin typeface="Cambria Math" panose="02040503050406030204" pitchFamily="18" charset="0"/>
+                          </a:rPr>
+                          <m:t>−</m:t>
+                        </m:r>
+                        <m:sSub>
+                          <m:sSubPr>
+                            <m:ctrlPr>
+                              <a:rPr lang="cs-CZ" sz="1600" i="1">
+                                <a:solidFill>
+                                  <a:schemeClr val="dk2"/>
+                                </a:solidFill>
+                                <a:latin typeface="Cambria Math" panose="02040503050406030204" pitchFamily="18" charset="0"/>
+                              </a:rPr>
+                            </m:ctrlPr>
+                          </m:sSubPr>
+                          <m:e>
+                            <m:r>
+                              <a:rPr lang="cs-CZ" sz="1600" i="1">
+                                <a:solidFill>
+                                  <a:schemeClr val="dk2"/>
+                                </a:solidFill>
+                                <a:latin typeface="Cambria Math" panose="02040503050406030204" pitchFamily="18" charset="0"/>
+                              </a:rPr>
+                              <m:t>𝑞</m:t>
+                            </m:r>
+                          </m:e>
+                          <m:sub>
+                            <m:r>
+                              <a:rPr lang="cs-CZ" sz="1600" i="1">
+                                <a:solidFill>
+                                  <a:schemeClr val="dk2"/>
+                                </a:solidFill>
+                                <a:latin typeface="Cambria Math" panose="02040503050406030204" pitchFamily="18" charset="0"/>
+                              </a:rPr>
+                              <m:t>2</m:t>
+                            </m:r>
+                          </m:sub>
+                        </m:sSub>
+                        <m:r>
+                          <a:rPr lang="cs-CZ" sz="1600" i="1">
+                            <a:solidFill>
+                              <a:schemeClr val="dk2"/>
+                            </a:solidFill>
+                            <a:latin typeface="Cambria Math" panose="02040503050406030204" pitchFamily="18" charset="0"/>
+                          </a:rPr>
+                          <m:t>)</m:t>
+                        </m:r>
+                      </m:e>
+                      <m:sup>
+                        <m:r>
+                          <a:rPr lang="cs-CZ" sz="1600" b="0" i="1" smtClean="0">
+                            <a:solidFill>
+                              <a:schemeClr val="dk2"/>
+                            </a:solidFill>
+                            <a:latin typeface="Cambria Math" panose="02040503050406030204" pitchFamily="18" charset="0"/>
+                          </a:rPr>
+                          <m:t>2</m:t>
+                        </m:r>
+                      </m:sup>
+                    </m:sSup>
+                  </m:oMath>
+                </a14:m>
+                <a:endParaRPr lang="cs-CZ" sz="1600" dirty="0">
+                  <a:solidFill>
+                    <a:schemeClr val="dk2"/>
+                  </a:solidFill>
+                </a:endParaRPr>
+              </a:p>
+            </p:txBody>
+          </p:sp>
+        </mc:Choice>
+        <mc:Fallback>
+          <p:sp>
+            <p:nvSpPr>
+              <p:cNvPr id="79" name="Google Shape;79;p14"/>
+              <p:cNvSpPr txBox="1">
+                <a:spLocks noRot="1" noChangeAspect="1" noMove="1" noResize="1" noEditPoints="1" noAdjustHandles="1" noChangeArrowheads="1" noChangeShapeType="1" noTextEdit="1"/>
+              </p:cNvSpPr>
+              <p:nvPr/>
+            </p:nvSpPr>
+            <p:spPr>
+              <a:xfrm>
+                <a:off x="184874" y="904575"/>
+                <a:ext cx="4606582" cy="474600"/>
+              </a:xfrm>
+              <a:prstGeom prst="rect">
+                <a:avLst/>
+              </a:prstGeom>
+              <a:blipFill>
+                <a:blip r:embed="rId3"/>
+                <a:stretch>
+                  <a:fillRect b="-8974"/>
+                </a:stretch>
+              </a:blipFill>
+              <a:ln>
+                <a:noFill/>
+              </a:ln>
+            </p:spPr>
+            <p:txBody>
+              <a:bodyPr/>
+              <a:lstStyle/>
+              <a:p>
+                <a:r>
+                  <a:rPr lang="en-US">
+                    <a:noFill/>
+                  </a:rPr>
+                  <a:t> </a:t>
+                </a:r>
+              </a:p>
+            </p:txBody>
+          </p:sp>
+        </mc:Fallback>
+      </mc:AlternateContent>
+      <mc:AlternateContent xmlns:mc="http://schemas.openxmlformats.org/markup-compatibility/2006">
+        <mc:Choice xmlns:a14="http://schemas.microsoft.com/office/drawing/2010/main" Requires="a14">
+          <p:sp>
+            <p:nvSpPr>
+              <p:cNvPr id="7" name="Google Shape;79;p14">
+                <a:extLst>
+                  <a:ext uri="{FF2B5EF4-FFF2-40B4-BE49-F238E27FC236}">
+                    <a16:creationId xmlns:a16="http://schemas.microsoft.com/office/drawing/2014/main" id="{EE57AE30-D1D9-BE95-77A5-5120BFD51287}"/>
+                  </a:ext>
+                </a:extLst>
+              </p:cNvPr>
+              <p:cNvSpPr txBox="1"/>
+              <p:nvPr/>
+            </p:nvSpPr>
+            <p:spPr>
+              <a:xfrm>
+                <a:off x="184873" y="1379175"/>
+                <a:ext cx="5277463" cy="474600"/>
+              </a:xfrm>
+              <a:prstGeom prst="rect">
+                <a:avLst/>
+              </a:prstGeom>
+              <a:noFill/>
+              <a:ln>
+                <a:noFill/>
+              </a:ln>
+            </p:spPr>
+            <p:txBody>
+              <a:bodyPr spcFirstLastPara="1" wrap="square" lIns="91425" tIns="91425" rIns="91425" bIns="91425" anchor="t" anchorCtr="0">
+                <a:noAutofit/>
+              </a:bodyPr>
+              <a:lstStyle/>
+              <a:p>
+                <a:pPr marL="457200" lvl="0" indent="-342900">
+                  <a:buClr>
+                    <a:schemeClr val="dk2"/>
+                  </a:buClr>
+                  <a:buSzPts val="1800"/>
+                  <a:buChar char="●"/>
+                </a:pPr>
+                <a:r>
+                  <a:rPr lang="cs-CZ" sz="1600" dirty="0">
+                    <a:solidFill>
+                      <a:schemeClr val="dk2"/>
+                    </a:solidFill>
+                  </a:rPr>
+                  <a:t>Jacobi's identity </a:t>
+                </a:r>
+                <a14:m>
+                  <m:oMath xmlns:m="http://schemas.openxmlformats.org/officeDocument/2006/math">
+                    <m:r>
+                      <a:rPr lang="cs-CZ" sz="1600" i="1" smtClean="0">
+                        <a:solidFill>
+                          <a:schemeClr val="dk2"/>
+                        </a:solidFill>
+                        <a:latin typeface="Cambria Math" panose="02040503050406030204" pitchFamily="18" charset="0"/>
+                        <a:ea typeface="Cambria Math" panose="02040503050406030204" pitchFamily="18" charset="0"/>
+                      </a:rPr>
+                      <m:t>⇒</m:t>
+                    </m:r>
+                    <m:r>
+                      <a:rPr lang="cs-CZ" sz="1600" b="0" i="1" smtClean="0">
+                        <a:solidFill>
+                          <a:schemeClr val="dk2"/>
+                        </a:solidFill>
+                        <a:latin typeface="Cambria Math" panose="02040503050406030204" pitchFamily="18" charset="0"/>
+                        <a:ea typeface="Cambria Math" panose="02040503050406030204" pitchFamily="18" charset="0"/>
+                      </a:rPr>
+                      <m:t>𝐿</m:t>
+                    </m:r>
+                    <m:r>
+                      <a:rPr lang="cs-CZ" sz="1600" b="0" i="1" smtClean="0">
+                        <a:solidFill>
+                          <a:schemeClr val="dk2"/>
+                        </a:solidFill>
+                        <a:latin typeface="Cambria Math" panose="02040503050406030204" pitchFamily="18" charset="0"/>
+                        <a:ea typeface="Cambria Math" panose="02040503050406030204" pitchFamily="18" charset="0"/>
+                      </a:rPr>
+                      <m:t> :</m:t>
+                    </m:r>
+                    <m:sSup>
+                      <m:sSupPr>
+                        <m:ctrlPr>
+                          <a:rPr lang="cs-CZ" sz="1600" b="0" i="1" smtClean="0">
+                            <a:solidFill>
+                              <a:schemeClr val="dk2"/>
+                            </a:solidFill>
+                            <a:latin typeface="Cambria Math" panose="02040503050406030204" pitchFamily="18" charset="0"/>
+                            <a:ea typeface="Cambria Math" panose="02040503050406030204" pitchFamily="18" charset="0"/>
+                          </a:rPr>
+                        </m:ctrlPr>
+                      </m:sSupPr>
+                      <m:e>
+                        <m:r>
+                          <a:rPr lang="cs-CZ" sz="1600" i="1">
+                            <a:solidFill>
+                              <a:schemeClr val="dk2"/>
+                            </a:solidFill>
+                            <a:latin typeface="Cambria Math" panose="02040503050406030204" pitchFamily="18" charset="0"/>
+                            <a:ea typeface="Cambria Math" panose="02040503050406030204" pitchFamily="18" charset="0"/>
+                          </a:rPr>
+                          <m:t>ℝ</m:t>
+                        </m:r>
+                      </m:e>
+                      <m:sup>
+                        <m:r>
+                          <a:rPr lang="cs-CZ" sz="1600" b="0" i="1" smtClean="0">
+                            <a:solidFill>
+                              <a:schemeClr val="dk2"/>
+                            </a:solidFill>
+                            <a:latin typeface="Cambria Math" panose="02040503050406030204" pitchFamily="18" charset="0"/>
+                            <a:ea typeface="Cambria Math" panose="02040503050406030204" pitchFamily="18" charset="0"/>
+                          </a:rPr>
+                          <m:t>2</m:t>
+                        </m:r>
+                        <m:r>
+                          <a:rPr lang="cs-CZ" sz="1600" b="0" i="1" smtClean="0">
+                            <a:solidFill>
+                              <a:schemeClr val="dk2"/>
+                            </a:solidFill>
+                            <a:latin typeface="Cambria Math" panose="02040503050406030204" pitchFamily="18" charset="0"/>
+                            <a:ea typeface="Cambria Math" panose="02040503050406030204" pitchFamily="18" charset="0"/>
+                          </a:rPr>
+                          <m:t>×</m:t>
+                        </m:r>
+                        <m:r>
+                          <a:rPr lang="cs-CZ" sz="1600" b="0" i="1" smtClean="0">
+                            <a:solidFill>
+                              <a:schemeClr val="dk2"/>
+                            </a:solidFill>
+                            <a:latin typeface="Cambria Math" panose="02040503050406030204" pitchFamily="18" charset="0"/>
+                            <a:ea typeface="Cambria Math" panose="02040503050406030204" pitchFamily="18" charset="0"/>
+                          </a:rPr>
+                          <m:t>2</m:t>
+                        </m:r>
+                      </m:sup>
+                    </m:sSup>
+                    <m:r>
+                      <a:rPr lang="cs-CZ" sz="1600" b="0" i="1" smtClean="0">
+                        <a:solidFill>
+                          <a:schemeClr val="dk2"/>
+                        </a:solidFill>
+                        <a:latin typeface="Cambria Math" panose="02040503050406030204" pitchFamily="18" charset="0"/>
+                        <a:ea typeface="Cambria Math" panose="02040503050406030204" pitchFamily="18" charset="0"/>
+                      </a:rPr>
+                      <m:t>→</m:t>
+                    </m:r>
+                    <m:r>
+                      <a:rPr lang="cs-CZ" sz="1600" i="1">
+                        <a:solidFill>
+                          <a:schemeClr val="dk2"/>
+                        </a:solidFill>
+                        <a:latin typeface="Cambria Math" panose="02040503050406030204" pitchFamily="18" charset="0"/>
+                        <a:ea typeface="Cambria Math" panose="02040503050406030204" pitchFamily="18" charset="0"/>
+                      </a:rPr>
+                      <m:t>ℝ</m:t>
+                    </m:r>
+                  </m:oMath>
+                </a14:m>
+                <a:r>
+                  <a:rPr lang="cs-CZ" sz="1600" dirty="0">
+                    <a:solidFill>
+                      <a:schemeClr val="dk2"/>
+                    </a:solidFill>
+                  </a:rPr>
+                  <a:t> </a:t>
+                </a:r>
+                <a:r>
+                  <a:rPr lang="cs-CZ" sz="1600" dirty="0" err="1">
+                    <a:solidFill>
+                      <a:schemeClr val="dk2"/>
+                    </a:solidFill>
+                  </a:rPr>
+                  <a:t>is</a:t>
+                </a:r>
+                <a:r>
+                  <a:rPr lang="cs-CZ" sz="1600" dirty="0">
+                    <a:solidFill>
+                      <a:schemeClr val="dk2"/>
+                    </a:solidFill>
+                  </a:rPr>
+                  <a:t> </a:t>
+                </a:r>
+                <a:r>
+                  <a:rPr lang="cs-CZ" sz="1600" dirty="0" err="1">
+                    <a:solidFill>
+                      <a:schemeClr val="dk2"/>
+                    </a:solidFill>
+                  </a:rPr>
+                  <a:t>always</a:t>
+                </a:r>
+                <a:r>
+                  <a:rPr lang="cs-CZ" sz="1600" dirty="0">
+                    <a:solidFill>
+                      <a:schemeClr val="dk2"/>
+                    </a:solidFill>
+                  </a:rPr>
+                  <a:t> </a:t>
+                </a:r>
+                <a:r>
+                  <a:rPr lang="cs-CZ" sz="1600" dirty="0" err="1">
+                    <a:solidFill>
+                      <a:schemeClr val="dk2"/>
+                    </a:solidFill>
+                  </a:rPr>
+                  <a:t>constant</a:t>
+                </a:r>
+                <a:endParaRPr lang="cs-CZ" sz="1600" dirty="0">
+                  <a:solidFill>
+                    <a:schemeClr val="dk2"/>
+                  </a:solidFill>
+                </a:endParaRPr>
+              </a:p>
+            </p:txBody>
+          </p:sp>
+        </mc:Choice>
+        <mc:Fallback>
+          <p:sp>
+            <p:nvSpPr>
+              <p:cNvPr id="7" name="Google Shape;79;p14">
+                <a:extLst>
+                  <a:ext uri="{FF2B5EF4-FFF2-40B4-BE49-F238E27FC236}">
+                    <a16:creationId xmlns:a16="http://schemas.microsoft.com/office/drawing/2014/main" id="{EE57AE30-D1D9-BE95-77A5-5120BFD51287}"/>
+                  </a:ext>
+                </a:extLst>
+              </p:cNvPr>
+              <p:cNvSpPr txBox="1">
+                <a:spLocks noRot="1" noChangeAspect="1" noMove="1" noResize="1" noEditPoints="1" noAdjustHandles="1" noChangeArrowheads="1" noChangeShapeType="1" noTextEdit="1"/>
+              </p:cNvSpPr>
+              <p:nvPr/>
+            </p:nvSpPr>
+            <p:spPr>
+              <a:xfrm>
+                <a:off x="184873" y="1379175"/>
+                <a:ext cx="5277463" cy="474600"/>
+              </a:xfrm>
+              <a:prstGeom prst="rect">
+                <a:avLst/>
+              </a:prstGeom>
+              <a:blipFill>
+                <a:blip r:embed="rId4"/>
+                <a:stretch>
+                  <a:fillRect/>
+                </a:stretch>
+              </a:blipFill>
+              <a:ln>
+                <a:noFill/>
+              </a:ln>
+            </p:spPr>
+            <p:txBody>
+              <a:bodyPr/>
+              <a:lstStyle/>
+              <a:p>
+                <a:r>
+                  <a:rPr lang="en-US">
+                    <a:noFill/>
+                  </a:rPr>
+                  <a:t> </a:t>
+                </a:r>
+              </a:p>
+            </p:txBody>
+          </p:sp>
+        </mc:Fallback>
+      </mc:AlternateContent>
+      <p:sp>
+        <p:nvSpPr>
+          <p:cNvPr id="8" name="Google Shape;79;p14">
+            <a:extLst>
+              <a:ext uri="{FF2B5EF4-FFF2-40B4-BE49-F238E27FC236}">
+                <a16:creationId xmlns:a16="http://schemas.microsoft.com/office/drawing/2014/main" id="{6F8EB014-B284-DA2B-FD8E-D1155DB95BD4}"/>
+              </a:ext>
+            </a:extLst>
+          </p:cNvPr>
+          <p:cNvSpPr txBox="1"/>
+          <p:nvPr/>
+        </p:nvSpPr>
+        <p:spPr>
+          <a:xfrm>
+            <a:off x="184872" y="1813400"/>
+            <a:ext cx="5277463" cy="711900"/>
+          </a:xfrm>
+          <a:prstGeom prst="rect">
+            <a:avLst/>
+          </a:prstGeom>
+          <a:noFill/>
+          <a:ln>
+            <a:noFill/>
+          </a:ln>
+        </p:spPr>
+        <p:txBody>
+          <a:bodyPr spcFirstLastPara="1" wrap="square" lIns="91425" tIns="91425" rIns="91425" bIns="91425" anchor="t" anchorCtr="0">
+            <a:noAutofit/>
+          </a:bodyPr>
+          <a:lstStyle/>
+          <a:p>
+            <a:pPr marL="114300" lvl="0">
+              <a:buClr>
+                <a:schemeClr val="dk2"/>
+              </a:buClr>
+              <a:buSzPts val="1800"/>
+            </a:pPr>
+            <a:endParaRPr lang="cs-CZ" sz="1600" dirty="0">
+              <a:solidFill>
+                <a:schemeClr val="dk2"/>
+              </a:solidFill>
+            </a:endParaRPr>
+          </a:p>
+        </p:txBody>
+      </p:sp>
+      <p:pic>
+        <p:nvPicPr>
+          <p:cNvPr id="13" name="Obrázek 12" descr="Obsah obrázku text, diagram, Vykreslený graf, řada/pruh&#10;&#10;Popis byl vytvořen automaticky">
+            <a:extLst>
+              <a:ext uri="{FF2B5EF4-FFF2-40B4-BE49-F238E27FC236}">
+                <a16:creationId xmlns:a16="http://schemas.microsoft.com/office/drawing/2014/main" id="{3137C9A6-99F2-3568-AF41-A4EE450F32C2}"/>
+              </a:ext>
+            </a:extLst>
+          </p:cNvPr>
+          <p:cNvPicPr>
+            <a:picLocks noChangeAspect="1"/>
+          </p:cNvPicPr>
+          <p:nvPr/>
+        </p:nvPicPr>
+        <p:blipFill>
+          <a:blip r:embed="rId5"/>
+          <a:stretch>
+            <a:fillRect/>
+          </a:stretch>
+        </p:blipFill>
+        <p:spPr>
+          <a:xfrm>
+            <a:off x="382880" y="2050700"/>
+            <a:ext cx="3806240" cy="2854680"/>
+          </a:xfrm>
+          <a:prstGeom prst="rect">
+            <a:avLst/>
+          </a:prstGeom>
+        </p:spPr>
+      </p:pic>
+      <p:pic>
+        <p:nvPicPr>
+          <p:cNvPr id="18" name="Obrázek 17" descr="Obsah obrázku text, snímek obrazovky, řada/pruh, diagram&#10;&#10;Popis byl vytvořen automaticky">
+            <a:extLst>
+              <a:ext uri="{FF2B5EF4-FFF2-40B4-BE49-F238E27FC236}">
+                <a16:creationId xmlns:a16="http://schemas.microsoft.com/office/drawing/2014/main" id="{5D3CEACE-B471-DE47-502A-A6CE356A8929}"/>
+              </a:ext>
+            </a:extLst>
+          </p:cNvPr>
+          <p:cNvPicPr>
+            <a:picLocks noChangeAspect="1"/>
+          </p:cNvPicPr>
+          <p:nvPr/>
+        </p:nvPicPr>
+        <p:blipFill>
+          <a:blip r:embed="rId6"/>
+          <a:stretch>
+            <a:fillRect/>
+          </a:stretch>
+        </p:blipFill>
+        <p:spPr>
+          <a:xfrm>
+            <a:off x="4954880" y="2062620"/>
+            <a:ext cx="3806240" cy="2854680"/>
+          </a:xfrm>
+          <a:prstGeom prst="rect">
+            <a:avLst/>
+          </a:prstGeom>
+        </p:spPr>
+      </p:pic>
+    </p:spTree>
+    <p:extLst>
+      <p:ext uri="{BB962C8B-B14F-4D97-AF65-F5344CB8AC3E}">
+        <p14:creationId xmlns:p14="http://schemas.microsoft.com/office/powerpoint/2010/main" val="658988505"/>
+      </p:ext>
+    </p:extLst>
+  </p:cSld>
+  <p:clrMapOvr>
+    <a:masterClrMapping/>
+  </p:clrMapOvr>
+</p:sld>
+</file>
+
+<file path=ppt/slides/slide11.xml><?xml version="1.0" encoding="utf-8"?>
+<p:sld xmlns:a="http://schemas.openxmlformats.org/drawingml/2006/main" xmlns:r="http://schemas.openxmlformats.org/officeDocument/2006/relationships" xmlns:p="http://schemas.openxmlformats.org/presentationml/2006/main">
+  <p:cSld>
+    <p:spTree>
+      <p:nvGrpSpPr>
+        <p:cNvPr id="1" name="Shape 71"/>
+        <p:cNvGrpSpPr/>
+        <p:nvPr/>
+      </p:nvGrpSpPr>
+      <p:grpSpPr>
+        <a:xfrm>
+          <a:off x="0" y="0"/>
+          <a:ext cx="0" cy="0"/>
+          <a:chOff x="0" y="0"/>
+          <a:chExt cx="0" cy="0"/>
+        </a:xfrm>
+      </p:grpSpPr>
+      <p:sp>
+        <p:nvSpPr>
+          <p:cNvPr id="76" name="Google Shape;76;p14"/>
+          <p:cNvSpPr/>
+          <p:nvPr/>
+        </p:nvSpPr>
+        <p:spPr>
+          <a:xfrm>
+            <a:off x="2943778" y="4917300"/>
+            <a:ext cx="3256444" cy="226200"/>
+          </a:xfrm>
+          <a:prstGeom prst="rect">
+            <a:avLst/>
+          </a:prstGeom>
+          <a:solidFill>
+            <a:schemeClr val="lt2"/>
+          </a:solidFill>
+          <a:ln w="9525" cap="flat" cmpd="sng">
+            <a:solidFill>
+              <a:schemeClr val="lt2"/>
+            </a:solidFill>
+            <a:prstDash val="solid"/>
+            <a:round/>
+            <a:headEnd type="none" w="sm" len="sm"/>
+            <a:tailEnd type="none" w="sm" len="sm"/>
+          </a:ln>
+        </p:spPr>
+        <p:txBody>
+          <a:bodyPr spcFirstLastPara="1" wrap="square" lIns="91425" tIns="91425" rIns="91425" bIns="91425" anchor="ctr" anchorCtr="0">
+            <a:noAutofit/>
+          </a:bodyPr>
+          <a:lstStyle/>
+          <a:p>
+            <a:pPr marL="0" lvl="0" indent="0" algn="ctr" rtl="0">
+              <a:spcBef>
+                <a:spcPts val="0"/>
+              </a:spcBef>
+              <a:spcAft>
+                <a:spcPts val="0"/>
+              </a:spcAft>
+              <a:buNone/>
+            </a:pPr>
+            <a:r>
+              <a:rPr lang="cs" sz="1200" b="1" dirty="0">
+                <a:solidFill>
+                  <a:srgbClr val="A30000"/>
+                </a:solidFill>
+                <a:latin typeface="Calibri"/>
+                <a:ea typeface="Calibri"/>
+                <a:cs typeface="Calibri"/>
+                <a:sym typeface="Calibri"/>
+              </a:rPr>
+              <a:t>ML for recognition of simple physical systems</a:t>
+            </a:r>
+            <a:endParaRPr dirty="0">
+              <a:solidFill>
+                <a:srgbClr val="A30000"/>
+              </a:solidFill>
+            </a:endParaRPr>
+          </a:p>
+        </p:txBody>
+      </p:sp>
+      <p:sp>
+        <p:nvSpPr>
+          <p:cNvPr id="72" name="Google Shape;72;p14"/>
+          <p:cNvSpPr/>
+          <p:nvPr/>
+        </p:nvSpPr>
+        <p:spPr>
+          <a:xfrm>
+            <a:off x="0" y="6850"/>
+            <a:ext cx="4572000" cy="226200"/>
+          </a:xfrm>
+          <a:prstGeom prst="rect">
+            <a:avLst/>
+          </a:prstGeom>
+          <a:solidFill>
+            <a:srgbClr val="A30000"/>
+          </a:solidFill>
+          <a:ln w="9525" cap="flat" cmpd="sng">
+            <a:solidFill>
+              <a:srgbClr val="A30000"/>
+            </a:solidFill>
+            <a:prstDash val="solid"/>
+            <a:round/>
+            <a:headEnd type="none" w="sm" len="sm"/>
+            <a:tailEnd type="none" w="sm" len="sm"/>
+          </a:ln>
+        </p:spPr>
+        <p:txBody>
+          <a:bodyPr spcFirstLastPara="1" wrap="square" lIns="91425" tIns="91425" rIns="91425" bIns="91425" anchor="ctr" anchorCtr="0">
+            <a:noAutofit/>
+          </a:bodyPr>
+          <a:lstStyle/>
+          <a:p>
+            <a:pPr marL="0" lvl="0" indent="0" algn="r" rtl="0">
+              <a:spcBef>
+                <a:spcPts val="0"/>
+              </a:spcBef>
+              <a:spcAft>
+                <a:spcPts val="0"/>
+              </a:spcAft>
+              <a:buNone/>
+            </a:pPr>
+            <a:r>
+              <a:rPr lang="cs" b="1" dirty="0">
+                <a:solidFill>
+                  <a:schemeClr val="lt1"/>
+                </a:solidFill>
+              </a:rPr>
+              <a:t>Direct Poisson Neural Network</a:t>
+            </a:r>
+            <a:endParaRPr b="1" dirty="0">
+              <a:solidFill>
+                <a:schemeClr val="lt1"/>
+              </a:solidFill>
+            </a:endParaRPr>
+          </a:p>
+        </p:txBody>
+      </p:sp>
+      <p:sp>
+        <p:nvSpPr>
+          <p:cNvPr id="73" name="Google Shape;73;p14"/>
+          <p:cNvSpPr/>
+          <p:nvPr/>
+        </p:nvSpPr>
+        <p:spPr>
+          <a:xfrm>
+            <a:off x="6098850" y="4917300"/>
+            <a:ext cx="3053700" cy="226200"/>
+          </a:xfrm>
+          <a:prstGeom prst="rect">
+            <a:avLst/>
+          </a:prstGeom>
+          <a:solidFill>
+            <a:srgbClr val="D9D9D9"/>
+          </a:solidFill>
+          <a:ln w="9525" cap="flat" cmpd="sng">
+            <a:solidFill>
+              <a:srgbClr val="D9D9D9"/>
+            </a:solidFill>
+            <a:prstDash val="solid"/>
+            <a:round/>
+            <a:headEnd type="none" w="sm" len="sm"/>
+            <a:tailEnd type="none" w="sm" len="sm"/>
+          </a:ln>
+        </p:spPr>
+        <p:txBody>
+          <a:bodyPr spcFirstLastPara="1" wrap="square" lIns="91425" tIns="91425" rIns="91425" bIns="91425" anchor="ctr" anchorCtr="0">
+            <a:noAutofit/>
+          </a:bodyPr>
+          <a:lstStyle/>
+          <a:p>
+            <a:pPr marL="0" lvl="0" indent="0" algn="ctr" rtl="0">
+              <a:spcBef>
+                <a:spcPts val="0"/>
+              </a:spcBef>
+              <a:spcAft>
+                <a:spcPts val="0"/>
+              </a:spcAft>
+              <a:buNone/>
+            </a:pPr>
+            <a:r>
+              <a:rPr lang="cs" sz="1200" b="1">
+                <a:solidFill>
+                  <a:srgbClr val="A30000"/>
+                </a:solidFill>
+                <a:latin typeface="Calibri"/>
+                <a:ea typeface="Calibri"/>
+                <a:cs typeface="Calibri"/>
+                <a:sym typeface="Calibri"/>
+              </a:rPr>
+              <a:t>3.4.2024</a:t>
+            </a:r>
+            <a:endParaRPr>
+              <a:solidFill>
+                <a:srgbClr val="A30000"/>
+              </a:solidFill>
+              <a:highlight>
+                <a:schemeClr val="dk1"/>
+              </a:highlight>
+            </a:endParaRPr>
+          </a:p>
+        </p:txBody>
+      </p:sp>
+      <p:sp>
+        <p:nvSpPr>
+          <p:cNvPr id="74" name="Google Shape;74;p14"/>
+          <p:cNvSpPr/>
+          <p:nvPr/>
+        </p:nvSpPr>
+        <p:spPr>
+          <a:xfrm>
+            <a:off x="0" y="4917300"/>
+            <a:ext cx="3053700" cy="226200"/>
+          </a:xfrm>
+          <a:prstGeom prst="rect">
+            <a:avLst/>
+          </a:prstGeom>
+          <a:solidFill>
+            <a:srgbClr val="A30000"/>
+          </a:solidFill>
+          <a:ln w="9525" cap="flat" cmpd="sng">
+            <a:solidFill>
+              <a:srgbClr val="A30000"/>
+            </a:solidFill>
+            <a:prstDash val="solid"/>
+            <a:round/>
+            <a:headEnd type="none" w="sm" len="sm"/>
+            <a:tailEnd type="none" w="sm" len="sm"/>
+          </a:ln>
+        </p:spPr>
+        <p:txBody>
+          <a:bodyPr spcFirstLastPara="1" wrap="square" lIns="91425" tIns="91425" rIns="91425" bIns="91425" anchor="ctr" anchorCtr="0">
+            <a:noAutofit/>
+          </a:bodyPr>
+          <a:lstStyle/>
+          <a:p>
+            <a:pPr marL="0" lvl="0" indent="0" algn="ctr" rtl="0">
+              <a:spcBef>
+                <a:spcPts val="0"/>
+              </a:spcBef>
+              <a:spcAft>
+                <a:spcPts val="0"/>
+              </a:spcAft>
+              <a:buNone/>
+            </a:pPr>
+            <a:r>
+              <a:rPr lang="cs" sz="1200" b="1">
+                <a:solidFill>
+                  <a:schemeClr val="lt1"/>
+                </a:solidFill>
+                <a:latin typeface="Calibri"/>
+                <a:ea typeface="Calibri"/>
+                <a:cs typeface="Calibri"/>
+                <a:sym typeface="Calibri"/>
+              </a:rPr>
+              <a:t>Jan Benda</a:t>
+            </a:r>
+            <a:endParaRPr sz="1200" b="1">
+              <a:solidFill>
+                <a:schemeClr val="lt1"/>
+              </a:solidFill>
+              <a:latin typeface="Calibri"/>
+              <a:ea typeface="Calibri"/>
+              <a:cs typeface="Calibri"/>
+              <a:sym typeface="Calibri"/>
+            </a:endParaRPr>
+          </a:p>
+        </p:txBody>
+      </p:sp>
+      <p:sp>
+        <p:nvSpPr>
+          <p:cNvPr id="75" name="Google Shape;75;p14"/>
+          <p:cNvSpPr/>
+          <p:nvPr/>
+        </p:nvSpPr>
+        <p:spPr>
+          <a:xfrm>
+            <a:off x="4572000" y="6850"/>
+            <a:ext cx="4572000" cy="226200"/>
+          </a:xfrm>
+          <a:prstGeom prst="rect">
+            <a:avLst/>
+          </a:prstGeom>
+          <a:solidFill>
+            <a:srgbClr val="D9D9D9"/>
+          </a:solidFill>
+          <a:ln w="9525" cap="flat" cmpd="sng">
+            <a:solidFill>
+              <a:srgbClr val="D9D9D9"/>
+            </a:solidFill>
+            <a:prstDash val="solid"/>
+            <a:round/>
+            <a:headEnd type="none" w="sm" len="sm"/>
+            <a:tailEnd type="none" w="sm" len="sm"/>
+          </a:ln>
+        </p:spPr>
+        <p:txBody>
+          <a:bodyPr spcFirstLastPara="1" wrap="square" lIns="91425" tIns="91425" rIns="91425" bIns="91425" anchor="ctr" anchorCtr="0">
+            <a:noAutofit/>
+          </a:bodyPr>
+          <a:lstStyle/>
+          <a:p>
+            <a:pPr marL="0" lvl="0" indent="0" algn="ctr" rtl="0">
+              <a:spcBef>
+                <a:spcPts val="0"/>
+              </a:spcBef>
+              <a:spcAft>
+                <a:spcPts val="0"/>
+              </a:spcAft>
+              <a:buNone/>
+            </a:pPr>
+            <a:endParaRPr>
+              <a:highlight>
+                <a:schemeClr val="dk1"/>
+              </a:highlight>
+            </a:endParaRPr>
+          </a:p>
+        </p:txBody>
+      </p:sp>
+      <p:sp>
+        <p:nvSpPr>
+          <p:cNvPr id="77" name="Google Shape;77;p14"/>
+          <p:cNvSpPr txBox="1">
+            <a:spLocks noGrp="1"/>
+          </p:cNvSpPr>
+          <p:nvPr>
+            <p:ph type="sldNum" idx="12"/>
+          </p:nvPr>
+        </p:nvSpPr>
+        <p:spPr>
+          <a:xfrm>
+            <a:off x="8595308" y="4833592"/>
+            <a:ext cx="548700" cy="393600"/>
+          </a:xfrm>
+          <a:prstGeom prst="rect">
+            <a:avLst/>
+          </a:prstGeom>
+        </p:spPr>
+        <p:txBody>
+          <a:bodyPr spcFirstLastPara="1" wrap="square" lIns="91425" tIns="91425" rIns="91425" bIns="91425" anchor="ctr" anchorCtr="0">
+            <a:normAutofit/>
+          </a:bodyPr>
+          <a:lstStyle/>
+          <a:p>
+            <a:pPr marL="0" lvl="0" indent="0" algn="r" rtl="0">
+              <a:spcBef>
+                <a:spcPts val="0"/>
+              </a:spcBef>
+              <a:spcAft>
+                <a:spcPts val="0"/>
+              </a:spcAft>
+              <a:buNone/>
+            </a:pPr>
+            <a:fld id="{00000000-1234-1234-1234-123412341234}" type="slidenum">
+              <a:rPr lang="cs" sz="1200" b="1">
+                <a:solidFill>
+                  <a:srgbClr val="A30000"/>
+                </a:solidFill>
+                <a:latin typeface="Calibri"/>
+                <a:ea typeface="Calibri"/>
+                <a:cs typeface="Calibri"/>
+                <a:sym typeface="Calibri"/>
+              </a:rPr>
+              <a:t>11</a:t>
+            </a:fld>
+            <a:endParaRPr sz="1200" b="1" dirty="0">
+              <a:solidFill>
+                <a:srgbClr val="A30000"/>
+              </a:solidFill>
+              <a:latin typeface="Calibri"/>
+              <a:ea typeface="Calibri"/>
+              <a:cs typeface="Calibri"/>
+              <a:sym typeface="Calibri"/>
+            </a:endParaRPr>
+          </a:p>
+        </p:txBody>
+      </p:sp>
+      <p:sp>
+        <p:nvSpPr>
+          <p:cNvPr id="78" name="Google Shape;78;p14"/>
+          <p:cNvSpPr/>
+          <p:nvPr/>
+        </p:nvSpPr>
+        <p:spPr>
+          <a:xfrm>
+            <a:off x="0" y="233050"/>
+            <a:ext cx="9144000" cy="474600"/>
+          </a:xfrm>
+          <a:prstGeom prst="rect">
+            <a:avLst/>
+          </a:prstGeom>
+          <a:solidFill>
+            <a:schemeClr val="lt2"/>
+          </a:solidFill>
+          <a:ln w="9525" cap="flat" cmpd="sng">
+            <a:solidFill>
+              <a:schemeClr val="lt2"/>
+            </a:solidFill>
+            <a:prstDash val="solid"/>
+            <a:round/>
+            <a:headEnd type="none" w="sm" len="sm"/>
+            <a:tailEnd type="none" w="sm" len="sm"/>
+          </a:ln>
+        </p:spPr>
+        <p:txBody>
+          <a:bodyPr spcFirstLastPara="1" wrap="square" lIns="91425" tIns="91425" rIns="91425" bIns="91425" anchor="ctr" anchorCtr="0">
+            <a:noAutofit/>
+          </a:bodyPr>
+          <a:lstStyle/>
+          <a:p>
+            <a:pPr marL="0" lvl="0" indent="0" algn="l" rtl="0">
+              <a:spcBef>
+                <a:spcPts val="0"/>
+              </a:spcBef>
+              <a:spcAft>
+                <a:spcPts val="0"/>
+              </a:spcAft>
+              <a:buNone/>
+            </a:pPr>
+            <a:r>
+              <a:rPr lang="cs-CZ" sz="2600" b="1" dirty="0">
+                <a:solidFill>
+                  <a:srgbClr val="A30000"/>
+                </a:solidFill>
+              </a:rPr>
+              <a:t>2D </a:t>
+            </a:r>
+            <a:r>
+              <a:rPr lang="cs-CZ" sz="2600" b="1" dirty="0" err="1">
+                <a:solidFill>
+                  <a:srgbClr val="A30000"/>
+                </a:solidFill>
+              </a:rPr>
+              <a:t>Harmonic</a:t>
+            </a:r>
+            <a:r>
+              <a:rPr lang="cs-CZ" sz="2600" b="1" dirty="0">
+                <a:solidFill>
+                  <a:srgbClr val="A30000"/>
+                </a:solidFill>
+              </a:rPr>
+              <a:t> </a:t>
+            </a:r>
+            <a:r>
+              <a:rPr lang="cs-CZ" sz="2600" b="1" dirty="0" err="1">
+                <a:solidFill>
+                  <a:srgbClr val="A30000"/>
+                </a:solidFill>
+              </a:rPr>
+              <a:t>oscillator</a:t>
+            </a:r>
+            <a:endParaRPr sz="2600" b="1" dirty="0">
+              <a:solidFill>
+                <a:srgbClr val="A30000"/>
+              </a:solidFill>
+            </a:endParaRPr>
+          </a:p>
+        </p:txBody>
+      </p:sp>
+      <mc:AlternateContent xmlns:mc="http://schemas.openxmlformats.org/markup-compatibility/2006">
+        <mc:Choice xmlns:a14="http://schemas.microsoft.com/office/drawing/2010/main" Requires="a14">
+          <p:sp>
+            <p:nvSpPr>
+              <p:cNvPr id="79" name="Google Shape;79;p14"/>
+              <p:cNvSpPr txBox="1"/>
+              <p:nvPr/>
+            </p:nvSpPr>
+            <p:spPr>
+              <a:xfrm>
+                <a:off x="184874" y="904575"/>
+                <a:ext cx="4606582" cy="474600"/>
+              </a:xfrm>
+              <a:prstGeom prst="rect">
+                <a:avLst/>
+              </a:prstGeom>
+              <a:noFill/>
+              <a:ln>
+                <a:noFill/>
+              </a:ln>
+            </p:spPr>
+            <p:txBody>
+              <a:bodyPr spcFirstLastPara="1" wrap="square" lIns="91425" tIns="91425" rIns="91425" bIns="91425" anchor="t" anchorCtr="0">
+                <a:noAutofit/>
+              </a:bodyPr>
+              <a:lstStyle/>
+              <a:p>
+                <a:pPr marL="457200" lvl="0" indent="-342900">
+                  <a:buClr>
+                    <a:schemeClr val="dk2"/>
+                  </a:buClr>
+                  <a:buSzPts val="1800"/>
+                  <a:buChar char="●"/>
+                </a:pPr>
+                <a14:m>
+                  <m:oMath xmlns:m="http://schemas.openxmlformats.org/officeDocument/2006/math">
+                    <m:r>
+                      <a:rPr lang="cs-CZ" sz="1600" b="0" i="1" smtClean="0">
+                        <a:solidFill>
+                          <a:schemeClr val="dk2"/>
+                        </a:solidFill>
+                        <a:latin typeface="Cambria Math" panose="02040503050406030204" pitchFamily="18" charset="0"/>
+                      </a:rPr>
+                      <m:t>𝐻</m:t>
+                    </m:r>
+                    <m:r>
+                      <a:rPr lang="cs-CZ" sz="1600" b="0" i="1" smtClean="0">
+                        <a:solidFill>
+                          <a:schemeClr val="dk2"/>
+                        </a:solidFill>
+                        <a:latin typeface="Cambria Math" panose="02040503050406030204" pitchFamily="18" charset="0"/>
+                      </a:rPr>
+                      <m:t>=</m:t>
+                    </m:r>
+                    <m:f>
+                      <m:fPr>
+                        <m:ctrlPr>
+                          <a:rPr lang="cs-CZ" sz="1600" b="0" i="1" smtClean="0">
+                            <a:solidFill>
+                              <a:schemeClr val="dk2"/>
+                            </a:solidFill>
+                            <a:latin typeface="Cambria Math" panose="02040503050406030204" pitchFamily="18" charset="0"/>
+                          </a:rPr>
+                        </m:ctrlPr>
+                      </m:fPr>
+                      <m:num>
+                        <m:r>
+                          <a:rPr lang="cs-CZ" sz="1600" b="0" i="1" smtClean="0">
+                            <a:solidFill>
+                              <a:schemeClr val="dk2"/>
+                            </a:solidFill>
+                            <a:latin typeface="Cambria Math" panose="02040503050406030204" pitchFamily="18" charset="0"/>
+                          </a:rPr>
+                          <m:t>1</m:t>
+                        </m:r>
+                      </m:num>
+                      <m:den>
+                        <m:r>
+                          <a:rPr lang="cs-CZ" sz="1600" b="0" i="1" smtClean="0">
+                            <a:solidFill>
+                              <a:schemeClr val="dk2"/>
+                            </a:solidFill>
+                            <a:latin typeface="Cambria Math" panose="02040503050406030204" pitchFamily="18" charset="0"/>
+                          </a:rPr>
+                          <m:t>2</m:t>
+                        </m:r>
+                      </m:den>
+                    </m:f>
+                    <m:sSubSup>
+                      <m:sSubSupPr>
+                        <m:ctrlPr>
+                          <a:rPr lang="cs-CZ" sz="1600" b="0" i="1" smtClean="0">
+                            <a:solidFill>
+                              <a:schemeClr val="dk2"/>
+                            </a:solidFill>
+                            <a:latin typeface="Cambria Math" panose="02040503050406030204" pitchFamily="18" charset="0"/>
+                          </a:rPr>
+                        </m:ctrlPr>
+                      </m:sSubSupPr>
+                      <m:e>
+                        <m:r>
+                          <a:rPr lang="cs-CZ" sz="1600" b="0" i="1" smtClean="0">
+                            <a:solidFill>
+                              <a:schemeClr val="dk2"/>
+                            </a:solidFill>
+                            <a:latin typeface="Cambria Math" panose="02040503050406030204" pitchFamily="18" charset="0"/>
+                          </a:rPr>
+                          <m:t>𝑝</m:t>
+                        </m:r>
+                      </m:e>
+                      <m:sub>
+                        <m:r>
+                          <a:rPr lang="cs-CZ" sz="1600" b="0" i="1" smtClean="0">
+                            <a:solidFill>
+                              <a:schemeClr val="dk2"/>
+                            </a:solidFill>
+                            <a:latin typeface="Cambria Math" panose="02040503050406030204" pitchFamily="18" charset="0"/>
+                          </a:rPr>
+                          <m:t>1</m:t>
+                        </m:r>
+                      </m:sub>
+                      <m:sup>
+                        <m:r>
+                          <a:rPr lang="cs-CZ" sz="1600" b="0" i="1" smtClean="0">
+                            <a:solidFill>
+                              <a:schemeClr val="dk2"/>
+                            </a:solidFill>
+                            <a:latin typeface="Cambria Math" panose="02040503050406030204" pitchFamily="18" charset="0"/>
+                          </a:rPr>
+                          <m:t>2</m:t>
+                        </m:r>
+                      </m:sup>
+                    </m:sSubSup>
+                    <m:r>
+                      <a:rPr lang="cs-CZ" sz="1600" b="0" i="1" smtClean="0">
+                        <a:solidFill>
+                          <a:schemeClr val="dk2"/>
+                        </a:solidFill>
+                        <a:latin typeface="Cambria Math" panose="02040503050406030204" pitchFamily="18" charset="0"/>
+                      </a:rPr>
+                      <m:t>+</m:t>
+                    </m:r>
+                    <m:f>
+                      <m:fPr>
+                        <m:ctrlPr>
+                          <a:rPr lang="cs-CZ" sz="1600" i="1">
+                            <a:solidFill>
+                              <a:schemeClr val="dk2"/>
+                            </a:solidFill>
+                            <a:latin typeface="Cambria Math" panose="02040503050406030204" pitchFamily="18" charset="0"/>
+                          </a:rPr>
+                        </m:ctrlPr>
+                      </m:fPr>
+                      <m:num>
+                        <m:r>
+                          <a:rPr lang="cs-CZ" sz="1600" i="1">
+                            <a:solidFill>
+                              <a:schemeClr val="dk2"/>
+                            </a:solidFill>
+                            <a:latin typeface="Cambria Math" panose="02040503050406030204" pitchFamily="18" charset="0"/>
+                          </a:rPr>
+                          <m:t>1</m:t>
+                        </m:r>
+                      </m:num>
+                      <m:den>
+                        <m:r>
+                          <a:rPr lang="cs-CZ" sz="1600" i="1">
+                            <a:solidFill>
+                              <a:schemeClr val="dk2"/>
+                            </a:solidFill>
+                            <a:latin typeface="Cambria Math" panose="02040503050406030204" pitchFamily="18" charset="0"/>
+                          </a:rPr>
+                          <m:t>2</m:t>
+                        </m:r>
+                      </m:den>
+                    </m:f>
+                    <m:sSubSup>
+                      <m:sSubSupPr>
+                        <m:ctrlPr>
+                          <a:rPr lang="cs-CZ" sz="1600" i="1">
+                            <a:solidFill>
+                              <a:schemeClr val="dk2"/>
+                            </a:solidFill>
+                            <a:latin typeface="Cambria Math" panose="02040503050406030204" pitchFamily="18" charset="0"/>
+                          </a:rPr>
+                        </m:ctrlPr>
+                      </m:sSubSupPr>
+                      <m:e>
+                        <m:r>
+                          <a:rPr lang="cs-CZ" sz="1600" i="1">
+                            <a:solidFill>
+                              <a:schemeClr val="dk2"/>
+                            </a:solidFill>
+                            <a:latin typeface="Cambria Math" panose="02040503050406030204" pitchFamily="18" charset="0"/>
+                          </a:rPr>
+                          <m:t>𝑝</m:t>
+                        </m:r>
+                      </m:e>
+                      <m:sub>
+                        <m:r>
+                          <a:rPr lang="cs-CZ" sz="1600" b="0" i="1" smtClean="0">
+                            <a:solidFill>
+                              <a:schemeClr val="dk2"/>
+                            </a:solidFill>
+                            <a:latin typeface="Cambria Math" panose="02040503050406030204" pitchFamily="18" charset="0"/>
+                          </a:rPr>
+                          <m:t>2</m:t>
+                        </m:r>
+                      </m:sub>
+                      <m:sup>
+                        <m:r>
+                          <a:rPr lang="cs-CZ" sz="1600" i="1">
+                            <a:solidFill>
+                              <a:schemeClr val="dk2"/>
+                            </a:solidFill>
+                            <a:latin typeface="Cambria Math" panose="02040503050406030204" pitchFamily="18" charset="0"/>
+                          </a:rPr>
+                          <m:t>2</m:t>
+                        </m:r>
+                      </m:sup>
+                    </m:sSubSup>
+                    <m:r>
+                      <a:rPr lang="cs-CZ" sz="1600" i="1">
+                        <a:solidFill>
+                          <a:schemeClr val="dk2"/>
+                        </a:solidFill>
+                        <a:latin typeface="Cambria Math" panose="02040503050406030204" pitchFamily="18" charset="0"/>
+                      </a:rPr>
+                      <m:t>+</m:t>
+                    </m:r>
+                    <m:f>
+                      <m:fPr>
+                        <m:ctrlPr>
+                          <a:rPr lang="cs-CZ" sz="1600" i="1" smtClean="0">
+                            <a:solidFill>
+                              <a:schemeClr val="dk2"/>
+                            </a:solidFill>
+                            <a:latin typeface="Cambria Math" panose="02040503050406030204" pitchFamily="18" charset="0"/>
+                          </a:rPr>
+                        </m:ctrlPr>
+                      </m:fPr>
+                      <m:num>
+                        <m:r>
+                          <a:rPr lang="cs-CZ" sz="1600" i="1">
+                            <a:solidFill>
+                              <a:schemeClr val="dk2"/>
+                            </a:solidFill>
+                            <a:latin typeface="Cambria Math" panose="02040503050406030204" pitchFamily="18" charset="0"/>
+                          </a:rPr>
+                          <m:t>1</m:t>
+                        </m:r>
+                      </m:num>
+                      <m:den>
+                        <m:r>
+                          <a:rPr lang="cs-CZ" sz="1600" b="0" i="1" smtClean="0">
+                            <a:solidFill>
+                              <a:schemeClr val="dk2"/>
+                            </a:solidFill>
+                            <a:latin typeface="Cambria Math" panose="02040503050406030204" pitchFamily="18" charset="0"/>
+                          </a:rPr>
+                          <m:t>4</m:t>
+                        </m:r>
+                      </m:den>
+                    </m:f>
+                    <m:sSubSup>
+                      <m:sSubSupPr>
+                        <m:ctrlPr>
+                          <a:rPr lang="cs-CZ" sz="1600" i="1">
+                            <a:solidFill>
+                              <a:schemeClr val="dk2"/>
+                            </a:solidFill>
+                            <a:latin typeface="Cambria Math" panose="02040503050406030204" pitchFamily="18" charset="0"/>
+                          </a:rPr>
+                        </m:ctrlPr>
+                      </m:sSubSupPr>
+                      <m:e>
+                        <m:r>
+                          <a:rPr lang="cs-CZ" sz="1600" b="0" i="1" smtClean="0">
+                            <a:solidFill>
+                              <a:schemeClr val="dk2"/>
+                            </a:solidFill>
+                            <a:latin typeface="Cambria Math" panose="02040503050406030204" pitchFamily="18" charset="0"/>
+                          </a:rPr>
+                          <m:t>𝑞</m:t>
+                        </m:r>
+                      </m:e>
+                      <m:sub>
+                        <m:r>
+                          <a:rPr lang="cs-CZ" sz="1600" b="0" i="1" smtClean="0">
+                            <a:solidFill>
+                              <a:schemeClr val="dk2"/>
+                            </a:solidFill>
+                            <a:latin typeface="Cambria Math" panose="02040503050406030204" pitchFamily="18" charset="0"/>
+                          </a:rPr>
+                          <m:t>1</m:t>
+                        </m:r>
+                      </m:sub>
+                      <m:sup>
+                        <m:r>
+                          <a:rPr lang="cs-CZ" sz="1600" i="1">
+                            <a:solidFill>
+                              <a:schemeClr val="dk2"/>
+                            </a:solidFill>
+                            <a:latin typeface="Cambria Math" panose="02040503050406030204" pitchFamily="18" charset="0"/>
+                          </a:rPr>
+                          <m:t>2</m:t>
+                        </m:r>
+                      </m:sup>
+                    </m:sSubSup>
+                    <m:r>
+                      <a:rPr lang="cs-CZ" sz="1600" b="0" i="1" smtClean="0">
+                        <a:solidFill>
+                          <a:schemeClr val="dk2"/>
+                        </a:solidFill>
+                        <a:latin typeface="Cambria Math" panose="02040503050406030204" pitchFamily="18" charset="0"/>
+                      </a:rPr>
+                      <m:t>+</m:t>
+                    </m:r>
+                    <m:sSubSup>
+                      <m:sSubSupPr>
+                        <m:ctrlPr>
+                          <a:rPr lang="cs-CZ" sz="1600" i="1">
+                            <a:solidFill>
+                              <a:schemeClr val="dk2"/>
+                            </a:solidFill>
+                            <a:latin typeface="Cambria Math" panose="02040503050406030204" pitchFamily="18" charset="0"/>
+                          </a:rPr>
+                        </m:ctrlPr>
+                      </m:sSubSupPr>
+                      <m:e>
+                        <m:r>
+                          <a:rPr lang="cs-CZ" sz="1600" i="1">
+                            <a:solidFill>
+                              <a:schemeClr val="dk2"/>
+                            </a:solidFill>
+                            <a:latin typeface="Cambria Math" panose="02040503050406030204" pitchFamily="18" charset="0"/>
+                          </a:rPr>
+                          <m:t>𝑞</m:t>
+                        </m:r>
+                      </m:e>
+                      <m:sub>
+                        <m:r>
+                          <a:rPr lang="cs-CZ" sz="1600" b="0" i="1" smtClean="0">
+                            <a:solidFill>
+                              <a:schemeClr val="dk2"/>
+                            </a:solidFill>
+                            <a:latin typeface="Cambria Math" panose="02040503050406030204" pitchFamily="18" charset="0"/>
+                          </a:rPr>
+                          <m:t>2</m:t>
+                        </m:r>
+                      </m:sub>
+                      <m:sup>
+                        <m:r>
+                          <a:rPr lang="cs-CZ" sz="1600" i="1">
+                            <a:solidFill>
+                              <a:schemeClr val="dk2"/>
+                            </a:solidFill>
+                            <a:latin typeface="Cambria Math" panose="02040503050406030204" pitchFamily="18" charset="0"/>
+                          </a:rPr>
+                          <m:t>2</m:t>
+                        </m:r>
+                      </m:sup>
+                    </m:sSubSup>
+                    <m:r>
+                      <a:rPr lang="cs-CZ" sz="1600" b="0" i="1" smtClean="0">
+                        <a:solidFill>
+                          <a:schemeClr val="dk2"/>
+                        </a:solidFill>
+                        <a:latin typeface="Cambria Math" panose="02040503050406030204" pitchFamily="18" charset="0"/>
+                      </a:rPr>
+                      <m:t>+</m:t>
+                    </m:r>
+                    <m:f>
+                      <m:fPr>
+                        <m:ctrlPr>
+                          <a:rPr lang="cs-CZ" sz="1600" i="1">
+                            <a:solidFill>
+                              <a:schemeClr val="dk2"/>
+                            </a:solidFill>
+                            <a:latin typeface="Cambria Math" panose="02040503050406030204" pitchFamily="18" charset="0"/>
+                          </a:rPr>
+                        </m:ctrlPr>
+                      </m:fPr>
+                      <m:num>
+                        <m:r>
+                          <a:rPr lang="cs-CZ" sz="1600" i="1">
+                            <a:solidFill>
+                              <a:schemeClr val="dk2"/>
+                            </a:solidFill>
+                            <a:latin typeface="Cambria Math" panose="02040503050406030204" pitchFamily="18" charset="0"/>
+                          </a:rPr>
+                          <m:t>1</m:t>
+                        </m:r>
+                      </m:num>
+                      <m:den>
+                        <m:r>
+                          <a:rPr lang="cs-CZ" sz="1600" b="0" i="1" smtClean="0">
+                            <a:solidFill>
+                              <a:schemeClr val="dk2"/>
+                            </a:solidFill>
+                            <a:latin typeface="Cambria Math" panose="02040503050406030204" pitchFamily="18" charset="0"/>
+                          </a:rPr>
+                          <m:t>2</m:t>
+                        </m:r>
+                      </m:den>
+                    </m:f>
+                    <m:sSup>
+                      <m:sSupPr>
+                        <m:ctrlPr>
+                          <a:rPr lang="cs-CZ" sz="1600" i="1" smtClean="0">
+                            <a:solidFill>
+                              <a:schemeClr val="dk2"/>
+                            </a:solidFill>
+                            <a:latin typeface="Cambria Math" panose="02040503050406030204" pitchFamily="18" charset="0"/>
+                          </a:rPr>
+                        </m:ctrlPr>
+                      </m:sSupPr>
+                      <m:e>
+                        <m:r>
+                          <a:rPr lang="cs-CZ" sz="1600" i="1">
+                            <a:solidFill>
+                              <a:schemeClr val="dk2"/>
+                            </a:solidFill>
+                            <a:latin typeface="Cambria Math" panose="02040503050406030204" pitchFamily="18" charset="0"/>
+                          </a:rPr>
+                          <m:t>(</m:t>
+                        </m:r>
+                        <m:sSub>
+                          <m:sSubPr>
+                            <m:ctrlPr>
+                              <a:rPr lang="cs-CZ" sz="1600" i="1">
+                                <a:solidFill>
+                                  <a:schemeClr val="dk2"/>
+                                </a:solidFill>
+                                <a:latin typeface="Cambria Math" panose="02040503050406030204" pitchFamily="18" charset="0"/>
+                              </a:rPr>
+                            </m:ctrlPr>
+                          </m:sSubPr>
+                          <m:e>
+                            <m:r>
+                              <a:rPr lang="cs-CZ" sz="1600" i="1">
+                                <a:solidFill>
+                                  <a:schemeClr val="dk2"/>
+                                </a:solidFill>
+                                <a:latin typeface="Cambria Math" panose="02040503050406030204" pitchFamily="18" charset="0"/>
+                              </a:rPr>
+                              <m:t>𝑞</m:t>
+                            </m:r>
+                          </m:e>
+                          <m:sub>
+                            <m:r>
+                              <a:rPr lang="cs-CZ" sz="1600" i="1">
+                                <a:solidFill>
+                                  <a:schemeClr val="dk2"/>
+                                </a:solidFill>
+                                <a:latin typeface="Cambria Math" panose="02040503050406030204" pitchFamily="18" charset="0"/>
+                              </a:rPr>
+                              <m:t>1</m:t>
+                            </m:r>
+                          </m:sub>
+                        </m:sSub>
+                        <m:r>
+                          <a:rPr lang="cs-CZ" sz="1600" i="1">
+                            <a:solidFill>
+                              <a:schemeClr val="dk2"/>
+                            </a:solidFill>
+                            <a:latin typeface="Cambria Math" panose="02040503050406030204" pitchFamily="18" charset="0"/>
+                          </a:rPr>
+                          <m:t>−</m:t>
+                        </m:r>
+                        <m:sSub>
+                          <m:sSubPr>
+                            <m:ctrlPr>
+                              <a:rPr lang="cs-CZ" sz="1600" i="1">
+                                <a:solidFill>
+                                  <a:schemeClr val="dk2"/>
+                                </a:solidFill>
+                                <a:latin typeface="Cambria Math" panose="02040503050406030204" pitchFamily="18" charset="0"/>
+                              </a:rPr>
+                            </m:ctrlPr>
+                          </m:sSubPr>
+                          <m:e>
+                            <m:r>
+                              <a:rPr lang="cs-CZ" sz="1600" i="1">
+                                <a:solidFill>
+                                  <a:schemeClr val="dk2"/>
+                                </a:solidFill>
+                                <a:latin typeface="Cambria Math" panose="02040503050406030204" pitchFamily="18" charset="0"/>
+                              </a:rPr>
+                              <m:t>𝑞</m:t>
+                            </m:r>
+                          </m:e>
+                          <m:sub>
+                            <m:r>
+                              <a:rPr lang="cs-CZ" sz="1600" i="1">
+                                <a:solidFill>
+                                  <a:schemeClr val="dk2"/>
+                                </a:solidFill>
+                                <a:latin typeface="Cambria Math" panose="02040503050406030204" pitchFamily="18" charset="0"/>
+                              </a:rPr>
+                              <m:t>2</m:t>
+                            </m:r>
+                          </m:sub>
+                        </m:sSub>
+                        <m:r>
+                          <a:rPr lang="cs-CZ" sz="1600" i="1">
+                            <a:solidFill>
+                              <a:schemeClr val="dk2"/>
+                            </a:solidFill>
+                            <a:latin typeface="Cambria Math" panose="02040503050406030204" pitchFamily="18" charset="0"/>
+                          </a:rPr>
+                          <m:t>)</m:t>
+                        </m:r>
+                      </m:e>
+                      <m:sup>
+                        <m:r>
+                          <a:rPr lang="cs-CZ" sz="1600" b="0" i="1" smtClean="0">
+                            <a:solidFill>
+                              <a:schemeClr val="dk2"/>
+                            </a:solidFill>
+                            <a:latin typeface="Cambria Math" panose="02040503050406030204" pitchFamily="18" charset="0"/>
+                          </a:rPr>
+                          <m:t>2</m:t>
+                        </m:r>
+                      </m:sup>
+                    </m:sSup>
+                  </m:oMath>
+                </a14:m>
+                <a:endParaRPr lang="cs-CZ" sz="1600" dirty="0">
+                  <a:solidFill>
+                    <a:schemeClr val="dk2"/>
+                  </a:solidFill>
+                </a:endParaRPr>
+              </a:p>
+            </p:txBody>
+          </p:sp>
+        </mc:Choice>
+        <mc:Fallback>
+          <p:sp>
+            <p:nvSpPr>
+              <p:cNvPr id="79" name="Google Shape;79;p14"/>
+              <p:cNvSpPr txBox="1">
+                <a:spLocks noRot="1" noChangeAspect="1" noMove="1" noResize="1" noEditPoints="1" noAdjustHandles="1" noChangeArrowheads="1" noChangeShapeType="1" noTextEdit="1"/>
+              </p:cNvSpPr>
+              <p:nvPr/>
+            </p:nvSpPr>
+            <p:spPr>
+              <a:xfrm>
+                <a:off x="184874" y="904575"/>
+                <a:ext cx="4606582" cy="474600"/>
+              </a:xfrm>
+              <a:prstGeom prst="rect">
+                <a:avLst/>
+              </a:prstGeom>
+              <a:blipFill>
+                <a:blip r:embed="rId3"/>
+                <a:stretch>
+                  <a:fillRect b="-8974"/>
+                </a:stretch>
+              </a:blipFill>
+              <a:ln>
+                <a:noFill/>
+              </a:ln>
+            </p:spPr>
+            <p:txBody>
+              <a:bodyPr/>
+              <a:lstStyle/>
+              <a:p>
+                <a:r>
+                  <a:rPr lang="en-US">
+                    <a:noFill/>
+                  </a:rPr>
+                  <a:t> </a:t>
+                </a:r>
+              </a:p>
+            </p:txBody>
+          </p:sp>
+        </mc:Fallback>
+      </mc:AlternateContent>
+      <mc:AlternateContent xmlns:mc="http://schemas.openxmlformats.org/markup-compatibility/2006">
+        <mc:Choice xmlns:a14="http://schemas.microsoft.com/office/drawing/2010/main" Requires="a14">
+          <p:sp>
+            <p:nvSpPr>
+              <p:cNvPr id="7" name="Google Shape;79;p14">
+                <a:extLst>
+                  <a:ext uri="{FF2B5EF4-FFF2-40B4-BE49-F238E27FC236}">
+                    <a16:creationId xmlns:a16="http://schemas.microsoft.com/office/drawing/2014/main" id="{EE57AE30-D1D9-BE95-77A5-5120BFD51287}"/>
+                  </a:ext>
+                </a:extLst>
+              </p:cNvPr>
+              <p:cNvSpPr txBox="1"/>
+              <p:nvPr/>
+            </p:nvSpPr>
+            <p:spPr>
+              <a:xfrm>
+                <a:off x="184873" y="1379175"/>
+                <a:ext cx="5277463" cy="474600"/>
+              </a:xfrm>
+              <a:prstGeom prst="rect">
+                <a:avLst/>
+              </a:prstGeom>
+              <a:noFill/>
+              <a:ln>
+                <a:noFill/>
+              </a:ln>
+            </p:spPr>
+            <p:txBody>
+              <a:bodyPr spcFirstLastPara="1" wrap="square" lIns="91425" tIns="91425" rIns="91425" bIns="91425" anchor="t" anchorCtr="0">
+                <a:noAutofit/>
+              </a:bodyPr>
+              <a:lstStyle/>
+              <a:p>
+                <a:pPr marL="457200" lvl="0" indent="-342900">
+                  <a:buClr>
+                    <a:schemeClr val="dk2"/>
+                  </a:buClr>
+                  <a:buSzPts val="1800"/>
+                  <a:buChar char="●"/>
+                </a:pPr>
+                <a:r>
+                  <a:rPr lang="cs-CZ" sz="1600" dirty="0">
+                    <a:solidFill>
+                      <a:schemeClr val="dk2"/>
+                    </a:solidFill>
+                  </a:rPr>
+                  <a:t>Jacobi's identity </a:t>
+                </a:r>
+                <a14:m>
+                  <m:oMath xmlns:m="http://schemas.openxmlformats.org/officeDocument/2006/math">
+                    <m:r>
+                      <a:rPr lang="cs-CZ" sz="1600" i="1" smtClean="0">
+                        <a:solidFill>
+                          <a:schemeClr val="dk2"/>
+                        </a:solidFill>
+                        <a:latin typeface="Cambria Math" panose="02040503050406030204" pitchFamily="18" charset="0"/>
+                        <a:ea typeface="Cambria Math" panose="02040503050406030204" pitchFamily="18" charset="0"/>
+                      </a:rPr>
+                      <m:t>⇒</m:t>
+                    </m:r>
+                    <m:r>
+                      <a:rPr lang="cs-CZ" sz="1600" b="0" i="1" smtClean="0">
+                        <a:solidFill>
+                          <a:schemeClr val="dk2"/>
+                        </a:solidFill>
+                        <a:latin typeface="Cambria Math" panose="02040503050406030204" pitchFamily="18" charset="0"/>
+                        <a:ea typeface="Cambria Math" panose="02040503050406030204" pitchFamily="18" charset="0"/>
+                      </a:rPr>
+                      <m:t>𝐿</m:t>
+                    </m:r>
+                    <m:r>
+                      <a:rPr lang="cs-CZ" sz="1600" b="0" i="1" smtClean="0">
+                        <a:solidFill>
+                          <a:schemeClr val="dk2"/>
+                        </a:solidFill>
+                        <a:latin typeface="Cambria Math" panose="02040503050406030204" pitchFamily="18" charset="0"/>
+                        <a:ea typeface="Cambria Math" panose="02040503050406030204" pitchFamily="18" charset="0"/>
+                      </a:rPr>
+                      <m:t> :</m:t>
+                    </m:r>
+                    <m:sSup>
+                      <m:sSupPr>
+                        <m:ctrlPr>
+                          <a:rPr lang="cs-CZ" sz="1600" b="0" i="1" smtClean="0">
+                            <a:solidFill>
+                              <a:schemeClr val="dk2"/>
+                            </a:solidFill>
+                            <a:latin typeface="Cambria Math" panose="02040503050406030204" pitchFamily="18" charset="0"/>
+                            <a:ea typeface="Cambria Math" panose="02040503050406030204" pitchFamily="18" charset="0"/>
+                          </a:rPr>
+                        </m:ctrlPr>
+                      </m:sSupPr>
+                      <m:e>
+                        <m:r>
+                          <a:rPr lang="cs-CZ" sz="1600" i="1">
+                            <a:solidFill>
+                              <a:schemeClr val="dk2"/>
+                            </a:solidFill>
+                            <a:latin typeface="Cambria Math" panose="02040503050406030204" pitchFamily="18" charset="0"/>
+                            <a:ea typeface="Cambria Math" panose="02040503050406030204" pitchFamily="18" charset="0"/>
+                          </a:rPr>
+                          <m:t>ℝ</m:t>
+                        </m:r>
+                      </m:e>
+                      <m:sup>
+                        <m:r>
+                          <a:rPr lang="cs-CZ" sz="1600" b="0" i="1" smtClean="0">
+                            <a:solidFill>
+                              <a:schemeClr val="dk2"/>
+                            </a:solidFill>
+                            <a:latin typeface="Cambria Math" panose="02040503050406030204" pitchFamily="18" charset="0"/>
+                            <a:ea typeface="Cambria Math" panose="02040503050406030204" pitchFamily="18" charset="0"/>
+                          </a:rPr>
+                          <m:t>2×2</m:t>
+                        </m:r>
+                      </m:sup>
+                    </m:sSup>
+                    <m:r>
+                      <a:rPr lang="cs-CZ" sz="1600" b="0" i="1" smtClean="0">
+                        <a:solidFill>
+                          <a:schemeClr val="dk2"/>
+                        </a:solidFill>
+                        <a:latin typeface="Cambria Math" panose="02040503050406030204" pitchFamily="18" charset="0"/>
+                        <a:ea typeface="Cambria Math" panose="02040503050406030204" pitchFamily="18" charset="0"/>
+                      </a:rPr>
+                      <m:t>→</m:t>
+                    </m:r>
+                    <m:r>
+                      <a:rPr lang="cs-CZ" sz="1600" i="1">
+                        <a:solidFill>
+                          <a:schemeClr val="dk2"/>
+                        </a:solidFill>
+                        <a:latin typeface="Cambria Math" panose="02040503050406030204" pitchFamily="18" charset="0"/>
+                        <a:ea typeface="Cambria Math" panose="02040503050406030204" pitchFamily="18" charset="0"/>
+                      </a:rPr>
+                      <m:t>ℝ</m:t>
+                    </m:r>
+                  </m:oMath>
+                </a14:m>
+                <a:r>
+                  <a:rPr lang="cs-CZ" sz="1600" dirty="0">
+                    <a:solidFill>
+                      <a:schemeClr val="dk2"/>
+                    </a:solidFill>
+                  </a:rPr>
+                  <a:t> </a:t>
+                </a:r>
+                <a:r>
+                  <a:rPr lang="cs-CZ" sz="1600" dirty="0" err="1">
+                    <a:solidFill>
+                      <a:schemeClr val="dk2"/>
+                    </a:solidFill>
+                  </a:rPr>
+                  <a:t>is</a:t>
+                </a:r>
+                <a:r>
+                  <a:rPr lang="cs-CZ" sz="1600" dirty="0">
+                    <a:solidFill>
+                      <a:schemeClr val="dk2"/>
+                    </a:solidFill>
+                  </a:rPr>
+                  <a:t> </a:t>
+                </a:r>
+                <a:r>
+                  <a:rPr lang="cs-CZ" sz="1600" dirty="0" err="1">
+                    <a:solidFill>
+                      <a:schemeClr val="dk2"/>
+                    </a:solidFill>
+                  </a:rPr>
+                  <a:t>always</a:t>
+                </a:r>
+                <a:r>
+                  <a:rPr lang="cs-CZ" sz="1600" dirty="0">
+                    <a:solidFill>
+                      <a:schemeClr val="dk2"/>
+                    </a:solidFill>
+                  </a:rPr>
+                  <a:t> </a:t>
+                </a:r>
+                <a:r>
+                  <a:rPr lang="cs-CZ" sz="1600" dirty="0" err="1">
+                    <a:solidFill>
+                      <a:schemeClr val="dk2"/>
+                    </a:solidFill>
+                  </a:rPr>
+                  <a:t>constant</a:t>
+                </a:r>
+                <a:endParaRPr lang="cs-CZ" sz="1600" dirty="0">
+                  <a:solidFill>
+                    <a:schemeClr val="dk2"/>
+                  </a:solidFill>
+                </a:endParaRPr>
+              </a:p>
+            </p:txBody>
+          </p:sp>
+        </mc:Choice>
+        <mc:Fallback>
+          <p:sp>
+            <p:nvSpPr>
+              <p:cNvPr id="7" name="Google Shape;79;p14">
+                <a:extLst>
+                  <a:ext uri="{FF2B5EF4-FFF2-40B4-BE49-F238E27FC236}">
+                    <a16:creationId xmlns:a16="http://schemas.microsoft.com/office/drawing/2014/main" id="{EE57AE30-D1D9-BE95-77A5-5120BFD51287}"/>
+                  </a:ext>
+                </a:extLst>
+              </p:cNvPr>
+              <p:cNvSpPr txBox="1">
+                <a:spLocks noRot="1" noChangeAspect="1" noMove="1" noResize="1" noEditPoints="1" noAdjustHandles="1" noChangeArrowheads="1" noChangeShapeType="1" noTextEdit="1"/>
+              </p:cNvSpPr>
+              <p:nvPr/>
+            </p:nvSpPr>
+            <p:spPr>
+              <a:xfrm>
+                <a:off x="184873" y="1379175"/>
+                <a:ext cx="5277463" cy="474600"/>
+              </a:xfrm>
+              <a:prstGeom prst="rect">
+                <a:avLst/>
+              </a:prstGeom>
+              <a:blipFill>
+                <a:blip r:embed="rId4"/>
+                <a:stretch>
+                  <a:fillRect/>
+                </a:stretch>
+              </a:blipFill>
+              <a:ln>
+                <a:noFill/>
+              </a:ln>
+            </p:spPr>
+            <p:txBody>
+              <a:bodyPr/>
+              <a:lstStyle/>
+              <a:p>
+                <a:r>
+                  <a:rPr lang="en-US">
+                    <a:noFill/>
+                  </a:rPr>
+                  <a:t> </a:t>
+                </a:r>
+              </a:p>
+            </p:txBody>
+          </p:sp>
+        </mc:Fallback>
+      </mc:AlternateContent>
+      <p:sp>
+        <p:nvSpPr>
+          <p:cNvPr id="8" name="Google Shape;79;p14">
+            <a:extLst>
+              <a:ext uri="{FF2B5EF4-FFF2-40B4-BE49-F238E27FC236}">
+                <a16:creationId xmlns:a16="http://schemas.microsoft.com/office/drawing/2014/main" id="{6F8EB014-B284-DA2B-FD8E-D1155DB95BD4}"/>
+              </a:ext>
+            </a:extLst>
+          </p:cNvPr>
+          <p:cNvSpPr txBox="1"/>
+          <p:nvPr/>
+        </p:nvSpPr>
+        <p:spPr>
+          <a:xfrm>
+            <a:off x="184872" y="1813400"/>
+            <a:ext cx="5277463" cy="711900"/>
+          </a:xfrm>
+          <a:prstGeom prst="rect">
+            <a:avLst/>
+          </a:prstGeom>
+          <a:noFill/>
+          <a:ln>
+            <a:noFill/>
+          </a:ln>
+        </p:spPr>
+        <p:txBody>
+          <a:bodyPr spcFirstLastPara="1" wrap="square" lIns="91425" tIns="91425" rIns="91425" bIns="91425" anchor="t" anchorCtr="0">
+            <a:noAutofit/>
+          </a:bodyPr>
+          <a:lstStyle/>
+          <a:p>
+            <a:pPr marL="114300" lvl="0">
+              <a:buClr>
+                <a:schemeClr val="dk2"/>
+              </a:buClr>
+              <a:buSzPts val="1800"/>
+            </a:pPr>
+            <a:endParaRPr lang="cs-CZ" sz="1600" dirty="0">
+              <a:solidFill>
+                <a:schemeClr val="dk2"/>
+              </a:solidFill>
+            </a:endParaRPr>
+          </a:p>
+        </p:txBody>
+      </p:sp>
+      <p:pic>
+        <p:nvPicPr>
+          <p:cNvPr id="26" name="Obrázek 25" descr="Obsah obrázku text, snímek obrazovky, diagram, Vykreslený graf&#10;&#10;Popis byl vytvořen automaticky">
+            <a:extLst>
+              <a:ext uri="{FF2B5EF4-FFF2-40B4-BE49-F238E27FC236}">
+                <a16:creationId xmlns:a16="http://schemas.microsoft.com/office/drawing/2014/main" id="{4D8D858A-2BB4-E331-10E4-848F61659001}"/>
+              </a:ext>
+            </a:extLst>
+          </p:cNvPr>
+          <p:cNvPicPr>
+            <a:picLocks noChangeAspect="1"/>
+          </p:cNvPicPr>
+          <p:nvPr/>
+        </p:nvPicPr>
+        <p:blipFill>
+          <a:blip r:embed="rId5"/>
+          <a:stretch>
+            <a:fillRect/>
+          </a:stretch>
+        </p:blipFill>
+        <p:spPr>
+          <a:xfrm>
+            <a:off x="4954880" y="2020766"/>
+            <a:ext cx="3806240" cy="2854680"/>
+          </a:xfrm>
+          <a:prstGeom prst="rect">
+            <a:avLst/>
+          </a:prstGeom>
+        </p:spPr>
+      </p:pic>
+      <p:pic>
+        <p:nvPicPr>
+          <p:cNvPr id="31" name="Obrázek 30" descr="Obsah obrázku text, řada/pruh, diagram, Vykreslený graf&#10;&#10;Popis byl vytvořen automaticky">
+            <a:extLst>
+              <a:ext uri="{FF2B5EF4-FFF2-40B4-BE49-F238E27FC236}">
+                <a16:creationId xmlns:a16="http://schemas.microsoft.com/office/drawing/2014/main" id="{ECE5B1A3-4D12-B7C9-4092-82076B92403E}"/>
+              </a:ext>
+            </a:extLst>
+          </p:cNvPr>
+          <p:cNvPicPr>
+            <a:picLocks noChangeAspect="1"/>
+          </p:cNvPicPr>
+          <p:nvPr/>
+        </p:nvPicPr>
+        <p:blipFill>
+          <a:blip r:embed="rId6"/>
+          <a:stretch>
+            <a:fillRect/>
+          </a:stretch>
+        </p:blipFill>
+        <p:spPr>
+          <a:xfrm>
+            <a:off x="382880" y="2055770"/>
+            <a:ext cx="3806240" cy="2854680"/>
+          </a:xfrm>
+          <a:prstGeom prst="rect">
+            <a:avLst/>
+          </a:prstGeom>
+        </p:spPr>
+      </p:pic>
+    </p:spTree>
+    <p:extLst>
+      <p:ext uri="{BB962C8B-B14F-4D97-AF65-F5344CB8AC3E}">
+        <p14:creationId xmlns:p14="http://schemas.microsoft.com/office/powerpoint/2010/main" val="2118329903"/>
+      </p:ext>
+    </p:extLst>
+  </p:cSld>
+  <p:clrMapOvr>
+    <a:masterClrMapping/>
+  </p:clrMapOvr>
+</p:sld>
+</file>
+
+<file path=ppt/slides/slide12.xml><?xml version="1.0" encoding="utf-8"?>
+<p:sld xmlns:a="http://schemas.openxmlformats.org/drawingml/2006/main" xmlns:r="http://schemas.openxmlformats.org/officeDocument/2006/relationships" xmlns:p="http://schemas.openxmlformats.org/presentationml/2006/main">
+  <p:cSld>
+    <p:spTree>
+      <p:nvGrpSpPr>
+        <p:cNvPr id="1" name="Shape 71"/>
+        <p:cNvGrpSpPr/>
+        <p:nvPr/>
+      </p:nvGrpSpPr>
+      <p:grpSpPr>
+        <a:xfrm>
+          <a:off x="0" y="0"/>
+          <a:ext cx="0" cy="0"/>
+          <a:chOff x="0" y="0"/>
+          <a:chExt cx="0" cy="0"/>
+        </a:xfrm>
+      </p:grpSpPr>
+      <p:sp>
+        <p:nvSpPr>
+          <p:cNvPr id="76" name="Google Shape;76;p14"/>
+          <p:cNvSpPr/>
+          <p:nvPr/>
+        </p:nvSpPr>
+        <p:spPr>
+          <a:xfrm>
+            <a:off x="2943778" y="4917300"/>
+            <a:ext cx="3256444" cy="226200"/>
+          </a:xfrm>
+          <a:prstGeom prst="rect">
+            <a:avLst/>
+          </a:prstGeom>
+          <a:solidFill>
+            <a:schemeClr val="lt2"/>
+          </a:solidFill>
+          <a:ln w="9525" cap="flat" cmpd="sng">
+            <a:solidFill>
+              <a:schemeClr val="lt2"/>
+            </a:solidFill>
+            <a:prstDash val="solid"/>
+            <a:round/>
+            <a:headEnd type="none" w="sm" len="sm"/>
+            <a:tailEnd type="none" w="sm" len="sm"/>
+          </a:ln>
+        </p:spPr>
+        <p:txBody>
+          <a:bodyPr spcFirstLastPara="1" wrap="square" lIns="91425" tIns="91425" rIns="91425" bIns="91425" anchor="ctr" anchorCtr="0">
+            <a:noAutofit/>
+          </a:bodyPr>
+          <a:lstStyle/>
+          <a:p>
+            <a:pPr marL="0" lvl="0" indent="0" algn="ctr" rtl="0">
+              <a:spcBef>
+                <a:spcPts val="0"/>
+              </a:spcBef>
+              <a:spcAft>
+                <a:spcPts val="0"/>
+              </a:spcAft>
+              <a:buNone/>
+            </a:pPr>
+            <a:r>
+              <a:rPr lang="cs" sz="1200" b="1" dirty="0">
+                <a:solidFill>
+                  <a:srgbClr val="A30000"/>
+                </a:solidFill>
+                <a:latin typeface="Calibri"/>
+                <a:ea typeface="Calibri"/>
+                <a:cs typeface="Calibri"/>
+                <a:sym typeface="Calibri"/>
+              </a:rPr>
+              <a:t>ML for recognition of simple physical systems</a:t>
+            </a:r>
+            <a:endParaRPr dirty="0">
+              <a:solidFill>
+                <a:srgbClr val="A30000"/>
+              </a:solidFill>
+            </a:endParaRPr>
+          </a:p>
+        </p:txBody>
+      </p:sp>
+      <p:sp>
+        <p:nvSpPr>
+          <p:cNvPr id="72" name="Google Shape;72;p14"/>
+          <p:cNvSpPr/>
+          <p:nvPr/>
+        </p:nvSpPr>
+        <p:spPr>
+          <a:xfrm>
+            <a:off x="0" y="6850"/>
+            <a:ext cx="4572000" cy="226200"/>
+          </a:xfrm>
+          <a:prstGeom prst="rect">
+            <a:avLst/>
+          </a:prstGeom>
+          <a:solidFill>
+            <a:srgbClr val="A30000"/>
+          </a:solidFill>
+          <a:ln w="9525" cap="flat" cmpd="sng">
+            <a:solidFill>
+              <a:srgbClr val="A30000"/>
+            </a:solidFill>
+            <a:prstDash val="solid"/>
+            <a:round/>
+            <a:headEnd type="none" w="sm" len="sm"/>
+            <a:tailEnd type="none" w="sm" len="sm"/>
+          </a:ln>
+        </p:spPr>
+        <p:txBody>
+          <a:bodyPr spcFirstLastPara="1" wrap="square" lIns="91425" tIns="91425" rIns="91425" bIns="91425" anchor="ctr" anchorCtr="0">
+            <a:noAutofit/>
+          </a:bodyPr>
+          <a:lstStyle/>
+          <a:p>
+            <a:pPr marL="0" lvl="0" indent="0" algn="r" rtl="0">
+              <a:spcBef>
+                <a:spcPts val="0"/>
+              </a:spcBef>
+              <a:spcAft>
+                <a:spcPts val="0"/>
+              </a:spcAft>
+              <a:buNone/>
+            </a:pPr>
+            <a:r>
+              <a:rPr lang="cs" b="1" dirty="0">
+                <a:solidFill>
+                  <a:schemeClr val="lt1"/>
+                </a:solidFill>
+              </a:rPr>
+              <a:t>Direct Poisson Neural Network</a:t>
+            </a:r>
+            <a:endParaRPr b="1" dirty="0">
+              <a:solidFill>
+                <a:schemeClr val="lt1"/>
+              </a:solidFill>
+            </a:endParaRPr>
+          </a:p>
+        </p:txBody>
+      </p:sp>
+      <p:sp>
+        <p:nvSpPr>
+          <p:cNvPr id="73" name="Google Shape;73;p14"/>
+          <p:cNvSpPr/>
+          <p:nvPr/>
+        </p:nvSpPr>
+        <p:spPr>
+          <a:xfrm>
+            <a:off x="6098850" y="4917300"/>
+            <a:ext cx="3053700" cy="226200"/>
+          </a:xfrm>
+          <a:prstGeom prst="rect">
+            <a:avLst/>
+          </a:prstGeom>
+          <a:solidFill>
+            <a:srgbClr val="D9D9D9"/>
+          </a:solidFill>
+          <a:ln w="9525" cap="flat" cmpd="sng">
+            <a:solidFill>
+              <a:srgbClr val="D9D9D9"/>
+            </a:solidFill>
+            <a:prstDash val="solid"/>
+            <a:round/>
+            <a:headEnd type="none" w="sm" len="sm"/>
+            <a:tailEnd type="none" w="sm" len="sm"/>
+          </a:ln>
+        </p:spPr>
+        <p:txBody>
+          <a:bodyPr spcFirstLastPara="1" wrap="square" lIns="91425" tIns="91425" rIns="91425" bIns="91425" anchor="ctr" anchorCtr="0">
+            <a:noAutofit/>
+          </a:bodyPr>
+          <a:lstStyle/>
+          <a:p>
+            <a:pPr marL="0" lvl="0" indent="0" algn="ctr" rtl="0">
+              <a:spcBef>
+                <a:spcPts val="0"/>
+              </a:spcBef>
+              <a:spcAft>
+                <a:spcPts val="0"/>
+              </a:spcAft>
+              <a:buNone/>
+            </a:pPr>
+            <a:r>
+              <a:rPr lang="cs" sz="1200" b="1">
+                <a:solidFill>
+                  <a:srgbClr val="A30000"/>
+                </a:solidFill>
+                <a:latin typeface="Calibri"/>
+                <a:ea typeface="Calibri"/>
+                <a:cs typeface="Calibri"/>
+                <a:sym typeface="Calibri"/>
+              </a:rPr>
+              <a:t>3.4.2024</a:t>
+            </a:r>
+            <a:endParaRPr>
+              <a:solidFill>
+                <a:srgbClr val="A30000"/>
+              </a:solidFill>
+              <a:highlight>
+                <a:schemeClr val="dk1"/>
+              </a:highlight>
+            </a:endParaRPr>
+          </a:p>
+        </p:txBody>
+      </p:sp>
+      <p:sp>
+        <p:nvSpPr>
+          <p:cNvPr id="74" name="Google Shape;74;p14"/>
+          <p:cNvSpPr/>
+          <p:nvPr/>
+        </p:nvSpPr>
+        <p:spPr>
+          <a:xfrm>
+            <a:off x="0" y="4917300"/>
+            <a:ext cx="3053700" cy="226200"/>
+          </a:xfrm>
+          <a:prstGeom prst="rect">
+            <a:avLst/>
+          </a:prstGeom>
+          <a:solidFill>
+            <a:srgbClr val="A30000"/>
+          </a:solidFill>
+          <a:ln w="9525" cap="flat" cmpd="sng">
+            <a:solidFill>
+              <a:srgbClr val="A30000"/>
+            </a:solidFill>
+            <a:prstDash val="solid"/>
+            <a:round/>
+            <a:headEnd type="none" w="sm" len="sm"/>
+            <a:tailEnd type="none" w="sm" len="sm"/>
+          </a:ln>
+        </p:spPr>
+        <p:txBody>
+          <a:bodyPr spcFirstLastPara="1" wrap="square" lIns="91425" tIns="91425" rIns="91425" bIns="91425" anchor="ctr" anchorCtr="0">
+            <a:noAutofit/>
+          </a:bodyPr>
+          <a:lstStyle/>
+          <a:p>
+            <a:pPr marL="0" lvl="0" indent="0" algn="ctr" rtl="0">
+              <a:spcBef>
+                <a:spcPts val="0"/>
+              </a:spcBef>
+              <a:spcAft>
+                <a:spcPts val="0"/>
+              </a:spcAft>
+              <a:buNone/>
+            </a:pPr>
+            <a:r>
+              <a:rPr lang="cs" sz="1200" b="1">
+                <a:solidFill>
+                  <a:schemeClr val="lt1"/>
+                </a:solidFill>
+                <a:latin typeface="Calibri"/>
+                <a:ea typeface="Calibri"/>
+                <a:cs typeface="Calibri"/>
+                <a:sym typeface="Calibri"/>
+              </a:rPr>
+              <a:t>Jan Benda</a:t>
+            </a:r>
+            <a:endParaRPr sz="1200" b="1">
+              <a:solidFill>
+                <a:schemeClr val="lt1"/>
+              </a:solidFill>
+              <a:latin typeface="Calibri"/>
+              <a:ea typeface="Calibri"/>
+              <a:cs typeface="Calibri"/>
+              <a:sym typeface="Calibri"/>
+            </a:endParaRPr>
+          </a:p>
+        </p:txBody>
+      </p:sp>
+      <p:sp>
+        <p:nvSpPr>
+          <p:cNvPr id="75" name="Google Shape;75;p14"/>
+          <p:cNvSpPr/>
+          <p:nvPr/>
+        </p:nvSpPr>
+        <p:spPr>
+          <a:xfrm>
+            <a:off x="4572000" y="6850"/>
+            <a:ext cx="4572000" cy="226200"/>
+          </a:xfrm>
+          <a:prstGeom prst="rect">
+            <a:avLst/>
+          </a:prstGeom>
+          <a:solidFill>
+            <a:srgbClr val="D9D9D9"/>
+          </a:solidFill>
+          <a:ln w="9525" cap="flat" cmpd="sng">
+            <a:solidFill>
+              <a:srgbClr val="D9D9D9"/>
+            </a:solidFill>
+            <a:prstDash val="solid"/>
+            <a:round/>
+            <a:headEnd type="none" w="sm" len="sm"/>
+            <a:tailEnd type="none" w="sm" len="sm"/>
+          </a:ln>
+        </p:spPr>
+        <p:txBody>
+          <a:bodyPr spcFirstLastPara="1" wrap="square" lIns="91425" tIns="91425" rIns="91425" bIns="91425" anchor="ctr" anchorCtr="0">
+            <a:noAutofit/>
+          </a:bodyPr>
+          <a:lstStyle/>
+          <a:p>
+            <a:pPr marL="0" lvl="0" indent="0" algn="ctr" rtl="0">
+              <a:spcBef>
+                <a:spcPts val="0"/>
+              </a:spcBef>
+              <a:spcAft>
+                <a:spcPts val="0"/>
+              </a:spcAft>
+              <a:buNone/>
+            </a:pPr>
+            <a:endParaRPr>
+              <a:highlight>
+                <a:schemeClr val="dk1"/>
+              </a:highlight>
+            </a:endParaRPr>
+          </a:p>
+        </p:txBody>
+      </p:sp>
+      <p:sp>
+        <p:nvSpPr>
+          <p:cNvPr id="77" name="Google Shape;77;p14"/>
+          <p:cNvSpPr txBox="1">
+            <a:spLocks noGrp="1"/>
+          </p:cNvSpPr>
+          <p:nvPr>
+            <p:ph type="sldNum" idx="12"/>
+          </p:nvPr>
+        </p:nvSpPr>
+        <p:spPr>
+          <a:xfrm>
+            <a:off x="8595308" y="4833592"/>
+            <a:ext cx="548700" cy="393600"/>
+          </a:xfrm>
+          <a:prstGeom prst="rect">
+            <a:avLst/>
+          </a:prstGeom>
+        </p:spPr>
+        <p:txBody>
+          <a:bodyPr spcFirstLastPara="1" wrap="square" lIns="91425" tIns="91425" rIns="91425" bIns="91425" anchor="ctr" anchorCtr="0">
+            <a:normAutofit/>
+          </a:bodyPr>
+          <a:lstStyle/>
+          <a:p>
+            <a:pPr marL="0" lvl="0" indent="0" algn="r" rtl="0">
+              <a:spcBef>
+                <a:spcPts val="0"/>
+              </a:spcBef>
+              <a:spcAft>
+                <a:spcPts val="0"/>
+              </a:spcAft>
+              <a:buNone/>
+            </a:pPr>
+            <a:fld id="{00000000-1234-1234-1234-123412341234}" type="slidenum">
+              <a:rPr lang="cs" sz="1200" b="1">
+                <a:solidFill>
+                  <a:srgbClr val="A30000"/>
+                </a:solidFill>
+                <a:latin typeface="Calibri"/>
+                <a:ea typeface="Calibri"/>
+                <a:cs typeface="Calibri"/>
+                <a:sym typeface="Calibri"/>
+              </a:rPr>
+              <a:t>12</a:t>
+            </a:fld>
+            <a:endParaRPr sz="1200" b="1" dirty="0">
+              <a:solidFill>
+                <a:srgbClr val="A30000"/>
+              </a:solidFill>
+              <a:latin typeface="Calibri"/>
+              <a:ea typeface="Calibri"/>
+              <a:cs typeface="Calibri"/>
+              <a:sym typeface="Calibri"/>
+            </a:endParaRPr>
+          </a:p>
+        </p:txBody>
+      </p:sp>
+      <p:sp>
+        <p:nvSpPr>
+          <p:cNvPr id="78" name="Google Shape;78;p14"/>
+          <p:cNvSpPr/>
+          <p:nvPr/>
+        </p:nvSpPr>
+        <p:spPr>
+          <a:xfrm>
+            <a:off x="0" y="233050"/>
+            <a:ext cx="9144000" cy="474600"/>
+          </a:xfrm>
+          <a:prstGeom prst="rect">
+            <a:avLst/>
+          </a:prstGeom>
+          <a:solidFill>
+            <a:schemeClr val="lt2"/>
+          </a:solidFill>
+          <a:ln w="9525" cap="flat" cmpd="sng">
+            <a:solidFill>
+              <a:schemeClr val="lt2"/>
+            </a:solidFill>
+            <a:prstDash val="solid"/>
+            <a:round/>
+            <a:headEnd type="none" w="sm" len="sm"/>
+            <a:tailEnd type="none" w="sm" len="sm"/>
+          </a:ln>
+        </p:spPr>
+        <p:txBody>
+          <a:bodyPr spcFirstLastPara="1" wrap="square" lIns="91425" tIns="91425" rIns="91425" bIns="91425" anchor="ctr" anchorCtr="0">
+            <a:noAutofit/>
+          </a:bodyPr>
+          <a:lstStyle/>
+          <a:p>
+            <a:pPr marL="0" lvl="0" indent="0" algn="l" rtl="0">
+              <a:spcBef>
+                <a:spcPts val="0"/>
+              </a:spcBef>
+              <a:spcAft>
+                <a:spcPts val="0"/>
+              </a:spcAft>
+              <a:buNone/>
+            </a:pPr>
+            <a:r>
+              <a:rPr lang="cs-CZ" sz="2600" b="1" dirty="0" err="1">
+                <a:solidFill>
+                  <a:srgbClr val="A30000"/>
+                </a:solidFill>
+              </a:rPr>
+              <a:t>Freely</a:t>
+            </a:r>
+            <a:r>
+              <a:rPr lang="cs-CZ" sz="2600" b="1" dirty="0">
+                <a:solidFill>
+                  <a:srgbClr val="A30000"/>
+                </a:solidFill>
+              </a:rPr>
+              <a:t> </a:t>
+            </a:r>
+            <a:r>
+              <a:rPr lang="cs-CZ" sz="2600" b="1" dirty="0" err="1">
+                <a:solidFill>
+                  <a:srgbClr val="A30000"/>
+                </a:solidFill>
+              </a:rPr>
+              <a:t>rotating</a:t>
+            </a:r>
+            <a:r>
+              <a:rPr lang="cs-CZ" sz="2600" b="1" dirty="0">
+                <a:solidFill>
+                  <a:srgbClr val="A30000"/>
+                </a:solidFill>
+              </a:rPr>
+              <a:t> </a:t>
+            </a:r>
+            <a:r>
+              <a:rPr lang="cs-CZ" sz="2600" b="1" dirty="0" err="1">
+                <a:solidFill>
+                  <a:srgbClr val="A30000"/>
+                </a:solidFill>
+              </a:rPr>
+              <a:t>rigid</a:t>
+            </a:r>
+            <a:r>
+              <a:rPr lang="cs-CZ" sz="2600" b="1" dirty="0">
+                <a:solidFill>
+                  <a:srgbClr val="A30000"/>
+                </a:solidFill>
+              </a:rPr>
+              <a:t> body</a:t>
+            </a:r>
+            <a:endParaRPr sz="2600" b="1" dirty="0">
+              <a:solidFill>
+                <a:srgbClr val="A30000"/>
+              </a:solidFill>
+            </a:endParaRPr>
+          </a:p>
+        </p:txBody>
+      </p:sp>
+      <mc:AlternateContent xmlns:mc="http://schemas.openxmlformats.org/markup-compatibility/2006">
+        <mc:Choice xmlns:a14="http://schemas.microsoft.com/office/drawing/2010/main" Requires="a14">
+          <p:sp>
+            <p:nvSpPr>
+              <p:cNvPr id="79" name="Google Shape;79;p14"/>
+              <p:cNvSpPr txBox="1"/>
+              <p:nvPr/>
+            </p:nvSpPr>
+            <p:spPr>
+              <a:xfrm>
+                <a:off x="184874" y="904575"/>
+                <a:ext cx="4606582" cy="966336"/>
+              </a:xfrm>
+              <a:prstGeom prst="rect">
+                <a:avLst/>
+              </a:prstGeom>
+              <a:noFill/>
+              <a:ln>
+                <a:noFill/>
+              </a:ln>
+            </p:spPr>
+            <p:txBody>
+              <a:bodyPr spcFirstLastPara="1" wrap="square" lIns="91425" tIns="91425" rIns="91425" bIns="91425" anchor="t" anchorCtr="0">
+                <a:noAutofit/>
+              </a:bodyPr>
+              <a:lstStyle/>
+              <a:p>
+                <a:pPr marL="457200" lvl="0" indent="-342900">
+                  <a:buClr>
+                    <a:schemeClr val="dk2"/>
+                  </a:buClr>
+                  <a:buSzPts val="1800"/>
+                  <a:buChar char="●"/>
+                </a:pPr>
+                <a14:m>
+                  <m:oMath xmlns:m="http://schemas.openxmlformats.org/officeDocument/2006/math">
+                    <m:acc>
+                      <m:accPr>
+                        <m:chr m:val="̇"/>
+                        <m:ctrlPr>
+                          <a:rPr lang="cs-CZ" b="1" i="1" smtClean="0">
+                            <a:solidFill>
+                              <a:schemeClr val="dk2"/>
+                            </a:solidFill>
+                            <a:latin typeface="Cambria Math" panose="02040503050406030204" pitchFamily="18" charset="0"/>
+                          </a:rPr>
+                        </m:ctrlPr>
+                      </m:accPr>
+                      <m:e>
+                        <m:r>
+                          <a:rPr lang="cs-CZ" b="1" i="1" smtClean="0">
+                            <a:solidFill>
+                              <a:schemeClr val="dk2"/>
+                            </a:solidFill>
+                            <a:latin typeface="Cambria Math" panose="02040503050406030204" pitchFamily="18" charset="0"/>
+                          </a:rPr>
+                          <m:t>𝒛</m:t>
+                        </m:r>
+                      </m:e>
+                    </m:acc>
+                    <m:r>
+                      <a:rPr lang="cs-CZ" b="0" i="1" smtClean="0">
+                        <a:solidFill>
+                          <a:schemeClr val="dk2"/>
+                        </a:solidFill>
+                        <a:latin typeface="Cambria Math" panose="02040503050406030204" pitchFamily="18" charset="0"/>
+                      </a:rPr>
+                      <m:t>=</m:t>
+                    </m:r>
+                    <m:d>
+                      <m:dPr>
+                        <m:ctrlPr>
+                          <a:rPr lang="cs-CZ" b="0" i="1" smtClean="0">
+                            <a:solidFill>
+                              <a:schemeClr val="dk2"/>
+                            </a:solidFill>
+                            <a:latin typeface="Cambria Math" panose="02040503050406030204" pitchFamily="18" charset="0"/>
+                          </a:rPr>
+                        </m:ctrlPr>
+                      </m:dPr>
+                      <m:e>
+                        <m:m>
+                          <m:mPr>
+                            <m:mcs>
+                              <m:mc>
+                                <m:mcPr>
+                                  <m:count m:val="3"/>
+                                  <m:mcJc m:val="center"/>
+                                </m:mcPr>
+                              </m:mc>
+                            </m:mcs>
+                            <m:ctrlPr>
+                              <a:rPr lang="cs-CZ" b="0" i="1" smtClean="0">
+                                <a:solidFill>
+                                  <a:schemeClr val="dk2"/>
+                                </a:solidFill>
+                                <a:latin typeface="Cambria Math" panose="02040503050406030204" pitchFamily="18" charset="0"/>
+                              </a:rPr>
+                            </m:ctrlPr>
+                          </m:mPr>
+                          <m:mr>
+                            <m:e>
+                              <m:r>
+                                <m:rPr>
+                                  <m:brk m:alnAt="7"/>
+                                </m:rPr>
+                                <a:rPr lang="cs-CZ" b="0" i="1" smtClean="0">
+                                  <a:solidFill>
+                                    <a:schemeClr val="dk2"/>
+                                  </a:solidFill>
+                                  <a:latin typeface="Cambria Math" panose="02040503050406030204" pitchFamily="18" charset="0"/>
+                                </a:rPr>
+                                <m:t>0</m:t>
+                              </m:r>
+                            </m:e>
+                            <m:e>
+                              <m:sSub>
+                                <m:sSubPr>
+                                  <m:ctrlPr>
+                                    <a:rPr lang="cs-CZ" b="0" i="1" smtClean="0">
+                                      <a:solidFill>
+                                        <a:schemeClr val="dk2"/>
+                                      </a:solidFill>
+                                      <a:latin typeface="Cambria Math" panose="02040503050406030204" pitchFamily="18" charset="0"/>
+                                    </a:rPr>
+                                  </m:ctrlPr>
+                                </m:sSubPr>
+                                <m:e>
+                                  <m:r>
+                                    <a:rPr lang="cs-CZ" b="0" i="1" smtClean="0">
+                                      <a:solidFill>
+                                        <a:schemeClr val="dk2"/>
+                                      </a:solidFill>
+                                      <a:latin typeface="Cambria Math" panose="02040503050406030204" pitchFamily="18" charset="0"/>
+                                    </a:rPr>
+                                    <m:t>−</m:t>
+                                  </m:r>
+                                  <m:r>
+                                    <a:rPr lang="cs-CZ" b="0" i="1" smtClean="0">
+                                      <a:solidFill>
+                                        <a:schemeClr val="dk2"/>
+                                      </a:solidFill>
+                                      <a:latin typeface="Cambria Math" panose="02040503050406030204" pitchFamily="18" charset="0"/>
+                                    </a:rPr>
+                                    <m:t>𝑧</m:t>
+                                  </m:r>
+                                </m:e>
+                                <m:sub>
+                                  <m:r>
+                                    <a:rPr lang="cs-CZ" b="0" i="1" smtClean="0">
+                                      <a:solidFill>
+                                        <a:schemeClr val="dk2"/>
+                                      </a:solidFill>
+                                      <a:latin typeface="Cambria Math" panose="02040503050406030204" pitchFamily="18" charset="0"/>
+                                    </a:rPr>
+                                    <m:t>3</m:t>
+                                  </m:r>
+                                </m:sub>
+                              </m:sSub>
+                            </m:e>
+                            <m:e>
+                              <m:sSub>
+                                <m:sSubPr>
+                                  <m:ctrlPr>
+                                    <a:rPr lang="cs-CZ" i="1">
+                                      <a:solidFill>
+                                        <a:schemeClr val="dk2"/>
+                                      </a:solidFill>
+                                      <a:latin typeface="Cambria Math" panose="02040503050406030204" pitchFamily="18" charset="0"/>
+                                    </a:rPr>
+                                  </m:ctrlPr>
+                                </m:sSubPr>
+                                <m:e>
+                                  <m:r>
+                                    <a:rPr lang="cs-CZ" i="1">
+                                      <a:solidFill>
+                                        <a:schemeClr val="dk2"/>
+                                      </a:solidFill>
+                                      <a:latin typeface="Cambria Math" panose="02040503050406030204" pitchFamily="18" charset="0"/>
+                                    </a:rPr>
+                                    <m:t>𝑧</m:t>
+                                  </m:r>
+                                </m:e>
+                                <m:sub>
+                                  <m:r>
+                                    <a:rPr lang="cs-CZ" b="0" i="1" smtClean="0">
+                                      <a:solidFill>
+                                        <a:schemeClr val="dk2"/>
+                                      </a:solidFill>
+                                      <a:latin typeface="Cambria Math" panose="02040503050406030204" pitchFamily="18" charset="0"/>
+                                    </a:rPr>
+                                    <m:t>2</m:t>
+                                  </m:r>
+                                </m:sub>
+                              </m:sSub>
+                            </m:e>
+                          </m:mr>
+                          <m:mr>
+                            <m:e>
+                              <m:sSub>
+                                <m:sSubPr>
+                                  <m:ctrlPr>
+                                    <a:rPr lang="cs-CZ" b="0" i="1" smtClean="0">
+                                      <a:solidFill>
+                                        <a:schemeClr val="dk2"/>
+                                      </a:solidFill>
+                                      <a:latin typeface="Cambria Math" panose="02040503050406030204" pitchFamily="18" charset="0"/>
+                                    </a:rPr>
+                                  </m:ctrlPr>
+                                </m:sSubPr>
+                                <m:e>
+                                  <m:r>
+                                    <a:rPr lang="cs-CZ" b="0" i="1" smtClean="0">
+                                      <a:solidFill>
+                                        <a:schemeClr val="dk2"/>
+                                      </a:solidFill>
+                                      <a:latin typeface="Cambria Math" panose="02040503050406030204" pitchFamily="18" charset="0"/>
+                                    </a:rPr>
+                                    <m:t>𝑧</m:t>
+                                  </m:r>
+                                </m:e>
+                                <m:sub>
+                                  <m:r>
+                                    <a:rPr lang="cs-CZ" b="0" i="1" smtClean="0">
+                                      <a:solidFill>
+                                        <a:schemeClr val="dk2"/>
+                                      </a:solidFill>
+                                      <a:latin typeface="Cambria Math" panose="02040503050406030204" pitchFamily="18" charset="0"/>
+                                    </a:rPr>
+                                    <m:t>3</m:t>
+                                  </m:r>
+                                </m:sub>
+                              </m:sSub>
+                            </m:e>
+                            <m:e>
+                              <m:r>
+                                <a:rPr lang="cs-CZ" b="0" i="1" smtClean="0">
+                                  <a:solidFill>
+                                    <a:schemeClr val="dk2"/>
+                                  </a:solidFill>
+                                  <a:latin typeface="Cambria Math" panose="02040503050406030204" pitchFamily="18" charset="0"/>
+                                </a:rPr>
+                                <m:t>0</m:t>
+                              </m:r>
+                            </m:e>
+                            <m:e>
+                              <m:r>
+                                <a:rPr lang="cs-CZ" b="0" i="1" smtClean="0">
+                                  <a:solidFill>
+                                    <a:schemeClr val="dk2"/>
+                                  </a:solidFill>
+                                  <a:latin typeface="Cambria Math" panose="02040503050406030204" pitchFamily="18" charset="0"/>
+                                </a:rPr>
+                                <m:t>−</m:t>
+                              </m:r>
+                              <m:sSub>
+                                <m:sSubPr>
+                                  <m:ctrlPr>
+                                    <a:rPr lang="cs-CZ" i="1">
+                                      <a:solidFill>
+                                        <a:schemeClr val="dk2"/>
+                                      </a:solidFill>
+                                      <a:latin typeface="Cambria Math" panose="02040503050406030204" pitchFamily="18" charset="0"/>
+                                    </a:rPr>
+                                  </m:ctrlPr>
+                                </m:sSubPr>
+                                <m:e>
+                                  <m:r>
+                                    <a:rPr lang="cs-CZ" i="1">
+                                      <a:solidFill>
+                                        <a:schemeClr val="dk2"/>
+                                      </a:solidFill>
+                                      <a:latin typeface="Cambria Math" panose="02040503050406030204" pitchFamily="18" charset="0"/>
+                                    </a:rPr>
+                                    <m:t>𝑧</m:t>
+                                  </m:r>
+                                </m:e>
+                                <m:sub>
+                                  <m:r>
+                                    <a:rPr lang="cs-CZ" b="0" i="1" smtClean="0">
+                                      <a:solidFill>
+                                        <a:schemeClr val="dk2"/>
+                                      </a:solidFill>
+                                      <a:latin typeface="Cambria Math" panose="02040503050406030204" pitchFamily="18" charset="0"/>
+                                    </a:rPr>
+                                    <m:t>1</m:t>
+                                  </m:r>
+                                </m:sub>
+                              </m:sSub>
+                            </m:e>
+                          </m:mr>
+                          <m:mr>
+                            <m:e>
+                              <m:sSub>
+                                <m:sSubPr>
+                                  <m:ctrlPr>
+                                    <a:rPr lang="cs-CZ" b="0" i="1" smtClean="0">
+                                      <a:solidFill>
+                                        <a:schemeClr val="dk2"/>
+                                      </a:solidFill>
+                                      <a:latin typeface="Cambria Math" panose="02040503050406030204" pitchFamily="18" charset="0"/>
+                                    </a:rPr>
+                                  </m:ctrlPr>
+                                </m:sSubPr>
+                                <m:e>
+                                  <m:r>
+                                    <a:rPr lang="cs-CZ" b="0" i="1" smtClean="0">
+                                      <a:solidFill>
+                                        <a:schemeClr val="dk2"/>
+                                      </a:solidFill>
+                                      <a:latin typeface="Cambria Math" panose="02040503050406030204" pitchFamily="18" charset="0"/>
+                                    </a:rPr>
+                                    <m:t>−</m:t>
+                                  </m:r>
+                                  <m:r>
+                                    <a:rPr lang="cs-CZ" b="0" i="1" smtClean="0">
+                                      <a:solidFill>
+                                        <a:schemeClr val="dk2"/>
+                                      </a:solidFill>
+                                      <a:latin typeface="Cambria Math" panose="02040503050406030204" pitchFamily="18" charset="0"/>
+                                    </a:rPr>
+                                    <m:t>𝑧</m:t>
+                                  </m:r>
+                                </m:e>
+                                <m:sub>
+                                  <m:r>
+                                    <a:rPr lang="cs-CZ" b="0" i="1" smtClean="0">
+                                      <a:solidFill>
+                                        <a:schemeClr val="dk2"/>
+                                      </a:solidFill>
+                                      <a:latin typeface="Cambria Math" panose="02040503050406030204" pitchFamily="18" charset="0"/>
+                                    </a:rPr>
+                                    <m:t>2</m:t>
+                                  </m:r>
+                                </m:sub>
+                              </m:sSub>
+                            </m:e>
+                            <m:e>
+                              <m:sSub>
+                                <m:sSubPr>
+                                  <m:ctrlPr>
+                                    <a:rPr lang="cs-CZ" i="1">
+                                      <a:solidFill>
+                                        <a:schemeClr val="dk2"/>
+                                      </a:solidFill>
+                                      <a:latin typeface="Cambria Math" panose="02040503050406030204" pitchFamily="18" charset="0"/>
+                                    </a:rPr>
+                                  </m:ctrlPr>
+                                </m:sSubPr>
+                                <m:e>
+                                  <m:r>
+                                    <a:rPr lang="cs-CZ" i="1">
+                                      <a:solidFill>
+                                        <a:schemeClr val="dk2"/>
+                                      </a:solidFill>
+                                      <a:latin typeface="Cambria Math" panose="02040503050406030204" pitchFamily="18" charset="0"/>
+                                    </a:rPr>
+                                    <m:t>𝑧</m:t>
+                                  </m:r>
+                                </m:e>
+                                <m:sub>
+                                  <m:r>
+                                    <a:rPr lang="cs-CZ" b="0" i="1" smtClean="0">
+                                      <a:solidFill>
+                                        <a:schemeClr val="dk2"/>
+                                      </a:solidFill>
+                                      <a:latin typeface="Cambria Math" panose="02040503050406030204" pitchFamily="18" charset="0"/>
+                                    </a:rPr>
+                                    <m:t>1</m:t>
+                                  </m:r>
+                                </m:sub>
+                              </m:sSub>
+                            </m:e>
+                            <m:e>
+                              <m:r>
+                                <a:rPr lang="cs-CZ" b="0" i="1" smtClean="0">
+                                  <a:solidFill>
+                                    <a:schemeClr val="dk2"/>
+                                  </a:solidFill>
+                                  <a:latin typeface="Cambria Math" panose="02040503050406030204" pitchFamily="18" charset="0"/>
+                                </a:rPr>
+                                <m:t>0</m:t>
+                              </m:r>
+                            </m:e>
+                          </m:mr>
+                        </m:m>
+                      </m:e>
+                    </m:d>
+                    <m:r>
+                      <a:rPr lang="cs-CZ" b="0" i="1" smtClean="0">
+                        <a:solidFill>
+                          <a:schemeClr val="dk2"/>
+                        </a:solidFill>
+                        <a:latin typeface="Cambria Math" panose="02040503050406030204" pitchFamily="18" charset="0"/>
+                      </a:rPr>
+                      <m:t>⋅</m:t>
+                    </m:r>
+                    <m:d>
+                      <m:dPr>
+                        <m:ctrlPr>
+                          <a:rPr lang="cs-CZ" b="0" i="1" smtClean="0">
+                            <a:solidFill>
+                              <a:schemeClr val="dk2"/>
+                            </a:solidFill>
+                            <a:latin typeface="Cambria Math" panose="02040503050406030204" pitchFamily="18" charset="0"/>
+                          </a:rPr>
+                        </m:ctrlPr>
+                      </m:dPr>
+                      <m:e>
+                        <m:m>
+                          <m:mPr>
+                            <m:mcs>
+                              <m:mc>
+                                <m:mcPr>
+                                  <m:count m:val="1"/>
+                                  <m:mcJc m:val="center"/>
+                                </m:mcPr>
+                              </m:mc>
+                            </m:mcs>
+                            <m:ctrlPr>
+                              <a:rPr lang="cs-CZ" b="0" i="1" smtClean="0">
+                                <a:solidFill>
+                                  <a:schemeClr val="dk2"/>
+                                </a:solidFill>
+                                <a:latin typeface="Cambria Math" panose="02040503050406030204" pitchFamily="18" charset="0"/>
+                              </a:rPr>
+                            </m:ctrlPr>
+                          </m:mPr>
+                          <m:mr>
+                            <m:e>
+                              <m:sSub>
+                                <m:sSubPr>
+                                  <m:ctrlPr>
+                                    <a:rPr lang="cs-CZ" b="0" i="1" smtClean="0">
+                                      <a:solidFill>
+                                        <a:schemeClr val="dk2"/>
+                                      </a:solidFill>
+                                      <a:latin typeface="Cambria Math" panose="02040503050406030204" pitchFamily="18" charset="0"/>
+                                    </a:rPr>
+                                  </m:ctrlPr>
+                                </m:sSubPr>
+                                <m:e>
+                                  <m:r>
+                                    <m:rPr>
+                                      <m:brk m:alnAt="7"/>
+                                    </m:rPr>
+                                    <a:rPr lang="cs-CZ" b="0" i="1" smtClean="0">
+                                      <a:solidFill>
+                                        <a:schemeClr val="dk2"/>
+                                      </a:solidFill>
+                                      <a:latin typeface="Cambria Math" panose="02040503050406030204" pitchFamily="18" charset="0"/>
+                                    </a:rPr>
+                                    <m:t>𝑧</m:t>
+                                  </m:r>
+                                </m:e>
+                                <m:sub>
+                                  <m:r>
+                                    <a:rPr lang="cs-CZ" b="0" i="1" smtClean="0">
+                                      <a:solidFill>
+                                        <a:schemeClr val="dk2"/>
+                                      </a:solidFill>
+                                      <a:latin typeface="Cambria Math" panose="02040503050406030204" pitchFamily="18" charset="0"/>
+                                    </a:rPr>
+                                    <m:t>1</m:t>
+                                  </m:r>
+                                </m:sub>
+                              </m:sSub>
+                              <m:r>
+                                <m:rPr>
+                                  <m:brk m:alnAt="7"/>
+                                </m:rPr>
+                                <a:rPr lang="cs-CZ" b="0" i="1" smtClean="0">
+                                  <a:solidFill>
+                                    <a:schemeClr val="dk2"/>
+                                  </a:solidFill>
+                                  <a:latin typeface="Cambria Math" panose="02040503050406030204" pitchFamily="18" charset="0"/>
+                                </a:rPr>
+                                <m:t>/</m:t>
+                              </m:r>
+                              <m:sSub>
+                                <m:sSubPr>
+                                  <m:ctrlPr>
+                                    <a:rPr lang="cs-CZ" i="1">
+                                      <a:solidFill>
+                                        <a:schemeClr val="dk2"/>
+                                      </a:solidFill>
+                                      <a:latin typeface="Cambria Math" panose="02040503050406030204" pitchFamily="18" charset="0"/>
+                                    </a:rPr>
+                                  </m:ctrlPr>
+                                </m:sSubPr>
+                                <m:e>
+                                  <m:r>
+                                    <m:rPr>
+                                      <m:brk m:alnAt="7"/>
+                                    </m:rPr>
+                                    <a:rPr lang="cs-CZ" i="1">
+                                      <a:solidFill>
+                                        <a:schemeClr val="dk2"/>
+                                      </a:solidFill>
+                                      <a:latin typeface="Cambria Math" panose="02040503050406030204" pitchFamily="18" charset="0"/>
+                                    </a:rPr>
+                                    <m:t>𝐼</m:t>
+                                  </m:r>
+                                </m:e>
+                                <m:sub>
+                                  <m:r>
+                                    <a:rPr lang="cs-CZ" i="1">
+                                      <a:solidFill>
+                                        <a:schemeClr val="dk2"/>
+                                      </a:solidFill>
+                                      <a:latin typeface="Cambria Math" panose="02040503050406030204" pitchFamily="18" charset="0"/>
+                                    </a:rPr>
+                                    <m:t>1</m:t>
+                                  </m:r>
+                                </m:sub>
+                              </m:sSub>
+                            </m:e>
+                          </m:mr>
+                          <m:mr>
+                            <m:e>
+                              <m:sSub>
+                                <m:sSubPr>
+                                  <m:ctrlPr>
+                                    <a:rPr lang="cs-CZ" i="1">
+                                      <a:solidFill>
+                                        <a:schemeClr val="dk2"/>
+                                      </a:solidFill>
+                                      <a:latin typeface="Cambria Math" panose="02040503050406030204" pitchFamily="18" charset="0"/>
+                                    </a:rPr>
+                                  </m:ctrlPr>
+                                </m:sSubPr>
+                                <m:e>
+                                  <m:r>
+                                    <m:rPr>
+                                      <m:brk m:alnAt="7"/>
+                                    </m:rPr>
+                                    <a:rPr lang="cs-CZ" i="1">
+                                      <a:solidFill>
+                                        <a:schemeClr val="dk2"/>
+                                      </a:solidFill>
+                                      <a:latin typeface="Cambria Math" panose="02040503050406030204" pitchFamily="18" charset="0"/>
+                                    </a:rPr>
+                                    <m:t>𝑧</m:t>
+                                  </m:r>
+                                </m:e>
+                                <m:sub>
+                                  <m:r>
+                                    <a:rPr lang="cs-CZ" b="0" i="1" smtClean="0">
+                                      <a:solidFill>
+                                        <a:schemeClr val="dk2"/>
+                                      </a:solidFill>
+                                      <a:latin typeface="Cambria Math" panose="02040503050406030204" pitchFamily="18" charset="0"/>
+                                    </a:rPr>
+                                    <m:t>2</m:t>
+                                  </m:r>
+                                </m:sub>
+                              </m:sSub>
+                              <m:r>
+                                <m:rPr>
+                                  <m:brk m:alnAt="7"/>
+                                </m:rPr>
+                                <a:rPr lang="cs-CZ" i="1">
+                                  <a:solidFill>
+                                    <a:schemeClr val="dk2"/>
+                                  </a:solidFill>
+                                  <a:latin typeface="Cambria Math" panose="02040503050406030204" pitchFamily="18" charset="0"/>
+                                </a:rPr>
+                                <m:t>/</m:t>
+                              </m:r>
+                              <m:sSub>
+                                <m:sSubPr>
+                                  <m:ctrlPr>
+                                    <a:rPr lang="cs-CZ" i="1">
+                                      <a:solidFill>
+                                        <a:schemeClr val="dk2"/>
+                                      </a:solidFill>
+                                      <a:latin typeface="Cambria Math" panose="02040503050406030204" pitchFamily="18" charset="0"/>
+                                    </a:rPr>
+                                  </m:ctrlPr>
+                                </m:sSubPr>
+                                <m:e>
+                                  <m:r>
+                                    <m:rPr>
+                                      <m:brk m:alnAt="7"/>
+                                    </m:rPr>
+                                    <a:rPr lang="cs-CZ" i="1">
+                                      <a:solidFill>
+                                        <a:schemeClr val="dk2"/>
+                                      </a:solidFill>
+                                      <a:latin typeface="Cambria Math" panose="02040503050406030204" pitchFamily="18" charset="0"/>
+                                    </a:rPr>
+                                    <m:t>𝐼</m:t>
+                                  </m:r>
+                                </m:e>
+                                <m:sub>
+                                  <m:r>
+                                    <a:rPr lang="cs-CZ" b="0" i="1" smtClean="0">
+                                      <a:solidFill>
+                                        <a:schemeClr val="dk2"/>
+                                      </a:solidFill>
+                                      <a:latin typeface="Cambria Math" panose="02040503050406030204" pitchFamily="18" charset="0"/>
+                                    </a:rPr>
+                                    <m:t>2</m:t>
+                                  </m:r>
+                                </m:sub>
+                              </m:sSub>
+                            </m:e>
+                          </m:mr>
+                          <m:mr>
+                            <m:e>
+                              <m:sSub>
+                                <m:sSubPr>
+                                  <m:ctrlPr>
+                                    <a:rPr lang="cs-CZ" i="1">
+                                      <a:solidFill>
+                                        <a:schemeClr val="dk2"/>
+                                      </a:solidFill>
+                                      <a:latin typeface="Cambria Math" panose="02040503050406030204" pitchFamily="18" charset="0"/>
+                                    </a:rPr>
+                                  </m:ctrlPr>
+                                </m:sSubPr>
+                                <m:e>
+                                  <m:r>
+                                    <m:rPr>
+                                      <m:brk m:alnAt="7"/>
+                                    </m:rPr>
+                                    <a:rPr lang="cs-CZ" i="1">
+                                      <a:solidFill>
+                                        <a:schemeClr val="dk2"/>
+                                      </a:solidFill>
+                                      <a:latin typeface="Cambria Math" panose="02040503050406030204" pitchFamily="18" charset="0"/>
+                                    </a:rPr>
+                                    <m:t>𝑧</m:t>
+                                  </m:r>
+                                </m:e>
+                                <m:sub>
+                                  <m:r>
+                                    <a:rPr lang="cs-CZ" b="0" i="1" smtClean="0">
+                                      <a:solidFill>
+                                        <a:schemeClr val="dk2"/>
+                                      </a:solidFill>
+                                      <a:latin typeface="Cambria Math" panose="02040503050406030204" pitchFamily="18" charset="0"/>
+                                    </a:rPr>
+                                    <m:t>3</m:t>
+                                  </m:r>
+                                </m:sub>
+                              </m:sSub>
+                              <m:r>
+                                <m:rPr>
+                                  <m:brk m:alnAt="7"/>
+                                </m:rPr>
+                                <a:rPr lang="cs-CZ" i="1">
+                                  <a:solidFill>
+                                    <a:schemeClr val="dk2"/>
+                                  </a:solidFill>
+                                  <a:latin typeface="Cambria Math" panose="02040503050406030204" pitchFamily="18" charset="0"/>
+                                </a:rPr>
+                                <m:t>/</m:t>
+                              </m:r>
+                              <m:sSub>
+                                <m:sSubPr>
+                                  <m:ctrlPr>
+                                    <a:rPr lang="cs-CZ" i="1" smtClean="0">
+                                      <a:solidFill>
+                                        <a:schemeClr val="dk2"/>
+                                      </a:solidFill>
+                                      <a:latin typeface="Cambria Math" panose="02040503050406030204" pitchFamily="18" charset="0"/>
+                                    </a:rPr>
+                                  </m:ctrlPr>
+                                </m:sSubPr>
+                                <m:e>
+                                  <m:r>
+                                    <m:rPr>
+                                      <m:brk m:alnAt="7"/>
+                                    </m:rPr>
+                                    <a:rPr lang="cs-CZ" i="1">
+                                      <a:solidFill>
+                                        <a:schemeClr val="dk2"/>
+                                      </a:solidFill>
+                                      <a:latin typeface="Cambria Math" panose="02040503050406030204" pitchFamily="18" charset="0"/>
+                                    </a:rPr>
+                                    <m:t>𝐼</m:t>
+                                  </m:r>
+                                </m:e>
+                                <m:sub>
+                                  <m:r>
+                                    <a:rPr lang="cs-CZ" b="0" i="1" smtClean="0">
+                                      <a:solidFill>
+                                        <a:schemeClr val="dk2"/>
+                                      </a:solidFill>
+                                      <a:latin typeface="Cambria Math" panose="02040503050406030204" pitchFamily="18" charset="0"/>
+                                    </a:rPr>
+                                    <m:t>3</m:t>
+                                  </m:r>
+                                </m:sub>
+                              </m:sSub>
+                            </m:e>
+                          </m:mr>
+                        </m:m>
+                      </m:e>
+                    </m:d>
+                  </m:oMath>
+                </a14:m>
+                <a:endParaRPr lang="cs-CZ" dirty="0">
+                  <a:solidFill>
+                    <a:schemeClr val="dk2"/>
+                  </a:solidFill>
+                </a:endParaRPr>
+              </a:p>
+            </p:txBody>
+          </p:sp>
+        </mc:Choice>
+        <mc:Fallback>
+          <p:sp>
+            <p:nvSpPr>
+              <p:cNvPr id="79" name="Google Shape;79;p14"/>
+              <p:cNvSpPr txBox="1">
+                <a:spLocks noRot="1" noChangeAspect="1" noMove="1" noResize="1" noEditPoints="1" noAdjustHandles="1" noChangeArrowheads="1" noChangeShapeType="1" noTextEdit="1"/>
+              </p:cNvSpPr>
+              <p:nvPr/>
+            </p:nvSpPr>
+            <p:spPr>
+              <a:xfrm>
+                <a:off x="184874" y="904575"/>
+                <a:ext cx="4606582" cy="966336"/>
+              </a:xfrm>
+              <a:prstGeom prst="rect">
+                <a:avLst/>
+              </a:prstGeom>
+              <a:blipFill>
+                <a:blip r:embed="rId3"/>
+                <a:stretch>
+                  <a:fillRect/>
+                </a:stretch>
+              </a:blipFill>
+              <a:ln>
+                <a:noFill/>
+              </a:ln>
+            </p:spPr>
+            <p:txBody>
+              <a:bodyPr/>
+              <a:lstStyle/>
+              <a:p>
+                <a:r>
+                  <a:rPr lang="en-US">
+                    <a:noFill/>
+                  </a:rPr>
+                  <a:t> </a:t>
+                </a:r>
+              </a:p>
+            </p:txBody>
+          </p:sp>
+        </mc:Fallback>
+      </mc:AlternateContent>
+    </p:spTree>
+    <p:extLst>
+      <p:ext uri="{BB962C8B-B14F-4D97-AF65-F5344CB8AC3E}">
+        <p14:creationId xmlns:p14="http://schemas.microsoft.com/office/powerpoint/2010/main" val="1673978280"/>
+      </p:ext>
+    </p:extLst>
+  </p:cSld>
+  <p:clrMapOvr>
+    <a:masterClrMapping/>
+  </p:clrMapOvr>
+</p:sld>
+</file>
+
+<file path=ppt/slides/slide13.xml><?xml version="1.0" encoding="utf-8"?>
+<p:sld xmlns:a="http://schemas.openxmlformats.org/drawingml/2006/main" xmlns:r="http://schemas.openxmlformats.org/officeDocument/2006/relationships" xmlns:p="http://schemas.openxmlformats.org/presentationml/2006/main">
+  <p:cSld>
+    <p:spTree>
+      <p:nvGrpSpPr>
+        <p:cNvPr id="1" name="Shape 71"/>
+        <p:cNvGrpSpPr/>
+        <p:nvPr/>
+      </p:nvGrpSpPr>
+      <p:grpSpPr>
+        <a:xfrm>
+          <a:off x="0" y="0"/>
+          <a:ext cx="0" cy="0"/>
+          <a:chOff x="0" y="0"/>
+          <a:chExt cx="0" cy="0"/>
+        </a:xfrm>
+      </p:grpSpPr>
+      <p:sp>
+        <p:nvSpPr>
+          <p:cNvPr id="76" name="Google Shape;76;p14"/>
+          <p:cNvSpPr/>
+          <p:nvPr/>
+        </p:nvSpPr>
+        <p:spPr>
+          <a:xfrm>
+            <a:off x="2943778" y="4917300"/>
+            <a:ext cx="3256444" cy="226200"/>
+          </a:xfrm>
+          <a:prstGeom prst="rect">
+            <a:avLst/>
+          </a:prstGeom>
+          <a:solidFill>
+            <a:schemeClr val="lt2"/>
+          </a:solidFill>
+          <a:ln w="9525" cap="flat" cmpd="sng">
+            <a:solidFill>
+              <a:schemeClr val="lt2"/>
+            </a:solidFill>
+            <a:prstDash val="solid"/>
+            <a:round/>
+            <a:headEnd type="none" w="sm" len="sm"/>
+            <a:tailEnd type="none" w="sm" len="sm"/>
+          </a:ln>
+        </p:spPr>
+        <p:txBody>
+          <a:bodyPr spcFirstLastPara="1" wrap="square" lIns="91425" tIns="91425" rIns="91425" bIns="91425" anchor="ctr" anchorCtr="0">
+            <a:noAutofit/>
+          </a:bodyPr>
+          <a:lstStyle/>
+          <a:p>
+            <a:pPr marL="0" lvl="0" indent="0" algn="ctr" rtl="0">
+              <a:spcBef>
+                <a:spcPts val="0"/>
+              </a:spcBef>
+              <a:spcAft>
+                <a:spcPts val="0"/>
+              </a:spcAft>
+              <a:buNone/>
+            </a:pPr>
+            <a:r>
+              <a:rPr lang="cs" sz="1200" b="1" dirty="0">
+                <a:solidFill>
+                  <a:srgbClr val="A30000"/>
+                </a:solidFill>
+                <a:latin typeface="Calibri"/>
+                <a:ea typeface="Calibri"/>
+                <a:cs typeface="Calibri"/>
+                <a:sym typeface="Calibri"/>
+              </a:rPr>
+              <a:t>ML for recognition of simple physical systems</a:t>
+            </a:r>
+            <a:endParaRPr dirty="0">
+              <a:solidFill>
+                <a:srgbClr val="A30000"/>
+              </a:solidFill>
+            </a:endParaRPr>
+          </a:p>
+        </p:txBody>
+      </p:sp>
+      <p:sp>
+        <p:nvSpPr>
+          <p:cNvPr id="72" name="Google Shape;72;p14"/>
+          <p:cNvSpPr/>
+          <p:nvPr/>
+        </p:nvSpPr>
+        <p:spPr>
+          <a:xfrm>
+            <a:off x="0" y="6850"/>
+            <a:ext cx="4572000" cy="226200"/>
+          </a:xfrm>
+          <a:prstGeom prst="rect">
+            <a:avLst/>
+          </a:prstGeom>
+          <a:solidFill>
+            <a:srgbClr val="A30000"/>
+          </a:solidFill>
+          <a:ln w="9525" cap="flat" cmpd="sng">
+            <a:solidFill>
+              <a:srgbClr val="A30000"/>
+            </a:solidFill>
+            <a:prstDash val="solid"/>
+            <a:round/>
+            <a:headEnd type="none" w="sm" len="sm"/>
+            <a:tailEnd type="none" w="sm" len="sm"/>
+          </a:ln>
+        </p:spPr>
+        <p:txBody>
+          <a:bodyPr spcFirstLastPara="1" wrap="square" lIns="91425" tIns="91425" rIns="91425" bIns="91425" anchor="ctr" anchorCtr="0">
+            <a:noAutofit/>
+          </a:bodyPr>
+          <a:lstStyle/>
+          <a:p>
+            <a:pPr marL="0" lvl="0" indent="0" algn="r" rtl="0">
+              <a:spcBef>
+                <a:spcPts val="0"/>
+              </a:spcBef>
+              <a:spcAft>
+                <a:spcPts val="0"/>
+              </a:spcAft>
+              <a:buNone/>
+            </a:pPr>
+            <a:r>
+              <a:rPr lang="cs" b="1" dirty="0">
+                <a:solidFill>
+                  <a:schemeClr val="lt1"/>
+                </a:solidFill>
+              </a:rPr>
+              <a:t>Direct Poisson Neural Network</a:t>
+            </a:r>
+            <a:endParaRPr b="1" dirty="0">
+              <a:solidFill>
+                <a:schemeClr val="lt1"/>
+              </a:solidFill>
+            </a:endParaRPr>
+          </a:p>
+        </p:txBody>
+      </p:sp>
+      <p:sp>
+        <p:nvSpPr>
+          <p:cNvPr id="73" name="Google Shape;73;p14"/>
+          <p:cNvSpPr/>
+          <p:nvPr/>
+        </p:nvSpPr>
+        <p:spPr>
+          <a:xfrm>
+            <a:off x="6098850" y="4917300"/>
+            <a:ext cx="3053700" cy="226200"/>
+          </a:xfrm>
+          <a:prstGeom prst="rect">
+            <a:avLst/>
+          </a:prstGeom>
+          <a:solidFill>
+            <a:srgbClr val="D9D9D9"/>
+          </a:solidFill>
+          <a:ln w="9525" cap="flat" cmpd="sng">
+            <a:solidFill>
+              <a:srgbClr val="D9D9D9"/>
+            </a:solidFill>
+            <a:prstDash val="solid"/>
+            <a:round/>
+            <a:headEnd type="none" w="sm" len="sm"/>
+            <a:tailEnd type="none" w="sm" len="sm"/>
+          </a:ln>
+        </p:spPr>
+        <p:txBody>
+          <a:bodyPr spcFirstLastPara="1" wrap="square" lIns="91425" tIns="91425" rIns="91425" bIns="91425" anchor="ctr" anchorCtr="0">
+            <a:noAutofit/>
+          </a:bodyPr>
+          <a:lstStyle/>
+          <a:p>
+            <a:pPr marL="0" lvl="0" indent="0" algn="ctr" rtl="0">
+              <a:spcBef>
+                <a:spcPts val="0"/>
+              </a:spcBef>
+              <a:spcAft>
+                <a:spcPts val="0"/>
+              </a:spcAft>
+              <a:buNone/>
+            </a:pPr>
+            <a:r>
+              <a:rPr lang="cs" sz="1200" b="1">
+                <a:solidFill>
+                  <a:srgbClr val="A30000"/>
+                </a:solidFill>
+                <a:latin typeface="Calibri"/>
+                <a:ea typeface="Calibri"/>
+                <a:cs typeface="Calibri"/>
+                <a:sym typeface="Calibri"/>
+              </a:rPr>
+              <a:t>3.4.2024</a:t>
+            </a:r>
+            <a:endParaRPr>
+              <a:solidFill>
+                <a:srgbClr val="A30000"/>
+              </a:solidFill>
+              <a:highlight>
+                <a:schemeClr val="dk1"/>
+              </a:highlight>
+            </a:endParaRPr>
+          </a:p>
+        </p:txBody>
+      </p:sp>
+      <p:sp>
+        <p:nvSpPr>
+          <p:cNvPr id="74" name="Google Shape;74;p14"/>
+          <p:cNvSpPr/>
+          <p:nvPr/>
+        </p:nvSpPr>
+        <p:spPr>
+          <a:xfrm>
+            <a:off x="0" y="4917300"/>
+            <a:ext cx="3053700" cy="226200"/>
+          </a:xfrm>
+          <a:prstGeom prst="rect">
+            <a:avLst/>
+          </a:prstGeom>
+          <a:solidFill>
+            <a:srgbClr val="A30000"/>
+          </a:solidFill>
+          <a:ln w="9525" cap="flat" cmpd="sng">
+            <a:solidFill>
+              <a:srgbClr val="A30000"/>
+            </a:solidFill>
+            <a:prstDash val="solid"/>
+            <a:round/>
+            <a:headEnd type="none" w="sm" len="sm"/>
+            <a:tailEnd type="none" w="sm" len="sm"/>
+          </a:ln>
+        </p:spPr>
+        <p:txBody>
+          <a:bodyPr spcFirstLastPara="1" wrap="square" lIns="91425" tIns="91425" rIns="91425" bIns="91425" anchor="ctr" anchorCtr="0">
+            <a:noAutofit/>
+          </a:bodyPr>
+          <a:lstStyle/>
+          <a:p>
+            <a:pPr marL="0" lvl="0" indent="0" algn="ctr" rtl="0">
+              <a:spcBef>
+                <a:spcPts val="0"/>
+              </a:spcBef>
+              <a:spcAft>
+                <a:spcPts val="0"/>
+              </a:spcAft>
+              <a:buNone/>
+            </a:pPr>
+            <a:r>
+              <a:rPr lang="cs" sz="1200" b="1">
+                <a:solidFill>
+                  <a:schemeClr val="lt1"/>
+                </a:solidFill>
+                <a:latin typeface="Calibri"/>
+                <a:ea typeface="Calibri"/>
+                <a:cs typeface="Calibri"/>
+                <a:sym typeface="Calibri"/>
+              </a:rPr>
+              <a:t>Jan Benda</a:t>
+            </a:r>
+            <a:endParaRPr sz="1200" b="1">
+              <a:solidFill>
+                <a:schemeClr val="lt1"/>
+              </a:solidFill>
+              <a:latin typeface="Calibri"/>
+              <a:ea typeface="Calibri"/>
+              <a:cs typeface="Calibri"/>
+              <a:sym typeface="Calibri"/>
+            </a:endParaRPr>
+          </a:p>
+        </p:txBody>
+      </p:sp>
+      <p:sp>
+        <p:nvSpPr>
+          <p:cNvPr id="75" name="Google Shape;75;p14"/>
+          <p:cNvSpPr/>
+          <p:nvPr/>
+        </p:nvSpPr>
+        <p:spPr>
+          <a:xfrm>
+            <a:off x="4572000" y="6850"/>
+            <a:ext cx="4572000" cy="226200"/>
+          </a:xfrm>
+          <a:prstGeom prst="rect">
+            <a:avLst/>
+          </a:prstGeom>
+          <a:solidFill>
+            <a:srgbClr val="D9D9D9"/>
+          </a:solidFill>
+          <a:ln w="9525" cap="flat" cmpd="sng">
+            <a:solidFill>
+              <a:srgbClr val="D9D9D9"/>
+            </a:solidFill>
+            <a:prstDash val="solid"/>
+            <a:round/>
+            <a:headEnd type="none" w="sm" len="sm"/>
+            <a:tailEnd type="none" w="sm" len="sm"/>
+          </a:ln>
+        </p:spPr>
+        <p:txBody>
+          <a:bodyPr spcFirstLastPara="1" wrap="square" lIns="91425" tIns="91425" rIns="91425" bIns="91425" anchor="ctr" anchorCtr="0">
+            <a:noAutofit/>
+          </a:bodyPr>
+          <a:lstStyle/>
+          <a:p>
+            <a:pPr marL="0" lvl="0" indent="0" algn="ctr" rtl="0">
+              <a:spcBef>
+                <a:spcPts val="0"/>
+              </a:spcBef>
+              <a:spcAft>
+                <a:spcPts val="0"/>
+              </a:spcAft>
+              <a:buNone/>
+            </a:pPr>
+            <a:endParaRPr>
+              <a:highlight>
+                <a:schemeClr val="dk1"/>
+              </a:highlight>
+            </a:endParaRPr>
+          </a:p>
+        </p:txBody>
+      </p:sp>
+      <p:sp>
+        <p:nvSpPr>
+          <p:cNvPr id="77" name="Google Shape;77;p14"/>
+          <p:cNvSpPr txBox="1">
+            <a:spLocks noGrp="1"/>
+          </p:cNvSpPr>
+          <p:nvPr>
+            <p:ph type="sldNum" idx="12"/>
+          </p:nvPr>
+        </p:nvSpPr>
+        <p:spPr>
+          <a:xfrm>
+            <a:off x="8595308" y="4833592"/>
+            <a:ext cx="548700" cy="393600"/>
+          </a:xfrm>
+          <a:prstGeom prst="rect">
+            <a:avLst/>
+          </a:prstGeom>
+        </p:spPr>
+        <p:txBody>
+          <a:bodyPr spcFirstLastPara="1" wrap="square" lIns="91425" tIns="91425" rIns="91425" bIns="91425" anchor="ctr" anchorCtr="0">
+            <a:normAutofit/>
+          </a:bodyPr>
+          <a:lstStyle/>
+          <a:p>
+            <a:pPr marL="0" lvl="0" indent="0" algn="r" rtl="0">
+              <a:spcBef>
+                <a:spcPts val="0"/>
+              </a:spcBef>
+              <a:spcAft>
+                <a:spcPts val="0"/>
+              </a:spcAft>
+              <a:buNone/>
+            </a:pPr>
+            <a:fld id="{00000000-1234-1234-1234-123412341234}" type="slidenum">
+              <a:rPr lang="cs" sz="1200" b="1">
+                <a:solidFill>
+                  <a:srgbClr val="A30000"/>
+                </a:solidFill>
+                <a:latin typeface="Calibri"/>
+                <a:ea typeface="Calibri"/>
+                <a:cs typeface="Calibri"/>
+                <a:sym typeface="Calibri"/>
+              </a:rPr>
+              <a:t>13</a:t>
+            </a:fld>
+            <a:endParaRPr sz="1200" b="1" dirty="0">
+              <a:solidFill>
+                <a:srgbClr val="A30000"/>
+              </a:solidFill>
+              <a:latin typeface="Calibri"/>
+              <a:ea typeface="Calibri"/>
+              <a:cs typeface="Calibri"/>
+              <a:sym typeface="Calibri"/>
+            </a:endParaRPr>
+          </a:p>
+        </p:txBody>
+      </p:sp>
+      <p:sp>
+        <p:nvSpPr>
+          <p:cNvPr id="78" name="Google Shape;78;p14"/>
+          <p:cNvSpPr/>
+          <p:nvPr/>
+        </p:nvSpPr>
+        <p:spPr>
+          <a:xfrm>
+            <a:off x="0" y="233050"/>
+            <a:ext cx="9144000" cy="474600"/>
+          </a:xfrm>
+          <a:prstGeom prst="rect">
+            <a:avLst/>
+          </a:prstGeom>
+          <a:solidFill>
+            <a:schemeClr val="lt2"/>
+          </a:solidFill>
+          <a:ln w="9525" cap="flat" cmpd="sng">
+            <a:solidFill>
+              <a:schemeClr val="lt2"/>
+            </a:solidFill>
+            <a:prstDash val="solid"/>
+            <a:round/>
+            <a:headEnd type="none" w="sm" len="sm"/>
+            <a:tailEnd type="none" w="sm" len="sm"/>
+          </a:ln>
+        </p:spPr>
+        <p:txBody>
+          <a:bodyPr spcFirstLastPara="1" wrap="square" lIns="91425" tIns="91425" rIns="91425" bIns="91425" anchor="ctr" anchorCtr="0">
+            <a:noAutofit/>
+          </a:bodyPr>
+          <a:lstStyle/>
+          <a:p>
+            <a:pPr marL="0" lvl="0" indent="0" algn="l" rtl="0">
+              <a:spcBef>
+                <a:spcPts val="0"/>
+              </a:spcBef>
+              <a:spcAft>
+                <a:spcPts val="0"/>
+              </a:spcAft>
+              <a:buNone/>
+            </a:pPr>
+            <a:r>
+              <a:rPr lang="cs-CZ" sz="2600" b="1" dirty="0" err="1">
+                <a:solidFill>
+                  <a:srgbClr val="A30000"/>
+                </a:solidFill>
+              </a:rPr>
+              <a:t>Plans</a:t>
+            </a:r>
+            <a:r>
+              <a:rPr lang="cs-CZ" sz="2600" b="1" dirty="0">
+                <a:solidFill>
+                  <a:srgbClr val="A30000"/>
+                </a:solidFill>
+              </a:rPr>
+              <a:t> </a:t>
+            </a:r>
+            <a:r>
+              <a:rPr lang="cs-CZ" sz="2600" b="1" dirty="0" err="1">
+                <a:solidFill>
+                  <a:srgbClr val="A30000"/>
+                </a:solidFill>
+              </a:rPr>
+              <a:t>for</a:t>
+            </a:r>
+            <a:r>
+              <a:rPr lang="cs-CZ" sz="2600" b="1" dirty="0">
+                <a:solidFill>
+                  <a:srgbClr val="A30000"/>
+                </a:solidFill>
+              </a:rPr>
+              <a:t> </a:t>
+            </a:r>
+            <a:r>
+              <a:rPr lang="cs-CZ" sz="2600" b="1" dirty="0" err="1">
+                <a:solidFill>
+                  <a:srgbClr val="A30000"/>
+                </a:solidFill>
+              </a:rPr>
+              <a:t>the</a:t>
+            </a:r>
+            <a:r>
+              <a:rPr lang="cs-CZ" sz="2600" b="1" dirty="0">
+                <a:solidFill>
+                  <a:srgbClr val="A30000"/>
+                </a:solidFill>
+              </a:rPr>
+              <a:t> </a:t>
+            </a:r>
+            <a:r>
+              <a:rPr lang="cs-CZ" sz="2600" b="1" dirty="0" err="1">
+                <a:solidFill>
+                  <a:srgbClr val="A30000"/>
+                </a:solidFill>
+              </a:rPr>
+              <a:t>future</a:t>
+            </a:r>
+            <a:r>
+              <a:rPr lang="cs-CZ" sz="2600" b="1" dirty="0">
+                <a:solidFill>
+                  <a:srgbClr val="A30000"/>
+                </a:solidFill>
+              </a:rPr>
+              <a:t> </a:t>
+            </a:r>
+            <a:r>
+              <a:rPr lang="cs-CZ" sz="2600" b="1" dirty="0" err="1">
+                <a:solidFill>
+                  <a:srgbClr val="A30000"/>
+                </a:solidFill>
+              </a:rPr>
+              <a:t>month</a:t>
+            </a:r>
+            <a:endParaRPr sz="2600" b="1" dirty="0">
+              <a:solidFill>
+                <a:srgbClr val="A30000"/>
+              </a:solidFill>
+            </a:endParaRPr>
+          </a:p>
+        </p:txBody>
+      </p:sp>
+      <mc:AlternateContent xmlns:mc="http://schemas.openxmlformats.org/markup-compatibility/2006">
+        <mc:Choice xmlns:a14="http://schemas.microsoft.com/office/drawing/2010/main" Requires="a14">
+          <p:sp>
+            <p:nvSpPr>
+              <p:cNvPr id="79" name="Google Shape;79;p14"/>
+              <p:cNvSpPr txBox="1"/>
+              <p:nvPr/>
+            </p:nvSpPr>
+            <p:spPr>
+              <a:xfrm>
+                <a:off x="184874" y="904575"/>
+                <a:ext cx="4606582" cy="474600"/>
+              </a:xfrm>
+              <a:prstGeom prst="rect">
+                <a:avLst/>
+              </a:prstGeom>
+              <a:noFill/>
+              <a:ln>
+                <a:noFill/>
+              </a:ln>
+            </p:spPr>
+            <p:txBody>
+              <a:bodyPr spcFirstLastPara="1" wrap="square" lIns="91425" tIns="91425" rIns="91425" bIns="91425" anchor="t" anchorCtr="0">
+                <a:noAutofit/>
+              </a:bodyPr>
+              <a:lstStyle/>
+              <a:p>
+                <a:pPr marL="457200" lvl="0" indent="-342900">
+                  <a:buClr>
+                    <a:schemeClr val="dk2"/>
+                  </a:buClr>
+                  <a:buSzPts val="1800"/>
+                  <a:buChar char="●"/>
+                </a:pPr>
+                <a:r>
+                  <a:rPr lang="cs-CZ" sz="1600" dirty="0">
+                    <a:solidFill>
+                      <a:schemeClr val="dk2"/>
+                    </a:solidFill>
+                  </a:rPr>
+                  <a:t>Use </a:t>
+                </a:r>
+                <a:r>
+                  <a:rPr lang="cs-CZ" sz="1600" dirty="0" err="1">
+                    <a:solidFill>
+                      <a:schemeClr val="dk2"/>
+                    </a:solidFill>
+                  </a:rPr>
+                  <a:t>quadratic</a:t>
+                </a:r>
+                <a:r>
+                  <a:rPr lang="cs-CZ" sz="1600" dirty="0">
+                    <a:solidFill>
+                      <a:schemeClr val="dk2"/>
+                    </a:solidFill>
+                  </a:rPr>
+                  <a:t> </a:t>
+                </a:r>
+                <a:r>
+                  <a:rPr lang="cs-CZ" sz="1600" dirty="0" err="1">
+                    <a:solidFill>
+                      <a:schemeClr val="dk2"/>
+                    </a:solidFill>
+                  </a:rPr>
+                  <a:t>features</a:t>
+                </a:r>
+                <a:r>
+                  <a:rPr lang="cs-CZ" sz="1600" dirty="0">
+                    <a:solidFill>
+                      <a:schemeClr val="dk2"/>
+                    </a:solidFill>
+                  </a:rPr>
+                  <a:t> </a:t>
+                </a:r>
+                <a:r>
+                  <a:rPr lang="cs-CZ" sz="1600" dirty="0" err="1">
+                    <a:solidFill>
+                      <a:schemeClr val="dk2"/>
+                    </a:solidFill>
+                  </a:rPr>
+                  <a:t>for</a:t>
+                </a:r>
+                <a:r>
+                  <a:rPr lang="cs-CZ" sz="1600" dirty="0">
+                    <a:solidFill>
+                      <a:schemeClr val="dk2"/>
+                    </a:solidFill>
+                  </a:rPr>
+                  <a:t> </a:t>
+                </a:r>
+                <a14:m>
+                  <m:oMath xmlns:m="http://schemas.openxmlformats.org/officeDocument/2006/math">
+                    <m:sSub>
+                      <m:sSubPr>
+                        <m:ctrlPr>
+                          <a:rPr lang="cs-CZ" sz="1600" b="0" i="1" smtClean="0">
+                            <a:solidFill>
+                              <a:schemeClr val="dk2"/>
+                            </a:solidFill>
+                            <a:latin typeface="Cambria Math" panose="02040503050406030204" pitchFamily="18" charset="0"/>
+                          </a:rPr>
+                        </m:ctrlPr>
+                      </m:sSubPr>
+                      <m:e>
+                        <m:r>
+                          <m:rPr>
+                            <m:sty m:val="p"/>
+                          </m:rPr>
+                          <a:rPr lang="cs-CZ" sz="1600" b="0" i="0" smtClean="0">
+                            <a:solidFill>
+                              <a:schemeClr val="dk2"/>
+                            </a:solidFill>
+                            <a:latin typeface="Cambria Math" panose="02040503050406030204" pitchFamily="18" charset="0"/>
+                          </a:rPr>
+                          <m:t>Φ</m:t>
+                        </m:r>
+                      </m:e>
+                      <m:sub>
+                        <m:r>
+                          <a:rPr lang="cs-CZ" sz="1600" b="0" i="1" smtClean="0">
+                            <a:solidFill>
+                              <a:schemeClr val="dk2"/>
+                            </a:solidFill>
+                            <a:latin typeface="Cambria Math" panose="02040503050406030204" pitchFamily="18" charset="0"/>
+                          </a:rPr>
+                          <m:t>𝐻</m:t>
+                        </m:r>
+                      </m:sub>
+                    </m:sSub>
+                  </m:oMath>
+                </a14:m>
+                <a:endParaRPr lang="cs-CZ" sz="1600" dirty="0">
+                  <a:solidFill>
+                    <a:schemeClr val="dk2"/>
+                  </a:solidFill>
+                </a:endParaRPr>
+              </a:p>
+            </p:txBody>
+          </p:sp>
+        </mc:Choice>
+        <mc:Fallback>
+          <p:sp>
+            <p:nvSpPr>
+              <p:cNvPr id="79" name="Google Shape;79;p14"/>
+              <p:cNvSpPr txBox="1">
+                <a:spLocks noRot="1" noChangeAspect="1" noMove="1" noResize="1" noEditPoints="1" noAdjustHandles="1" noChangeArrowheads="1" noChangeShapeType="1" noTextEdit="1"/>
+              </p:cNvSpPr>
+              <p:nvPr/>
+            </p:nvSpPr>
+            <p:spPr>
+              <a:xfrm>
+                <a:off x="184874" y="904575"/>
+                <a:ext cx="4606582" cy="474600"/>
+              </a:xfrm>
+              <a:prstGeom prst="rect">
+                <a:avLst/>
+              </a:prstGeom>
+              <a:blipFill>
+                <a:blip r:embed="rId3"/>
+                <a:stretch>
+                  <a:fillRect/>
+                </a:stretch>
+              </a:blipFill>
+              <a:ln>
+                <a:noFill/>
+              </a:ln>
+            </p:spPr>
+            <p:txBody>
+              <a:bodyPr/>
+              <a:lstStyle/>
+              <a:p>
+                <a:r>
+                  <a:rPr lang="en-US">
+                    <a:noFill/>
+                  </a:rPr>
+                  <a:t> </a:t>
+                </a:r>
+              </a:p>
+            </p:txBody>
+          </p:sp>
+        </mc:Fallback>
+      </mc:AlternateContent>
+      <mc:AlternateContent xmlns:mc="http://schemas.openxmlformats.org/markup-compatibility/2006">
+        <mc:Choice xmlns:a14="http://schemas.microsoft.com/office/drawing/2010/main" Requires="a14">
+          <p:sp>
+            <p:nvSpPr>
+              <p:cNvPr id="7" name="Google Shape;79;p14">
+                <a:extLst>
+                  <a:ext uri="{FF2B5EF4-FFF2-40B4-BE49-F238E27FC236}">
+                    <a16:creationId xmlns:a16="http://schemas.microsoft.com/office/drawing/2014/main" id="{EE57AE30-D1D9-BE95-77A5-5120BFD51287}"/>
+                  </a:ext>
+                </a:extLst>
+              </p:cNvPr>
+              <p:cNvSpPr txBox="1"/>
+              <p:nvPr/>
+            </p:nvSpPr>
+            <p:spPr>
+              <a:xfrm>
+                <a:off x="184873" y="1379175"/>
+                <a:ext cx="5277463" cy="474600"/>
+              </a:xfrm>
+              <a:prstGeom prst="rect">
+                <a:avLst/>
+              </a:prstGeom>
+              <a:noFill/>
+              <a:ln>
+                <a:noFill/>
+              </a:ln>
+            </p:spPr>
+            <p:txBody>
+              <a:bodyPr spcFirstLastPara="1" wrap="square" lIns="91425" tIns="91425" rIns="91425" bIns="91425" anchor="t" anchorCtr="0">
+                <a:noAutofit/>
+              </a:bodyPr>
+              <a:lstStyle/>
+              <a:p>
+                <a:pPr marL="457200" lvl="0" indent="-342900">
+                  <a:buClr>
+                    <a:schemeClr val="dk2"/>
+                  </a:buClr>
+                  <a:buSzPts val="1800"/>
+                  <a:buChar char="●"/>
+                </a:pPr>
+                <a14:m>
+                  <m:oMath xmlns:m="http://schemas.openxmlformats.org/officeDocument/2006/math">
+                    <m:sSub>
+                      <m:sSubPr>
+                        <m:ctrlPr>
+                          <a:rPr lang="cs-CZ" sz="1600" b="0" i="1" smtClean="0">
+                            <a:solidFill>
+                              <a:schemeClr val="dk2"/>
+                            </a:solidFill>
+                            <a:latin typeface="Cambria Math" panose="02040503050406030204" pitchFamily="18" charset="0"/>
+                          </a:rPr>
+                        </m:ctrlPr>
+                      </m:sSubPr>
+                      <m:e>
+                        <m:r>
+                          <a:rPr lang="cs-CZ" sz="1600" b="0" i="1" smtClean="0">
+                            <a:solidFill>
+                              <a:schemeClr val="dk2"/>
+                            </a:solidFill>
+                            <a:latin typeface="Cambria Math" panose="02040503050406030204" pitchFamily="18" charset="0"/>
+                          </a:rPr>
+                          <m:t>𝜎</m:t>
+                        </m:r>
+                      </m:e>
+                      <m:sub>
+                        <m:r>
+                          <m:rPr>
+                            <m:sty m:val="p"/>
+                          </m:rPr>
+                          <a:rPr lang="cs-CZ" sz="1600" b="0" i="0" smtClean="0">
+                            <a:solidFill>
+                              <a:schemeClr val="dk2"/>
+                            </a:solidFill>
+                            <a:latin typeface="Cambria Math" panose="02040503050406030204" pitchFamily="18" charset="0"/>
+                          </a:rPr>
+                          <m:t>softmax</m:t>
+                        </m:r>
+                      </m:sub>
+                    </m:sSub>
+                    <m:r>
+                      <a:rPr lang="cs-CZ" sz="1600" b="0" i="1" smtClean="0">
+                        <a:solidFill>
+                          <a:schemeClr val="dk2"/>
+                        </a:solidFill>
+                        <a:latin typeface="Cambria Math" panose="02040503050406030204" pitchFamily="18" charset="0"/>
+                        <a:ea typeface="Cambria Math" panose="02040503050406030204" pitchFamily="18" charset="0"/>
+                      </a:rPr>
+                      <m:t>→</m:t>
+                    </m:r>
+                    <m:sSub>
+                      <m:sSubPr>
+                        <m:ctrlPr>
+                          <a:rPr lang="cs-CZ" sz="1600" b="0" i="1" smtClean="0">
+                            <a:solidFill>
+                              <a:schemeClr val="dk2"/>
+                            </a:solidFill>
+                            <a:latin typeface="Cambria Math" panose="02040503050406030204" pitchFamily="18" charset="0"/>
+                            <a:ea typeface="Cambria Math" panose="02040503050406030204" pitchFamily="18" charset="0"/>
+                          </a:rPr>
+                        </m:ctrlPr>
+                      </m:sSubPr>
+                      <m:e>
+                        <m:r>
+                          <a:rPr lang="cs-CZ" sz="1600" b="0" i="1" smtClean="0">
+                            <a:solidFill>
+                              <a:schemeClr val="dk2"/>
+                            </a:solidFill>
+                            <a:latin typeface="Cambria Math" panose="02040503050406030204" pitchFamily="18" charset="0"/>
+                            <a:ea typeface="Cambria Math" panose="02040503050406030204" pitchFamily="18" charset="0"/>
+                          </a:rPr>
+                          <m:t>𝜎</m:t>
+                        </m:r>
+                      </m:e>
+                      <m:sub>
+                        <m:r>
+                          <m:rPr>
+                            <m:sty m:val="p"/>
+                          </m:rPr>
+                          <a:rPr lang="cs-CZ" sz="1600" b="0" i="0" smtClean="0">
+                            <a:solidFill>
+                              <a:schemeClr val="dk2"/>
+                            </a:solidFill>
+                            <a:latin typeface="Cambria Math" panose="02040503050406030204" pitchFamily="18" charset="0"/>
+                            <a:ea typeface="Cambria Math" panose="02040503050406030204" pitchFamily="18" charset="0"/>
+                          </a:rPr>
+                          <m:t>ReLU</m:t>
+                        </m:r>
+                      </m:sub>
+                    </m:sSub>
+                  </m:oMath>
+                </a14:m>
+                <a:endParaRPr lang="cs-CZ" sz="1600" dirty="0">
+                  <a:solidFill>
+                    <a:schemeClr val="dk2"/>
+                  </a:solidFill>
+                </a:endParaRPr>
+              </a:p>
+            </p:txBody>
+          </p:sp>
+        </mc:Choice>
+        <mc:Fallback>
+          <p:sp>
+            <p:nvSpPr>
+              <p:cNvPr id="7" name="Google Shape;79;p14">
+                <a:extLst>
+                  <a:ext uri="{FF2B5EF4-FFF2-40B4-BE49-F238E27FC236}">
+                    <a16:creationId xmlns:a16="http://schemas.microsoft.com/office/drawing/2014/main" id="{EE57AE30-D1D9-BE95-77A5-5120BFD51287}"/>
+                  </a:ext>
+                </a:extLst>
+              </p:cNvPr>
+              <p:cNvSpPr txBox="1">
+                <a:spLocks noRot="1" noChangeAspect="1" noMove="1" noResize="1" noEditPoints="1" noAdjustHandles="1" noChangeArrowheads="1" noChangeShapeType="1" noTextEdit="1"/>
+              </p:cNvSpPr>
+              <p:nvPr/>
+            </p:nvSpPr>
+            <p:spPr>
+              <a:xfrm>
+                <a:off x="184873" y="1379175"/>
+                <a:ext cx="5277463" cy="474600"/>
+              </a:xfrm>
+              <a:prstGeom prst="rect">
+                <a:avLst/>
+              </a:prstGeom>
+              <a:blipFill>
+                <a:blip r:embed="rId4"/>
+                <a:stretch>
+                  <a:fillRect/>
+                </a:stretch>
+              </a:blipFill>
+              <a:ln>
+                <a:noFill/>
+              </a:ln>
+            </p:spPr>
+            <p:txBody>
+              <a:bodyPr/>
+              <a:lstStyle/>
+              <a:p>
+                <a:r>
+                  <a:rPr lang="en-US">
+                    <a:noFill/>
+                  </a:rPr>
+                  <a:t> </a:t>
+                </a:r>
+              </a:p>
+            </p:txBody>
+          </p:sp>
+        </mc:Fallback>
+      </mc:AlternateContent>
+      <p:sp>
+        <p:nvSpPr>
+          <p:cNvPr id="8" name="Google Shape;79;p14">
+            <a:extLst>
+              <a:ext uri="{FF2B5EF4-FFF2-40B4-BE49-F238E27FC236}">
+                <a16:creationId xmlns:a16="http://schemas.microsoft.com/office/drawing/2014/main" id="{6F8EB014-B284-DA2B-FD8E-D1155DB95BD4}"/>
+              </a:ext>
+            </a:extLst>
+          </p:cNvPr>
+          <p:cNvSpPr txBox="1"/>
+          <p:nvPr/>
+        </p:nvSpPr>
+        <p:spPr>
+          <a:xfrm>
+            <a:off x="184872" y="1813400"/>
+            <a:ext cx="5773476" cy="711900"/>
+          </a:xfrm>
+          <a:prstGeom prst="rect">
+            <a:avLst/>
+          </a:prstGeom>
+          <a:noFill/>
+          <a:ln>
+            <a:noFill/>
+          </a:ln>
+        </p:spPr>
+        <p:txBody>
+          <a:bodyPr spcFirstLastPara="1" wrap="square" lIns="91425" tIns="91425" rIns="91425" bIns="91425" anchor="t" anchorCtr="0">
+            <a:noAutofit/>
+          </a:bodyPr>
+          <a:lstStyle/>
+          <a:p>
+            <a:pPr marL="457200" lvl="0" indent="-342900">
+              <a:buClr>
+                <a:schemeClr val="dk2"/>
+              </a:buClr>
+              <a:buSzPts val="1800"/>
+              <a:buChar char="●"/>
+            </a:pPr>
+            <a:r>
+              <a:rPr lang="cs-CZ" sz="1600" dirty="0" err="1">
+                <a:solidFill>
+                  <a:schemeClr val="dk2"/>
+                </a:solidFill>
+              </a:rPr>
+              <a:t>Implement</a:t>
+            </a:r>
+            <a:r>
+              <a:rPr lang="cs-CZ" sz="1600" dirty="0">
+                <a:solidFill>
+                  <a:schemeClr val="dk2"/>
+                </a:solidFill>
+              </a:rPr>
+              <a:t> </a:t>
+            </a:r>
+            <a:r>
+              <a:rPr lang="cs-CZ" sz="1600" dirty="0" err="1">
+                <a:solidFill>
+                  <a:schemeClr val="dk2"/>
+                </a:solidFill>
+              </a:rPr>
+              <a:t>dissipation</a:t>
+            </a:r>
+            <a:r>
+              <a:rPr lang="cs-CZ" sz="1600" dirty="0">
+                <a:solidFill>
+                  <a:schemeClr val="dk2"/>
+                </a:solidFill>
+              </a:rPr>
+              <a:t> – </a:t>
+            </a:r>
+            <a:r>
+              <a:rPr lang="cs-CZ" sz="1600" dirty="0" err="1">
+                <a:solidFill>
+                  <a:schemeClr val="dk2"/>
+                </a:solidFill>
+              </a:rPr>
+              <a:t>Rayleigh</a:t>
+            </a:r>
+            <a:r>
+              <a:rPr lang="cs-CZ" sz="1600" dirty="0">
+                <a:solidFill>
+                  <a:schemeClr val="dk2"/>
+                </a:solidFill>
+              </a:rPr>
+              <a:t> / GENERIC / </a:t>
+            </a:r>
+            <a:r>
+              <a:rPr lang="cs-CZ" sz="1600" dirty="0" err="1">
+                <a:solidFill>
+                  <a:schemeClr val="dk2"/>
+                </a:solidFill>
+              </a:rPr>
+              <a:t>other</a:t>
+            </a:r>
+            <a:r>
+              <a:rPr lang="cs-CZ" sz="1600" dirty="0">
+                <a:solidFill>
+                  <a:schemeClr val="dk2"/>
+                </a:solidFill>
+              </a:rPr>
+              <a:t>…</a:t>
+            </a:r>
+          </a:p>
+        </p:txBody>
+      </p:sp>
+    </p:spTree>
+    <p:extLst>
+      <p:ext uri="{BB962C8B-B14F-4D97-AF65-F5344CB8AC3E}">
+        <p14:creationId xmlns:p14="http://schemas.microsoft.com/office/powerpoint/2010/main" val="1411801294"/>
+      </p:ext>
+    </p:extLst>
+  </p:cSld>
+  <p:clrMapOvr>
+    <a:masterClrMapping/>
+  </p:clrMapOvr>
+</p:sld>
+</file>
+
+<file path=ppt/slides/slide14.xml><?xml version="1.0" encoding="utf-8"?>
+<p:sld xmlns:a="http://schemas.openxmlformats.org/drawingml/2006/main" xmlns:r="http://schemas.openxmlformats.org/officeDocument/2006/relationships" xmlns:p="http://schemas.openxmlformats.org/presentationml/2006/main">
+  <p:cSld>
+    <p:spTree>
+      <p:nvGrpSpPr>
+        <p:cNvPr id="1" name="Shape 71"/>
+        <p:cNvGrpSpPr/>
+        <p:nvPr/>
+      </p:nvGrpSpPr>
+      <p:grpSpPr>
+        <a:xfrm>
+          <a:off x="0" y="0"/>
+          <a:ext cx="0" cy="0"/>
+          <a:chOff x="0" y="0"/>
+          <a:chExt cx="0" cy="0"/>
+        </a:xfrm>
+      </p:grpSpPr>
+      <p:sp>
+        <p:nvSpPr>
+          <p:cNvPr id="76" name="Google Shape;76;p14"/>
+          <p:cNvSpPr/>
+          <p:nvPr/>
+        </p:nvSpPr>
+        <p:spPr>
+          <a:xfrm>
+            <a:off x="2943778" y="4917300"/>
+            <a:ext cx="3256444" cy="226200"/>
+          </a:xfrm>
+          <a:prstGeom prst="rect">
+            <a:avLst/>
+          </a:prstGeom>
+          <a:solidFill>
+            <a:schemeClr val="lt2"/>
+          </a:solidFill>
+          <a:ln w="9525" cap="flat" cmpd="sng">
+            <a:solidFill>
+              <a:schemeClr val="lt2"/>
+            </a:solidFill>
+            <a:prstDash val="solid"/>
+            <a:round/>
+            <a:headEnd type="none" w="sm" len="sm"/>
+            <a:tailEnd type="none" w="sm" len="sm"/>
+          </a:ln>
+        </p:spPr>
+        <p:txBody>
+          <a:bodyPr spcFirstLastPara="1" wrap="square" lIns="91425" tIns="91425" rIns="91425" bIns="91425" anchor="ctr" anchorCtr="0">
+            <a:noAutofit/>
+          </a:bodyPr>
+          <a:lstStyle/>
+          <a:p>
+            <a:pPr marL="0" lvl="0" indent="0" algn="ctr" rtl="0">
+              <a:spcBef>
+                <a:spcPts val="0"/>
+              </a:spcBef>
+              <a:spcAft>
+                <a:spcPts val="0"/>
+              </a:spcAft>
+              <a:buNone/>
+            </a:pPr>
+            <a:r>
+              <a:rPr lang="cs" sz="1200" b="1" dirty="0">
+                <a:solidFill>
+                  <a:srgbClr val="A30000"/>
+                </a:solidFill>
+                <a:latin typeface="Calibri"/>
+                <a:ea typeface="Calibri"/>
+                <a:cs typeface="Calibri"/>
+                <a:sym typeface="Calibri"/>
+              </a:rPr>
+              <a:t>ML for recognition of simple physical systems</a:t>
+            </a:r>
+            <a:endParaRPr dirty="0">
+              <a:solidFill>
+                <a:srgbClr val="A30000"/>
+              </a:solidFill>
+            </a:endParaRPr>
+          </a:p>
+        </p:txBody>
+      </p:sp>
+      <p:sp>
+        <p:nvSpPr>
+          <p:cNvPr id="72" name="Google Shape;72;p14"/>
+          <p:cNvSpPr/>
+          <p:nvPr/>
+        </p:nvSpPr>
+        <p:spPr>
+          <a:xfrm>
+            <a:off x="0" y="6850"/>
+            <a:ext cx="4572000" cy="226200"/>
+          </a:xfrm>
+          <a:prstGeom prst="rect">
+            <a:avLst/>
+          </a:prstGeom>
+          <a:solidFill>
+            <a:srgbClr val="A30000"/>
+          </a:solidFill>
+          <a:ln w="9525" cap="flat" cmpd="sng">
+            <a:solidFill>
+              <a:srgbClr val="A30000"/>
+            </a:solidFill>
+            <a:prstDash val="solid"/>
+            <a:round/>
+            <a:headEnd type="none" w="sm" len="sm"/>
+            <a:tailEnd type="none" w="sm" len="sm"/>
+          </a:ln>
+        </p:spPr>
+        <p:txBody>
+          <a:bodyPr spcFirstLastPara="1" wrap="square" lIns="91425" tIns="91425" rIns="91425" bIns="91425" anchor="ctr" anchorCtr="0">
+            <a:noAutofit/>
+          </a:bodyPr>
+          <a:lstStyle/>
+          <a:p>
+            <a:pPr marL="0" lvl="0" indent="0" algn="r" rtl="0">
+              <a:spcBef>
+                <a:spcPts val="0"/>
+              </a:spcBef>
+              <a:spcAft>
+                <a:spcPts val="0"/>
+              </a:spcAft>
+              <a:buNone/>
+            </a:pPr>
+            <a:endParaRPr b="1" dirty="0">
+              <a:solidFill>
+                <a:schemeClr val="lt1"/>
+              </a:solidFill>
+            </a:endParaRPr>
+          </a:p>
+        </p:txBody>
+      </p:sp>
+      <p:sp>
+        <p:nvSpPr>
+          <p:cNvPr id="73" name="Google Shape;73;p14"/>
+          <p:cNvSpPr/>
+          <p:nvPr/>
+        </p:nvSpPr>
+        <p:spPr>
+          <a:xfrm>
+            <a:off x="6098850" y="4917300"/>
+            <a:ext cx="3053700" cy="226200"/>
+          </a:xfrm>
+          <a:prstGeom prst="rect">
+            <a:avLst/>
+          </a:prstGeom>
+          <a:solidFill>
+            <a:srgbClr val="D9D9D9"/>
+          </a:solidFill>
+          <a:ln w="9525" cap="flat" cmpd="sng">
+            <a:solidFill>
+              <a:srgbClr val="D9D9D9"/>
+            </a:solidFill>
+            <a:prstDash val="solid"/>
+            <a:round/>
+            <a:headEnd type="none" w="sm" len="sm"/>
+            <a:tailEnd type="none" w="sm" len="sm"/>
+          </a:ln>
+        </p:spPr>
+        <p:txBody>
+          <a:bodyPr spcFirstLastPara="1" wrap="square" lIns="91425" tIns="91425" rIns="91425" bIns="91425" anchor="ctr" anchorCtr="0">
+            <a:noAutofit/>
+          </a:bodyPr>
+          <a:lstStyle/>
+          <a:p>
+            <a:pPr marL="0" lvl="0" indent="0" algn="ctr" rtl="0">
+              <a:spcBef>
+                <a:spcPts val="0"/>
+              </a:spcBef>
+              <a:spcAft>
+                <a:spcPts val="0"/>
+              </a:spcAft>
+              <a:buNone/>
+            </a:pPr>
+            <a:r>
+              <a:rPr lang="cs" sz="1200" b="1">
+                <a:solidFill>
+                  <a:srgbClr val="A30000"/>
+                </a:solidFill>
+                <a:latin typeface="Calibri"/>
+                <a:ea typeface="Calibri"/>
+                <a:cs typeface="Calibri"/>
+                <a:sym typeface="Calibri"/>
+              </a:rPr>
+              <a:t>3.4.2024</a:t>
+            </a:r>
+            <a:endParaRPr>
+              <a:solidFill>
+                <a:srgbClr val="A30000"/>
+              </a:solidFill>
+              <a:highlight>
+                <a:schemeClr val="dk1"/>
+              </a:highlight>
+            </a:endParaRPr>
+          </a:p>
+        </p:txBody>
+      </p:sp>
+      <p:sp>
+        <p:nvSpPr>
+          <p:cNvPr id="74" name="Google Shape;74;p14"/>
+          <p:cNvSpPr/>
+          <p:nvPr/>
+        </p:nvSpPr>
+        <p:spPr>
+          <a:xfrm>
+            <a:off x="0" y="4917300"/>
+            <a:ext cx="3053700" cy="226200"/>
+          </a:xfrm>
+          <a:prstGeom prst="rect">
+            <a:avLst/>
+          </a:prstGeom>
+          <a:solidFill>
+            <a:srgbClr val="A30000"/>
+          </a:solidFill>
+          <a:ln w="9525" cap="flat" cmpd="sng">
+            <a:solidFill>
+              <a:srgbClr val="A30000"/>
+            </a:solidFill>
+            <a:prstDash val="solid"/>
+            <a:round/>
+            <a:headEnd type="none" w="sm" len="sm"/>
+            <a:tailEnd type="none" w="sm" len="sm"/>
+          </a:ln>
+        </p:spPr>
+        <p:txBody>
+          <a:bodyPr spcFirstLastPara="1" wrap="square" lIns="91425" tIns="91425" rIns="91425" bIns="91425" anchor="ctr" anchorCtr="0">
+            <a:noAutofit/>
+          </a:bodyPr>
+          <a:lstStyle/>
+          <a:p>
+            <a:pPr marL="0" lvl="0" indent="0" algn="ctr" rtl="0">
+              <a:spcBef>
+                <a:spcPts val="0"/>
+              </a:spcBef>
+              <a:spcAft>
+                <a:spcPts val="0"/>
+              </a:spcAft>
+              <a:buNone/>
+            </a:pPr>
+            <a:r>
+              <a:rPr lang="cs" sz="1200" b="1">
+                <a:solidFill>
+                  <a:schemeClr val="lt1"/>
+                </a:solidFill>
+                <a:latin typeface="Calibri"/>
+                <a:ea typeface="Calibri"/>
+                <a:cs typeface="Calibri"/>
+                <a:sym typeface="Calibri"/>
+              </a:rPr>
+              <a:t>Jan Benda</a:t>
+            </a:r>
+            <a:endParaRPr sz="1200" b="1">
+              <a:solidFill>
+                <a:schemeClr val="lt1"/>
+              </a:solidFill>
+              <a:latin typeface="Calibri"/>
+              <a:ea typeface="Calibri"/>
+              <a:cs typeface="Calibri"/>
+              <a:sym typeface="Calibri"/>
+            </a:endParaRPr>
+          </a:p>
+        </p:txBody>
+      </p:sp>
+      <p:sp>
+        <p:nvSpPr>
+          <p:cNvPr id="75" name="Google Shape;75;p14"/>
+          <p:cNvSpPr/>
+          <p:nvPr/>
+        </p:nvSpPr>
+        <p:spPr>
+          <a:xfrm>
+            <a:off x="4572000" y="6850"/>
+            <a:ext cx="4572000" cy="226200"/>
+          </a:xfrm>
+          <a:prstGeom prst="rect">
+            <a:avLst/>
+          </a:prstGeom>
+          <a:solidFill>
+            <a:srgbClr val="D9D9D9"/>
+          </a:solidFill>
+          <a:ln w="9525" cap="flat" cmpd="sng">
+            <a:solidFill>
+              <a:srgbClr val="D9D9D9"/>
+            </a:solidFill>
+            <a:prstDash val="solid"/>
+            <a:round/>
+            <a:headEnd type="none" w="sm" len="sm"/>
+            <a:tailEnd type="none" w="sm" len="sm"/>
+          </a:ln>
+        </p:spPr>
+        <p:txBody>
+          <a:bodyPr spcFirstLastPara="1" wrap="square" lIns="91425" tIns="91425" rIns="91425" bIns="91425" anchor="ctr" anchorCtr="0">
+            <a:noAutofit/>
+          </a:bodyPr>
+          <a:lstStyle/>
+          <a:p>
+            <a:pPr marL="0" lvl="0" indent="0" algn="ctr" rtl="0">
+              <a:spcBef>
+                <a:spcPts val="0"/>
+              </a:spcBef>
+              <a:spcAft>
+                <a:spcPts val="0"/>
+              </a:spcAft>
+              <a:buNone/>
+            </a:pPr>
+            <a:endParaRPr>
+              <a:highlight>
+                <a:schemeClr val="dk1"/>
+              </a:highlight>
+            </a:endParaRPr>
+          </a:p>
+        </p:txBody>
+      </p:sp>
+      <p:sp>
+        <p:nvSpPr>
+          <p:cNvPr id="77" name="Google Shape;77;p14"/>
+          <p:cNvSpPr txBox="1">
+            <a:spLocks noGrp="1"/>
+          </p:cNvSpPr>
+          <p:nvPr>
+            <p:ph type="sldNum" idx="12"/>
+          </p:nvPr>
+        </p:nvSpPr>
+        <p:spPr>
+          <a:xfrm>
+            <a:off x="8595308" y="4833592"/>
+            <a:ext cx="548700" cy="393600"/>
+          </a:xfrm>
+          <a:prstGeom prst="rect">
+            <a:avLst/>
+          </a:prstGeom>
+        </p:spPr>
+        <p:txBody>
+          <a:bodyPr spcFirstLastPara="1" wrap="square" lIns="91425" tIns="91425" rIns="91425" bIns="91425" anchor="ctr" anchorCtr="0">
+            <a:normAutofit/>
+          </a:bodyPr>
+          <a:lstStyle/>
+          <a:p>
+            <a:pPr marL="0" lvl="0" indent="0" algn="r" rtl="0">
+              <a:spcBef>
+                <a:spcPts val="0"/>
+              </a:spcBef>
+              <a:spcAft>
+                <a:spcPts val="0"/>
+              </a:spcAft>
+              <a:buNone/>
+            </a:pPr>
+            <a:fld id="{00000000-1234-1234-1234-123412341234}" type="slidenum">
+              <a:rPr lang="cs" sz="1200" b="1">
+                <a:solidFill>
+                  <a:srgbClr val="A30000"/>
+                </a:solidFill>
+                <a:latin typeface="Calibri"/>
+                <a:ea typeface="Calibri"/>
+                <a:cs typeface="Calibri"/>
+                <a:sym typeface="Calibri"/>
+              </a:rPr>
+              <a:t>14</a:t>
+            </a:fld>
+            <a:endParaRPr sz="1200" b="1" dirty="0">
+              <a:solidFill>
+                <a:srgbClr val="A30000"/>
+              </a:solidFill>
+              <a:latin typeface="Calibri"/>
+              <a:ea typeface="Calibri"/>
+              <a:cs typeface="Calibri"/>
+              <a:sym typeface="Calibri"/>
+            </a:endParaRPr>
+          </a:p>
+        </p:txBody>
+      </p:sp>
+      <p:sp>
+        <p:nvSpPr>
+          <p:cNvPr id="78" name="Google Shape;78;p14"/>
+          <p:cNvSpPr/>
+          <p:nvPr/>
+        </p:nvSpPr>
+        <p:spPr>
+          <a:xfrm>
+            <a:off x="0" y="233050"/>
+            <a:ext cx="9144000" cy="474600"/>
+          </a:xfrm>
+          <a:prstGeom prst="rect">
+            <a:avLst/>
+          </a:prstGeom>
+          <a:solidFill>
+            <a:schemeClr val="lt2"/>
+          </a:solidFill>
+          <a:ln w="9525" cap="flat" cmpd="sng">
+            <a:solidFill>
+              <a:schemeClr val="lt2"/>
+            </a:solidFill>
+            <a:prstDash val="solid"/>
+            <a:round/>
+            <a:headEnd type="none" w="sm" len="sm"/>
+            <a:tailEnd type="none" w="sm" len="sm"/>
+          </a:ln>
+        </p:spPr>
+        <p:txBody>
+          <a:bodyPr spcFirstLastPara="1" wrap="square" lIns="91425" tIns="91425" rIns="91425" bIns="91425" anchor="ctr" anchorCtr="0">
+            <a:noAutofit/>
+          </a:bodyPr>
+          <a:lstStyle/>
+          <a:p>
+            <a:pPr marL="0" lvl="0" indent="0" algn="l" rtl="0">
+              <a:spcBef>
+                <a:spcPts val="0"/>
+              </a:spcBef>
+              <a:spcAft>
+                <a:spcPts val="0"/>
+              </a:spcAft>
+              <a:buNone/>
+            </a:pPr>
+            <a:r>
+              <a:rPr lang="cs-CZ" sz="2600" b="1" dirty="0" err="1">
+                <a:solidFill>
+                  <a:srgbClr val="A30000"/>
+                </a:solidFill>
+              </a:rPr>
+              <a:t>Recapitulation</a:t>
+            </a:r>
+            <a:endParaRPr sz="2600" b="1" dirty="0">
+              <a:solidFill>
+                <a:srgbClr val="A30000"/>
+              </a:solidFill>
+            </a:endParaRPr>
+          </a:p>
+        </p:txBody>
+      </p:sp>
+      <p:sp>
+        <p:nvSpPr>
+          <p:cNvPr id="79" name="Google Shape;79;p14"/>
+          <p:cNvSpPr txBox="1"/>
+          <p:nvPr/>
+        </p:nvSpPr>
+        <p:spPr>
+          <a:xfrm>
+            <a:off x="184873" y="904574"/>
+            <a:ext cx="8249264" cy="1273141"/>
+          </a:xfrm>
+          <a:prstGeom prst="rect">
+            <a:avLst/>
+          </a:prstGeom>
+          <a:noFill/>
+          <a:ln>
+            <a:noFill/>
+          </a:ln>
+        </p:spPr>
+        <p:txBody>
+          <a:bodyPr spcFirstLastPara="1" wrap="square" lIns="91425" tIns="91425" rIns="91425" bIns="91425" anchor="t" anchorCtr="0">
+            <a:noAutofit/>
+          </a:bodyPr>
+          <a:lstStyle/>
+          <a:p>
+            <a:pPr marL="457200" lvl="0" indent="-342900">
+              <a:buClr>
+                <a:schemeClr val="dk2"/>
+              </a:buClr>
+              <a:buSzPts val="1800"/>
+              <a:buChar char="●"/>
+            </a:pPr>
+            <a:r>
+              <a:rPr lang="cs-CZ" sz="1600" dirty="0" err="1">
+                <a:solidFill>
+                  <a:schemeClr val="dk2"/>
+                </a:solidFill>
+              </a:rPr>
+              <a:t>We</a:t>
+            </a:r>
+            <a:r>
+              <a:rPr lang="cs-CZ" sz="1600" dirty="0">
+                <a:solidFill>
+                  <a:schemeClr val="dk2"/>
+                </a:solidFill>
+              </a:rPr>
+              <a:t> </a:t>
+            </a:r>
+            <a:r>
+              <a:rPr lang="cs-CZ" sz="1600" dirty="0" err="1">
+                <a:solidFill>
+                  <a:schemeClr val="dk2"/>
+                </a:solidFill>
+              </a:rPr>
+              <a:t>can</a:t>
+            </a:r>
+            <a:r>
+              <a:rPr lang="cs-CZ" sz="1600" dirty="0">
+                <a:solidFill>
+                  <a:schemeClr val="dk2"/>
+                </a:solidFill>
+              </a:rPr>
+              <a:t> </a:t>
+            </a:r>
+            <a:r>
+              <a:rPr lang="cs-CZ" sz="1600" dirty="0" err="1">
+                <a:solidFill>
+                  <a:schemeClr val="dk2"/>
+                </a:solidFill>
+              </a:rPr>
+              <a:t>train</a:t>
+            </a:r>
+            <a:r>
+              <a:rPr lang="cs-CZ" sz="1600" dirty="0">
+                <a:solidFill>
+                  <a:schemeClr val="dk2"/>
+                </a:solidFill>
+              </a:rPr>
+              <a:t> </a:t>
+            </a:r>
+            <a:r>
+              <a:rPr lang="cs-CZ" sz="1600" dirty="0" err="1">
+                <a:solidFill>
+                  <a:schemeClr val="dk2"/>
+                </a:solidFill>
+              </a:rPr>
+              <a:t>neural</a:t>
+            </a:r>
+            <a:r>
+              <a:rPr lang="cs-CZ" sz="1600" dirty="0">
+                <a:solidFill>
+                  <a:schemeClr val="dk2"/>
+                </a:solidFill>
+              </a:rPr>
+              <a:t> </a:t>
+            </a:r>
+            <a:r>
+              <a:rPr lang="cs-CZ" sz="1600" dirty="0" err="1">
+                <a:solidFill>
+                  <a:schemeClr val="dk2"/>
+                </a:solidFill>
+              </a:rPr>
+              <a:t>networks</a:t>
+            </a:r>
+            <a:r>
+              <a:rPr lang="cs-CZ" sz="1600" dirty="0">
+                <a:solidFill>
+                  <a:schemeClr val="dk2"/>
+                </a:solidFill>
+              </a:rPr>
+              <a:t> on </a:t>
+            </a:r>
+            <a:r>
+              <a:rPr lang="cs-CZ" sz="1600" dirty="0" err="1">
+                <a:solidFill>
+                  <a:schemeClr val="dk2"/>
+                </a:solidFill>
+              </a:rPr>
+              <a:t>simulated</a:t>
+            </a:r>
+            <a:r>
+              <a:rPr lang="cs-CZ" sz="1600" dirty="0">
+                <a:solidFill>
+                  <a:schemeClr val="dk2"/>
+                </a:solidFill>
+              </a:rPr>
+              <a:t> </a:t>
+            </a:r>
+            <a:r>
+              <a:rPr lang="cs-CZ" sz="1600" dirty="0" err="1">
+                <a:solidFill>
+                  <a:schemeClr val="dk2"/>
+                </a:solidFill>
+              </a:rPr>
+              <a:t>or</a:t>
+            </a:r>
+            <a:r>
+              <a:rPr lang="cs-CZ" sz="1600" dirty="0">
+                <a:solidFill>
+                  <a:schemeClr val="dk2"/>
+                </a:solidFill>
+              </a:rPr>
+              <a:t> </a:t>
+            </a:r>
+            <a:r>
+              <a:rPr lang="cs-CZ" sz="1600" dirty="0" err="1">
+                <a:solidFill>
+                  <a:schemeClr val="dk2"/>
+                </a:solidFill>
+              </a:rPr>
+              <a:t>measured</a:t>
+            </a:r>
+            <a:r>
+              <a:rPr lang="cs-CZ" sz="1600" dirty="0">
+                <a:solidFill>
+                  <a:schemeClr val="dk2"/>
+                </a:solidFill>
+              </a:rPr>
+              <a:t> data </a:t>
+            </a:r>
+            <a:r>
+              <a:rPr lang="cs-CZ" sz="1600" dirty="0" err="1">
+                <a:solidFill>
+                  <a:schemeClr val="dk2"/>
+                </a:solidFill>
+              </a:rPr>
+              <a:t>from</a:t>
+            </a:r>
+            <a:r>
+              <a:rPr lang="cs-CZ" sz="1600" dirty="0">
+                <a:solidFill>
+                  <a:schemeClr val="dk2"/>
+                </a:solidFill>
+              </a:rPr>
+              <a:t> </a:t>
+            </a:r>
+            <a:r>
+              <a:rPr lang="cs-CZ" sz="1600" dirty="0" err="1">
+                <a:solidFill>
+                  <a:schemeClr val="dk2"/>
+                </a:solidFill>
+              </a:rPr>
+              <a:t>physical</a:t>
+            </a:r>
+            <a:r>
+              <a:rPr lang="cs-CZ" sz="1600" dirty="0">
+                <a:solidFill>
+                  <a:schemeClr val="dk2"/>
+                </a:solidFill>
+              </a:rPr>
+              <a:t> </a:t>
+            </a:r>
+            <a:r>
+              <a:rPr lang="cs-CZ" sz="1600" dirty="0" err="1">
+                <a:solidFill>
+                  <a:schemeClr val="dk2"/>
+                </a:solidFill>
+              </a:rPr>
+              <a:t>systems</a:t>
+            </a:r>
+            <a:endParaRPr lang="cs-CZ" sz="1600" dirty="0">
+              <a:solidFill>
+                <a:schemeClr val="dk2"/>
+              </a:solidFill>
+            </a:endParaRPr>
+          </a:p>
+          <a:p>
+            <a:pPr marL="114300" lvl="0">
+              <a:buClr>
+                <a:schemeClr val="dk2"/>
+              </a:buClr>
+              <a:buSzPts val="1800"/>
+            </a:pPr>
+            <a:endParaRPr lang="cs-CZ" sz="1600" dirty="0">
+              <a:solidFill>
+                <a:schemeClr val="dk2"/>
+              </a:solidFill>
+            </a:endParaRPr>
+          </a:p>
+          <a:p>
+            <a:pPr marL="457200" lvl="0" indent="-342900">
+              <a:buClr>
+                <a:schemeClr val="dk2"/>
+              </a:buClr>
+              <a:buSzPts val="1800"/>
+              <a:buChar char="●"/>
+            </a:pPr>
+            <a:r>
+              <a:rPr lang="cs-CZ" sz="1600" dirty="0" err="1">
+                <a:solidFill>
+                  <a:schemeClr val="dk2"/>
+                </a:solidFill>
+              </a:rPr>
+              <a:t>Trained</a:t>
+            </a:r>
+            <a:r>
+              <a:rPr lang="cs-CZ" sz="1600" dirty="0">
+                <a:solidFill>
+                  <a:schemeClr val="dk2"/>
+                </a:solidFill>
+              </a:rPr>
+              <a:t> </a:t>
+            </a:r>
+            <a:r>
+              <a:rPr lang="cs-CZ" sz="1600" dirty="0" err="1">
+                <a:solidFill>
+                  <a:schemeClr val="dk2"/>
+                </a:solidFill>
+              </a:rPr>
+              <a:t>networks</a:t>
+            </a:r>
+            <a:r>
+              <a:rPr lang="cs-CZ" sz="1600" dirty="0">
+                <a:solidFill>
+                  <a:schemeClr val="dk2"/>
+                </a:solidFill>
+              </a:rPr>
+              <a:t> </a:t>
+            </a:r>
+            <a:r>
+              <a:rPr lang="cs-CZ" sz="1600" dirty="0" err="1">
+                <a:solidFill>
+                  <a:schemeClr val="dk2"/>
+                </a:solidFill>
+              </a:rPr>
+              <a:t>can</a:t>
+            </a:r>
+            <a:r>
+              <a:rPr lang="cs-CZ" sz="1600" dirty="0">
+                <a:solidFill>
+                  <a:schemeClr val="dk2"/>
+                </a:solidFill>
+              </a:rPr>
+              <a:t> </a:t>
+            </a:r>
+            <a:r>
+              <a:rPr lang="cs-CZ" sz="1600" dirty="0" err="1">
+                <a:solidFill>
+                  <a:schemeClr val="dk2"/>
+                </a:solidFill>
+              </a:rPr>
+              <a:t>be</a:t>
+            </a:r>
+            <a:r>
+              <a:rPr lang="cs-CZ" sz="1600" dirty="0">
+                <a:solidFill>
+                  <a:schemeClr val="dk2"/>
+                </a:solidFill>
+              </a:rPr>
+              <a:t> </a:t>
+            </a:r>
+            <a:r>
+              <a:rPr lang="cs-CZ" sz="1600" dirty="0" err="1">
+                <a:solidFill>
+                  <a:schemeClr val="dk2"/>
+                </a:solidFill>
+              </a:rPr>
+              <a:t>used</a:t>
+            </a:r>
+            <a:r>
+              <a:rPr lang="cs-CZ" sz="1600" dirty="0">
+                <a:solidFill>
+                  <a:schemeClr val="dk2"/>
+                </a:solidFill>
+              </a:rPr>
+              <a:t> </a:t>
+            </a:r>
+            <a:r>
+              <a:rPr lang="cs-CZ" sz="1600" dirty="0" err="1">
+                <a:solidFill>
+                  <a:schemeClr val="dk2"/>
+                </a:solidFill>
+              </a:rPr>
+              <a:t>later</a:t>
+            </a:r>
+            <a:r>
+              <a:rPr lang="cs-CZ" sz="1600" dirty="0">
+                <a:solidFill>
+                  <a:schemeClr val="dk2"/>
+                </a:solidFill>
+              </a:rPr>
+              <a:t> to </a:t>
+            </a:r>
+            <a:r>
+              <a:rPr lang="cs-CZ" sz="1600" dirty="0" err="1">
+                <a:solidFill>
+                  <a:schemeClr val="dk2"/>
+                </a:solidFill>
+              </a:rPr>
+              <a:t>simulate</a:t>
+            </a:r>
+            <a:r>
+              <a:rPr lang="cs-CZ" sz="1600" dirty="0">
+                <a:solidFill>
+                  <a:schemeClr val="dk2"/>
+                </a:solidFill>
+              </a:rPr>
+              <a:t> </a:t>
+            </a:r>
+            <a:r>
+              <a:rPr lang="cs-CZ" sz="1600" dirty="0" err="1">
+                <a:solidFill>
+                  <a:schemeClr val="dk2"/>
+                </a:solidFill>
+              </a:rPr>
+              <a:t>the</a:t>
+            </a:r>
+            <a:r>
+              <a:rPr lang="cs-CZ" sz="1600" dirty="0">
+                <a:solidFill>
+                  <a:schemeClr val="dk2"/>
+                </a:solidFill>
+              </a:rPr>
+              <a:t> </a:t>
+            </a:r>
+            <a:r>
+              <a:rPr lang="cs-CZ" sz="1600" dirty="0" err="1">
+                <a:solidFill>
+                  <a:schemeClr val="dk2"/>
+                </a:solidFill>
+              </a:rPr>
+              <a:t>system</a:t>
+            </a:r>
+            <a:endParaRPr lang="cs-CZ" sz="1600" dirty="0">
+              <a:solidFill>
+                <a:schemeClr val="dk2"/>
+              </a:solidFill>
+            </a:endParaRPr>
+          </a:p>
+          <a:p>
+            <a:pPr marL="114300" lvl="0">
+              <a:buClr>
+                <a:schemeClr val="dk2"/>
+              </a:buClr>
+              <a:buSzPts val="1800"/>
+            </a:pPr>
+            <a:r>
+              <a:rPr lang="cs-CZ" sz="1600" dirty="0">
+                <a:solidFill>
+                  <a:schemeClr val="dk2"/>
+                </a:solidFill>
+              </a:rPr>
+              <a:t>   </a:t>
+            </a:r>
+          </a:p>
+          <a:p>
+            <a:pPr marL="457200" lvl="0" indent="-342900">
+              <a:buClr>
+                <a:schemeClr val="dk2"/>
+              </a:buClr>
+              <a:buSzPts val="1800"/>
+              <a:buChar char="●"/>
+            </a:pPr>
+            <a:r>
+              <a:rPr lang="cs-CZ" sz="1600" dirty="0" err="1">
+                <a:solidFill>
+                  <a:schemeClr val="dk2"/>
+                </a:solidFill>
+              </a:rPr>
+              <a:t>Trained</a:t>
+            </a:r>
+            <a:r>
+              <a:rPr lang="cs-CZ" sz="1600" dirty="0">
+                <a:solidFill>
+                  <a:schemeClr val="dk2"/>
+                </a:solidFill>
+              </a:rPr>
+              <a:t> </a:t>
+            </a:r>
+            <a:r>
+              <a:rPr lang="cs-CZ" sz="1600" dirty="0" err="1">
+                <a:solidFill>
+                  <a:schemeClr val="dk2"/>
+                </a:solidFill>
+              </a:rPr>
+              <a:t>Hamiltonian</a:t>
+            </a:r>
+            <a:r>
+              <a:rPr lang="cs-CZ" sz="1600" dirty="0">
+                <a:solidFill>
+                  <a:schemeClr val="dk2"/>
+                </a:solidFill>
+              </a:rPr>
+              <a:t> and </a:t>
+            </a:r>
+            <a:r>
+              <a:rPr lang="cs-CZ" sz="1600" dirty="0" err="1">
+                <a:solidFill>
+                  <a:schemeClr val="dk2"/>
+                </a:solidFill>
+              </a:rPr>
+              <a:t>Poisson</a:t>
+            </a:r>
+            <a:r>
+              <a:rPr lang="cs-CZ" sz="1600" dirty="0">
+                <a:solidFill>
+                  <a:schemeClr val="dk2"/>
+                </a:solidFill>
+              </a:rPr>
+              <a:t> </a:t>
+            </a:r>
+            <a:r>
+              <a:rPr lang="cs-CZ" sz="1600" dirty="0" err="1">
+                <a:solidFill>
+                  <a:schemeClr val="dk2"/>
+                </a:solidFill>
+              </a:rPr>
+              <a:t>bivector</a:t>
+            </a:r>
+            <a:r>
+              <a:rPr lang="cs-CZ" sz="1600" dirty="0">
+                <a:solidFill>
+                  <a:schemeClr val="dk2"/>
+                </a:solidFill>
+              </a:rPr>
+              <a:t> </a:t>
+            </a:r>
+            <a:r>
+              <a:rPr lang="cs-CZ" sz="1600" dirty="0" err="1">
+                <a:solidFill>
+                  <a:schemeClr val="dk2"/>
+                </a:solidFill>
+              </a:rPr>
+              <a:t>can</a:t>
+            </a:r>
+            <a:r>
+              <a:rPr lang="cs-CZ" sz="1600" dirty="0">
+                <a:solidFill>
+                  <a:schemeClr val="dk2"/>
+                </a:solidFill>
+              </a:rPr>
+              <a:t> </a:t>
+            </a:r>
+            <a:r>
+              <a:rPr lang="cs-CZ" sz="1600" dirty="0" err="1">
+                <a:solidFill>
+                  <a:schemeClr val="dk2"/>
+                </a:solidFill>
+              </a:rPr>
+              <a:t>yield</a:t>
+            </a:r>
+            <a:r>
+              <a:rPr lang="cs-CZ" sz="1600" dirty="0">
+                <a:solidFill>
+                  <a:schemeClr val="dk2"/>
+                </a:solidFill>
+              </a:rPr>
+              <a:t> </a:t>
+            </a:r>
+            <a:r>
+              <a:rPr lang="cs-CZ" sz="1600" dirty="0" err="1">
+                <a:solidFill>
+                  <a:schemeClr val="dk2"/>
+                </a:solidFill>
+              </a:rPr>
+              <a:t>valuable</a:t>
+            </a:r>
+            <a:r>
+              <a:rPr lang="cs-CZ" sz="1600" dirty="0">
+                <a:solidFill>
+                  <a:schemeClr val="dk2"/>
+                </a:solidFill>
+              </a:rPr>
+              <a:t> </a:t>
+            </a:r>
+            <a:r>
+              <a:rPr lang="cs-CZ" sz="1600" dirty="0" err="1">
+                <a:solidFill>
+                  <a:schemeClr val="dk2"/>
+                </a:solidFill>
+              </a:rPr>
+              <a:t>information</a:t>
+            </a:r>
+            <a:r>
+              <a:rPr lang="cs-CZ" sz="1600" dirty="0">
+                <a:solidFill>
+                  <a:schemeClr val="dk2"/>
+                </a:solidFill>
+              </a:rPr>
+              <a:t> </a:t>
+            </a:r>
+            <a:r>
+              <a:rPr lang="cs-CZ" sz="1600" dirty="0" err="1">
+                <a:solidFill>
+                  <a:schemeClr val="dk2"/>
+                </a:solidFill>
+              </a:rPr>
+              <a:t>about</a:t>
+            </a:r>
+            <a:r>
+              <a:rPr lang="cs-CZ" sz="1600" dirty="0">
+                <a:solidFill>
+                  <a:schemeClr val="dk2"/>
+                </a:solidFill>
+              </a:rPr>
+              <a:t> </a:t>
+            </a:r>
+            <a:r>
+              <a:rPr lang="cs-CZ" sz="1600" dirty="0" err="1">
+                <a:solidFill>
+                  <a:schemeClr val="dk2"/>
+                </a:solidFill>
+              </a:rPr>
+              <a:t>the</a:t>
+            </a:r>
+            <a:r>
+              <a:rPr lang="cs-CZ" sz="1600" dirty="0">
+                <a:solidFill>
+                  <a:schemeClr val="dk2"/>
+                </a:solidFill>
+              </a:rPr>
+              <a:t> </a:t>
+            </a:r>
+            <a:r>
+              <a:rPr lang="cs-CZ" sz="1600" dirty="0" err="1">
+                <a:solidFill>
+                  <a:schemeClr val="dk2"/>
+                </a:solidFill>
+              </a:rPr>
+              <a:t>system</a:t>
+            </a:r>
+            <a:endParaRPr lang="cs-CZ" sz="1600" dirty="0">
+              <a:solidFill>
+                <a:schemeClr val="dk2"/>
+              </a:solidFill>
+            </a:endParaRPr>
+          </a:p>
+          <a:p>
+            <a:pPr marL="457200" lvl="0" indent="-342900">
+              <a:buClr>
+                <a:schemeClr val="dk2"/>
+              </a:buClr>
+              <a:buSzPts val="1800"/>
+              <a:buChar char="●"/>
+            </a:pPr>
+            <a:endParaRPr lang="cs-CZ" sz="1600" dirty="0">
+              <a:solidFill>
+                <a:schemeClr val="dk2"/>
+              </a:solidFill>
+            </a:endParaRPr>
+          </a:p>
+          <a:p>
+            <a:pPr marL="457200" lvl="0" indent="-342900">
+              <a:buClr>
+                <a:schemeClr val="dk2"/>
+              </a:buClr>
+              <a:buSzPts val="1800"/>
+              <a:buChar char="●"/>
+            </a:pPr>
+            <a:r>
+              <a:rPr lang="cs-CZ" sz="1600" dirty="0" err="1">
+                <a:solidFill>
+                  <a:schemeClr val="dk2"/>
+                </a:solidFill>
+              </a:rPr>
+              <a:t>There</a:t>
+            </a:r>
+            <a:r>
+              <a:rPr lang="cs-CZ" sz="1600" dirty="0">
+                <a:solidFill>
+                  <a:schemeClr val="dk2"/>
+                </a:solidFill>
+              </a:rPr>
+              <a:t> </a:t>
+            </a:r>
+            <a:r>
+              <a:rPr lang="cs-CZ" sz="1600" dirty="0" err="1">
+                <a:solidFill>
+                  <a:schemeClr val="dk2"/>
+                </a:solidFill>
+              </a:rPr>
+              <a:t>is</a:t>
+            </a:r>
+            <a:r>
+              <a:rPr lang="cs-CZ" sz="1600" dirty="0">
+                <a:solidFill>
+                  <a:schemeClr val="dk2"/>
+                </a:solidFill>
+              </a:rPr>
+              <a:t> are </a:t>
+            </a:r>
+            <a:r>
+              <a:rPr lang="cs-CZ" sz="1600" dirty="0" err="1">
+                <a:solidFill>
+                  <a:schemeClr val="dk2"/>
+                </a:solidFill>
+              </a:rPr>
+              <a:t>few</a:t>
+            </a:r>
+            <a:r>
+              <a:rPr lang="cs-CZ" sz="1600" dirty="0">
+                <a:solidFill>
+                  <a:schemeClr val="dk2"/>
+                </a:solidFill>
+              </a:rPr>
+              <a:t> </a:t>
+            </a:r>
+            <a:r>
+              <a:rPr lang="cs-CZ" sz="1600" dirty="0" err="1">
+                <a:solidFill>
+                  <a:schemeClr val="dk2"/>
+                </a:solidFill>
+              </a:rPr>
+              <a:t>improvements</a:t>
+            </a:r>
+            <a:r>
+              <a:rPr lang="cs-CZ" sz="1600" dirty="0">
+                <a:solidFill>
+                  <a:schemeClr val="dk2"/>
+                </a:solidFill>
+              </a:rPr>
+              <a:t> </a:t>
+            </a:r>
+            <a:r>
+              <a:rPr lang="cs-CZ" sz="1600" dirty="0" err="1">
+                <a:solidFill>
+                  <a:schemeClr val="dk2"/>
+                </a:solidFill>
+              </a:rPr>
+              <a:t>underway</a:t>
+            </a:r>
+            <a:r>
+              <a:rPr lang="cs-CZ" sz="1600" dirty="0">
+                <a:solidFill>
+                  <a:schemeClr val="dk2"/>
+                </a:solidFill>
+              </a:rPr>
+              <a:t> to make DPNN </a:t>
+            </a:r>
+            <a:r>
+              <a:rPr lang="cs-CZ" sz="1600" dirty="0" err="1">
+                <a:solidFill>
+                  <a:schemeClr val="dk2"/>
+                </a:solidFill>
+              </a:rPr>
+              <a:t>faster</a:t>
+            </a:r>
+            <a:r>
+              <a:rPr lang="cs-CZ" sz="1600" dirty="0">
+                <a:solidFill>
+                  <a:schemeClr val="dk2"/>
+                </a:solidFill>
+              </a:rPr>
+              <a:t> and more robust  </a:t>
+            </a:r>
+          </a:p>
+        </p:txBody>
+      </p:sp>
+      <p:sp>
+        <p:nvSpPr>
+          <p:cNvPr id="2" name="Google Shape;65;p13">
+            <a:extLst>
+              <a:ext uri="{FF2B5EF4-FFF2-40B4-BE49-F238E27FC236}">
+                <a16:creationId xmlns:a16="http://schemas.microsoft.com/office/drawing/2014/main" id="{9A1EEB1E-58E1-D40B-F8B5-090F307374CB}"/>
+              </a:ext>
+            </a:extLst>
+          </p:cNvPr>
+          <p:cNvSpPr/>
+          <p:nvPr/>
+        </p:nvSpPr>
+        <p:spPr>
+          <a:xfrm>
+            <a:off x="276899" y="3106871"/>
+            <a:ext cx="8590200" cy="26100"/>
+          </a:xfrm>
+          <a:prstGeom prst="rect">
+            <a:avLst/>
+          </a:prstGeom>
+          <a:solidFill>
+            <a:srgbClr val="A30000"/>
+          </a:solidFill>
+          <a:ln w="9525" cap="flat" cmpd="sng">
+            <a:solidFill>
+              <a:srgbClr val="A30000"/>
+            </a:solidFill>
+            <a:prstDash val="solid"/>
+            <a:round/>
+            <a:headEnd type="none" w="sm" len="sm"/>
+            <a:tailEnd type="none" w="sm" len="sm"/>
+          </a:ln>
+        </p:spPr>
+        <p:txBody>
+          <a:bodyPr spcFirstLastPara="1" wrap="square" lIns="91425" tIns="91425" rIns="91425" bIns="91425" anchor="ctr" anchorCtr="0">
+            <a:noAutofit/>
+          </a:bodyPr>
+          <a:lstStyle/>
+          <a:p>
+            <a:pPr marL="0" lvl="0" indent="0" algn="ctr" rtl="0">
+              <a:spcBef>
+                <a:spcPts val="0"/>
+              </a:spcBef>
+              <a:spcAft>
+                <a:spcPts val="0"/>
+              </a:spcAft>
+              <a:buNone/>
+            </a:pPr>
+            <a:endParaRPr dirty="0"/>
+          </a:p>
+        </p:txBody>
+      </p:sp>
+      <p:sp>
+        <p:nvSpPr>
+          <p:cNvPr id="4" name="TextovéPole 3">
+            <a:extLst>
+              <a:ext uri="{FF2B5EF4-FFF2-40B4-BE49-F238E27FC236}">
+                <a16:creationId xmlns:a16="http://schemas.microsoft.com/office/drawing/2014/main" id="{C7FB9FEF-8959-557B-F953-ECD4A061B28F}"/>
+              </a:ext>
+            </a:extLst>
+          </p:cNvPr>
+          <p:cNvSpPr txBox="1"/>
+          <p:nvPr/>
+        </p:nvSpPr>
+        <p:spPr>
+          <a:xfrm>
+            <a:off x="1281360" y="3247180"/>
+            <a:ext cx="6581278" cy="461665"/>
+          </a:xfrm>
+          <a:prstGeom prst="rect">
+            <a:avLst/>
+          </a:prstGeom>
+          <a:noFill/>
+        </p:spPr>
+        <p:txBody>
+          <a:bodyPr wrap="square">
+            <a:spAutoFit/>
+          </a:bodyPr>
+          <a:lstStyle/>
+          <a:p>
+            <a:pPr marL="0" lvl="0" indent="0" algn="ctr" rtl="0">
+              <a:spcBef>
+                <a:spcPts val="0"/>
+              </a:spcBef>
+              <a:spcAft>
+                <a:spcPts val="0"/>
+              </a:spcAft>
+              <a:buNone/>
+            </a:pPr>
+            <a:r>
+              <a:rPr lang="cs-CZ" sz="2400" b="1" dirty="0" err="1">
+                <a:solidFill>
+                  <a:srgbClr val="A30000"/>
+                </a:solidFill>
+              </a:rPr>
+              <a:t>That</a:t>
+            </a:r>
+            <a:r>
+              <a:rPr lang="cs-CZ" sz="2400" b="1" dirty="0">
+                <a:solidFill>
+                  <a:srgbClr val="A30000"/>
+                </a:solidFill>
+              </a:rPr>
+              <a:t> </a:t>
+            </a:r>
+            <a:r>
+              <a:rPr lang="cs-CZ" sz="2400" b="1" dirty="0" err="1">
+                <a:solidFill>
+                  <a:srgbClr val="A30000"/>
+                </a:solidFill>
+              </a:rPr>
+              <a:t>is</a:t>
+            </a:r>
+            <a:r>
+              <a:rPr lang="cs-CZ" sz="2400" b="1" dirty="0">
+                <a:solidFill>
+                  <a:srgbClr val="A30000"/>
+                </a:solidFill>
+              </a:rPr>
+              <a:t> </a:t>
+            </a:r>
+            <a:r>
+              <a:rPr lang="cs-CZ" sz="2400" b="1" dirty="0" err="1">
+                <a:solidFill>
+                  <a:srgbClr val="A30000"/>
+                </a:solidFill>
+              </a:rPr>
+              <a:t>everything</a:t>
+            </a:r>
+            <a:r>
+              <a:rPr lang="cs-CZ" sz="2400" b="1" dirty="0">
+                <a:solidFill>
+                  <a:srgbClr val="A30000"/>
+                </a:solidFill>
+              </a:rPr>
+              <a:t>, </a:t>
+            </a:r>
+            <a:r>
+              <a:rPr lang="cs-CZ" sz="2400" b="1" dirty="0" err="1">
+                <a:solidFill>
+                  <a:srgbClr val="A30000"/>
+                </a:solidFill>
+              </a:rPr>
+              <a:t>thank</a:t>
+            </a:r>
+            <a:r>
+              <a:rPr lang="cs-CZ" sz="2400" b="1" dirty="0">
+                <a:solidFill>
+                  <a:srgbClr val="A30000"/>
+                </a:solidFill>
+              </a:rPr>
+              <a:t> </a:t>
+            </a:r>
+            <a:r>
+              <a:rPr lang="cs-CZ" sz="2400" b="1" dirty="0" err="1">
+                <a:solidFill>
+                  <a:srgbClr val="A30000"/>
+                </a:solidFill>
+              </a:rPr>
+              <a:t>you</a:t>
+            </a:r>
+            <a:r>
+              <a:rPr lang="cs-CZ" sz="2400" b="1" dirty="0">
+                <a:solidFill>
+                  <a:srgbClr val="A30000"/>
+                </a:solidFill>
+              </a:rPr>
+              <a:t> </a:t>
+            </a:r>
+            <a:r>
+              <a:rPr lang="cs-CZ" sz="2400" b="1" dirty="0" err="1">
+                <a:solidFill>
+                  <a:srgbClr val="A30000"/>
+                </a:solidFill>
+              </a:rPr>
+              <a:t>for</a:t>
+            </a:r>
+            <a:r>
+              <a:rPr lang="cs-CZ" sz="2400" b="1" dirty="0">
+                <a:solidFill>
+                  <a:srgbClr val="A30000"/>
+                </a:solidFill>
+              </a:rPr>
+              <a:t> </a:t>
+            </a:r>
+            <a:r>
+              <a:rPr lang="cs-CZ" sz="2400" b="1" dirty="0" err="1">
+                <a:solidFill>
+                  <a:srgbClr val="A30000"/>
+                </a:solidFill>
+              </a:rPr>
+              <a:t>your</a:t>
+            </a:r>
+            <a:r>
+              <a:rPr lang="cs-CZ" sz="2400" b="1" dirty="0">
+                <a:solidFill>
+                  <a:srgbClr val="A30000"/>
+                </a:solidFill>
+              </a:rPr>
+              <a:t> </a:t>
+            </a:r>
+            <a:r>
+              <a:rPr lang="cs-CZ" sz="2400" b="1" dirty="0" err="1">
+                <a:solidFill>
+                  <a:srgbClr val="A30000"/>
+                </a:solidFill>
+              </a:rPr>
+              <a:t>time</a:t>
+            </a:r>
+            <a:r>
+              <a:rPr lang="cs-CZ" sz="2400" b="1" dirty="0">
+                <a:solidFill>
+                  <a:srgbClr val="A30000"/>
+                </a:solidFill>
+              </a:rPr>
+              <a:t>.</a:t>
+            </a:r>
+          </a:p>
+        </p:txBody>
+      </p:sp>
+      <p:sp>
+        <p:nvSpPr>
+          <p:cNvPr id="5" name="TextovéPole 4">
+            <a:extLst>
+              <a:ext uri="{FF2B5EF4-FFF2-40B4-BE49-F238E27FC236}">
+                <a16:creationId xmlns:a16="http://schemas.microsoft.com/office/drawing/2014/main" id="{9193C6C8-8456-9352-1B1C-EE63F38097BB}"/>
+              </a:ext>
+            </a:extLst>
+          </p:cNvPr>
+          <p:cNvSpPr txBox="1"/>
+          <p:nvPr/>
+        </p:nvSpPr>
+        <p:spPr>
+          <a:xfrm>
+            <a:off x="1743997" y="3776227"/>
+            <a:ext cx="5656003" cy="338554"/>
+          </a:xfrm>
+          <a:prstGeom prst="rect">
+            <a:avLst/>
+          </a:prstGeom>
+          <a:noFill/>
+        </p:spPr>
+        <p:txBody>
+          <a:bodyPr wrap="square">
+            <a:spAutoFit/>
+          </a:bodyPr>
+          <a:lstStyle/>
+          <a:p>
+            <a:pPr marL="0" lvl="0" indent="0" algn="ctr" rtl="0">
+              <a:spcBef>
+                <a:spcPts val="0"/>
+              </a:spcBef>
+              <a:spcAft>
+                <a:spcPts val="0"/>
+              </a:spcAft>
+              <a:buNone/>
+            </a:pPr>
+            <a:r>
+              <a:rPr lang="cs-CZ" sz="1600" dirty="0">
+                <a:solidFill>
+                  <a:schemeClr val="dk2"/>
+                </a:solidFill>
+              </a:rPr>
+              <a:t>Do </a:t>
+            </a:r>
+            <a:r>
+              <a:rPr lang="cs-CZ" sz="1600" dirty="0" err="1">
+                <a:solidFill>
+                  <a:schemeClr val="dk2"/>
+                </a:solidFill>
+              </a:rPr>
+              <a:t>you</a:t>
+            </a:r>
+            <a:r>
+              <a:rPr lang="cs-CZ" sz="1600" dirty="0">
+                <a:solidFill>
+                  <a:schemeClr val="dk2"/>
+                </a:solidFill>
+              </a:rPr>
+              <a:t> </a:t>
+            </a:r>
+            <a:r>
+              <a:rPr lang="cs-CZ" sz="1600" dirty="0" err="1">
+                <a:solidFill>
+                  <a:schemeClr val="dk2"/>
+                </a:solidFill>
+              </a:rPr>
+              <a:t>have</a:t>
+            </a:r>
+            <a:r>
+              <a:rPr lang="cs-CZ" sz="1600" dirty="0">
+                <a:solidFill>
+                  <a:schemeClr val="dk2"/>
+                </a:solidFill>
+              </a:rPr>
+              <a:t> any </a:t>
+            </a:r>
+            <a:r>
+              <a:rPr lang="cs-CZ" sz="1600" dirty="0" err="1">
+                <a:solidFill>
+                  <a:schemeClr val="dk2"/>
+                </a:solidFill>
+              </a:rPr>
+              <a:t>questions</a:t>
+            </a:r>
+            <a:r>
+              <a:rPr lang="cs-CZ" sz="1600" dirty="0">
+                <a:solidFill>
+                  <a:schemeClr val="dk2"/>
+                </a:solidFill>
+              </a:rPr>
+              <a:t>?</a:t>
+            </a:r>
+          </a:p>
+        </p:txBody>
+      </p:sp>
+    </p:spTree>
+    <p:extLst>
+      <p:ext uri="{BB962C8B-B14F-4D97-AF65-F5344CB8AC3E}">
+        <p14:creationId xmlns:p14="http://schemas.microsoft.com/office/powerpoint/2010/main" val="1028990244"/>
+      </p:ext>
+    </p:extLst>
   </p:cSld>
   <p:clrMapOvr>
     <a:masterClrMapping/>
@@ -13073,16 +20111,7 @@
                         </a:solidFill>
                         <a:latin typeface="Cambria Math" panose="02040503050406030204" pitchFamily="18" charset="0"/>
                       </a:rPr>
-                      <m:t>=</m:t>
-                    </m:r>
-                    <m:r>
-                      <a:rPr lang="cs-CZ" sz="1600" b="0" i="1" smtClean="0">
-                        <a:solidFill>
-                          <a:schemeClr val="dk2"/>
-                        </a:solidFill>
-                        <a:latin typeface="Cambria Math" panose="02040503050406030204" pitchFamily="18" charset="0"/>
-                      </a:rPr>
-                      <m:t>0</m:t>
+                      <m:t>=0</m:t>
                     </m:r>
                   </m:oMath>
                 </a14:m>
@@ -13821,19 +20850,7 @@
                           </a:solidFill>
                           <a:latin typeface="Cambria Math" panose="02040503050406030204" pitchFamily="18" charset="0"/>
                         </a:rPr>
-                        <m:t>=</m:t>
-                      </m:r>
-                      <m:r>
-                        <a:rPr lang="cs-CZ" b="0" i="1" smtClean="0">
-                          <a:solidFill>
-                            <a:schemeClr val="tx1">
-                              <a:lumMod val="65000"/>
-                              <a:lumOff val="35000"/>
-                            </a:schemeClr>
-                          </a:solidFill>
-                          <a:latin typeface="Cambria Math" panose="02040503050406030204" pitchFamily="18" charset="0"/>
-                        </a:rPr>
-                        <m:t>0</m:t>
+                        <m:t>=0</m:t>
                       </m:r>
                     </m:oMath>
                   </m:oMathPara>
@@ -14198,17 +21215,7 @@
                         <a:latin typeface="Cambria Math" panose="02040503050406030204" pitchFamily="18" charset="0"/>
                         <a:ea typeface="Cambria Math" panose="02040503050406030204" pitchFamily="18" charset="0"/>
                       </a:rPr>
-                      <m:t>≠</m:t>
-                    </m:r>
-                    <m:r>
-                      <a:rPr lang="cs-CZ" sz="1600" b="0" i="1" smtClean="0">
-                        <a:solidFill>
-                          <a:schemeClr val="dk2"/>
-                        </a:solidFill>
-                        <a:latin typeface="Cambria Math" panose="02040503050406030204" pitchFamily="18" charset="0"/>
-                        <a:ea typeface="Cambria Math" panose="02040503050406030204" pitchFamily="18" charset="0"/>
-                      </a:rPr>
-                      <m:t>∅</m:t>
+                      <m:t>≠∅</m:t>
                     </m:r>
                   </m:oMath>
                 </a14:m>
@@ -14695,19 +21702,7 @@
                           </a:solidFill>
                           <a:latin typeface="Cambria Math" panose="02040503050406030204" pitchFamily="18" charset="0"/>
                         </a:rPr>
-                        <m:t>=</m:t>
-                      </m:r>
-                      <m:r>
-                        <a:rPr lang="cs-CZ" b="0" i="1" smtClean="0">
-                          <a:solidFill>
-                            <a:schemeClr val="tx1">
-                              <a:lumMod val="65000"/>
-                              <a:lumOff val="35000"/>
-                            </a:schemeClr>
-                          </a:solidFill>
-                          <a:latin typeface="Cambria Math" panose="02040503050406030204" pitchFamily="18" charset="0"/>
-                        </a:rPr>
-                        <m:t>0</m:t>
+                        <m:t>=0</m:t>
                       </m:r>
                     </m:oMath>
                   </m:oMathPara>
@@ -14976,27 +21971,7 @@
                           <a:latin typeface="Cambria Math" panose="02040503050406030204" pitchFamily="18" charset="0"/>
                           <a:ea typeface="Cambria Math" panose="02040503050406030204" pitchFamily="18" charset="0"/>
                         </a:rPr>
-                        <m:t>=</m:t>
-                      </m:r>
-                      <m:r>
-                        <a:rPr lang="cs-CZ" sz="1600" b="0" i="1" smtClean="0">
-                          <a:solidFill>
-                            <a:schemeClr val="dk2"/>
-                          </a:solidFill>
-                          <a:latin typeface="Cambria Math" panose="02040503050406030204" pitchFamily="18" charset="0"/>
-                          <a:ea typeface="Cambria Math" panose="02040503050406030204" pitchFamily="18" charset="0"/>
-                        </a:rPr>
-                        <m:t>0</m:t>
-                      </m:r>
-                      <m:r>
-                        <a:rPr lang="cs-CZ" sz="1600" b="0" i="1" smtClean="0">
-                          <a:solidFill>
-                            <a:schemeClr val="dk2"/>
-                          </a:solidFill>
-                          <a:latin typeface="Cambria Math" panose="02040503050406030204" pitchFamily="18" charset="0"/>
-                          <a:ea typeface="Cambria Math" panose="02040503050406030204" pitchFamily="18" charset="0"/>
-                        </a:rPr>
-                        <m:t> </m:t>
+                        <m:t>=0 </m:t>
                       </m:r>
                     </m:oMath>
                   </m:oMathPara>
@@ -15409,19 +22384,7 @@
                           </a:solidFill>
                           <a:latin typeface="Cambria Math" panose="02040503050406030204" pitchFamily="18" charset="0"/>
                         </a:rPr>
-                        <m:t>=</m:t>
-                      </m:r>
-                      <m:r>
-                        <a:rPr lang="cs-CZ" b="0" i="1" smtClean="0">
-                          <a:solidFill>
-                            <a:schemeClr val="tx1">
-                              <a:lumMod val="75000"/>
-                              <a:lumOff val="25000"/>
-                            </a:schemeClr>
-                          </a:solidFill>
-                          <a:latin typeface="Cambria Math" panose="02040503050406030204" pitchFamily="18" charset="0"/>
-                        </a:rPr>
-                        <m:t>0</m:t>
+                        <m:t>=0</m:t>
                       </m:r>
                     </m:oMath>
                   </m:oMathPara>
@@ -16943,8 +23906,8 @@
           </p:sp>
         </mc:Fallback>
       </mc:AlternateContent>
-      <mc:AlternateContent xmlns:mc="http://schemas.openxmlformats.org/markup-compatibility/2006" xmlns:a14="http://schemas.microsoft.com/office/drawing/2010/main">
-        <mc:Choice Requires="a14">
+      <mc:AlternateContent xmlns:mc="http://schemas.openxmlformats.org/markup-compatibility/2006">
+        <mc:Choice xmlns:a14="http://schemas.microsoft.com/office/drawing/2010/main" Requires="a14">
           <p:sp>
             <p:nvSpPr>
               <p:cNvPr id="11" name="Google Shape;79;p14">
@@ -16984,12 +23947,20 @@
                   <a:buChar char="●"/>
                 </a:pPr>
                 <a:r>
+                  <a:rPr lang="cs-CZ" sz="1600" dirty="0" err="1">
+                    <a:solidFill>
+                      <a:schemeClr val="dk2"/>
+                    </a:solidFill>
+                  </a:rPr>
+                  <a:t>Jacobi's</a:t>
+                </a:r>
+                <a:r>
                   <a:rPr lang="cs-CZ" sz="1600" dirty="0">
                     <a:solidFill>
                       <a:schemeClr val="dk2"/>
                     </a:solidFill>
                   </a:rPr>
-                  <a:t>Jacobi‘s identity </a:t>
+                  <a:t> identity </a:t>
                 </a:r>
                 <a:r>
                   <a:rPr lang="cs-CZ" sz="1600" dirty="0" err="1">
@@ -17120,7 +24091,7 @@
             </p:txBody>
           </p:sp>
         </mc:Choice>
-        <mc:Fallback xmlns="">
+        <mc:Fallback>
           <p:sp>
             <p:nvSpPr>
               <p:cNvPr id="11" name="Google Shape;79;p14">
@@ -17158,7 +24129,7 @@
               <a:lstStyle/>
               <a:p>
                 <a:r>
-                  <a:rPr lang="de-DE">
+                  <a:rPr lang="en-US">
                     <a:noFill/>
                   </a:rPr>
                   <a:t> </a:t>
@@ -22098,7 +29069,19 @@
                               </a:solidFill>
                               <a:latin typeface="Cambria Math" panose="02040503050406030204" pitchFamily="18" charset="0"/>
                             </a:rPr>
-                            <m:t>+1</m:t>
+                            <m:t>+</m:t>
+                          </m:r>
+                          <m:r>
+                            <a:rPr lang="cs-CZ" sz="1600" b="0" i="1" smtClean="0">
+                              <a:solidFill>
+                                <a:schemeClr val="tx1">
+                                  <a:lumMod val="65000"/>
+                                  <a:lumOff val="35000"/>
+                                </a:schemeClr>
+                              </a:solidFill>
+                              <a:latin typeface="Cambria Math" panose="02040503050406030204" pitchFamily="18" charset="0"/>
+                            </a:rPr>
+                            <m:t>1</m:t>
                           </m:r>
                         </m:sub>
                       </m:sSub>
@@ -25297,19 +32280,7 @@
                                               </a:solidFill>
                                               <a:latin typeface="Cambria Math" panose="02040503050406030204" pitchFamily="18" charset="0"/>
                                             </a:rPr>
-                                            <m:t>+</m:t>
-                                          </m:r>
-                                          <m:r>
-                                            <a:rPr lang="cs-CZ" sz="1600" i="1">
-                                              <a:solidFill>
-                                                <a:schemeClr val="tx1">
-                                                  <a:lumMod val="65000"/>
-                                                  <a:lumOff val="35000"/>
-                                                </a:schemeClr>
-                                              </a:solidFill>
-                                              <a:latin typeface="Cambria Math" panose="02040503050406030204" pitchFamily="18" charset="0"/>
-                                            </a:rPr>
-                                            <m:t>1</m:t>
+                                            <m:t>+1</m:t>
                                           </m:r>
                                         </m:sub>
                                       </m:sSub>
@@ -26555,13 +33526,7 @@
                         <a:rPr lang="cs-CZ" b="0" i="1" smtClean="0">
                           <a:latin typeface="Cambria Math" panose="02040503050406030204" pitchFamily="18" charset="0"/>
                         </a:rPr>
-                        <m:t>=</m:t>
-                      </m:r>
-                      <m:r>
-                        <a:rPr lang="cs-CZ" b="0" i="1" smtClean="0">
-                          <a:latin typeface="Cambria Math" panose="02040503050406030204" pitchFamily="18" charset="0"/>
-                        </a:rPr>
-                        <m:t>0</m:t>
+                        <m:t>=0</m:t>
                       </m:r>
                     </m:oMath>
                   </m:oMathPara>
@@ -26912,6 +33877,141 @@
           </p:sp>
         </mc:Fallback>
       </mc:AlternateContent>
+      <p:sp>
+        <p:nvSpPr>
+          <p:cNvPr id="7" name="Google Shape;79;p14">
+            <a:extLst>
+              <a:ext uri="{FF2B5EF4-FFF2-40B4-BE49-F238E27FC236}">
+                <a16:creationId xmlns:a16="http://schemas.microsoft.com/office/drawing/2014/main" id="{EE6DB5E5-9277-6BF4-A3BE-2E04B69BD025}"/>
+              </a:ext>
+            </a:extLst>
+          </p:cNvPr>
+          <p:cNvSpPr txBox="1"/>
+          <p:nvPr/>
+        </p:nvSpPr>
+        <p:spPr>
+          <a:xfrm>
+            <a:off x="184874" y="2863060"/>
+            <a:ext cx="3816787" cy="1057880"/>
+          </a:xfrm>
+          <a:prstGeom prst="rect">
+            <a:avLst/>
+          </a:prstGeom>
+          <a:noFill/>
+          <a:ln>
+            <a:noFill/>
+          </a:ln>
+        </p:spPr>
+        <p:txBody>
+          <a:bodyPr spcFirstLastPara="1" wrap="square" lIns="91425" tIns="91425" rIns="91425" bIns="91425" anchor="t" anchorCtr="0">
+            <a:noAutofit/>
+          </a:bodyPr>
+          <a:lstStyle/>
+          <a:p>
+            <a:pPr marL="457200" indent="-342900">
+              <a:buClr>
+                <a:schemeClr val="dk2"/>
+              </a:buClr>
+              <a:buSzPts val="1800"/>
+              <a:buFont typeface="Arial"/>
+              <a:buChar char="●"/>
+            </a:pPr>
+            <a:r>
+              <a:rPr lang="cs-CZ" sz="1600" dirty="0">
+                <a:solidFill>
+                  <a:schemeClr val="tx1">
+                    <a:lumMod val="65000"/>
+                    <a:lumOff val="35000"/>
+                  </a:schemeClr>
+                </a:solidFill>
+              </a:rPr>
+              <a:t>64 </a:t>
+            </a:r>
+            <a:r>
+              <a:rPr lang="cs-CZ" sz="1600" dirty="0" err="1">
+                <a:solidFill>
+                  <a:schemeClr val="tx1">
+                    <a:lumMod val="65000"/>
+                    <a:lumOff val="35000"/>
+                  </a:schemeClr>
+                </a:solidFill>
+              </a:rPr>
+              <a:t>nodes</a:t>
+            </a:r>
+            <a:r>
+              <a:rPr lang="cs-CZ" sz="1600" dirty="0">
+                <a:solidFill>
+                  <a:schemeClr val="tx1">
+                    <a:lumMod val="65000"/>
+                    <a:lumOff val="35000"/>
+                  </a:schemeClr>
+                </a:solidFill>
+              </a:rPr>
+              <a:t> </a:t>
+            </a:r>
+            <a:r>
+              <a:rPr lang="cs-CZ" sz="1600" dirty="0" err="1">
+                <a:solidFill>
+                  <a:schemeClr val="tx1">
+                    <a:lumMod val="65000"/>
+                    <a:lumOff val="35000"/>
+                  </a:schemeClr>
+                </a:solidFill>
+              </a:rPr>
+              <a:t>wide</a:t>
+            </a:r>
+            <a:r>
+              <a:rPr lang="cs-CZ" sz="1600" dirty="0">
+                <a:solidFill>
+                  <a:schemeClr val="tx1">
+                    <a:lumMod val="65000"/>
+                    <a:lumOff val="35000"/>
+                  </a:schemeClr>
+                </a:solidFill>
+              </a:rPr>
+              <a:t>, </a:t>
+            </a:r>
+            <a:r>
+              <a:rPr lang="cs-CZ" sz="1600" dirty="0" err="1">
+                <a:solidFill>
+                  <a:schemeClr val="tx1">
+                    <a:lumMod val="65000"/>
+                    <a:lumOff val="35000"/>
+                  </a:schemeClr>
+                </a:solidFill>
+              </a:rPr>
+              <a:t>softplus</a:t>
+            </a:r>
+            <a:r>
+              <a:rPr lang="cs-CZ" sz="1600" dirty="0">
+                <a:solidFill>
+                  <a:schemeClr val="tx1">
+                    <a:lumMod val="65000"/>
+                    <a:lumOff val="35000"/>
+                  </a:schemeClr>
+                </a:solidFill>
+              </a:rPr>
+              <a:t> </a:t>
+            </a:r>
+            <a:r>
+              <a:rPr lang="cs-CZ" sz="1600" dirty="0" err="1">
+                <a:solidFill>
+                  <a:schemeClr val="tx1">
+                    <a:lumMod val="65000"/>
+                    <a:lumOff val="35000"/>
+                  </a:schemeClr>
+                </a:solidFill>
+              </a:rPr>
+              <a:t>activation</a:t>
+            </a:r>
+            <a:endParaRPr lang="cs-CZ" sz="1600" dirty="0">
+              <a:solidFill>
+                <a:schemeClr val="dk2"/>
+              </a:solidFill>
+            </a:endParaRPr>
+          </a:p>
+        </p:txBody>
+      </p:sp>
     </p:spTree>
     <p:extLst>
       <p:ext uri="{BB962C8B-B14F-4D97-AF65-F5344CB8AC3E}">

--- a/Prezentace_na_obhajobu.pptx
+++ b/Prezentace_na_obhajobu.pptx
@@ -10300,7 +10300,27 @@
                             <a:latin typeface="Cambria Math" panose="02040503050406030204" pitchFamily="18" charset="0"/>
                             <a:ea typeface="Cambria Math" panose="02040503050406030204" pitchFamily="18" charset="0"/>
                           </a:rPr>
-                          <m:t>2×2</m:t>
+                          <m:t>2</m:t>
+                        </m:r>
+                        <m:r>
+                          <a:rPr lang="cs-CZ" sz="1600" b="0" i="1" smtClean="0">
+                            <a:solidFill>
+                              <a:schemeClr val="dk2"/>
+                            </a:solidFill>
+                            <a:latin typeface="Cambria Math" panose="02040503050406030204" pitchFamily="18" charset="0"/>
+                            <a:ea typeface="Cambria Math" panose="02040503050406030204" pitchFamily="18" charset="0"/>
+                          </a:rPr>
+                          <m:t>×</m:t>
+                        </m:r>
+                        <m:r>
+                          <a:rPr lang="cs-CZ" sz="1600" b="0" i="1" smtClean="0">
+                            <a:solidFill>
+                              <a:schemeClr val="dk2"/>
+                            </a:solidFill>
+                            <a:latin typeface="Cambria Math" panose="02040503050406030204" pitchFamily="18" charset="0"/>
+                            <a:ea typeface="Cambria Math" panose="02040503050406030204" pitchFamily="18" charset="0"/>
+                          </a:rPr>
+                          <m:t>2</m:t>
                         </m:r>
                       </m:sup>
                     </m:sSup>
@@ -29069,19 +29089,7 @@
                               </a:solidFill>
                               <a:latin typeface="Cambria Math" panose="02040503050406030204" pitchFamily="18" charset="0"/>
                             </a:rPr>
-                            <m:t>+</m:t>
-                          </m:r>
-                          <m:r>
-                            <a:rPr lang="cs-CZ" sz="1600" b="0" i="1" smtClean="0">
-                              <a:solidFill>
-                                <a:schemeClr val="tx1">
-                                  <a:lumMod val="65000"/>
-                                  <a:lumOff val="35000"/>
-                                </a:schemeClr>
-                              </a:solidFill>
-                              <a:latin typeface="Cambria Math" panose="02040503050406030204" pitchFamily="18" charset="0"/>
-                            </a:rPr>
-                            <m:t>1</m:t>
+                            <m:t>+1</m:t>
                           </m:r>
                         </m:sub>
                       </m:sSub>
@@ -32280,7 +32288,19 @@
                                               </a:solidFill>
                                               <a:latin typeface="Cambria Math" panose="02040503050406030204" pitchFamily="18" charset="0"/>
                                             </a:rPr>
-                                            <m:t>+1</m:t>
+                                            <m:t>+</m:t>
+                                          </m:r>
+                                          <m:r>
+                                            <a:rPr lang="cs-CZ" sz="1600" i="1">
+                                              <a:solidFill>
+                                                <a:schemeClr val="tx1">
+                                                  <a:lumMod val="65000"/>
+                                                  <a:lumOff val="35000"/>
+                                                </a:schemeClr>
+                                              </a:solidFill>
+                                              <a:latin typeface="Cambria Math" panose="02040503050406030204" pitchFamily="18" charset="0"/>
+                                            </a:rPr>
+                                            <m:t>1</m:t>
                                           </m:r>
                                         </m:sub>
                                       </m:sSub>
@@ -33526,7 +33546,13 @@
                         <a:rPr lang="cs-CZ" b="0" i="1" smtClean="0">
                           <a:latin typeface="Cambria Math" panose="02040503050406030204" pitchFamily="18" charset="0"/>
                         </a:rPr>
-                        <m:t>=0</m:t>
+                        <m:t>=</m:t>
+                      </m:r>
+                      <m:r>
+                        <a:rPr lang="cs-CZ" b="0" i="1" smtClean="0">
+                          <a:latin typeface="Cambria Math" panose="02040503050406030204" pitchFamily="18" charset="0"/>
+                        </a:rPr>
+                        <m:t>0</m:t>
                       </m:r>
                     </m:oMath>
                   </m:oMathPara>
